--- a/Documentation/CrowSoft.pptx
+++ b/Documentation/CrowSoft.pptx
@@ -9,11 +9,13 @@
     <p:sldId id="257" r:id="rId3"/>
     <p:sldId id="258" r:id="rId4"/>
     <p:sldId id="262" r:id="rId5"/>
-    <p:sldId id="259" r:id="rId6"/>
-    <p:sldId id="260" r:id="rId7"/>
-    <p:sldId id="261" r:id="rId8"/>
-    <p:sldId id="264" r:id="rId9"/>
-    <p:sldId id="265" r:id="rId10"/>
+    <p:sldId id="267" r:id="rId6"/>
+    <p:sldId id="259" r:id="rId7"/>
+    <p:sldId id="266" r:id="rId8"/>
+    <p:sldId id="260" r:id="rId9"/>
+    <p:sldId id="261" r:id="rId10"/>
+    <p:sldId id="264" r:id="rId11"/>
+    <p:sldId id="265" r:id="rId12"/>
   </p:sldIdLst>
   <p:sldSz cx="12192000" cy="6858000"/>
   <p:notesSz cx="6858000" cy="9144000"/>
@@ -344,7 +346,7 @@
           <a:p>
             <a:fld id="{AC7D8286-6A45-451E-A956-25899882B2DA}" type="datetimeFigureOut">
               <a:rPr lang="en-US" smtClean="0"/>
-              <a:t>4/4/2019</a:t>
+              <a:t>4/5/2019</a:t>
             </a:fld>
             <a:endParaRPr lang="en-US"/>
           </a:p>
@@ -635,7 +637,7 @@
           <a:p>
             <a:fld id="{AC7D8286-6A45-451E-A956-25899882B2DA}" type="datetimeFigureOut">
               <a:rPr lang="en-US" smtClean="0"/>
-              <a:t>4/4/2019</a:t>
+              <a:t>4/5/2019</a:t>
             </a:fld>
             <a:endParaRPr lang="en-US"/>
           </a:p>
@@ -894,7 +896,7 @@
           <a:p>
             <a:fld id="{AC7D8286-6A45-451E-A956-25899882B2DA}" type="datetimeFigureOut">
               <a:rPr lang="en-US" smtClean="0"/>
-              <a:t>4/4/2019</a:t>
+              <a:t>4/5/2019</a:t>
             </a:fld>
             <a:endParaRPr lang="en-US"/>
           </a:p>
@@ -1363,7 +1365,7 @@
           <a:p>
             <a:fld id="{AC7D8286-6A45-451E-A956-25899882B2DA}" type="datetimeFigureOut">
               <a:rPr lang="en-US" smtClean="0"/>
-              <a:t>4/4/2019</a:t>
+              <a:t>4/5/2019</a:t>
             </a:fld>
             <a:endParaRPr lang="en-US"/>
           </a:p>
@@ -1543,7 +1545,7 @@
           <a:p>
             <a:fld id="{AC7D8286-6A45-451E-A956-25899882B2DA}" type="datetimeFigureOut">
               <a:rPr lang="en-US" smtClean="0"/>
-              <a:t>4/4/2019</a:t>
+              <a:t>4/5/2019</a:t>
             </a:fld>
             <a:endParaRPr lang="en-US"/>
           </a:p>
@@ -2119,7 +2121,7 @@
           <a:p>
             <a:fld id="{AC7D8286-6A45-451E-A956-25899882B2DA}" type="datetimeFigureOut">
               <a:rPr lang="en-US" smtClean="0"/>
-              <a:t>4/4/2019</a:t>
+              <a:t>4/5/2019</a:t>
             </a:fld>
             <a:endParaRPr lang="en-US"/>
           </a:p>
@@ -2451,7 +2453,7 @@
           <a:p>
             <a:fld id="{AC7D8286-6A45-451E-A956-25899882B2DA}" type="datetimeFigureOut">
               <a:rPr lang="en-US" smtClean="0"/>
-              <a:t>4/4/2019</a:t>
+              <a:t>4/5/2019</a:t>
             </a:fld>
             <a:endParaRPr lang="en-US"/>
           </a:p>
@@ -2626,7 +2628,7 @@
           <a:p>
             <a:fld id="{AC7D8286-6A45-451E-A956-25899882B2DA}" type="datetimeFigureOut">
               <a:rPr lang="en-US" smtClean="0"/>
-              <a:t>4/4/2019</a:t>
+              <a:t>4/5/2019</a:t>
             </a:fld>
             <a:endParaRPr lang="en-US"/>
           </a:p>
@@ -2806,7 +2808,7 @@
           <a:p>
             <a:fld id="{AC7D8286-6A45-451E-A956-25899882B2DA}" type="datetimeFigureOut">
               <a:rPr lang="en-US" smtClean="0"/>
-              <a:t>4/4/2019</a:t>
+              <a:t>4/5/2019</a:t>
             </a:fld>
             <a:endParaRPr lang="en-US"/>
           </a:p>
@@ -2976,7 +2978,7 @@
           <a:p>
             <a:fld id="{AC7D8286-6A45-451E-A956-25899882B2DA}" type="datetimeFigureOut">
               <a:rPr lang="en-US" smtClean="0"/>
-              <a:t>4/4/2019</a:t>
+              <a:t>4/5/2019</a:t>
             </a:fld>
             <a:endParaRPr lang="en-US"/>
           </a:p>
@@ -3233,7 +3235,7 @@
           <a:p>
             <a:fld id="{AC7D8286-6A45-451E-A956-25899882B2DA}" type="datetimeFigureOut">
               <a:rPr lang="en-US" smtClean="0"/>
-              <a:t>4/4/2019</a:t>
+              <a:t>4/5/2019</a:t>
             </a:fld>
             <a:endParaRPr lang="en-US"/>
           </a:p>
@@ -3525,7 +3527,7 @@
           <a:p>
             <a:fld id="{AC7D8286-6A45-451E-A956-25899882B2DA}" type="datetimeFigureOut">
               <a:rPr lang="en-US" smtClean="0"/>
-              <a:t>4/4/2019</a:t>
+              <a:t>4/5/2019</a:t>
             </a:fld>
             <a:endParaRPr lang="en-US"/>
           </a:p>
@@ -3955,7 +3957,7 @@
           <a:p>
             <a:fld id="{AC7D8286-6A45-451E-A956-25899882B2DA}" type="datetimeFigureOut">
               <a:rPr lang="en-US" smtClean="0"/>
-              <a:t>4/4/2019</a:t>
+              <a:t>4/5/2019</a:t>
             </a:fld>
             <a:endParaRPr lang="en-US"/>
           </a:p>
@@ -4073,7 +4075,7 @@
           <a:p>
             <a:fld id="{AC7D8286-6A45-451E-A956-25899882B2DA}" type="datetimeFigureOut">
               <a:rPr lang="en-US" smtClean="0"/>
-              <a:t>4/4/2019</a:t>
+              <a:t>4/5/2019</a:t>
             </a:fld>
             <a:endParaRPr lang="en-US"/>
           </a:p>
@@ -4168,7 +4170,7 @@
           <a:p>
             <a:fld id="{AC7D8286-6A45-451E-A956-25899882B2DA}" type="datetimeFigureOut">
               <a:rPr lang="en-US" smtClean="0"/>
-              <a:t>4/4/2019</a:t>
+              <a:t>4/5/2019</a:t>
             </a:fld>
             <a:endParaRPr lang="en-US"/>
           </a:p>
@@ -4451,7 +4453,7 @@
           <a:p>
             <a:fld id="{AC7D8286-6A45-451E-A956-25899882B2DA}" type="datetimeFigureOut">
               <a:rPr lang="en-US" smtClean="0"/>
-              <a:t>4/4/2019</a:t>
+              <a:t>4/5/2019</a:t>
             </a:fld>
             <a:endParaRPr lang="en-US"/>
           </a:p>
@@ -4742,7 +4744,7 @@
           <a:p>
             <a:fld id="{AC7D8286-6A45-451E-A956-25899882B2DA}" type="datetimeFigureOut">
               <a:rPr lang="en-US" smtClean="0"/>
-              <a:t>4/4/2019</a:t>
+              <a:t>4/5/2019</a:t>
             </a:fld>
             <a:endParaRPr lang="en-US"/>
           </a:p>
@@ -4973,7 +4975,7 @@
           <a:p>
             <a:fld id="{AC7D8286-6A45-451E-A956-25899882B2DA}" type="datetimeFigureOut">
               <a:rPr lang="en-US" smtClean="0"/>
-              <a:t>4/4/2019</a:t>
+              <a:t>4/5/2019</a:t>
             </a:fld>
             <a:endParaRPr lang="en-US"/>
           </a:p>
@@ -5812,10 +5814,133 @@
             <p:ph type="subTitle" idx="1"/>
           </p:nvPr>
         </p:nvSpPr>
-        <p:spPr/>
-        <p:txBody>
-          <a:bodyPr/>
+        <p:spPr>
+          <a:xfrm>
+            <a:off x="1751012" y="3048000"/>
+            <a:ext cx="8676222" cy="3576918"/>
+          </a:xfrm>
+        </p:spPr>
+        <p:txBody>
+          <a:bodyPr>
+            <a:normAutofit fontScale="92500" lnSpcReduction="20000"/>
+          </a:bodyPr>
           <a:lstStyle/>
+          <a:p>
+            <a:r>
+              <a:rPr lang="en-US" sz="2600" b="1" dirty="0"/>
+              <a:t>Ruth </a:t>
+            </a:r>
+            <a:r>
+              <a:rPr lang="en-US" sz="2600" b="1" dirty="0" smtClean="0"/>
+              <a:t>Lennon P.O.</a:t>
+            </a:r>
+          </a:p>
+          <a:p>
+            <a:r>
+              <a:rPr lang="en-US" dirty="0" smtClean="0"/>
+              <a:t>Charles </a:t>
+            </a:r>
+            <a:r>
+              <a:rPr lang="en-US" dirty="0" err="1"/>
+              <a:t>Aylward</a:t>
+            </a:r>
+            <a:r>
+              <a:rPr lang="en-US" dirty="0"/>
+              <a:t> </a:t>
+            </a:r>
+            <a:endParaRPr lang="en-US" dirty="0" smtClean="0"/>
+          </a:p>
+          <a:p>
+            <a:r>
+              <a:rPr lang="en-US" dirty="0"/>
+              <a:t>Mary Walsh </a:t>
+            </a:r>
+            <a:r>
+              <a:rPr lang="en-US" dirty="0" err="1" smtClean="0"/>
+              <a:t>McGinty</a:t>
+            </a:r>
+            <a:endParaRPr lang="en-US" dirty="0" smtClean="0"/>
+          </a:p>
+          <a:p>
+            <a:r>
+              <a:rPr lang="en-US" dirty="0" err="1" smtClean="0"/>
+              <a:t>Joji</a:t>
+            </a:r>
+            <a:r>
+              <a:rPr lang="en-US" dirty="0" smtClean="0"/>
+              <a:t> </a:t>
+            </a:r>
+            <a:r>
+              <a:rPr lang="en-US" dirty="0" err="1" smtClean="0"/>
+              <a:t>Thokala</a:t>
+            </a:r>
+            <a:endParaRPr lang="en-US" dirty="0" smtClean="0"/>
+          </a:p>
+          <a:p>
+            <a:r>
+              <a:rPr lang="en-US" dirty="0"/>
+              <a:t>Matthew Mc </a:t>
+            </a:r>
+            <a:r>
+              <a:rPr lang="en-US" dirty="0" err="1" smtClean="0"/>
+              <a:t>Colgan</a:t>
+            </a:r>
+            <a:endParaRPr lang="en-US" dirty="0" smtClean="0"/>
+          </a:p>
+          <a:p>
+            <a:r>
+              <a:rPr lang="en-US" dirty="0" err="1"/>
+              <a:t>Bharathi</a:t>
+            </a:r>
+            <a:r>
+              <a:rPr lang="en-US" dirty="0"/>
+              <a:t> </a:t>
+            </a:r>
+            <a:r>
+              <a:rPr lang="en-US" dirty="0" err="1" smtClean="0"/>
+              <a:t>Gadhiraju</a:t>
+            </a:r>
+            <a:endParaRPr lang="en-US" dirty="0" smtClean="0"/>
+          </a:p>
+          <a:p>
+            <a:r>
+              <a:rPr lang="en-US" dirty="0"/>
+              <a:t>Michael </a:t>
+            </a:r>
+            <a:r>
+              <a:rPr lang="en-US" dirty="0" err="1"/>
+              <a:t>Mcfadden</a:t>
+            </a:r>
+            <a:r>
+              <a:rPr lang="en-US" dirty="0"/>
+              <a:t> </a:t>
+            </a:r>
+            <a:endParaRPr lang="en-US" dirty="0" smtClean="0"/>
+          </a:p>
+          <a:p>
+            <a:r>
+              <a:rPr lang="en-US" dirty="0"/>
+              <a:t>Liam  </a:t>
+            </a:r>
+            <a:r>
+              <a:rPr lang="en-US" dirty="0" err="1"/>
+              <a:t>Whorriskey</a:t>
+            </a:r>
+            <a:r>
+              <a:rPr lang="en-US" dirty="0"/>
+              <a:t> </a:t>
+            </a:r>
+          </a:p>
+          <a:p>
+            <a:r>
+              <a:rPr lang="en-US" dirty="0" smtClean="0"/>
+              <a:t>Colin </a:t>
+            </a:r>
+            <a:r>
+              <a:rPr lang="en-US" dirty="0"/>
+              <a:t>Kenny</a:t>
+            </a:r>
+          </a:p>
           <a:p>
             <a:endParaRPr lang="en-US" dirty="0"/>
           </a:p>
@@ -5831,6 +5956,2342 @@
   <p:clrMapOvr>
     <a:masterClrMapping/>
   </p:clrMapOvr>
+  <p:timing>
+    <p:tnLst>
+      <p:par>
+        <p:cTn id="1" dur="indefinite" restart="never" nodeType="tmRoot"/>
+      </p:par>
+    </p:tnLst>
+  </p:timing>
+</p:sld>
+</file>
+
+<file path=ppt/slides/slide10.xml><?xml version="1.0" encoding="utf-8"?>
+<p:sld xmlns:a="http://schemas.openxmlformats.org/drawingml/2006/main" xmlns:r="http://schemas.openxmlformats.org/officeDocument/2006/relationships" xmlns:p="http://schemas.openxmlformats.org/presentationml/2006/main">
+  <p:cSld>
+    <p:spTree>
+      <p:nvGrpSpPr>
+        <p:cNvPr id="1" name=""/>
+        <p:cNvGrpSpPr/>
+        <p:nvPr/>
+      </p:nvGrpSpPr>
+      <p:grpSpPr>
+        <a:xfrm>
+          <a:off x="0" y="0"/>
+          <a:ext cx="0" cy="0"/>
+          <a:chOff x="0" y="0"/>
+          <a:chExt cx="0" cy="0"/>
+        </a:xfrm>
+      </p:grpSpPr>
+      <p:sp>
+        <p:nvSpPr>
+          <p:cNvPr id="2" name="Title 1"/>
+          <p:cNvSpPr>
+            <a:spLocks noGrp="1"/>
+          </p:cNvSpPr>
+          <p:nvPr>
+            <p:ph type="title"/>
+          </p:nvPr>
+        </p:nvSpPr>
+        <p:spPr>
+          <a:xfrm>
+            <a:off x="1141413" y="313766"/>
+            <a:ext cx="9905998" cy="770963"/>
+          </a:xfrm>
+        </p:spPr>
+        <p:txBody>
+          <a:bodyPr/>
+          <a:lstStyle/>
+          <a:p>
+            <a:r>
+              <a:rPr lang="en-IE" dirty="0"/>
+              <a:t>Security</a:t>
+            </a:r>
+          </a:p>
+        </p:txBody>
+      </p:sp>
+      <p:sp>
+        <p:nvSpPr>
+          <p:cNvPr id="3" name="Content Placeholder 2"/>
+          <p:cNvSpPr>
+            <a:spLocks noGrp="1"/>
+          </p:cNvSpPr>
+          <p:nvPr>
+            <p:ph idx="1"/>
+          </p:nvPr>
+        </p:nvSpPr>
+        <p:spPr/>
+        <p:txBody>
+          <a:bodyPr/>
+          <a:lstStyle/>
+          <a:p>
+            <a:endParaRPr lang="en-IE" dirty="0"/>
+          </a:p>
+        </p:txBody>
+      </p:sp>
+    </p:spTree>
+    <p:extLst>
+      <p:ext uri="{BB962C8B-B14F-4D97-AF65-F5344CB8AC3E}">
+        <p14:creationId xmlns:p14="http://schemas.microsoft.com/office/powerpoint/2010/main" val="3211917232"/>
+      </p:ext>
+    </p:extLst>
+  </p:cSld>
+  <p:clrMapOvr>
+    <a:masterClrMapping/>
+  </p:clrMapOvr>
+  <p:timing>
+    <p:tnLst>
+      <p:par>
+        <p:cTn id="1" dur="indefinite" restart="never" nodeType="tmRoot"/>
+      </p:par>
+    </p:tnLst>
+  </p:timing>
+</p:sld>
+</file>
+
+<file path=ppt/slides/slide11.xml><?xml version="1.0" encoding="utf-8"?>
+<p:sld xmlns:a="http://schemas.openxmlformats.org/drawingml/2006/main" xmlns:r="http://schemas.openxmlformats.org/officeDocument/2006/relationships" xmlns:p="http://schemas.openxmlformats.org/presentationml/2006/main">
+  <p:cSld>
+    <p:spTree>
+      <p:nvGrpSpPr>
+        <p:cNvPr id="1" name=""/>
+        <p:cNvGrpSpPr/>
+        <p:nvPr/>
+      </p:nvGrpSpPr>
+      <p:grpSpPr>
+        <a:xfrm>
+          <a:off x="0" y="0"/>
+          <a:ext cx="0" cy="0"/>
+          <a:chOff x="0" y="0"/>
+          <a:chExt cx="0" cy="0"/>
+        </a:xfrm>
+      </p:grpSpPr>
+      <p:sp>
+        <p:nvSpPr>
+          <p:cNvPr id="40" name="Rectangle: Rounded Corners 73">
+            <a:extLst>
+              <a:ext uri="{FF2B5EF4-FFF2-40B4-BE49-F238E27FC236}">
+                <a16:creationId xmlns:a16="http://schemas.microsoft.com/office/drawing/2014/main" xmlns="" xmlns:wne="http://schemas.microsoft.com/office/word/2006/wordml" xmlns:w="http://schemas.openxmlformats.org/wordprocessingml/2006/main" xmlns:w10="urn:schemas-microsoft-com:office:word" xmlns:wp="http://schemas.openxmlformats.org/drawingml/2006/wordprocessingDrawing" xmlns:v="urn:schemas-microsoft-com:vml" xmlns:m="http://schemas.openxmlformats.org/officeDocument/2006/math" xmlns:o="urn:schemas-microsoft-com:office:office" xmlns:ve="http://schemas.openxmlformats.org/markup-compatibility/2006" xmlns:lc="http://schemas.openxmlformats.org/drawingml/2006/lockedCanvas" id="{1D838972-D107-4FC0-86F6-111F21BB8F67}"/>
+              </a:ext>
+            </a:extLst>
+          </p:cNvPr>
+          <p:cNvSpPr/>
+          <p:nvPr/>
+        </p:nvSpPr>
+        <p:spPr>
+          <a:xfrm>
+            <a:off x="1556143" y="2480504"/>
+            <a:ext cx="1583933" cy="1727426"/>
+          </a:xfrm>
+          <a:prstGeom prst="roundRect">
+            <a:avLst/>
+          </a:prstGeom>
+        </p:spPr>
+        <p:style>
+          <a:lnRef idx="1">
+            <a:schemeClr val="accent4"/>
+          </a:lnRef>
+          <a:fillRef idx="2">
+            <a:schemeClr val="accent4"/>
+          </a:fillRef>
+          <a:effectRef idx="1">
+            <a:schemeClr val="accent4"/>
+          </a:effectRef>
+          <a:fontRef idx="minor">
+            <a:schemeClr val="dk1"/>
+          </a:fontRef>
+        </p:style>
+        <p:txBody>
+          <a:bodyPr rtlCol="0" anchor="t"/>
+          <a:lstStyle>
+            <a:defPPr>
+              <a:defRPr lang="en-US"/>
+            </a:defPPr>
+            <a:lvl1pPr marL="0" algn="l" defTabSz="914400" rtl="0" eaLnBrk="1" latinLnBrk="0" hangingPunct="1">
+              <a:defRPr sz="1800" kern="1200">
+                <a:solidFill>
+                  <a:schemeClr val="dk1"/>
+                </a:solidFill>
+                <a:latin typeface="+mn-lt"/>
+                <a:ea typeface="+mn-ea"/>
+                <a:cs typeface="+mn-cs"/>
+              </a:defRPr>
+            </a:lvl1pPr>
+            <a:lvl2pPr marL="457200" algn="l" defTabSz="914400" rtl="0" eaLnBrk="1" latinLnBrk="0" hangingPunct="1">
+              <a:defRPr sz="1800" kern="1200">
+                <a:solidFill>
+                  <a:schemeClr val="dk1"/>
+                </a:solidFill>
+                <a:latin typeface="+mn-lt"/>
+                <a:ea typeface="+mn-ea"/>
+                <a:cs typeface="+mn-cs"/>
+              </a:defRPr>
+            </a:lvl2pPr>
+            <a:lvl3pPr marL="914400" algn="l" defTabSz="914400" rtl="0" eaLnBrk="1" latinLnBrk="0" hangingPunct="1">
+              <a:defRPr sz="1800" kern="1200">
+                <a:solidFill>
+                  <a:schemeClr val="dk1"/>
+                </a:solidFill>
+                <a:latin typeface="+mn-lt"/>
+                <a:ea typeface="+mn-ea"/>
+                <a:cs typeface="+mn-cs"/>
+              </a:defRPr>
+            </a:lvl3pPr>
+            <a:lvl4pPr marL="1371600" algn="l" defTabSz="914400" rtl="0" eaLnBrk="1" latinLnBrk="0" hangingPunct="1">
+              <a:defRPr sz="1800" kern="1200">
+                <a:solidFill>
+                  <a:schemeClr val="dk1"/>
+                </a:solidFill>
+                <a:latin typeface="+mn-lt"/>
+                <a:ea typeface="+mn-ea"/>
+                <a:cs typeface="+mn-cs"/>
+              </a:defRPr>
+            </a:lvl4pPr>
+            <a:lvl5pPr marL="1828800" algn="l" defTabSz="914400" rtl="0" eaLnBrk="1" latinLnBrk="0" hangingPunct="1">
+              <a:defRPr sz="1800" kern="1200">
+                <a:solidFill>
+                  <a:schemeClr val="dk1"/>
+                </a:solidFill>
+                <a:latin typeface="+mn-lt"/>
+                <a:ea typeface="+mn-ea"/>
+                <a:cs typeface="+mn-cs"/>
+              </a:defRPr>
+            </a:lvl5pPr>
+            <a:lvl6pPr marL="2286000" algn="l" defTabSz="914400" rtl="0" eaLnBrk="1" latinLnBrk="0" hangingPunct="1">
+              <a:defRPr sz="1800" kern="1200">
+                <a:solidFill>
+                  <a:schemeClr val="dk1"/>
+                </a:solidFill>
+                <a:latin typeface="+mn-lt"/>
+                <a:ea typeface="+mn-ea"/>
+                <a:cs typeface="+mn-cs"/>
+              </a:defRPr>
+            </a:lvl6pPr>
+            <a:lvl7pPr marL="2743200" algn="l" defTabSz="914400" rtl="0" eaLnBrk="1" latinLnBrk="0" hangingPunct="1">
+              <a:defRPr sz="1800" kern="1200">
+                <a:solidFill>
+                  <a:schemeClr val="dk1"/>
+                </a:solidFill>
+                <a:latin typeface="+mn-lt"/>
+                <a:ea typeface="+mn-ea"/>
+                <a:cs typeface="+mn-cs"/>
+              </a:defRPr>
+            </a:lvl7pPr>
+            <a:lvl8pPr marL="3200400" algn="l" defTabSz="914400" rtl="0" eaLnBrk="1" latinLnBrk="0" hangingPunct="1">
+              <a:defRPr sz="1800" kern="1200">
+                <a:solidFill>
+                  <a:schemeClr val="dk1"/>
+                </a:solidFill>
+                <a:latin typeface="+mn-lt"/>
+                <a:ea typeface="+mn-ea"/>
+                <a:cs typeface="+mn-cs"/>
+              </a:defRPr>
+            </a:lvl8pPr>
+            <a:lvl9pPr marL="3657600" algn="l" defTabSz="914400" rtl="0" eaLnBrk="1" latinLnBrk="0" hangingPunct="1">
+              <a:defRPr sz="1800" kern="1200">
+                <a:solidFill>
+                  <a:schemeClr val="dk1"/>
+                </a:solidFill>
+                <a:latin typeface="+mn-lt"/>
+                <a:ea typeface="+mn-ea"/>
+                <a:cs typeface="+mn-cs"/>
+              </a:defRPr>
+            </a:lvl9pPr>
+          </a:lstStyle>
+          <a:p>
+            <a:pPr algn="ctr"/>
+            <a:r>
+              <a:rPr lang="en-US" sz="1600" dirty="0"/>
+              <a:t>Collaboration</a:t>
+            </a:r>
+          </a:p>
+        </p:txBody>
+      </p:sp>
+      <p:sp>
+        <p:nvSpPr>
+          <p:cNvPr id="41" name="Rectangle: Rounded Corners 5">
+            <a:extLst>
+              <a:ext uri="{FF2B5EF4-FFF2-40B4-BE49-F238E27FC236}">
+                <a16:creationId xmlns:a16="http://schemas.microsoft.com/office/drawing/2014/main" xmlns="" xmlns:wne="http://schemas.microsoft.com/office/word/2006/wordml" xmlns:w="http://schemas.openxmlformats.org/wordprocessingml/2006/main" xmlns:w10="urn:schemas-microsoft-com:office:word" xmlns:wp="http://schemas.openxmlformats.org/drawingml/2006/wordprocessingDrawing" xmlns:v="urn:schemas-microsoft-com:vml" xmlns:m="http://schemas.openxmlformats.org/officeDocument/2006/math" xmlns:o="urn:schemas-microsoft-com:office:office" xmlns:ve="http://schemas.openxmlformats.org/markup-compatibility/2006" xmlns:lc="http://schemas.openxmlformats.org/drawingml/2006/lockedCanvas" id="{3361B1F7-61DA-41EA-A158-80D47FBC601B}"/>
+              </a:ext>
+            </a:extLst>
+          </p:cNvPr>
+          <p:cNvSpPr/>
+          <p:nvPr/>
+        </p:nvSpPr>
+        <p:spPr>
+          <a:xfrm>
+            <a:off x="1556143" y="4380280"/>
+            <a:ext cx="1813729" cy="1736521"/>
+          </a:xfrm>
+          <a:prstGeom prst="roundRect">
+            <a:avLst/>
+          </a:prstGeom>
+        </p:spPr>
+        <p:style>
+          <a:lnRef idx="1">
+            <a:schemeClr val="accent4"/>
+          </a:lnRef>
+          <a:fillRef idx="2">
+            <a:schemeClr val="accent4"/>
+          </a:fillRef>
+          <a:effectRef idx="1">
+            <a:schemeClr val="accent4"/>
+          </a:effectRef>
+          <a:fontRef idx="minor">
+            <a:schemeClr val="dk1"/>
+          </a:fontRef>
+        </p:style>
+        <p:txBody>
+          <a:bodyPr rtlCol="0" anchor="t"/>
+          <a:lstStyle>
+            <a:defPPr>
+              <a:defRPr lang="en-US"/>
+            </a:defPPr>
+            <a:lvl1pPr marL="0" algn="l" defTabSz="914400" rtl="0" eaLnBrk="1" latinLnBrk="0" hangingPunct="1">
+              <a:defRPr sz="1800" kern="1200">
+                <a:solidFill>
+                  <a:schemeClr val="dk1"/>
+                </a:solidFill>
+                <a:latin typeface="+mn-lt"/>
+                <a:ea typeface="+mn-ea"/>
+                <a:cs typeface="+mn-cs"/>
+              </a:defRPr>
+            </a:lvl1pPr>
+            <a:lvl2pPr marL="457200" algn="l" defTabSz="914400" rtl="0" eaLnBrk="1" latinLnBrk="0" hangingPunct="1">
+              <a:defRPr sz="1800" kern="1200">
+                <a:solidFill>
+                  <a:schemeClr val="dk1"/>
+                </a:solidFill>
+                <a:latin typeface="+mn-lt"/>
+                <a:ea typeface="+mn-ea"/>
+                <a:cs typeface="+mn-cs"/>
+              </a:defRPr>
+            </a:lvl2pPr>
+            <a:lvl3pPr marL="914400" algn="l" defTabSz="914400" rtl="0" eaLnBrk="1" latinLnBrk="0" hangingPunct="1">
+              <a:defRPr sz="1800" kern="1200">
+                <a:solidFill>
+                  <a:schemeClr val="dk1"/>
+                </a:solidFill>
+                <a:latin typeface="+mn-lt"/>
+                <a:ea typeface="+mn-ea"/>
+                <a:cs typeface="+mn-cs"/>
+              </a:defRPr>
+            </a:lvl3pPr>
+            <a:lvl4pPr marL="1371600" algn="l" defTabSz="914400" rtl="0" eaLnBrk="1" latinLnBrk="0" hangingPunct="1">
+              <a:defRPr sz="1800" kern="1200">
+                <a:solidFill>
+                  <a:schemeClr val="dk1"/>
+                </a:solidFill>
+                <a:latin typeface="+mn-lt"/>
+                <a:ea typeface="+mn-ea"/>
+                <a:cs typeface="+mn-cs"/>
+              </a:defRPr>
+            </a:lvl4pPr>
+            <a:lvl5pPr marL="1828800" algn="l" defTabSz="914400" rtl="0" eaLnBrk="1" latinLnBrk="0" hangingPunct="1">
+              <a:defRPr sz="1800" kern="1200">
+                <a:solidFill>
+                  <a:schemeClr val="dk1"/>
+                </a:solidFill>
+                <a:latin typeface="+mn-lt"/>
+                <a:ea typeface="+mn-ea"/>
+                <a:cs typeface="+mn-cs"/>
+              </a:defRPr>
+            </a:lvl5pPr>
+            <a:lvl6pPr marL="2286000" algn="l" defTabSz="914400" rtl="0" eaLnBrk="1" latinLnBrk="0" hangingPunct="1">
+              <a:defRPr sz="1800" kern="1200">
+                <a:solidFill>
+                  <a:schemeClr val="dk1"/>
+                </a:solidFill>
+                <a:latin typeface="+mn-lt"/>
+                <a:ea typeface="+mn-ea"/>
+                <a:cs typeface="+mn-cs"/>
+              </a:defRPr>
+            </a:lvl6pPr>
+            <a:lvl7pPr marL="2743200" algn="l" defTabSz="914400" rtl="0" eaLnBrk="1" latinLnBrk="0" hangingPunct="1">
+              <a:defRPr sz="1800" kern="1200">
+                <a:solidFill>
+                  <a:schemeClr val="dk1"/>
+                </a:solidFill>
+                <a:latin typeface="+mn-lt"/>
+                <a:ea typeface="+mn-ea"/>
+                <a:cs typeface="+mn-cs"/>
+              </a:defRPr>
+            </a:lvl7pPr>
+            <a:lvl8pPr marL="3200400" algn="l" defTabSz="914400" rtl="0" eaLnBrk="1" latinLnBrk="0" hangingPunct="1">
+              <a:defRPr sz="1800" kern="1200">
+                <a:solidFill>
+                  <a:schemeClr val="dk1"/>
+                </a:solidFill>
+                <a:latin typeface="+mn-lt"/>
+                <a:ea typeface="+mn-ea"/>
+                <a:cs typeface="+mn-cs"/>
+              </a:defRPr>
+            </a:lvl8pPr>
+            <a:lvl9pPr marL="3657600" algn="l" defTabSz="914400" rtl="0" eaLnBrk="1" latinLnBrk="0" hangingPunct="1">
+              <a:defRPr sz="1800" kern="1200">
+                <a:solidFill>
+                  <a:schemeClr val="dk1"/>
+                </a:solidFill>
+                <a:latin typeface="+mn-lt"/>
+                <a:ea typeface="+mn-ea"/>
+                <a:cs typeface="+mn-cs"/>
+              </a:defRPr>
+            </a:lvl9pPr>
+          </a:lstStyle>
+          <a:p>
+            <a:pPr algn="ctr"/>
+            <a:r>
+              <a:rPr lang="en-US" sz="1600" dirty="0"/>
+              <a:t>Build</a:t>
+            </a:r>
+          </a:p>
+        </p:txBody>
+      </p:sp>
+      <p:pic>
+        <p:nvPicPr>
+          <p:cNvPr id="42" name="Picture 41" descr="Related image">
+            <a:extLst>
+              <a:ext uri="{FF2B5EF4-FFF2-40B4-BE49-F238E27FC236}">
+                <a16:creationId xmlns:a16="http://schemas.microsoft.com/office/drawing/2014/main" xmlns="" xmlns:wne="http://schemas.microsoft.com/office/word/2006/wordml" xmlns:w="http://schemas.openxmlformats.org/wordprocessingml/2006/main" xmlns:w10="urn:schemas-microsoft-com:office:word" xmlns:wp="http://schemas.openxmlformats.org/drawingml/2006/wordprocessingDrawing" xmlns:v="urn:schemas-microsoft-com:vml" xmlns:m="http://schemas.openxmlformats.org/officeDocument/2006/math" xmlns:o="urn:schemas-microsoft-com:office:office" xmlns:ve="http://schemas.openxmlformats.org/markup-compatibility/2006" xmlns:lc="http://schemas.openxmlformats.org/drawingml/2006/lockedCanvas" id="{8913D232-6DF1-48E3-A429-AE211CF7127D}"/>
+              </a:ext>
+            </a:extLst>
+          </p:cNvPr>
+          <p:cNvPicPr>
+            <a:picLocks noChangeAspect="1" noChangeArrowheads="1"/>
+          </p:cNvPicPr>
+          <p:nvPr/>
+        </p:nvPicPr>
+        <p:blipFill>
+          <a:blip r:embed="rId2" cstate="print">
+            <a:extLst>
+              <a:ext uri="{28A0092B-C50C-407E-A947-70E740481C1C}">
+                <a14:useLocalDpi xmlns:a14="http://schemas.microsoft.com/office/drawing/2010/main" val="0"/>
+              </a:ext>
+            </a:extLst>
+          </a:blip>
+          <a:srcRect/>
+          <a:stretch>
+            <a:fillRect/>
+          </a:stretch>
+        </p:blipFill>
+        <p:spPr bwMode="auto">
+          <a:xfrm>
+            <a:off x="1644256" y="4848713"/>
+            <a:ext cx="740301" cy="740301"/>
+          </a:xfrm>
+          <a:prstGeom prst="rect">
+            <a:avLst/>
+          </a:prstGeom>
+          <a:noFill/>
+          <a:extLst>
+            <a:ext uri="{909E8E84-426E-40DD-AFC4-6F175D3DCCD1}">
+              <a14:hiddenFill xmlns:a14="http://schemas.microsoft.com/office/drawing/2010/main">
+                <a:solidFill>
+                  <a:srgbClr val="FFFFFF"/>
+                </a:solidFill>
+              </a14:hiddenFill>
+            </a:ext>
+          </a:extLst>
+        </p:spPr>
+      </p:pic>
+      <p:sp>
+        <p:nvSpPr>
+          <p:cNvPr id="43" name="Rectangle: Rounded Corners 8">
+            <a:extLst>
+              <a:ext uri="{FF2B5EF4-FFF2-40B4-BE49-F238E27FC236}">
+                <a16:creationId xmlns:a16="http://schemas.microsoft.com/office/drawing/2014/main" xmlns="" xmlns:wne="http://schemas.microsoft.com/office/word/2006/wordml" xmlns:w="http://schemas.openxmlformats.org/wordprocessingml/2006/main" xmlns:w10="urn:schemas-microsoft-com:office:word" xmlns:wp="http://schemas.openxmlformats.org/drawingml/2006/wordprocessingDrawing" xmlns:v="urn:schemas-microsoft-com:vml" xmlns:m="http://schemas.openxmlformats.org/officeDocument/2006/math" xmlns:o="urn:schemas-microsoft-com:office:office" xmlns:ve="http://schemas.openxmlformats.org/markup-compatibility/2006" xmlns:lc="http://schemas.openxmlformats.org/drawingml/2006/lockedCanvas" id="{026577BB-D8B8-49E0-8B70-1B84A8B8C33B}"/>
+              </a:ext>
+            </a:extLst>
+          </p:cNvPr>
+          <p:cNvSpPr/>
+          <p:nvPr/>
+        </p:nvSpPr>
+        <p:spPr>
+          <a:xfrm>
+            <a:off x="6063856" y="746006"/>
+            <a:ext cx="4368565" cy="1389929"/>
+          </a:xfrm>
+          <a:prstGeom prst="roundRect">
+            <a:avLst/>
+          </a:prstGeom>
+        </p:spPr>
+        <p:style>
+          <a:lnRef idx="1">
+            <a:schemeClr val="accent4"/>
+          </a:lnRef>
+          <a:fillRef idx="2">
+            <a:schemeClr val="accent4"/>
+          </a:fillRef>
+          <a:effectRef idx="1">
+            <a:schemeClr val="accent4"/>
+          </a:effectRef>
+          <a:fontRef idx="minor">
+            <a:schemeClr val="dk1"/>
+          </a:fontRef>
+        </p:style>
+        <p:txBody>
+          <a:bodyPr rtlCol="0" anchor="t"/>
+          <a:lstStyle>
+            <a:defPPr>
+              <a:defRPr lang="en-US"/>
+            </a:defPPr>
+            <a:lvl1pPr marL="0" algn="l" defTabSz="914400" rtl="0" eaLnBrk="1" latinLnBrk="0" hangingPunct="1">
+              <a:defRPr sz="1800" kern="1200">
+                <a:solidFill>
+                  <a:schemeClr val="dk1"/>
+                </a:solidFill>
+                <a:latin typeface="+mn-lt"/>
+                <a:ea typeface="+mn-ea"/>
+                <a:cs typeface="+mn-cs"/>
+              </a:defRPr>
+            </a:lvl1pPr>
+            <a:lvl2pPr marL="457200" algn="l" defTabSz="914400" rtl="0" eaLnBrk="1" latinLnBrk="0" hangingPunct="1">
+              <a:defRPr sz="1800" kern="1200">
+                <a:solidFill>
+                  <a:schemeClr val="dk1"/>
+                </a:solidFill>
+                <a:latin typeface="+mn-lt"/>
+                <a:ea typeface="+mn-ea"/>
+                <a:cs typeface="+mn-cs"/>
+              </a:defRPr>
+            </a:lvl2pPr>
+            <a:lvl3pPr marL="914400" algn="l" defTabSz="914400" rtl="0" eaLnBrk="1" latinLnBrk="0" hangingPunct="1">
+              <a:defRPr sz="1800" kern="1200">
+                <a:solidFill>
+                  <a:schemeClr val="dk1"/>
+                </a:solidFill>
+                <a:latin typeface="+mn-lt"/>
+                <a:ea typeface="+mn-ea"/>
+                <a:cs typeface="+mn-cs"/>
+              </a:defRPr>
+            </a:lvl3pPr>
+            <a:lvl4pPr marL="1371600" algn="l" defTabSz="914400" rtl="0" eaLnBrk="1" latinLnBrk="0" hangingPunct="1">
+              <a:defRPr sz="1800" kern="1200">
+                <a:solidFill>
+                  <a:schemeClr val="dk1"/>
+                </a:solidFill>
+                <a:latin typeface="+mn-lt"/>
+                <a:ea typeface="+mn-ea"/>
+                <a:cs typeface="+mn-cs"/>
+              </a:defRPr>
+            </a:lvl4pPr>
+            <a:lvl5pPr marL="1828800" algn="l" defTabSz="914400" rtl="0" eaLnBrk="1" latinLnBrk="0" hangingPunct="1">
+              <a:defRPr sz="1800" kern="1200">
+                <a:solidFill>
+                  <a:schemeClr val="dk1"/>
+                </a:solidFill>
+                <a:latin typeface="+mn-lt"/>
+                <a:ea typeface="+mn-ea"/>
+                <a:cs typeface="+mn-cs"/>
+              </a:defRPr>
+            </a:lvl5pPr>
+            <a:lvl6pPr marL="2286000" algn="l" defTabSz="914400" rtl="0" eaLnBrk="1" latinLnBrk="0" hangingPunct="1">
+              <a:defRPr sz="1800" kern="1200">
+                <a:solidFill>
+                  <a:schemeClr val="dk1"/>
+                </a:solidFill>
+                <a:latin typeface="+mn-lt"/>
+                <a:ea typeface="+mn-ea"/>
+                <a:cs typeface="+mn-cs"/>
+              </a:defRPr>
+            </a:lvl6pPr>
+            <a:lvl7pPr marL="2743200" algn="l" defTabSz="914400" rtl="0" eaLnBrk="1" latinLnBrk="0" hangingPunct="1">
+              <a:defRPr sz="1800" kern="1200">
+                <a:solidFill>
+                  <a:schemeClr val="dk1"/>
+                </a:solidFill>
+                <a:latin typeface="+mn-lt"/>
+                <a:ea typeface="+mn-ea"/>
+                <a:cs typeface="+mn-cs"/>
+              </a:defRPr>
+            </a:lvl7pPr>
+            <a:lvl8pPr marL="3200400" algn="l" defTabSz="914400" rtl="0" eaLnBrk="1" latinLnBrk="0" hangingPunct="1">
+              <a:defRPr sz="1800" kern="1200">
+                <a:solidFill>
+                  <a:schemeClr val="dk1"/>
+                </a:solidFill>
+                <a:latin typeface="+mn-lt"/>
+                <a:ea typeface="+mn-ea"/>
+                <a:cs typeface="+mn-cs"/>
+              </a:defRPr>
+            </a:lvl8pPr>
+            <a:lvl9pPr marL="3657600" algn="l" defTabSz="914400" rtl="0" eaLnBrk="1" latinLnBrk="0" hangingPunct="1">
+              <a:defRPr sz="1800" kern="1200">
+                <a:solidFill>
+                  <a:schemeClr val="dk1"/>
+                </a:solidFill>
+                <a:latin typeface="+mn-lt"/>
+                <a:ea typeface="+mn-ea"/>
+                <a:cs typeface="+mn-cs"/>
+              </a:defRPr>
+            </a:lvl9pPr>
+          </a:lstStyle>
+          <a:p>
+            <a:pPr algn="ctr"/>
+            <a:r>
+              <a:rPr lang="en-US" sz="1600" dirty="0"/>
+              <a:t>Continuous Integration &amp; Deploy</a:t>
+            </a:r>
+          </a:p>
+        </p:txBody>
+      </p:sp>
+      <p:pic>
+        <p:nvPicPr>
+          <p:cNvPr id="44" name="Picture 43">
+            <a:extLst>
+              <a:ext uri="{FF2B5EF4-FFF2-40B4-BE49-F238E27FC236}">
+                <a16:creationId xmlns:a16="http://schemas.microsoft.com/office/drawing/2014/main" xmlns="" xmlns:wne="http://schemas.microsoft.com/office/word/2006/wordml" xmlns:w="http://schemas.openxmlformats.org/wordprocessingml/2006/main" xmlns:w10="urn:schemas-microsoft-com:office:word" xmlns:wp="http://schemas.openxmlformats.org/drawingml/2006/wordprocessingDrawing" xmlns:v="urn:schemas-microsoft-com:vml" xmlns:m="http://schemas.openxmlformats.org/officeDocument/2006/math" xmlns:o="urn:schemas-microsoft-com:office:office" xmlns:ve="http://schemas.openxmlformats.org/markup-compatibility/2006" xmlns:lc="http://schemas.openxmlformats.org/drawingml/2006/lockedCanvas" id="{5AC3D39C-1E7D-4D10-8B3F-7F6EB9B0ED46}"/>
+              </a:ext>
+            </a:extLst>
+          </p:cNvPr>
+          <p:cNvPicPr>
+            <a:picLocks noChangeAspect="1"/>
+          </p:cNvPicPr>
+          <p:nvPr/>
+        </p:nvPicPr>
+        <p:blipFill>
+          <a:blip r:embed="rId3" cstate="print">
+            <a:extLst>
+              <a:ext uri="{28A0092B-C50C-407E-A947-70E740481C1C}">
+                <a14:useLocalDpi xmlns:a14="http://schemas.microsoft.com/office/drawing/2010/main" val="0"/>
+              </a:ext>
+            </a:extLst>
+          </a:blip>
+          <a:stretch>
+            <a:fillRect/>
+          </a:stretch>
+        </p:blipFill>
+        <p:spPr>
+          <a:xfrm>
+            <a:off x="1796656" y="5686913"/>
+            <a:ext cx="1385526" cy="232768"/>
+          </a:xfrm>
+          <a:prstGeom prst="rect">
+            <a:avLst/>
+          </a:prstGeom>
+        </p:spPr>
+      </p:pic>
+      <p:sp>
+        <p:nvSpPr>
+          <p:cNvPr id="45" name="Rectangle: Rounded Corners 11">
+            <a:extLst>
+              <a:ext uri="{FF2B5EF4-FFF2-40B4-BE49-F238E27FC236}">
+                <a16:creationId xmlns:a16="http://schemas.microsoft.com/office/drawing/2014/main" xmlns="" xmlns:wne="http://schemas.microsoft.com/office/word/2006/wordml" xmlns:w="http://schemas.openxmlformats.org/wordprocessingml/2006/main" xmlns:w10="urn:schemas-microsoft-com:office:word" xmlns:wp="http://schemas.openxmlformats.org/drawingml/2006/wordprocessingDrawing" xmlns:v="urn:schemas-microsoft-com:vml" xmlns:m="http://schemas.openxmlformats.org/officeDocument/2006/math" xmlns:o="urn:schemas-microsoft-com:office:office" xmlns:ve="http://schemas.openxmlformats.org/markup-compatibility/2006" xmlns:lc="http://schemas.openxmlformats.org/drawingml/2006/lockedCanvas" id="{D5A10EA0-9538-4294-9A39-376087F91AA9}"/>
+              </a:ext>
+            </a:extLst>
+          </p:cNvPr>
+          <p:cNvSpPr/>
+          <p:nvPr/>
+        </p:nvSpPr>
+        <p:spPr>
+          <a:xfrm>
+            <a:off x="3607285" y="740035"/>
+            <a:ext cx="2227971" cy="1368406"/>
+          </a:xfrm>
+          <a:prstGeom prst="roundRect">
+            <a:avLst/>
+          </a:prstGeom>
+        </p:spPr>
+        <p:style>
+          <a:lnRef idx="1">
+            <a:schemeClr val="accent4"/>
+          </a:lnRef>
+          <a:fillRef idx="2">
+            <a:schemeClr val="accent4"/>
+          </a:fillRef>
+          <a:effectRef idx="1">
+            <a:schemeClr val="accent4"/>
+          </a:effectRef>
+          <a:fontRef idx="minor">
+            <a:schemeClr val="dk1"/>
+          </a:fontRef>
+        </p:style>
+        <p:txBody>
+          <a:bodyPr rtlCol="0" anchor="t"/>
+          <a:lstStyle>
+            <a:defPPr>
+              <a:defRPr lang="en-US"/>
+            </a:defPPr>
+            <a:lvl1pPr marL="0" algn="l" defTabSz="914400" rtl="0" eaLnBrk="1" latinLnBrk="0" hangingPunct="1">
+              <a:defRPr sz="1800" kern="1200">
+                <a:solidFill>
+                  <a:schemeClr val="dk1"/>
+                </a:solidFill>
+                <a:latin typeface="+mn-lt"/>
+                <a:ea typeface="+mn-ea"/>
+                <a:cs typeface="+mn-cs"/>
+              </a:defRPr>
+            </a:lvl1pPr>
+            <a:lvl2pPr marL="457200" algn="l" defTabSz="914400" rtl="0" eaLnBrk="1" latinLnBrk="0" hangingPunct="1">
+              <a:defRPr sz="1800" kern="1200">
+                <a:solidFill>
+                  <a:schemeClr val="dk1"/>
+                </a:solidFill>
+                <a:latin typeface="+mn-lt"/>
+                <a:ea typeface="+mn-ea"/>
+                <a:cs typeface="+mn-cs"/>
+              </a:defRPr>
+            </a:lvl2pPr>
+            <a:lvl3pPr marL="914400" algn="l" defTabSz="914400" rtl="0" eaLnBrk="1" latinLnBrk="0" hangingPunct="1">
+              <a:defRPr sz="1800" kern="1200">
+                <a:solidFill>
+                  <a:schemeClr val="dk1"/>
+                </a:solidFill>
+                <a:latin typeface="+mn-lt"/>
+                <a:ea typeface="+mn-ea"/>
+                <a:cs typeface="+mn-cs"/>
+              </a:defRPr>
+            </a:lvl3pPr>
+            <a:lvl4pPr marL="1371600" algn="l" defTabSz="914400" rtl="0" eaLnBrk="1" latinLnBrk="0" hangingPunct="1">
+              <a:defRPr sz="1800" kern="1200">
+                <a:solidFill>
+                  <a:schemeClr val="dk1"/>
+                </a:solidFill>
+                <a:latin typeface="+mn-lt"/>
+                <a:ea typeface="+mn-ea"/>
+                <a:cs typeface="+mn-cs"/>
+              </a:defRPr>
+            </a:lvl4pPr>
+            <a:lvl5pPr marL="1828800" algn="l" defTabSz="914400" rtl="0" eaLnBrk="1" latinLnBrk="0" hangingPunct="1">
+              <a:defRPr sz="1800" kern="1200">
+                <a:solidFill>
+                  <a:schemeClr val="dk1"/>
+                </a:solidFill>
+                <a:latin typeface="+mn-lt"/>
+                <a:ea typeface="+mn-ea"/>
+                <a:cs typeface="+mn-cs"/>
+              </a:defRPr>
+            </a:lvl5pPr>
+            <a:lvl6pPr marL="2286000" algn="l" defTabSz="914400" rtl="0" eaLnBrk="1" latinLnBrk="0" hangingPunct="1">
+              <a:defRPr sz="1800" kern="1200">
+                <a:solidFill>
+                  <a:schemeClr val="dk1"/>
+                </a:solidFill>
+                <a:latin typeface="+mn-lt"/>
+                <a:ea typeface="+mn-ea"/>
+                <a:cs typeface="+mn-cs"/>
+              </a:defRPr>
+            </a:lvl6pPr>
+            <a:lvl7pPr marL="2743200" algn="l" defTabSz="914400" rtl="0" eaLnBrk="1" latinLnBrk="0" hangingPunct="1">
+              <a:defRPr sz="1800" kern="1200">
+                <a:solidFill>
+                  <a:schemeClr val="dk1"/>
+                </a:solidFill>
+                <a:latin typeface="+mn-lt"/>
+                <a:ea typeface="+mn-ea"/>
+                <a:cs typeface="+mn-cs"/>
+              </a:defRPr>
+            </a:lvl7pPr>
+            <a:lvl8pPr marL="3200400" algn="l" defTabSz="914400" rtl="0" eaLnBrk="1" latinLnBrk="0" hangingPunct="1">
+              <a:defRPr sz="1800" kern="1200">
+                <a:solidFill>
+                  <a:schemeClr val="dk1"/>
+                </a:solidFill>
+                <a:latin typeface="+mn-lt"/>
+                <a:ea typeface="+mn-ea"/>
+                <a:cs typeface="+mn-cs"/>
+              </a:defRPr>
+            </a:lvl8pPr>
+            <a:lvl9pPr marL="3657600" algn="l" defTabSz="914400" rtl="0" eaLnBrk="1" latinLnBrk="0" hangingPunct="1">
+              <a:defRPr sz="1800" kern="1200">
+                <a:solidFill>
+                  <a:schemeClr val="dk1"/>
+                </a:solidFill>
+                <a:latin typeface="+mn-lt"/>
+                <a:ea typeface="+mn-ea"/>
+                <a:cs typeface="+mn-cs"/>
+              </a:defRPr>
+            </a:lvl9pPr>
+          </a:lstStyle>
+          <a:p>
+            <a:pPr algn="ctr"/>
+            <a:r>
+              <a:rPr lang="en-US" sz="1600" dirty="0"/>
+              <a:t>Configuration Management</a:t>
+            </a:r>
+          </a:p>
+        </p:txBody>
+      </p:sp>
+      <p:sp>
+        <p:nvSpPr>
+          <p:cNvPr id="46" name="Rectangle: Rounded Corners 12">
+            <a:extLst>
+              <a:ext uri="{FF2B5EF4-FFF2-40B4-BE49-F238E27FC236}">
+                <a16:creationId xmlns:a16="http://schemas.microsoft.com/office/drawing/2014/main" xmlns="" xmlns:wne="http://schemas.microsoft.com/office/word/2006/wordml" xmlns:w="http://schemas.openxmlformats.org/wordprocessingml/2006/main" xmlns:w10="urn:schemas-microsoft-com:office:word" xmlns:wp="http://schemas.openxmlformats.org/drawingml/2006/wordprocessingDrawing" xmlns:v="urn:schemas-microsoft-com:vml" xmlns:m="http://schemas.openxmlformats.org/officeDocument/2006/math" xmlns:o="urn:schemas-microsoft-com:office:office" xmlns:ve="http://schemas.openxmlformats.org/markup-compatibility/2006" xmlns:lc="http://schemas.openxmlformats.org/drawingml/2006/lockedCanvas" id="{F6E1CC74-9639-445F-9926-FC0AF8932A1A}"/>
+              </a:ext>
+            </a:extLst>
+          </p:cNvPr>
+          <p:cNvSpPr/>
+          <p:nvPr/>
+        </p:nvSpPr>
+        <p:spPr>
+          <a:xfrm>
+            <a:off x="1559979" y="724637"/>
+            <a:ext cx="1813729" cy="1588426"/>
+          </a:xfrm>
+          <a:prstGeom prst="roundRect">
+            <a:avLst/>
+          </a:prstGeom>
+        </p:spPr>
+        <p:style>
+          <a:lnRef idx="1">
+            <a:schemeClr val="accent4"/>
+          </a:lnRef>
+          <a:fillRef idx="2">
+            <a:schemeClr val="accent4"/>
+          </a:fillRef>
+          <a:effectRef idx="1">
+            <a:schemeClr val="accent4"/>
+          </a:effectRef>
+          <a:fontRef idx="minor">
+            <a:schemeClr val="dk1"/>
+          </a:fontRef>
+        </p:style>
+        <p:txBody>
+          <a:bodyPr rtlCol="0" anchor="t"/>
+          <a:lstStyle>
+            <a:defPPr>
+              <a:defRPr lang="en-US"/>
+            </a:defPPr>
+            <a:lvl1pPr marL="0" algn="l" defTabSz="914400" rtl="0" eaLnBrk="1" latinLnBrk="0" hangingPunct="1">
+              <a:defRPr sz="1800" kern="1200">
+                <a:solidFill>
+                  <a:schemeClr val="dk1"/>
+                </a:solidFill>
+                <a:latin typeface="+mn-lt"/>
+                <a:ea typeface="+mn-ea"/>
+                <a:cs typeface="+mn-cs"/>
+              </a:defRPr>
+            </a:lvl1pPr>
+            <a:lvl2pPr marL="457200" algn="l" defTabSz="914400" rtl="0" eaLnBrk="1" latinLnBrk="0" hangingPunct="1">
+              <a:defRPr sz="1800" kern="1200">
+                <a:solidFill>
+                  <a:schemeClr val="dk1"/>
+                </a:solidFill>
+                <a:latin typeface="+mn-lt"/>
+                <a:ea typeface="+mn-ea"/>
+                <a:cs typeface="+mn-cs"/>
+              </a:defRPr>
+            </a:lvl2pPr>
+            <a:lvl3pPr marL="914400" algn="l" defTabSz="914400" rtl="0" eaLnBrk="1" latinLnBrk="0" hangingPunct="1">
+              <a:defRPr sz="1800" kern="1200">
+                <a:solidFill>
+                  <a:schemeClr val="dk1"/>
+                </a:solidFill>
+                <a:latin typeface="+mn-lt"/>
+                <a:ea typeface="+mn-ea"/>
+                <a:cs typeface="+mn-cs"/>
+              </a:defRPr>
+            </a:lvl3pPr>
+            <a:lvl4pPr marL="1371600" algn="l" defTabSz="914400" rtl="0" eaLnBrk="1" latinLnBrk="0" hangingPunct="1">
+              <a:defRPr sz="1800" kern="1200">
+                <a:solidFill>
+                  <a:schemeClr val="dk1"/>
+                </a:solidFill>
+                <a:latin typeface="+mn-lt"/>
+                <a:ea typeface="+mn-ea"/>
+                <a:cs typeface="+mn-cs"/>
+              </a:defRPr>
+            </a:lvl4pPr>
+            <a:lvl5pPr marL="1828800" algn="l" defTabSz="914400" rtl="0" eaLnBrk="1" latinLnBrk="0" hangingPunct="1">
+              <a:defRPr sz="1800" kern="1200">
+                <a:solidFill>
+                  <a:schemeClr val="dk1"/>
+                </a:solidFill>
+                <a:latin typeface="+mn-lt"/>
+                <a:ea typeface="+mn-ea"/>
+                <a:cs typeface="+mn-cs"/>
+              </a:defRPr>
+            </a:lvl5pPr>
+            <a:lvl6pPr marL="2286000" algn="l" defTabSz="914400" rtl="0" eaLnBrk="1" latinLnBrk="0" hangingPunct="1">
+              <a:defRPr sz="1800" kern="1200">
+                <a:solidFill>
+                  <a:schemeClr val="dk1"/>
+                </a:solidFill>
+                <a:latin typeface="+mn-lt"/>
+                <a:ea typeface="+mn-ea"/>
+                <a:cs typeface="+mn-cs"/>
+              </a:defRPr>
+            </a:lvl6pPr>
+            <a:lvl7pPr marL="2743200" algn="l" defTabSz="914400" rtl="0" eaLnBrk="1" latinLnBrk="0" hangingPunct="1">
+              <a:defRPr sz="1800" kern="1200">
+                <a:solidFill>
+                  <a:schemeClr val="dk1"/>
+                </a:solidFill>
+                <a:latin typeface="+mn-lt"/>
+                <a:ea typeface="+mn-ea"/>
+                <a:cs typeface="+mn-cs"/>
+              </a:defRPr>
+            </a:lvl7pPr>
+            <a:lvl8pPr marL="3200400" algn="l" defTabSz="914400" rtl="0" eaLnBrk="1" latinLnBrk="0" hangingPunct="1">
+              <a:defRPr sz="1800" kern="1200">
+                <a:solidFill>
+                  <a:schemeClr val="dk1"/>
+                </a:solidFill>
+                <a:latin typeface="+mn-lt"/>
+                <a:ea typeface="+mn-ea"/>
+                <a:cs typeface="+mn-cs"/>
+              </a:defRPr>
+            </a:lvl8pPr>
+            <a:lvl9pPr marL="3657600" algn="l" defTabSz="914400" rtl="0" eaLnBrk="1" latinLnBrk="0" hangingPunct="1">
+              <a:defRPr sz="1800" kern="1200">
+                <a:solidFill>
+                  <a:schemeClr val="dk1"/>
+                </a:solidFill>
+                <a:latin typeface="+mn-lt"/>
+                <a:ea typeface="+mn-ea"/>
+                <a:cs typeface="+mn-cs"/>
+              </a:defRPr>
+            </a:lvl9pPr>
+          </a:lstStyle>
+          <a:p>
+            <a:pPr algn="ctr"/>
+            <a:r>
+              <a:rPr lang="en-US" sz="1600" dirty="0"/>
+              <a:t>Requirements &amp; Planning</a:t>
+            </a:r>
+          </a:p>
+        </p:txBody>
+      </p:sp>
+      <p:pic>
+        <p:nvPicPr>
+          <p:cNvPr id="47" name="Picture 46">
+            <a:extLst>
+              <a:ext uri="{FF2B5EF4-FFF2-40B4-BE49-F238E27FC236}">
+                <a16:creationId xmlns:a16="http://schemas.microsoft.com/office/drawing/2014/main" xmlns="" xmlns:wne="http://schemas.microsoft.com/office/word/2006/wordml" xmlns:w="http://schemas.openxmlformats.org/wordprocessingml/2006/main" xmlns:w10="urn:schemas-microsoft-com:office:word" xmlns:wp="http://schemas.openxmlformats.org/drawingml/2006/wordprocessingDrawing" xmlns:v="urn:schemas-microsoft-com:vml" xmlns:m="http://schemas.openxmlformats.org/officeDocument/2006/math" xmlns:o="urn:schemas-microsoft-com:office:office" xmlns:ve="http://schemas.openxmlformats.org/markup-compatibility/2006" xmlns:lc="http://schemas.openxmlformats.org/drawingml/2006/lockedCanvas" id="{6A2D1D4E-E637-41B0-9A80-E88C62213FA5}"/>
+              </a:ext>
+            </a:extLst>
+          </p:cNvPr>
+          <p:cNvPicPr>
+            <a:picLocks noChangeAspect="1"/>
+          </p:cNvPicPr>
+          <p:nvPr/>
+        </p:nvPicPr>
+        <p:blipFill>
+          <a:blip r:embed="rId4" cstate="print">
+            <a:extLst>
+              <a:ext uri="{28A0092B-C50C-407E-A947-70E740481C1C}">
+                <a14:useLocalDpi xmlns:a14="http://schemas.microsoft.com/office/drawing/2010/main" val="0"/>
+              </a:ext>
+            </a:extLst>
+          </a:blip>
+          <a:stretch>
+            <a:fillRect/>
+          </a:stretch>
+        </p:blipFill>
+        <p:spPr>
+          <a:xfrm>
+            <a:off x="8578456" y="1114913"/>
+            <a:ext cx="1752600" cy="523008"/>
+          </a:xfrm>
+          <a:prstGeom prst="rect">
+            <a:avLst/>
+          </a:prstGeom>
+        </p:spPr>
+      </p:pic>
+      <p:pic>
+        <p:nvPicPr>
+          <p:cNvPr id="48" name="Picture 47">
+            <a:extLst>
+              <a:ext uri="{FF2B5EF4-FFF2-40B4-BE49-F238E27FC236}">
+                <a16:creationId xmlns:a16="http://schemas.microsoft.com/office/drawing/2014/main" xmlns="" xmlns:wne="http://schemas.microsoft.com/office/word/2006/wordml" xmlns:w="http://schemas.openxmlformats.org/wordprocessingml/2006/main" xmlns:w10="urn:schemas-microsoft-com:office:word" xmlns:wp="http://schemas.openxmlformats.org/drawingml/2006/wordprocessingDrawing" xmlns:v="urn:schemas-microsoft-com:vml" xmlns:m="http://schemas.openxmlformats.org/officeDocument/2006/math" xmlns:o="urn:schemas-microsoft-com:office:office" xmlns:ve="http://schemas.openxmlformats.org/markup-compatibility/2006" xmlns:lc="http://schemas.openxmlformats.org/drawingml/2006/lockedCanvas" id="{7A664BF7-2BED-4529-AF18-7CD31084EDBC}"/>
+              </a:ext>
+            </a:extLst>
+          </p:cNvPr>
+          <p:cNvPicPr>
+            <a:picLocks noChangeAspect="1"/>
+          </p:cNvPicPr>
+          <p:nvPr/>
+        </p:nvPicPr>
+        <p:blipFill>
+          <a:blip r:embed="rId5" cstate="print">
+            <a:extLst>
+              <a:ext uri="{28A0092B-C50C-407E-A947-70E740481C1C}">
+                <a14:useLocalDpi xmlns:a14="http://schemas.microsoft.com/office/drawing/2010/main" val="0"/>
+              </a:ext>
+            </a:extLst>
+          </a:blip>
+          <a:stretch>
+            <a:fillRect/>
+          </a:stretch>
+        </p:blipFill>
+        <p:spPr>
+          <a:xfrm>
+            <a:off x="4311256" y="1343513"/>
+            <a:ext cx="771645" cy="609600"/>
+          </a:xfrm>
+          <a:prstGeom prst="rect">
+            <a:avLst/>
+          </a:prstGeom>
+        </p:spPr>
+      </p:pic>
+      <p:pic>
+        <p:nvPicPr>
+          <p:cNvPr id="49" name="Picture 48" descr="Related image">
+            <a:extLst>
+              <a:ext uri="{FF2B5EF4-FFF2-40B4-BE49-F238E27FC236}">
+                <a16:creationId xmlns:a16="http://schemas.microsoft.com/office/drawing/2014/main" xmlns="" xmlns:wne="http://schemas.microsoft.com/office/word/2006/wordml" xmlns:w="http://schemas.openxmlformats.org/wordprocessingml/2006/main" xmlns:w10="urn:schemas-microsoft-com:office:word" xmlns:wp="http://schemas.openxmlformats.org/drawingml/2006/wordprocessingDrawing" xmlns:v="urn:schemas-microsoft-com:vml" xmlns:m="http://schemas.openxmlformats.org/officeDocument/2006/math" xmlns:o="urn:schemas-microsoft-com:office:office" xmlns:ve="http://schemas.openxmlformats.org/markup-compatibility/2006" xmlns:lc="http://schemas.openxmlformats.org/drawingml/2006/lockedCanvas" id="{D3474849-1B27-4378-8BAC-4A0E031BC269}"/>
+              </a:ext>
+            </a:extLst>
+          </p:cNvPr>
+          <p:cNvPicPr>
+            <a:picLocks noChangeAspect="1" noChangeArrowheads="1"/>
+          </p:cNvPicPr>
+          <p:nvPr/>
+        </p:nvPicPr>
+        <p:blipFill>
+          <a:blip r:embed="rId6" cstate="print">
+            <a:extLst>
+              <a:ext uri="{28A0092B-C50C-407E-A947-70E740481C1C}">
+                <a14:useLocalDpi xmlns:a14="http://schemas.microsoft.com/office/drawing/2010/main" val="0"/>
+              </a:ext>
+            </a:extLst>
+          </a:blip>
+          <a:srcRect/>
+          <a:stretch>
+            <a:fillRect/>
+          </a:stretch>
+        </p:blipFill>
+        <p:spPr bwMode="auto">
+          <a:xfrm>
+            <a:off x="2996386" y="1966500"/>
+            <a:ext cx="5458459" cy="3093127"/>
+          </a:xfrm>
+          <a:prstGeom prst="rect">
+            <a:avLst/>
+          </a:prstGeom>
+          <a:noFill/>
+          <a:extLst>
+            <a:ext uri="{909E8E84-426E-40DD-AFC4-6F175D3DCCD1}">
+              <a14:hiddenFill xmlns:a14="http://schemas.microsoft.com/office/drawing/2010/main">
+                <a:solidFill>
+                  <a:srgbClr val="FFFFFF"/>
+                </a:solidFill>
+              </a14:hiddenFill>
+            </a:ext>
+          </a:extLst>
+        </p:spPr>
+      </p:pic>
+      <p:pic>
+        <p:nvPicPr>
+          <p:cNvPr id="50" name="Picture 49">
+            <a:extLst>
+              <a:ext uri="{FF2B5EF4-FFF2-40B4-BE49-F238E27FC236}">
+                <a16:creationId xmlns:a16="http://schemas.microsoft.com/office/drawing/2014/main" xmlns="" xmlns:wne="http://schemas.microsoft.com/office/word/2006/wordml" xmlns:w="http://schemas.openxmlformats.org/wordprocessingml/2006/main" xmlns:w10="urn:schemas-microsoft-com:office:word" xmlns:wp="http://schemas.openxmlformats.org/drawingml/2006/wordprocessingDrawing" xmlns:v="urn:schemas-microsoft-com:vml" xmlns:m="http://schemas.openxmlformats.org/officeDocument/2006/math" xmlns:o="urn:schemas-microsoft-com:office:office" xmlns:ve="http://schemas.openxmlformats.org/markup-compatibility/2006" xmlns:lc="http://schemas.openxmlformats.org/drawingml/2006/lockedCanvas" id="{B94385D5-98B6-4AC7-B7CD-65B49EF4CA03}"/>
+              </a:ext>
+            </a:extLst>
+          </p:cNvPr>
+          <p:cNvPicPr>
+            <a:picLocks noChangeAspect="1"/>
+          </p:cNvPicPr>
+          <p:nvPr/>
+        </p:nvPicPr>
+        <p:blipFill>
+          <a:blip r:embed="rId7" cstate="print">
+            <a:extLst>
+              <a:ext uri="{28A0092B-C50C-407E-A947-70E740481C1C}">
+                <a14:useLocalDpi xmlns:a14="http://schemas.microsoft.com/office/drawing/2010/main" val="0"/>
+              </a:ext>
+            </a:extLst>
+          </a:blip>
+          <a:stretch>
+            <a:fillRect/>
+          </a:stretch>
+        </p:blipFill>
+        <p:spPr>
+          <a:xfrm>
+            <a:off x="1949056" y="1343513"/>
+            <a:ext cx="950927" cy="713195"/>
+          </a:xfrm>
+          <a:prstGeom prst="rect">
+            <a:avLst/>
+          </a:prstGeom>
+        </p:spPr>
+      </p:pic>
+      <p:cxnSp>
+        <p:nvCxnSpPr>
+          <p:cNvPr id="51" name="Straight Connector 50">
+            <a:extLst>
+              <a:ext uri="{FF2B5EF4-FFF2-40B4-BE49-F238E27FC236}">
+                <a16:creationId xmlns:a16="http://schemas.microsoft.com/office/drawing/2014/main" xmlns="" xmlns:wne="http://schemas.microsoft.com/office/word/2006/wordml" xmlns:w="http://schemas.openxmlformats.org/wordprocessingml/2006/main" xmlns:w10="urn:schemas-microsoft-com:office:word" xmlns:wp="http://schemas.openxmlformats.org/drawingml/2006/wordprocessingDrawing" xmlns:v="urn:schemas-microsoft-com:vml" xmlns:m="http://schemas.openxmlformats.org/officeDocument/2006/math" xmlns:o="urn:schemas-microsoft-com:office:office" xmlns:ve="http://schemas.openxmlformats.org/markup-compatibility/2006" xmlns:lc="http://schemas.openxmlformats.org/drawingml/2006/lockedCanvas" id="{323884FB-A247-4387-9215-9A9E8470F2A0}"/>
+              </a:ext>
+            </a:extLst>
+          </p:cNvPr>
+          <p:cNvCxnSpPr>
+            <a:cxnSpLocks/>
+          </p:cNvCxnSpPr>
+          <p:nvPr/>
+        </p:nvCxnSpPr>
+        <p:spPr>
+          <a:xfrm flipH="1">
+            <a:off x="2987597" y="4264521"/>
+            <a:ext cx="796090" cy="517320"/>
+          </a:xfrm>
+          <a:prstGeom prst="line">
+            <a:avLst/>
+          </a:prstGeom>
+          <a:ln/>
+        </p:spPr>
+        <p:style>
+          <a:lnRef idx="2">
+            <a:schemeClr val="accent4"/>
+          </a:lnRef>
+          <a:fillRef idx="0">
+            <a:schemeClr val="accent4"/>
+          </a:fillRef>
+          <a:effectRef idx="1">
+            <a:schemeClr val="accent4"/>
+          </a:effectRef>
+          <a:fontRef idx="minor">
+            <a:schemeClr val="tx1"/>
+          </a:fontRef>
+        </p:style>
+      </p:cxnSp>
+      <p:cxnSp>
+        <p:nvCxnSpPr>
+          <p:cNvPr id="52" name="Straight Connector 51">
+            <a:extLst>
+              <a:ext uri="{FF2B5EF4-FFF2-40B4-BE49-F238E27FC236}">
+                <a16:creationId xmlns:a16="http://schemas.microsoft.com/office/drawing/2014/main" xmlns="" xmlns:wne="http://schemas.microsoft.com/office/word/2006/wordml" xmlns:w="http://schemas.openxmlformats.org/wordprocessingml/2006/main" xmlns:w10="urn:schemas-microsoft-com:office:word" xmlns:wp="http://schemas.openxmlformats.org/drawingml/2006/wordprocessingDrawing" xmlns:v="urn:schemas-microsoft-com:vml" xmlns:m="http://schemas.openxmlformats.org/officeDocument/2006/math" xmlns:o="urn:schemas-microsoft-com:office:office" xmlns:ve="http://schemas.openxmlformats.org/markup-compatibility/2006" xmlns:lc="http://schemas.openxmlformats.org/drawingml/2006/lockedCanvas" id="{EDBCDB02-1877-48E1-8234-82F5C68048D2}"/>
+              </a:ext>
+            </a:extLst>
+          </p:cNvPr>
+          <p:cNvCxnSpPr>
+            <a:cxnSpLocks/>
+          </p:cNvCxnSpPr>
+          <p:nvPr/>
+        </p:nvCxnSpPr>
+        <p:spPr>
+          <a:xfrm flipH="1" flipV="1">
+            <a:off x="3211599" y="2208827"/>
+            <a:ext cx="687897" cy="519895"/>
+          </a:xfrm>
+          <a:prstGeom prst="line">
+            <a:avLst/>
+          </a:prstGeom>
+          <a:ln/>
+        </p:spPr>
+        <p:style>
+          <a:lnRef idx="2">
+            <a:schemeClr val="accent4"/>
+          </a:lnRef>
+          <a:fillRef idx="0">
+            <a:schemeClr val="accent4"/>
+          </a:fillRef>
+          <a:effectRef idx="1">
+            <a:schemeClr val="accent4"/>
+          </a:effectRef>
+          <a:fontRef idx="minor">
+            <a:schemeClr val="tx1"/>
+          </a:fontRef>
+        </p:style>
+      </p:cxnSp>
+      <p:pic>
+        <p:nvPicPr>
+          <p:cNvPr id="53" name="Picture 52">
+            <a:extLst>
+              <a:ext uri="{FF2B5EF4-FFF2-40B4-BE49-F238E27FC236}">
+                <a16:creationId xmlns:a16="http://schemas.microsoft.com/office/drawing/2014/main" xmlns="" xmlns:wne="http://schemas.microsoft.com/office/word/2006/wordml" xmlns:w="http://schemas.openxmlformats.org/wordprocessingml/2006/main" xmlns:w10="urn:schemas-microsoft-com:office:word" xmlns:wp="http://schemas.openxmlformats.org/drawingml/2006/wordprocessingDrawing" xmlns:v="urn:schemas-microsoft-com:vml" xmlns:m="http://schemas.openxmlformats.org/officeDocument/2006/math" xmlns:o="urn:schemas-microsoft-com:office:office" xmlns:ve="http://schemas.openxmlformats.org/markup-compatibility/2006" xmlns:lc="http://schemas.openxmlformats.org/drawingml/2006/lockedCanvas" id="{E63422CD-2838-4A04-81ED-A278AEC41896}"/>
+              </a:ext>
+            </a:extLst>
+          </p:cNvPr>
+          <p:cNvPicPr>
+            <a:picLocks noChangeAspect="1"/>
+          </p:cNvPicPr>
+          <p:nvPr/>
+        </p:nvPicPr>
+        <p:blipFill>
+          <a:blip r:embed="rId8" cstate="print">
+            <a:extLst>
+              <a:ext uri="{28A0092B-C50C-407E-A947-70E740481C1C}">
+                <a14:useLocalDpi xmlns:a14="http://schemas.microsoft.com/office/drawing/2010/main" val="0"/>
+              </a:ext>
+            </a:extLst>
+          </a:blip>
+          <a:stretch>
+            <a:fillRect/>
+          </a:stretch>
+        </p:blipFill>
+        <p:spPr>
+          <a:xfrm>
+            <a:off x="6368656" y="1114913"/>
+            <a:ext cx="1534416" cy="493481"/>
+          </a:xfrm>
+          <a:prstGeom prst="rect">
+            <a:avLst/>
+          </a:prstGeom>
+        </p:spPr>
+      </p:pic>
+      <p:cxnSp>
+        <p:nvCxnSpPr>
+          <p:cNvPr id="54" name="Straight Connector 53">
+            <a:extLst>
+              <a:ext uri="{FF2B5EF4-FFF2-40B4-BE49-F238E27FC236}">
+                <a16:creationId xmlns:a16="http://schemas.microsoft.com/office/drawing/2014/main" xmlns="" xmlns:wne="http://schemas.microsoft.com/office/word/2006/wordml" xmlns:w="http://schemas.openxmlformats.org/wordprocessingml/2006/main" xmlns:w10="urn:schemas-microsoft-com:office:word" xmlns:wp="http://schemas.openxmlformats.org/drawingml/2006/wordprocessingDrawing" xmlns:v="urn:schemas-microsoft-com:vml" xmlns:m="http://schemas.openxmlformats.org/officeDocument/2006/math" xmlns:o="urn:schemas-microsoft-com:office:office" xmlns:ve="http://schemas.openxmlformats.org/markup-compatibility/2006" xmlns:lc="http://schemas.openxmlformats.org/drawingml/2006/lockedCanvas" id="{33381917-C21F-4F2D-87AA-7E079E65AD3F}"/>
+              </a:ext>
+            </a:extLst>
+          </p:cNvPr>
+          <p:cNvCxnSpPr>
+            <a:cxnSpLocks/>
+          </p:cNvCxnSpPr>
+          <p:nvPr/>
+        </p:nvCxnSpPr>
+        <p:spPr>
+          <a:xfrm flipV="1">
+            <a:off x="7582263" y="1940092"/>
+            <a:ext cx="419808" cy="812642"/>
+          </a:xfrm>
+          <a:prstGeom prst="line">
+            <a:avLst/>
+          </a:prstGeom>
+          <a:ln/>
+        </p:spPr>
+        <p:style>
+          <a:lnRef idx="2">
+            <a:schemeClr val="accent4"/>
+          </a:lnRef>
+          <a:fillRef idx="0">
+            <a:schemeClr val="accent4"/>
+          </a:fillRef>
+          <a:effectRef idx="1">
+            <a:schemeClr val="accent4"/>
+          </a:effectRef>
+          <a:fontRef idx="minor">
+            <a:schemeClr val="tx1"/>
+          </a:fontRef>
+        </p:style>
+      </p:cxnSp>
+      <p:sp>
+        <p:nvSpPr>
+          <p:cNvPr id="55" name="Rectangle: Rounded Corners 46">
+            <a:extLst>
+              <a:ext uri="{FF2B5EF4-FFF2-40B4-BE49-F238E27FC236}">
+                <a16:creationId xmlns:a16="http://schemas.microsoft.com/office/drawing/2014/main" xmlns="" xmlns:wne="http://schemas.microsoft.com/office/word/2006/wordml" xmlns:w="http://schemas.openxmlformats.org/wordprocessingml/2006/main" xmlns:w10="urn:schemas-microsoft-com:office:word" xmlns:wp="http://schemas.openxmlformats.org/drawingml/2006/wordprocessingDrawing" xmlns:v="urn:schemas-microsoft-com:vml" xmlns:m="http://schemas.openxmlformats.org/officeDocument/2006/math" xmlns:o="urn:schemas-microsoft-com:office:office" xmlns:ve="http://schemas.openxmlformats.org/markup-compatibility/2006" xmlns:lc="http://schemas.openxmlformats.org/drawingml/2006/lockedCanvas" id="{1A4C5F64-6070-4AA7-B3C8-B87CA784202B}"/>
+              </a:ext>
+            </a:extLst>
+          </p:cNvPr>
+          <p:cNvSpPr/>
+          <p:nvPr/>
+        </p:nvSpPr>
+        <p:spPr>
+          <a:xfrm>
+            <a:off x="3752546" y="4973906"/>
+            <a:ext cx="4292509" cy="1159458"/>
+          </a:xfrm>
+          <a:prstGeom prst="roundRect">
+            <a:avLst/>
+          </a:prstGeom>
+        </p:spPr>
+        <p:style>
+          <a:lnRef idx="1">
+            <a:schemeClr val="accent4"/>
+          </a:lnRef>
+          <a:fillRef idx="2">
+            <a:schemeClr val="accent4"/>
+          </a:fillRef>
+          <a:effectRef idx="1">
+            <a:schemeClr val="accent4"/>
+          </a:effectRef>
+          <a:fontRef idx="minor">
+            <a:schemeClr val="dk1"/>
+          </a:fontRef>
+        </p:style>
+        <p:txBody>
+          <a:bodyPr rtlCol="0" anchor="t"/>
+          <a:lstStyle>
+            <a:defPPr>
+              <a:defRPr lang="en-US"/>
+            </a:defPPr>
+            <a:lvl1pPr marL="0" algn="l" defTabSz="914400" rtl="0" eaLnBrk="1" latinLnBrk="0" hangingPunct="1">
+              <a:defRPr sz="1800" kern="1200">
+                <a:solidFill>
+                  <a:schemeClr val="dk1"/>
+                </a:solidFill>
+                <a:latin typeface="+mn-lt"/>
+                <a:ea typeface="+mn-ea"/>
+                <a:cs typeface="+mn-cs"/>
+              </a:defRPr>
+            </a:lvl1pPr>
+            <a:lvl2pPr marL="457200" algn="l" defTabSz="914400" rtl="0" eaLnBrk="1" latinLnBrk="0" hangingPunct="1">
+              <a:defRPr sz="1800" kern="1200">
+                <a:solidFill>
+                  <a:schemeClr val="dk1"/>
+                </a:solidFill>
+                <a:latin typeface="+mn-lt"/>
+                <a:ea typeface="+mn-ea"/>
+                <a:cs typeface="+mn-cs"/>
+              </a:defRPr>
+            </a:lvl2pPr>
+            <a:lvl3pPr marL="914400" algn="l" defTabSz="914400" rtl="0" eaLnBrk="1" latinLnBrk="0" hangingPunct="1">
+              <a:defRPr sz="1800" kern="1200">
+                <a:solidFill>
+                  <a:schemeClr val="dk1"/>
+                </a:solidFill>
+                <a:latin typeface="+mn-lt"/>
+                <a:ea typeface="+mn-ea"/>
+                <a:cs typeface="+mn-cs"/>
+              </a:defRPr>
+            </a:lvl3pPr>
+            <a:lvl4pPr marL="1371600" algn="l" defTabSz="914400" rtl="0" eaLnBrk="1" latinLnBrk="0" hangingPunct="1">
+              <a:defRPr sz="1800" kern="1200">
+                <a:solidFill>
+                  <a:schemeClr val="dk1"/>
+                </a:solidFill>
+                <a:latin typeface="+mn-lt"/>
+                <a:ea typeface="+mn-ea"/>
+                <a:cs typeface="+mn-cs"/>
+              </a:defRPr>
+            </a:lvl4pPr>
+            <a:lvl5pPr marL="1828800" algn="l" defTabSz="914400" rtl="0" eaLnBrk="1" latinLnBrk="0" hangingPunct="1">
+              <a:defRPr sz="1800" kern="1200">
+                <a:solidFill>
+                  <a:schemeClr val="dk1"/>
+                </a:solidFill>
+                <a:latin typeface="+mn-lt"/>
+                <a:ea typeface="+mn-ea"/>
+                <a:cs typeface="+mn-cs"/>
+              </a:defRPr>
+            </a:lvl5pPr>
+            <a:lvl6pPr marL="2286000" algn="l" defTabSz="914400" rtl="0" eaLnBrk="1" latinLnBrk="0" hangingPunct="1">
+              <a:defRPr sz="1800" kern="1200">
+                <a:solidFill>
+                  <a:schemeClr val="dk1"/>
+                </a:solidFill>
+                <a:latin typeface="+mn-lt"/>
+                <a:ea typeface="+mn-ea"/>
+                <a:cs typeface="+mn-cs"/>
+              </a:defRPr>
+            </a:lvl6pPr>
+            <a:lvl7pPr marL="2743200" algn="l" defTabSz="914400" rtl="0" eaLnBrk="1" latinLnBrk="0" hangingPunct="1">
+              <a:defRPr sz="1800" kern="1200">
+                <a:solidFill>
+                  <a:schemeClr val="dk1"/>
+                </a:solidFill>
+                <a:latin typeface="+mn-lt"/>
+                <a:ea typeface="+mn-ea"/>
+                <a:cs typeface="+mn-cs"/>
+              </a:defRPr>
+            </a:lvl7pPr>
+            <a:lvl8pPr marL="3200400" algn="l" defTabSz="914400" rtl="0" eaLnBrk="1" latinLnBrk="0" hangingPunct="1">
+              <a:defRPr sz="1800" kern="1200">
+                <a:solidFill>
+                  <a:schemeClr val="dk1"/>
+                </a:solidFill>
+                <a:latin typeface="+mn-lt"/>
+                <a:ea typeface="+mn-ea"/>
+                <a:cs typeface="+mn-cs"/>
+              </a:defRPr>
+            </a:lvl8pPr>
+            <a:lvl9pPr marL="3657600" algn="l" defTabSz="914400" rtl="0" eaLnBrk="1" latinLnBrk="0" hangingPunct="1">
+              <a:defRPr sz="1800" kern="1200">
+                <a:solidFill>
+                  <a:schemeClr val="dk1"/>
+                </a:solidFill>
+                <a:latin typeface="+mn-lt"/>
+                <a:ea typeface="+mn-ea"/>
+                <a:cs typeface="+mn-cs"/>
+              </a:defRPr>
+            </a:lvl9pPr>
+          </a:lstStyle>
+          <a:p>
+            <a:pPr algn="ctr"/>
+            <a:r>
+              <a:rPr lang="en-US" sz="1600" dirty="0"/>
+              <a:t>Automated Testing</a:t>
+            </a:r>
+          </a:p>
+        </p:txBody>
+      </p:sp>
+      <p:pic>
+        <p:nvPicPr>
+          <p:cNvPr id="56" name="Picture 55">
+            <a:extLst>
+              <a:ext uri="{FF2B5EF4-FFF2-40B4-BE49-F238E27FC236}">
+                <a16:creationId xmlns:a16="http://schemas.microsoft.com/office/drawing/2014/main" xmlns="" xmlns:wne="http://schemas.microsoft.com/office/word/2006/wordml" xmlns:w="http://schemas.openxmlformats.org/wordprocessingml/2006/main" xmlns:w10="urn:schemas-microsoft-com:office:word" xmlns:wp="http://schemas.openxmlformats.org/drawingml/2006/wordprocessingDrawing" xmlns:v="urn:schemas-microsoft-com:vml" xmlns:m="http://schemas.openxmlformats.org/officeDocument/2006/math" xmlns:o="urn:schemas-microsoft-com:office:office" xmlns:ve="http://schemas.openxmlformats.org/markup-compatibility/2006" xmlns:lc="http://schemas.openxmlformats.org/drawingml/2006/lockedCanvas" id="{72721FF6-1EE4-4E1C-AD01-BC2F7761B051}"/>
+              </a:ext>
+            </a:extLst>
+          </p:cNvPr>
+          <p:cNvPicPr>
+            <a:picLocks noChangeAspect="1"/>
+          </p:cNvPicPr>
+          <p:nvPr/>
+        </p:nvPicPr>
+        <p:blipFill>
+          <a:blip r:embed="rId9" cstate="print">
+            <a:extLst>
+              <a:ext uri="{28A0092B-C50C-407E-A947-70E740481C1C}">
+                <a14:useLocalDpi xmlns:a14="http://schemas.microsoft.com/office/drawing/2010/main" val="0"/>
+              </a:ext>
+            </a:extLst>
+          </a:blip>
+          <a:stretch>
+            <a:fillRect/>
+          </a:stretch>
+        </p:blipFill>
+        <p:spPr>
+          <a:xfrm>
+            <a:off x="3777856" y="5229713"/>
+            <a:ext cx="1361063" cy="862456"/>
+          </a:xfrm>
+          <a:prstGeom prst="rect">
+            <a:avLst/>
+          </a:prstGeom>
+        </p:spPr>
+      </p:pic>
+      <p:sp>
+        <p:nvSpPr>
+          <p:cNvPr id="57" name="Rectangle: Rounded Corners 58">
+            <a:extLst>
+              <a:ext uri="{FF2B5EF4-FFF2-40B4-BE49-F238E27FC236}">
+                <a16:creationId xmlns:a16="http://schemas.microsoft.com/office/drawing/2014/main" xmlns="" xmlns:wne="http://schemas.microsoft.com/office/word/2006/wordml" xmlns:w="http://schemas.openxmlformats.org/wordprocessingml/2006/main" xmlns:w10="urn:schemas-microsoft-com:office:word" xmlns:wp="http://schemas.openxmlformats.org/drawingml/2006/wordprocessingDrawing" xmlns:v="urn:schemas-microsoft-com:vml" xmlns:m="http://schemas.openxmlformats.org/officeDocument/2006/math" xmlns:o="urn:schemas-microsoft-com:office:office" xmlns:ve="http://schemas.openxmlformats.org/markup-compatibility/2006" xmlns:lc="http://schemas.openxmlformats.org/drawingml/2006/lockedCanvas" id="{40DDAFC7-2343-4D18-84DB-27D82A318D14}"/>
+              </a:ext>
+            </a:extLst>
+          </p:cNvPr>
+          <p:cNvSpPr/>
+          <p:nvPr/>
+        </p:nvSpPr>
+        <p:spPr>
+          <a:xfrm>
+            <a:off x="8395995" y="2266906"/>
+            <a:ext cx="2036425" cy="1727426"/>
+          </a:xfrm>
+          <a:prstGeom prst="roundRect">
+            <a:avLst/>
+          </a:prstGeom>
+        </p:spPr>
+        <p:style>
+          <a:lnRef idx="1">
+            <a:schemeClr val="accent4"/>
+          </a:lnRef>
+          <a:fillRef idx="2">
+            <a:schemeClr val="accent4"/>
+          </a:fillRef>
+          <a:effectRef idx="1">
+            <a:schemeClr val="accent4"/>
+          </a:effectRef>
+          <a:fontRef idx="minor">
+            <a:schemeClr val="dk1"/>
+          </a:fontRef>
+        </p:style>
+        <p:txBody>
+          <a:bodyPr rtlCol="0" anchor="t"/>
+          <a:lstStyle>
+            <a:defPPr>
+              <a:defRPr lang="en-US"/>
+            </a:defPPr>
+            <a:lvl1pPr marL="0" algn="l" defTabSz="914400" rtl="0" eaLnBrk="1" latinLnBrk="0" hangingPunct="1">
+              <a:defRPr sz="1800" kern="1200">
+                <a:solidFill>
+                  <a:schemeClr val="dk1"/>
+                </a:solidFill>
+                <a:latin typeface="+mn-lt"/>
+                <a:ea typeface="+mn-ea"/>
+                <a:cs typeface="+mn-cs"/>
+              </a:defRPr>
+            </a:lvl1pPr>
+            <a:lvl2pPr marL="457200" algn="l" defTabSz="914400" rtl="0" eaLnBrk="1" latinLnBrk="0" hangingPunct="1">
+              <a:defRPr sz="1800" kern="1200">
+                <a:solidFill>
+                  <a:schemeClr val="dk1"/>
+                </a:solidFill>
+                <a:latin typeface="+mn-lt"/>
+                <a:ea typeface="+mn-ea"/>
+                <a:cs typeface="+mn-cs"/>
+              </a:defRPr>
+            </a:lvl2pPr>
+            <a:lvl3pPr marL="914400" algn="l" defTabSz="914400" rtl="0" eaLnBrk="1" latinLnBrk="0" hangingPunct="1">
+              <a:defRPr sz="1800" kern="1200">
+                <a:solidFill>
+                  <a:schemeClr val="dk1"/>
+                </a:solidFill>
+                <a:latin typeface="+mn-lt"/>
+                <a:ea typeface="+mn-ea"/>
+                <a:cs typeface="+mn-cs"/>
+              </a:defRPr>
+            </a:lvl3pPr>
+            <a:lvl4pPr marL="1371600" algn="l" defTabSz="914400" rtl="0" eaLnBrk="1" latinLnBrk="0" hangingPunct="1">
+              <a:defRPr sz="1800" kern="1200">
+                <a:solidFill>
+                  <a:schemeClr val="dk1"/>
+                </a:solidFill>
+                <a:latin typeface="+mn-lt"/>
+                <a:ea typeface="+mn-ea"/>
+                <a:cs typeface="+mn-cs"/>
+              </a:defRPr>
+            </a:lvl4pPr>
+            <a:lvl5pPr marL="1828800" algn="l" defTabSz="914400" rtl="0" eaLnBrk="1" latinLnBrk="0" hangingPunct="1">
+              <a:defRPr sz="1800" kern="1200">
+                <a:solidFill>
+                  <a:schemeClr val="dk1"/>
+                </a:solidFill>
+                <a:latin typeface="+mn-lt"/>
+                <a:ea typeface="+mn-ea"/>
+                <a:cs typeface="+mn-cs"/>
+              </a:defRPr>
+            </a:lvl5pPr>
+            <a:lvl6pPr marL="2286000" algn="l" defTabSz="914400" rtl="0" eaLnBrk="1" latinLnBrk="0" hangingPunct="1">
+              <a:defRPr sz="1800" kern="1200">
+                <a:solidFill>
+                  <a:schemeClr val="dk1"/>
+                </a:solidFill>
+                <a:latin typeface="+mn-lt"/>
+                <a:ea typeface="+mn-ea"/>
+                <a:cs typeface="+mn-cs"/>
+              </a:defRPr>
+            </a:lvl6pPr>
+            <a:lvl7pPr marL="2743200" algn="l" defTabSz="914400" rtl="0" eaLnBrk="1" latinLnBrk="0" hangingPunct="1">
+              <a:defRPr sz="1800" kern="1200">
+                <a:solidFill>
+                  <a:schemeClr val="dk1"/>
+                </a:solidFill>
+                <a:latin typeface="+mn-lt"/>
+                <a:ea typeface="+mn-ea"/>
+                <a:cs typeface="+mn-cs"/>
+              </a:defRPr>
+            </a:lvl7pPr>
+            <a:lvl8pPr marL="3200400" algn="l" defTabSz="914400" rtl="0" eaLnBrk="1" latinLnBrk="0" hangingPunct="1">
+              <a:defRPr sz="1800" kern="1200">
+                <a:solidFill>
+                  <a:schemeClr val="dk1"/>
+                </a:solidFill>
+                <a:latin typeface="+mn-lt"/>
+                <a:ea typeface="+mn-ea"/>
+                <a:cs typeface="+mn-cs"/>
+              </a:defRPr>
+            </a:lvl8pPr>
+            <a:lvl9pPr marL="3657600" algn="l" defTabSz="914400" rtl="0" eaLnBrk="1" latinLnBrk="0" hangingPunct="1">
+              <a:defRPr sz="1800" kern="1200">
+                <a:solidFill>
+                  <a:schemeClr val="dk1"/>
+                </a:solidFill>
+                <a:latin typeface="+mn-lt"/>
+                <a:ea typeface="+mn-ea"/>
+                <a:cs typeface="+mn-cs"/>
+              </a:defRPr>
+            </a:lvl9pPr>
+          </a:lstStyle>
+          <a:p>
+            <a:pPr algn="ctr"/>
+            <a:r>
+              <a:rPr lang="en-US" sz="1600" dirty="0"/>
+              <a:t>Deployment</a:t>
+            </a:r>
+          </a:p>
+          <a:p>
+            <a:pPr algn="ctr"/>
+            <a:r>
+              <a:rPr lang="en-US" sz="1600" dirty="0"/>
+              <a:t>Environments</a:t>
+            </a:r>
+          </a:p>
+        </p:txBody>
+      </p:sp>
+      <p:sp>
+        <p:nvSpPr>
+          <p:cNvPr id="58" name="Rectangle: Rounded Corners 64">
+            <a:extLst>
+              <a:ext uri="{FF2B5EF4-FFF2-40B4-BE49-F238E27FC236}">
+                <a16:creationId xmlns:a16="http://schemas.microsoft.com/office/drawing/2014/main" xmlns="" xmlns:wne="http://schemas.microsoft.com/office/word/2006/wordml" xmlns:w="http://schemas.openxmlformats.org/wordprocessingml/2006/main" xmlns:w10="urn:schemas-microsoft-com:office:word" xmlns:wp="http://schemas.openxmlformats.org/drawingml/2006/wordprocessingDrawing" xmlns:v="urn:schemas-microsoft-com:vml" xmlns:m="http://schemas.openxmlformats.org/officeDocument/2006/math" xmlns:o="urn:schemas-microsoft-com:office:office" xmlns:ve="http://schemas.openxmlformats.org/markup-compatibility/2006" xmlns:lc="http://schemas.openxmlformats.org/drawingml/2006/lockedCanvas" id="{46AFC2AF-CFE6-4A1C-A681-9C5F8CDC4E08}"/>
+              </a:ext>
+            </a:extLst>
+          </p:cNvPr>
+          <p:cNvSpPr/>
+          <p:nvPr/>
+        </p:nvSpPr>
+        <p:spPr>
+          <a:xfrm>
+            <a:off x="8405321" y="4241552"/>
+            <a:ext cx="2053430" cy="1860391"/>
+          </a:xfrm>
+          <a:prstGeom prst="roundRect">
+            <a:avLst/>
+          </a:prstGeom>
+        </p:spPr>
+        <p:style>
+          <a:lnRef idx="1">
+            <a:schemeClr val="accent4"/>
+          </a:lnRef>
+          <a:fillRef idx="2">
+            <a:schemeClr val="accent4"/>
+          </a:fillRef>
+          <a:effectRef idx="1">
+            <a:schemeClr val="accent4"/>
+          </a:effectRef>
+          <a:fontRef idx="minor">
+            <a:schemeClr val="dk1"/>
+          </a:fontRef>
+        </p:style>
+        <p:txBody>
+          <a:bodyPr rtlCol="0" anchor="t"/>
+          <a:lstStyle>
+            <a:defPPr>
+              <a:defRPr lang="en-US"/>
+            </a:defPPr>
+            <a:lvl1pPr marL="0" algn="l" defTabSz="914400" rtl="0" eaLnBrk="1" latinLnBrk="0" hangingPunct="1">
+              <a:defRPr sz="1800" kern="1200">
+                <a:solidFill>
+                  <a:schemeClr val="dk1"/>
+                </a:solidFill>
+                <a:latin typeface="+mn-lt"/>
+                <a:ea typeface="+mn-ea"/>
+                <a:cs typeface="+mn-cs"/>
+              </a:defRPr>
+            </a:lvl1pPr>
+            <a:lvl2pPr marL="457200" algn="l" defTabSz="914400" rtl="0" eaLnBrk="1" latinLnBrk="0" hangingPunct="1">
+              <a:defRPr sz="1800" kern="1200">
+                <a:solidFill>
+                  <a:schemeClr val="dk1"/>
+                </a:solidFill>
+                <a:latin typeface="+mn-lt"/>
+                <a:ea typeface="+mn-ea"/>
+                <a:cs typeface="+mn-cs"/>
+              </a:defRPr>
+            </a:lvl2pPr>
+            <a:lvl3pPr marL="914400" algn="l" defTabSz="914400" rtl="0" eaLnBrk="1" latinLnBrk="0" hangingPunct="1">
+              <a:defRPr sz="1800" kern="1200">
+                <a:solidFill>
+                  <a:schemeClr val="dk1"/>
+                </a:solidFill>
+                <a:latin typeface="+mn-lt"/>
+                <a:ea typeface="+mn-ea"/>
+                <a:cs typeface="+mn-cs"/>
+              </a:defRPr>
+            </a:lvl3pPr>
+            <a:lvl4pPr marL="1371600" algn="l" defTabSz="914400" rtl="0" eaLnBrk="1" latinLnBrk="0" hangingPunct="1">
+              <a:defRPr sz="1800" kern="1200">
+                <a:solidFill>
+                  <a:schemeClr val="dk1"/>
+                </a:solidFill>
+                <a:latin typeface="+mn-lt"/>
+                <a:ea typeface="+mn-ea"/>
+                <a:cs typeface="+mn-cs"/>
+              </a:defRPr>
+            </a:lvl4pPr>
+            <a:lvl5pPr marL="1828800" algn="l" defTabSz="914400" rtl="0" eaLnBrk="1" latinLnBrk="0" hangingPunct="1">
+              <a:defRPr sz="1800" kern="1200">
+                <a:solidFill>
+                  <a:schemeClr val="dk1"/>
+                </a:solidFill>
+                <a:latin typeface="+mn-lt"/>
+                <a:ea typeface="+mn-ea"/>
+                <a:cs typeface="+mn-cs"/>
+              </a:defRPr>
+            </a:lvl5pPr>
+            <a:lvl6pPr marL="2286000" algn="l" defTabSz="914400" rtl="0" eaLnBrk="1" latinLnBrk="0" hangingPunct="1">
+              <a:defRPr sz="1800" kern="1200">
+                <a:solidFill>
+                  <a:schemeClr val="dk1"/>
+                </a:solidFill>
+                <a:latin typeface="+mn-lt"/>
+                <a:ea typeface="+mn-ea"/>
+                <a:cs typeface="+mn-cs"/>
+              </a:defRPr>
+            </a:lvl6pPr>
+            <a:lvl7pPr marL="2743200" algn="l" defTabSz="914400" rtl="0" eaLnBrk="1" latinLnBrk="0" hangingPunct="1">
+              <a:defRPr sz="1800" kern="1200">
+                <a:solidFill>
+                  <a:schemeClr val="dk1"/>
+                </a:solidFill>
+                <a:latin typeface="+mn-lt"/>
+                <a:ea typeface="+mn-ea"/>
+                <a:cs typeface="+mn-cs"/>
+              </a:defRPr>
+            </a:lvl7pPr>
+            <a:lvl8pPr marL="3200400" algn="l" defTabSz="914400" rtl="0" eaLnBrk="1" latinLnBrk="0" hangingPunct="1">
+              <a:defRPr sz="1800" kern="1200">
+                <a:solidFill>
+                  <a:schemeClr val="dk1"/>
+                </a:solidFill>
+                <a:latin typeface="+mn-lt"/>
+                <a:ea typeface="+mn-ea"/>
+                <a:cs typeface="+mn-cs"/>
+              </a:defRPr>
+            </a:lvl8pPr>
+            <a:lvl9pPr marL="3657600" algn="l" defTabSz="914400" rtl="0" eaLnBrk="1" latinLnBrk="0" hangingPunct="1">
+              <a:defRPr sz="1800" kern="1200">
+                <a:solidFill>
+                  <a:schemeClr val="dk1"/>
+                </a:solidFill>
+                <a:latin typeface="+mn-lt"/>
+                <a:ea typeface="+mn-ea"/>
+                <a:cs typeface="+mn-cs"/>
+              </a:defRPr>
+            </a:lvl9pPr>
+          </a:lstStyle>
+          <a:p>
+            <a:pPr algn="ctr"/>
+            <a:r>
+              <a:rPr lang="en-US" sz="1600" dirty="0"/>
+              <a:t>Operate &amp; Monitor</a:t>
+            </a:r>
+          </a:p>
+        </p:txBody>
+      </p:sp>
+      <p:cxnSp>
+        <p:nvCxnSpPr>
+          <p:cNvPr id="59" name="Straight Connector 58">
+            <a:extLst>
+              <a:ext uri="{FF2B5EF4-FFF2-40B4-BE49-F238E27FC236}">
+                <a16:creationId xmlns:a16="http://schemas.microsoft.com/office/drawing/2014/main" xmlns="" xmlns:wne="http://schemas.microsoft.com/office/word/2006/wordml" xmlns:w="http://schemas.openxmlformats.org/wordprocessingml/2006/main" xmlns:w10="urn:schemas-microsoft-com:office:word" xmlns:wp="http://schemas.openxmlformats.org/drawingml/2006/wordprocessingDrawing" xmlns:v="urn:schemas-microsoft-com:vml" xmlns:m="http://schemas.openxmlformats.org/officeDocument/2006/math" xmlns:o="urn:schemas-microsoft-com:office:office" xmlns:ve="http://schemas.openxmlformats.org/markup-compatibility/2006" xmlns:lc="http://schemas.openxmlformats.org/drawingml/2006/lockedCanvas" id="{F3E1E8B7-7631-4D72-A00F-E23044A1BE1F}"/>
+              </a:ext>
+            </a:extLst>
+          </p:cNvPr>
+          <p:cNvCxnSpPr>
+            <a:cxnSpLocks/>
+          </p:cNvCxnSpPr>
+          <p:nvPr/>
+        </p:nvCxnSpPr>
+        <p:spPr>
+          <a:xfrm flipH="1" flipV="1">
+            <a:off x="7548054" y="4230685"/>
+            <a:ext cx="978314" cy="386930"/>
+          </a:xfrm>
+          <a:prstGeom prst="line">
+            <a:avLst/>
+          </a:prstGeom>
+          <a:ln/>
+        </p:spPr>
+        <p:style>
+          <a:lnRef idx="2">
+            <a:schemeClr val="accent4"/>
+          </a:lnRef>
+          <a:fillRef idx="0">
+            <a:schemeClr val="accent4"/>
+          </a:fillRef>
+          <a:effectRef idx="1">
+            <a:schemeClr val="accent4"/>
+          </a:effectRef>
+          <a:fontRef idx="minor">
+            <a:schemeClr val="tx1"/>
+          </a:fontRef>
+        </p:style>
+      </p:cxnSp>
+      <p:cxnSp>
+        <p:nvCxnSpPr>
+          <p:cNvPr id="60" name="Straight Connector 59">
+            <a:extLst>
+              <a:ext uri="{FF2B5EF4-FFF2-40B4-BE49-F238E27FC236}">
+                <a16:creationId xmlns:a16="http://schemas.microsoft.com/office/drawing/2014/main" xmlns="" xmlns:wne="http://schemas.microsoft.com/office/word/2006/wordml" xmlns:w="http://schemas.openxmlformats.org/wordprocessingml/2006/main" xmlns:w10="urn:schemas-microsoft-com:office:word" xmlns:wp="http://schemas.openxmlformats.org/drawingml/2006/wordprocessingDrawing" xmlns:v="urn:schemas-microsoft-com:vml" xmlns:m="http://schemas.openxmlformats.org/officeDocument/2006/math" xmlns:o="urn:schemas-microsoft-com:office:office" xmlns:ve="http://schemas.openxmlformats.org/markup-compatibility/2006" xmlns:lc="http://schemas.openxmlformats.org/drawingml/2006/lockedCanvas" id="{F663B159-7BFE-4C43-8BAD-54538C2CE6DE}"/>
+              </a:ext>
+            </a:extLst>
+          </p:cNvPr>
+          <p:cNvCxnSpPr>
+            <a:cxnSpLocks/>
+          </p:cNvCxnSpPr>
+          <p:nvPr/>
+        </p:nvCxnSpPr>
+        <p:spPr>
+          <a:xfrm flipH="1">
+            <a:off x="3003466" y="3106549"/>
+            <a:ext cx="1927876" cy="177069"/>
+          </a:xfrm>
+          <a:prstGeom prst="line">
+            <a:avLst/>
+          </a:prstGeom>
+          <a:ln/>
+        </p:spPr>
+        <p:style>
+          <a:lnRef idx="2">
+            <a:schemeClr val="accent4"/>
+          </a:lnRef>
+          <a:fillRef idx="0">
+            <a:schemeClr val="accent4"/>
+          </a:fillRef>
+          <a:effectRef idx="1">
+            <a:schemeClr val="accent4"/>
+          </a:effectRef>
+          <a:fontRef idx="minor">
+            <a:schemeClr val="tx1"/>
+          </a:fontRef>
+        </p:style>
+      </p:cxnSp>
+      <p:cxnSp>
+        <p:nvCxnSpPr>
+          <p:cNvPr id="61" name="Straight Connector 60">
+            <a:extLst>
+              <a:ext uri="{FF2B5EF4-FFF2-40B4-BE49-F238E27FC236}">
+                <a16:creationId xmlns:a16="http://schemas.microsoft.com/office/drawing/2014/main" xmlns="" xmlns:wne="http://schemas.microsoft.com/office/word/2006/wordml" xmlns:w="http://schemas.openxmlformats.org/wordprocessingml/2006/main" xmlns:w10="urn:schemas-microsoft-com:office:word" xmlns:wp="http://schemas.openxmlformats.org/drawingml/2006/wordprocessingDrawing" xmlns:v="urn:schemas-microsoft-com:vml" xmlns:m="http://schemas.openxmlformats.org/officeDocument/2006/math" xmlns:o="urn:schemas-microsoft-com:office:office" xmlns:ve="http://schemas.openxmlformats.org/markup-compatibility/2006" xmlns:lc="http://schemas.openxmlformats.org/drawingml/2006/lockedCanvas" id="{AB4FE091-356B-4BA5-B45C-01D19290C22F}"/>
+              </a:ext>
+            </a:extLst>
+          </p:cNvPr>
+          <p:cNvCxnSpPr>
+            <a:cxnSpLocks/>
+          </p:cNvCxnSpPr>
+          <p:nvPr/>
+        </p:nvCxnSpPr>
+        <p:spPr>
+          <a:xfrm flipH="1" flipV="1">
+            <a:off x="5682856" y="2105513"/>
+            <a:ext cx="1078584" cy="273537"/>
+          </a:xfrm>
+          <a:prstGeom prst="line">
+            <a:avLst/>
+          </a:prstGeom>
+          <a:ln/>
+        </p:spPr>
+        <p:style>
+          <a:lnRef idx="2">
+            <a:schemeClr val="accent4"/>
+          </a:lnRef>
+          <a:fillRef idx="0">
+            <a:schemeClr val="accent4"/>
+          </a:fillRef>
+          <a:effectRef idx="1">
+            <a:schemeClr val="accent4"/>
+          </a:effectRef>
+          <a:fontRef idx="minor">
+            <a:schemeClr val="tx1"/>
+          </a:fontRef>
+        </p:style>
+      </p:cxnSp>
+      <p:cxnSp>
+        <p:nvCxnSpPr>
+          <p:cNvPr id="62" name="Straight Connector 61">
+            <a:extLst>
+              <a:ext uri="{FF2B5EF4-FFF2-40B4-BE49-F238E27FC236}">
+                <a16:creationId xmlns:a16="http://schemas.microsoft.com/office/drawing/2014/main" xmlns="" xmlns:wne="http://schemas.microsoft.com/office/word/2006/wordml" xmlns:w="http://schemas.openxmlformats.org/wordprocessingml/2006/main" xmlns:w10="urn:schemas-microsoft-com:office:word" xmlns:wp="http://schemas.openxmlformats.org/drawingml/2006/wordprocessingDrawing" xmlns:v="urn:schemas-microsoft-com:vml" xmlns:m="http://schemas.openxmlformats.org/officeDocument/2006/math" xmlns:o="urn:schemas-microsoft-com:office:office" xmlns:ve="http://schemas.openxmlformats.org/markup-compatibility/2006" xmlns:lc="http://schemas.openxmlformats.org/drawingml/2006/lockedCanvas" id="{609F955E-CFBC-4484-ADFC-62A6ADD6D07B}"/>
+              </a:ext>
+            </a:extLst>
+          </p:cNvPr>
+          <p:cNvCxnSpPr>
+            <a:cxnSpLocks/>
+          </p:cNvCxnSpPr>
+          <p:nvPr/>
+        </p:nvCxnSpPr>
+        <p:spPr>
+          <a:xfrm flipH="1" flipV="1">
+            <a:off x="5375959" y="4140992"/>
+            <a:ext cx="94826" cy="945043"/>
+          </a:xfrm>
+          <a:prstGeom prst="line">
+            <a:avLst/>
+          </a:prstGeom>
+          <a:ln/>
+        </p:spPr>
+        <p:style>
+          <a:lnRef idx="2">
+            <a:schemeClr val="accent4"/>
+          </a:lnRef>
+          <a:fillRef idx="0">
+            <a:schemeClr val="accent4"/>
+          </a:fillRef>
+          <a:effectRef idx="1">
+            <a:schemeClr val="accent4"/>
+          </a:effectRef>
+          <a:fontRef idx="minor">
+            <a:schemeClr val="tx1"/>
+          </a:fontRef>
+        </p:style>
+      </p:cxnSp>
+      <p:cxnSp>
+        <p:nvCxnSpPr>
+          <p:cNvPr id="63" name="Straight Connector 62">
+            <a:extLst>
+              <a:ext uri="{FF2B5EF4-FFF2-40B4-BE49-F238E27FC236}">
+                <a16:creationId xmlns:a16="http://schemas.microsoft.com/office/drawing/2014/main" xmlns="" xmlns:wne="http://schemas.microsoft.com/office/word/2006/wordml" xmlns:w="http://schemas.openxmlformats.org/wordprocessingml/2006/main" xmlns:w10="urn:schemas-microsoft-com:office:word" xmlns:wp="http://schemas.openxmlformats.org/drawingml/2006/wordprocessingDrawing" xmlns:v="urn:schemas-microsoft-com:vml" xmlns:m="http://schemas.openxmlformats.org/officeDocument/2006/math" xmlns:o="urn:schemas-microsoft-com:office:office" xmlns:ve="http://schemas.openxmlformats.org/markup-compatibility/2006" xmlns:lc="http://schemas.openxmlformats.org/drawingml/2006/lockedCanvas" id="{FDEA3AF4-4A30-4B3D-B6B2-0102418C87C1}"/>
+              </a:ext>
+            </a:extLst>
+          </p:cNvPr>
+          <p:cNvCxnSpPr>
+            <a:cxnSpLocks/>
+          </p:cNvCxnSpPr>
+          <p:nvPr/>
+        </p:nvCxnSpPr>
+        <p:spPr>
+          <a:xfrm flipV="1">
+            <a:off x="6739240" y="1941762"/>
+            <a:ext cx="1227433" cy="810972"/>
+          </a:xfrm>
+          <a:prstGeom prst="line">
+            <a:avLst/>
+          </a:prstGeom>
+          <a:ln/>
+        </p:spPr>
+        <p:style>
+          <a:lnRef idx="2">
+            <a:schemeClr val="accent4"/>
+          </a:lnRef>
+          <a:fillRef idx="0">
+            <a:schemeClr val="accent4"/>
+          </a:fillRef>
+          <a:effectRef idx="1">
+            <a:schemeClr val="accent4"/>
+          </a:effectRef>
+          <a:fontRef idx="minor">
+            <a:schemeClr val="tx1"/>
+          </a:fontRef>
+        </p:style>
+      </p:cxnSp>
+      <p:cxnSp>
+        <p:nvCxnSpPr>
+          <p:cNvPr id="64" name="Straight Connector 63">
+            <a:extLst>
+              <a:ext uri="{FF2B5EF4-FFF2-40B4-BE49-F238E27FC236}">
+                <a16:creationId xmlns:a16="http://schemas.microsoft.com/office/drawing/2014/main" xmlns="" xmlns:wne="http://schemas.microsoft.com/office/word/2006/wordml" xmlns:w="http://schemas.openxmlformats.org/wordprocessingml/2006/main" xmlns:w10="urn:schemas-microsoft-com:office:word" xmlns:wp="http://schemas.openxmlformats.org/drawingml/2006/wordprocessingDrawing" xmlns:v="urn:schemas-microsoft-com:vml" xmlns:m="http://schemas.openxmlformats.org/officeDocument/2006/math" xmlns:o="urn:schemas-microsoft-com:office:office" xmlns:ve="http://schemas.openxmlformats.org/markup-compatibility/2006" xmlns:lc="http://schemas.openxmlformats.org/drawingml/2006/lockedCanvas" id="{2F22BA16-D3B7-4B43-AFCE-ACF8AAE6F2AB}"/>
+              </a:ext>
+            </a:extLst>
+          </p:cNvPr>
+          <p:cNvCxnSpPr>
+            <a:cxnSpLocks/>
+          </p:cNvCxnSpPr>
+          <p:nvPr/>
+        </p:nvCxnSpPr>
+        <p:spPr>
+          <a:xfrm flipV="1">
+            <a:off x="7918722" y="3390886"/>
+            <a:ext cx="611784" cy="37679"/>
+          </a:xfrm>
+          <a:prstGeom prst="line">
+            <a:avLst/>
+          </a:prstGeom>
+          <a:ln/>
+        </p:spPr>
+        <p:style>
+          <a:lnRef idx="2">
+            <a:schemeClr val="accent4"/>
+          </a:lnRef>
+          <a:fillRef idx="0">
+            <a:schemeClr val="accent4"/>
+          </a:fillRef>
+          <a:effectRef idx="1">
+            <a:schemeClr val="accent4"/>
+          </a:effectRef>
+          <a:fontRef idx="minor">
+            <a:schemeClr val="tx1"/>
+          </a:fontRef>
+        </p:style>
+      </p:cxnSp>
+      <p:pic>
+        <p:nvPicPr>
+          <p:cNvPr id="65" name="Picture 64" descr="Related image"/>
+          <p:cNvPicPr>
+            <a:picLocks noChangeAspect="1" noChangeArrowheads="1"/>
+          </p:cNvPicPr>
+          <p:nvPr/>
+        </p:nvPicPr>
+        <p:blipFill>
+          <a:blip r:embed="rId10" cstate="print"/>
+          <a:srcRect/>
+          <a:stretch>
+            <a:fillRect/>
+          </a:stretch>
+        </p:blipFill>
+        <p:spPr bwMode="auto">
+          <a:xfrm>
+            <a:off x="2406256" y="4924913"/>
+            <a:ext cx="833438" cy="533400"/>
+          </a:xfrm>
+          <a:prstGeom prst="rect">
+            <a:avLst/>
+          </a:prstGeom>
+          <a:noFill/>
+        </p:spPr>
+      </p:pic>
+      <p:pic>
+        <p:nvPicPr>
+          <p:cNvPr id="66" name="Picture 65" descr="Image result for slack icon"/>
+          <p:cNvPicPr>
+            <a:picLocks noChangeAspect="1" noChangeArrowheads="1"/>
+          </p:cNvPicPr>
+          <p:nvPr/>
+        </p:nvPicPr>
+        <p:blipFill>
+          <a:blip r:embed="rId11" cstate="print"/>
+          <a:srcRect/>
+          <a:stretch>
+            <a:fillRect/>
+          </a:stretch>
+        </p:blipFill>
+        <p:spPr bwMode="auto">
+          <a:xfrm>
+            <a:off x="1796656" y="3019913"/>
+            <a:ext cx="1143000" cy="1066800"/>
+          </a:xfrm>
+          <a:prstGeom prst="rect">
+            <a:avLst/>
+          </a:prstGeom>
+          <a:noFill/>
+        </p:spPr>
+      </p:pic>
+      <p:pic>
+        <p:nvPicPr>
+          <p:cNvPr id="67" name="Picture 66" descr="Image result for Zoom.us icon"/>
+          <p:cNvPicPr>
+            <a:picLocks noChangeAspect="1" noChangeArrowheads="1"/>
+          </p:cNvPicPr>
+          <p:nvPr/>
+        </p:nvPicPr>
+        <p:blipFill>
+          <a:blip r:embed="rId12" cstate="print"/>
+          <a:srcRect/>
+          <a:stretch>
+            <a:fillRect/>
+          </a:stretch>
+        </p:blipFill>
+        <p:spPr bwMode="auto">
+          <a:xfrm>
+            <a:off x="1872856" y="3858113"/>
+            <a:ext cx="1005840" cy="228600"/>
+          </a:xfrm>
+          <a:prstGeom prst="rect">
+            <a:avLst/>
+          </a:prstGeom>
+          <a:noFill/>
+        </p:spPr>
+      </p:pic>
+      <p:pic>
+        <p:nvPicPr>
+          <p:cNvPr id="68" name="Picture 67"/>
+          <p:cNvPicPr>
+            <a:picLocks noChangeAspect="1" noChangeArrowheads="1"/>
+          </p:cNvPicPr>
+          <p:nvPr/>
+        </p:nvPicPr>
+        <p:blipFill>
+          <a:blip r:embed="rId13" cstate="print"/>
+          <a:srcRect/>
+          <a:stretch>
+            <a:fillRect/>
+          </a:stretch>
+        </p:blipFill>
+        <p:spPr bwMode="auto">
+          <a:xfrm>
+            <a:off x="1796656" y="3019913"/>
+            <a:ext cx="1219200" cy="228600"/>
+          </a:xfrm>
+          <a:prstGeom prst="rect">
+            <a:avLst/>
+          </a:prstGeom>
+          <a:noFill/>
+          <a:ln w="9525">
+            <a:noFill/>
+            <a:miter lim="800000"/>
+            <a:headEnd/>
+            <a:tailEnd/>
+          </a:ln>
+          <a:effectLst/>
+        </p:spPr>
+      </p:pic>
+      <p:sp>
+        <p:nvSpPr>
+          <p:cNvPr id="69" name="TextBox 60"/>
+          <p:cNvSpPr txBox="1"/>
+          <p:nvPr/>
+        </p:nvSpPr>
+        <p:spPr>
+          <a:xfrm>
+            <a:off x="6368656" y="5534513"/>
+            <a:ext cx="1675459" cy="523220"/>
+          </a:xfrm>
+          <a:prstGeom prst="rect">
+            <a:avLst/>
+          </a:prstGeom>
+          <a:noFill/>
+        </p:spPr>
+        <p:txBody>
+          <a:bodyPr wrap="none" rtlCol="0">
+            <a:spAutoFit/>
+          </a:bodyPr>
+          <a:lstStyle>
+            <a:defPPr>
+              <a:defRPr lang="en-US"/>
+            </a:defPPr>
+            <a:lvl1pPr marL="0" algn="l" defTabSz="914400" rtl="0" eaLnBrk="1" latinLnBrk="0" hangingPunct="1">
+              <a:defRPr sz="1800" kern="1200">
+                <a:solidFill>
+                  <a:schemeClr val="tx1"/>
+                </a:solidFill>
+                <a:latin typeface="+mn-lt"/>
+                <a:ea typeface="+mn-ea"/>
+                <a:cs typeface="+mn-cs"/>
+              </a:defRPr>
+            </a:lvl1pPr>
+            <a:lvl2pPr marL="457200" algn="l" defTabSz="914400" rtl="0" eaLnBrk="1" latinLnBrk="0" hangingPunct="1">
+              <a:defRPr sz="1800" kern="1200">
+                <a:solidFill>
+                  <a:schemeClr val="tx1"/>
+                </a:solidFill>
+                <a:latin typeface="+mn-lt"/>
+                <a:ea typeface="+mn-ea"/>
+                <a:cs typeface="+mn-cs"/>
+              </a:defRPr>
+            </a:lvl2pPr>
+            <a:lvl3pPr marL="914400" algn="l" defTabSz="914400" rtl="0" eaLnBrk="1" latinLnBrk="0" hangingPunct="1">
+              <a:defRPr sz="1800" kern="1200">
+                <a:solidFill>
+                  <a:schemeClr val="tx1"/>
+                </a:solidFill>
+                <a:latin typeface="+mn-lt"/>
+                <a:ea typeface="+mn-ea"/>
+                <a:cs typeface="+mn-cs"/>
+              </a:defRPr>
+            </a:lvl3pPr>
+            <a:lvl4pPr marL="1371600" algn="l" defTabSz="914400" rtl="0" eaLnBrk="1" latinLnBrk="0" hangingPunct="1">
+              <a:defRPr sz="1800" kern="1200">
+                <a:solidFill>
+                  <a:schemeClr val="tx1"/>
+                </a:solidFill>
+                <a:latin typeface="+mn-lt"/>
+                <a:ea typeface="+mn-ea"/>
+                <a:cs typeface="+mn-cs"/>
+              </a:defRPr>
+            </a:lvl4pPr>
+            <a:lvl5pPr marL="1828800" algn="l" defTabSz="914400" rtl="0" eaLnBrk="1" latinLnBrk="0" hangingPunct="1">
+              <a:defRPr sz="1800" kern="1200">
+                <a:solidFill>
+                  <a:schemeClr val="tx1"/>
+                </a:solidFill>
+                <a:latin typeface="+mn-lt"/>
+                <a:ea typeface="+mn-ea"/>
+                <a:cs typeface="+mn-cs"/>
+              </a:defRPr>
+            </a:lvl5pPr>
+            <a:lvl6pPr marL="2286000" algn="l" defTabSz="914400" rtl="0" eaLnBrk="1" latinLnBrk="0" hangingPunct="1">
+              <a:defRPr sz="1800" kern="1200">
+                <a:solidFill>
+                  <a:schemeClr val="tx1"/>
+                </a:solidFill>
+                <a:latin typeface="+mn-lt"/>
+                <a:ea typeface="+mn-ea"/>
+                <a:cs typeface="+mn-cs"/>
+              </a:defRPr>
+            </a:lvl6pPr>
+            <a:lvl7pPr marL="2743200" algn="l" defTabSz="914400" rtl="0" eaLnBrk="1" latinLnBrk="0" hangingPunct="1">
+              <a:defRPr sz="1800" kern="1200">
+                <a:solidFill>
+                  <a:schemeClr val="tx1"/>
+                </a:solidFill>
+                <a:latin typeface="+mn-lt"/>
+                <a:ea typeface="+mn-ea"/>
+                <a:cs typeface="+mn-cs"/>
+              </a:defRPr>
+            </a:lvl7pPr>
+            <a:lvl8pPr marL="3200400" algn="l" defTabSz="914400" rtl="0" eaLnBrk="1" latinLnBrk="0" hangingPunct="1">
+              <a:defRPr sz="1800" kern="1200">
+                <a:solidFill>
+                  <a:schemeClr val="tx1"/>
+                </a:solidFill>
+                <a:latin typeface="+mn-lt"/>
+                <a:ea typeface="+mn-ea"/>
+                <a:cs typeface="+mn-cs"/>
+              </a:defRPr>
+            </a:lvl8pPr>
+            <a:lvl9pPr marL="3657600" algn="l" defTabSz="914400" rtl="0" eaLnBrk="1" latinLnBrk="0" hangingPunct="1">
+              <a:defRPr sz="1800" kern="1200">
+                <a:solidFill>
+                  <a:schemeClr val="tx1"/>
+                </a:solidFill>
+                <a:latin typeface="+mn-lt"/>
+                <a:ea typeface="+mn-ea"/>
+                <a:cs typeface="+mn-cs"/>
+              </a:defRPr>
+            </a:lvl9pPr>
+          </a:lstStyle>
+          <a:p>
+            <a:pPr algn="ctr"/>
+            <a:r>
+              <a:rPr lang="en-IE" sz="1400" dirty="0" err="1" smtClean="0">
+                <a:effectLst>
+                  <a:outerShdw blurRad="38100" dist="38100" dir="2700000" algn="tl">
+                    <a:srgbClr val="000000">
+                      <a:alpha val="43137"/>
+                    </a:srgbClr>
+                  </a:outerShdw>
+                </a:effectLst>
+                <a:latin typeface="Britannic Bold" pitchFamily="34" charset="0"/>
+              </a:rPr>
+              <a:t>Wrk</a:t>
+            </a:r>
+            <a:r>
+              <a:rPr lang="en-IE" sz="1400" dirty="0" smtClean="0">
+                <a:effectLst>
+                  <a:outerShdw blurRad="38100" dist="38100" dir="2700000" algn="tl">
+                    <a:srgbClr val="000000">
+                      <a:alpha val="43137"/>
+                    </a:srgbClr>
+                  </a:outerShdw>
+                </a:effectLst>
+                <a:latin typeface="Britannic Bold" pitchFamily="34" charset="0"/>
+              </a:rPr>
+              <a:t> </a:t>
+            </a:r>
+          </a:p>
+          <a:p>
+            <a:pPr algn="ctr"/>
+            <a:r>
+              <a:rPr lang="en-IE" sz="1400" dirty="0" smtClean="0">
+                <a:effectLst>
+                  <a:outerShdw blurRad="38100" dist="38100" dir="2700000" algn="tl">
+                    <a:srgbClr val="000000">
+                      <a:alpha val="43137"/>
+                    </a:srgbClr>
+                  </a:outerShdw>
+                </a:effectLst>
+                <a:latin typeface="Britannic Bold" pitchFamily="34" charset="0"/>
+              </a:rPr>
+              <a:t>Performance Tests</a:t>
+            </a:r>
+            <a:endParaRPr lang="en-IE" sz="1400" dirty="0">
+              <a:effectLst>
+                <a:outerShdw blurRad="38100" dist="38100" dir="2700000" algn="tl">
+                  <a:srgbClr val="000000">
+                    <a:alpha val="43137"/>
+                  </a:srgbClr>
+                </a:outerShdw>
+              </a:effectLst>
+              <a:latin typeface="Britannic Bold" pitchFamily="34" charset="0"/>
+            </a:endParaRPr>
+          </a:p>
+        </p:txBody>
+      </p:sp>
+      <p:pic>
+        <p:nvPicPr>
+          <p:cNvPr id="70" name="Picture 69" descr="Related image"/>
+          <p:cNvPicPr>
+            <a:picLocks noChangeAspect="1" noChangeArrowheads="1"/>
+          </p:cNvPicPr>
+          <p:nvPr/>
+        </p:nvPicPr>
+        <p:blipFill>
+          <a:blip r:embed="rId14" cstate="print"/>
+          <a:srcRect/>
+          <a:stretch>
+            <a:fillRect/>
+          </a:stretch>
+        </p:blipFill>
+        <p:spPr bwMode="auto">
+          <a:xfrm>
+            <a:off x="5378056" y="5382113"/>
+            <a:ext cx="1099037" cy="457200"/>
+          </a:xfrm>
+          <a:prstGeom prst="rect">
+            <a:avLst/>
+          </a:prstGeom>
+          <a:noFill/>
+        </p:spPr>
+      </p:pic>
+      <p:pic>
+        <p:nvPicPr>
+          <p:cNvPr id="71" name="Picture 70" descr="Related image"/>
+          <p:cNvPicPr>
+            <a:picLocks noChangeAspect="1" noChangeArrowheads="1"/>
+          </p:cNvPicPr>
+          <p:nvPr/>
+        </p:nvPicPr>
+        <p:blipFill>
+          <a:blip r:embed="rId15" cstate="print"/>
+          <a:srcRect/>
+          <a:stretch>
+            <a:fillRect/>
+          </a:stretch>
+        </p:blipFill>
+        <p:spPr bwMode="auto">
+          <a:xfrm>
+            <a:off x="8730856" y="2943713"/>
+            <a:ext cx="1507601" cy="397002"/>
+          </a:xfrm>
+          <a:prstGeom prst="rect">
+            <a:avLst/>
+          </a:prstGeom>
+          <a:noFill/>
+        </p:spPr>
+      </p:pic>
+      <p:pic>
+        <p:nvPicPr>
+          <p:cNvPr id="72" name="Picture 71" descr="Related image"/>
+          <p:cNvPicPr>
+            <a:picLocks noChangeAspect="1" noChangeArrowheads="1"/>
+          </p:cNvPicPr>
+          <p:nvPr/>
+        </p:nvPicPr>
+        <p:blipFill>
+          <a:blip r:embed="rId16" cstate="print"/>
+          <a:srcRect/>
+          <a:stretch>
+            <a:fillRect/>
+          </a:stretch>
+        </p:blipFill>
+        <p:spPr bwMode="auto">
+          <a:xfrm>
+            <a:off x="9111856" y="3248513"/>
+            <a:ext cx="765175" cy="765175"/>
+          </a:xfrm>
+          <a:prstGeom prst="rect">
+            <a:avLst/>
+          </a:prstGeom>
+          <a:noFill/>
+        </p:spPr>
+      </p:pic>
+      <p:pic>
+        <p:nvPicPr>
+          <p:cNvPr id="73" name="Picture 72" descr="Image result for monit icon images"/>
+          <p:cNvPicPr>
+            <a:picLocks noChangeAspect="1" noChangeArrowheads="1"/>
+          </p:cNvPicPr>
+          <p:nvPr/>
+        </p:nvPicPr>
+        <p:blipFill>
+          <a:blip r:embed="rId17" cstate="print"/>
+          <a:srcRect/>
+          <a:stretch>
+            <a:fillRect/>
+          </a:stretch>
+        </p:blipFill>
+        <p:spPr bwMode="auto">
+          <a:xfrm>
+            <a:off x="8578456" y="4772513"/>
+            <a:ext cx="2057400" cy="955222"/>
+          </a:xfrm>
+          <a:prstGeom prst="rect">
+            <a:avLst/>
+          </a:prstGeom>
+          <a:noFill/>
+        </p:spPr>
+      </p:pic>
+      <p:pic>
+        <p:nvPicPr>
+          <p:cNvPr id="74" name="Picture 73" descr="Image result for gradle icon"/>
+          <p:cNvPicPr>
+            <a:picLocks noChangeAspect="1" noChangeArrowheads="1"/>
+          </p:cNvPicPr>
+          <p:nvPr/>
+        </p:nvPicPr>
+        <p:blipFill>
+          <a:blip r:embed="rId18" cstate="print"/>
+          <a:srcRect/>
+          <a:stretch>
+            <a:fillRect/>
+          </a:stretch>
+        </p:blipFill>
+        <p:spPr bwMode="auto">
+          <a:xfrm>
+            <a:off x="7359256" y="1648313"/>
+            <a:ext cx="1363148" cy="381000"/>
+          </a:xfrm>
+          <a:prstGeom prst="rect">
+            <a:avLst/>
+          </a:prstGeom>
+          <a:noFill/>
+        </p:spPr>
+      </p:pic>
+    </p:spTree>
+    <p:extLst>
+      <p:ext uri="{BB962C8B-B14F-4D97-AF65-F5344CB8AC3E}">
+        <p14:creationId xmlns:p14="http://schemas.microsoft.com/office/powerpoint/2010/main" val="4272565969"/>
+      </p:ext>
+    </p:extLst>
+  </p:cSld>
+  <p:clrMapOvr>
+    <a:masterClrMapping/>
+  </p:clrMapOvr>
+  <p:timing>
+    <p:tnLst>
+      <p:par>
+        <p:cTn id="1" dur="indefinite" restart="never" nodeType="tmRoot"/>
+      </p:par>
+    </p:tnLst>
+  </p:timing>
 </p:sld>
 </file>
 
@@ -6080,6 +8541,13 @@
   <p:clrMapOvr>
     <a:masterClrMapping/>
   </p:clrMapOvr>
+  <p:timing>
+    <p:tnLst>
+      <p:par>
+        <p:cTn id="1" dur="indefinite" restart="never" nodeType="tmRoot"/>
+      </p:par>
+    </p:tnLst>
+  </p:timing>
 </p:sld>
 </file>
 
@@ -8686,6 +11154,13 @@
   <p:clrMapOvr>
     <a:masterClrMapping/>
   </p:clrMapOvr>
+  <p:timing>
+    <p:tnLst>
+      <p:par>
+        <p:cTn id="1" dur="indefinite" restart="never" nodeType="tmRoot"/>
+      </p:par>
+    </p:tnLst>
+  </p:timing>
 </p:sld>
 </file>
 
@@ -8708,6 +11183,51 @@
       </p:grpSpPr>
       <p:sp>
         <p:nvSpPr>
+          <p:cNvPr id="3" name="Rounded Rectangle 2"/>
+          <p:cNvSpPr/>
+          <p:nvPr/>
+        </p:nvSpPr>
+        <p:spPr>
+          <a:xfrm>
+            <a:off x="242048" y="1452282"/>
+            <a:ext cx="1649506" cy="2492189"/>
+          </a:xfrm>
+          <a:prstGeom prst="roundRect">
+            <a:avLst/>
+          </a:prstGeom>
+          <a:solidFill>
+            <a:schemeClr val="tx1">
+              <a:lumMod val="85000"/>
+            </a:schemeClr>
+          </a:solidFill>
+        </p:spPr>
+        <p:style>
+          <a:lnRef idx="2">
+            <a:schemeClr val="accent1">
+              <a:shade val="50000"/>
+            </a:schemeClr>
+          </a:lnRef>
+          <a:fillRef idx="1">
+            <a:schemeClr val="accent1"/>
+          </a:fillRef>
+          <a:effectRef idx="0">
+            <a:schemeClr val="accent1"/>
+          </a:effectRef>
+          <a:fontRef idx="minor">
+            <a:schemeClr val="lt1"/>
+          </a:fontRef>
+        </p:style>
+        <p:txBody>
+          <a:bodyPr rtlCol="0" anchor="ctr"/>
+          <a:lstStyle/>
+          <a:p>
+            <a:pPr algn="ctr"/>
+            <a:endParaRPr lang="en-IE"/>
+          </a:p>
+        </p:txBody>
+      </p:sp>
+      <p:sp>
+        <p:nvSpPr>
           <p:cNvPr id="2" name="Title 1">
             <a:extLst>
               <a:ext uri="{FF2B5EF4-FFF2-40B4-BE49-F238E27FC236}">
@@ -8724,8 +11244,8 @@
         </p:nvSpPr>
         <p:spPr>
           <a:xfrm>
-            <a:off x="890547" y="286248"/>
-            <a:ext cx="9740347" cy="1184744"/>
+            <a:off x="890547" y="0"/>
+            <a:ext cx="9740347" cy="1057835"/>
           </a:xfrm>
         </p:spPr>
         <p:txBody>
@@ -8733,8 +11253,16 @@
           <a:lstStyle/>
           <a:p>
             <a:r>
-              <a:rPr lang="en-US" dirty="0"/>
-              <a:t>Agile Process</a:t>
+              <a:rPr lang="en-US" b="1" dirty="0" err="1" smtClean="0"/>
+              <a:t>CrowSoft</a:t>
+            </a:r>
+            <a:r>
+              <a:rPr lang="en-US" b="1" dirty="0" smtClean="0"/>
+              <a:t> Agile </a:t>
+            </a:r>
+            <a:r>
+              <a:rPr lang="en-US" b="1" dirty="0"/>
+              <a:t>Process</a:t>
             </a:r>
           </a:p>
         </p:txBody>
@@ -8763,8 +11291,108 @@
         </p:blipFill>
         <p:spPr>
           <a:xfrm>
-            <a:off x="890547" y="1701579"/>
-            <a:ext cx="9819860" cy="4546821"/>
+            <a:off x="1999129" y="1210235"/>
+            <a:ext cx="9583271" cy="4751294"/>
+          </a:xfrm>
+          <a:prstGeom prst="rect">
+            <a:avLst/>
+          </a:prstGeom>
+        </p:spPr>
+      </p:pic>
+      <p:pic>
+        <p:nvPicPr>
+          <p:cNvPr id="3078" name="Picture 6"/>
+          <p:cNvPicPr>
+            <a:picLocks noChangeAspect="1" noChangeArrowheads="1"/>
+          </p:cNvPicPr>
+          <p:nvPr/>
+        </p:nvPicPr>
+        <p:blipFill>
+          <a:blip r:embed="rId3">
+            <a:extLst>
+              <a:ext uri="{28A0092B-C50C-407E-A947-70E740481C1C}">
+                <a14:useLocalDpi xmlns:a14="http://schemas.microsoft.com/office/drawing/2010/main" val="0"/>
+              </a:ext>
+            </a:extLst>
+          </a:blip>
+          <a:srcRect/>
+          <a:stretch>
+            <a:fillRect/>
+          </a:stretch>
+        </p:blipFill>
+        <p:spPr bwMode="auto">
+          <a:xfrm>
+            <a:off x="421341" y="1747091"/>
+            <a:ext cx="1326777" cy="1049337"/>
+          </a:xfrm>
+          <a:prstGeom prst="rect">
+            <a:avLst/>
+          </a:prstGeom>
+          <a:noFill/>
+          <a:ln>
+            <a:noFill/>
+          </a:ln>
+          <a:effectLst/>
+          <a:extLst>
+            <a:ext uri="{909E8E84-426E-40DD-AFC4-6F175D3DCCD1}">
+              <a14:hiddenFill xmlns:a14="http://schemas.microsoft.com/office/drawing/2010/main">
+                <a:solidFill>
+                  <a:schemeClr val="accent1"/>
+                </a:solidFill>
+              </a14:hiddenFill>
+            </a:ext>
+            <a:ext uri="{91240B29-F687-4F45-9708-019B960494DF}">
+              <a14:hiddenLine xmlns:a14="http://schemas.microsoft.com/office/drawing/2010/main" w="9525">
+                <a:solidFill>
+                  <a:schemeClr val="tx1"/>
+                </a:solidFill>
+                <a:miter lim="800000"/>
+                <a:headEnd/>
+                <a:tailEnd/>
+              </a14:hiddenLine>
+            </a:ext>
+            <a:ext uri="{AF507438-7753-43E0-B8FC-AC1667EBCBE1}">
+              <a14:hiddenEffects xmlns:a14="http://schemas.microsoft.com/office/drawing/2010/main">
+                <a:effectLst>
+                  <a:outerShdw dist="35921" dir="2700000" algn="ctr" rotWithShape="0">
+                    <a:schemeClr val="bg2"/>
+                  </a:outerShdw>
+                </a:effectLst>
+              </a14:hiddenEffects>
+            </a:ext>
+          </a:extLst>
+        </p:spPr>
+      </p:pic>
+      <p:pic>
+        <p:nvPicPr>
+          <p:cNvPr id="7" name="Picture 6">
+            <a:extLst>
+              <a:ext uri="{FF2B5EF4-FFF2-40B4-BE49-F238E27FC236}">
+                <a16:creationId xmlns:a16="http://schemas.microsoft.com/office/drawing/2014/main" xmlns="" id="{B94385D5-98B6-4AC7-B7CD-65B49EF4CA03}"/>
+              </a:ext>
+            </a:extLst>
+          </p:cNvPr>
+          <p:cNvPicPr>
+            <a:picLocks noChangeAspect="1"/>
+          </p:cNvPicPr>
+          <p:nvPr/>
+        </p:nvPicPr>
+        <p:blipFill>
+          <a:blip r:embed="rId4" cstate="print">
+            <a:extLst>
+              <a:ext uri="{28A0092B-C50C-407E-A947-70E740481C1C}">
+                <a14:useLocalDpi xmlns:a14="http://schemas.microsoft.com/office/drawing/2010/main" val="0"/>
+              </a:ext>
+            </a:extLst>
+          </a:blip>
+          <a:stretch>
+            <a:fillRect/>
+          </a:stretch>
+        </p:blipFill>
+        <p:spPr>
+          <a:xfrm>
+            <a:off x="510821" y="2796428"/>
+            <a:ext cx="1147816" cy="1049337"/>
           </a:xfrm>
           <a:prstGeom prst="rect">
             <a:avLst/>
@@ -8781,6 +11409,13 @@
   <p:clrMapOvr>
     <a:masterClrMapping/>
   </p:clrMapOvr>
+  <p:timing>
+    <p:tnLst>
+      <p:par>
+        <p:cTn id="1" dur="indefinite" restart="never" nodeType="tmRoot"/>
+      </p:par>
+    </p:tnLst>
+  </p:timing>
 </p:sld>
 </file>
 
@@ -8803,18 +11438,49 @@
       </p:grpSpPr>
       <p:sp>
         <p:nvSpPr>
-          <p:cNvPr id="41" name="Rounded Rectangle 40"/>
+          <p:cNvPr id="2" name="Title 1"/>
+          <p:cNvSpPr>
+            <a:spLocks noGrp="1"/>
+          </p:cNvSpPr>
+          <p:nvPr>
+            <p:ph type="title"/>
+          </p:nvPr>
+        </p:nvSpPr>
+        <p:spPr>
+          <a:xfrm>
+            <a:off x="1159342" y="358588"/>
+            <a:ext cx="9905998" cy="591672"/>
+          </a:xfrm>
+        </p:spPr>
+        <p:txBody>
+          <a:bodyPr/>
+          <a:lstStyle/>
+          <a:p>
+            <a:r>
+              <a:rPr lang="en-IE" dirty="0" smtClean="0"/>
+              <a:t>JIRA Sprint</a:t>
+            </a:r>
+            <a:endParaRPr lang="en-IE" dirty="0"/>
+          </a:p>
+        </p:txBody>
+      </p:sp>
+      <p:sp>
+        <p:nvSpPr>
+          <p:cNvPr id="4" name="Rounded Rectangle 3"/>
           <p:cNvSpPr/>
           <p:nvPr/>
         </p:nvSpPr>
         <p:spPr>
           <a:xfrm>
-            <a:off x="2590799" y="4975412"/>
-            <a:ext cx="2766653" cy="1703293"/>
+            <a:off x="394447" y="1156447"/>
+            <a:ext cx="11528612" cy="5477435"/>
           </a:xfrm>
           <a:prstGeom prst="roundRect">
             <a:avLst/>
           </a:prstGeom>
+          <a:solidFill>
+            <a:schemeClr val="tx1"/>
+          </a:solidFill>
         </p:spPr>
         <p:style>
           <a:lnRef idx="2">
@@ -8837,238 +11503,13 @@
           <a:lstStyle/>
           <a:p>
             <a:pPr algn="ctr"/>
-            <a:r>
-              <a:rPr lang="en-IE" dirty="0" smtClean="0">
-                <a:latin typeface="Courier New" panose="02070309020205020404" pitchFamily="49" charset="0"/>
-                <a:cs typeface="Courier New" panose="02070309020205020404" pitchFamily="49" charset="0"/>
-              </a:rPr>
-              <a:t>Jenkins</a:t>
-            </a:r>
-          </a:p>
-          <a:p>
-            <a:pPr algn="ctr"/>
-            <a:r>
-              <a:rPr lang="en-IE" dirty="0" smtClean="0">
-                <a:latin typeface="Courier New" panose="02070309020205020404" pitchFamily="49" charset="0"/>
-                <a:cs typeface="Courier New" panose="02070309020205020404" pitchFamily="49" charset="0"/>
-              </a:rPr>
-              <a:t>Java</a:t>
-            </a:r>
-          </a:p>
-          <a:p>
-            <a:pPr algn="ctr"/>
-            <a:r>
-              <a:rPr lang="en-IE" dirty="0" smtClean="0">
-                <a:latin typeface="Courier New" panose="02070309020205020404" pitchFamily="49" charset="0"/>
-                <a:cs typeface="Courier New" panose="02070309020205020404" pitchFamily="49" charset="0"/>
-              </a:rPr>
-              <a:t>Open SSH</a:t>
-            </a:r>
-          </a:p>
-          <a:p>
-            <a:pPr algn="ctr"/>
-            <a:r>
-              <a:rPr lang="en-IE" dirty="0" smtClean="0">
-                <a:latin typeface="Courier New" panose="02070309020205020404" pitchFamily="49" charset="0"/>
-                <a:cs typeface="Courier New" panose="02070309020205020404" pitchFamily="49" charset="0"/>
-              </a:rPr>
-              <a:t>Putty </a:t>
-            </a:r>
-          </a:p>
-        </p:txBody>
-      </p:sp>
-      <p:sp>
-        <p:nvSpPr>
-          <p:cNvPr id="49" name="Rounded Rectangle 48"/>
-          <p:cNvSpPr/>
-          <p:nvPr/>
-        </p:nvSpPr>
-        <p:spPr>
-          <a:xfrm flipH="1">
-            <a:off x="6400799" y="4975412"/>
-            <a:ext cx="2653554" cy="1703293"/>
-          </a:xfrm>
-          <a:prstGeom prst="roundRect">
-            <a:avLst>
-              <a:gd name="adj" fmla="val 17356"/>
-            </a:avLst>
-          </a:prstGeom>
-        </p:spPr>
-        <p:style>
-          <a:lnRef idx="2">
-            <a:schemeClr val="accent1">
-              <a:shade val="50000"/>
-            </a:schemeClr>
-          </a:lnRef>
-          <a:fillRef idx="1">
-            <a:schemeClr val="accent1"/>
-          </a:fillRef>
-          <a:effectRef idx="0">
-            <a:schemeClr val="accent1"/>
-          </a:effectRef>
-          <a:fontRef idx="minor">
-            <a:schemeClr val="lt1"/>
-          </a:fontRef>
-        </p:style>
-        <p:txBody>
-          <a:bodyPr rtlCol="0" anchor="ctr"/>
-          <a:lstStyle/>
-          <a:p>
-            <a:pPr algn="ctr"/>
             <a:endParaRPr lang="en-IE"/>
-          </a:p>
-        </p:txBody>
-      </p:sp>
-      <p:sp>
-        <p:nvSpPr>
-          <p:cNvPr id="22" name="Rectangle: Rounded Corners 109">
-            <a:extLst>
-              <a:ext uri="{FF2B5EF4-FFF2-40B4-BE49-F238E27FC236}">
-                <a16:creationId xmlns:a16="http://schemas.microsoft.com/office/drawing/2014/main" xmlns="" id="{46AFC2AF-CFE6-4A1C-A681-9C5F8CDC4E08}"/>
-              </a:ext>
-            </a:extLst>
-          </p:cNvPr>
-          <p:cNvSpPr/>
-          <p:nvPr/>
-        </p:nvSpPr>
-        <p:spPr>
-          <a:xfrm>
-            <a:off x="9762565" y="340659"/>
-            <a:ext cx="2124635" cy="2776660"/>
-          </a:xfrm>
-          <a:prstGeom prst="roundRect">
-            <a:avLst/>
-          </a:prstGeom>
-          <a:solidFill>
-            <a:schemeClr val="tx2">
-              <a:lumMod val="50000"/>
-            </a:schemeClr>
-          </a:solidFill>
-        </p:spPr>
-        <p:style>
-          <a:lnRef idx="1">
-            <a:schemeClr val="accent4"/>
-          </a:lnRef>
-          <a:fillRef idx="2">
-            <a:schemeClr val="accent4"/>
-          </a:fillRef>
-          <a:effectRef idx="1">
-            <a:schemeClr val="accent4"/>
-          </a:effectRef>
-          <a:fontRef idx="minor">
-            <a:schemeClr val="dk1"/>
-          </a:fontRef>
-        </p:style>
-        <p:txBody>
-          <a:bodyPr rtlCol="0" anchor="t"/>
-          <a:lstStyle>
-            <a:defPPr>
-              <a:defRPr lang="en-US"/>
-            </a:defPPr>
-            <a:lvl1pPr marL="0" algn="l" defTabSz="914400" rtl="0" eaLnBrk="1" latinLnBrk="0" hangingPunct="1">
-              <a:defRPr sz="1800" kern="1200">
-                <a:solidFill>
-                  <a:schemeClr val="dk1"/>
-                </a:solidFill>
-                <a:latin typeface="+mn-lt"/>
-                <a:ea typeface="+mn-ea"/>
-                <a:cs typeface="+mn-cs"/>
-              </a:defRPr>
-            </a:lvl1pPr>
-            <a:lvl2pPr marL="457200" algn="l" defTabSz="914400" rtl="0" eaLnBrk="1" latinLnBrk="0" hangingPunct="1">
-              <a:defRPr sz="1800" kern="1200">
-                <a:solidFill>
-                  <a:schemeClr val="dk1"/>
-                </a:solidFill>
-                <a:latin typeface="+mn-lt"/>
-                <a:ea typeface="+mn-ea"/>
-                <a:cs typeface="+mn-cs"/>
-              </a:defRPr>
-            </a:lvl2pPr>
-            <a:lvl3pPr marL="914400" algn="l" defTabSz="914400" rtl="0" eaLnBrk="1" latinLnBrk="0" hangingPunct="1">
-              <a:defRPr sz="1800" kern="1200">
-                <a:solidFill>
-                  <a:schemeClr val="dk1"/>
-                </a:solidFill>
-                <a:latin typeface="+mn-lt"/>
-                <a:ea typeface="+mn-ea"/>
-                <a:cs typeface="+mn-cs"/>
-              </a:defRPr>
-            </a:lvl3pPr>
-            <a:lvl4pPr marL="1371600" algn="l" defTabSz="914400" rtl="0" eaLnBrk="1" latinLnBrk="0" hangingPunct="1">
-              <a:defRPr sz="1800" kern="1200">
-                <a:solidFill>
-                  <a:schemeClr val="dk1"/>
-                </a:solidFill>
-                <a:latin typeface="+mn-lt"/>
-                <a:ea typeface="+mn-ea"/>
-                <a:cs typeface="+mn-cs"/>
-              </a:defRPr>
-            </a:lvl4pPr>
-            <a:lvl5pPr marL="1828800" algn="l" defTabSz="914400" rtl="0" eaLnBrk="1" latinLnBrk="0" hangingPunct="1">
-              <a:defRPr sz="1800" kern="1200">
-                <a:solidFill>
-                  <a:schemeClr val="dk1"/>
-                </a:solidFill>
-                <a:latin typeface="+mn-lt"/>
-                <a:ea typeface="+mn-ea"/>
-                <a:cs typeface="+mn-cs"/>
-              </a:defRPr>
-            </a:lvl5pPr>
-            <a:lvl6pPr marL="2286000" algn="l" defTabSz="914400" rtl="0" eaLnBrk="1" latinLnBrk="0" hangingPunct="1">
-              <a:defRPr sz="1800" kern="1200">
-                <a:solidFill>
-                  <a:schemeClr val="dk1"/>
-                </a:solidFill>
-                <a:latin typeface="+mn-lt"/>
-                <a:ea typeface="+mn-ea"/>
-                <a:cs typeface="+mn-cs"/>
-              </a:defRPr>
-            </a:lvl6pPr>
-            <a:lvl7pPr marL="2743200" algn="l" defTabSz="914400" rtl="0" eaLnBrk="1" latinLnBrk="0" hangingPunct="1">
-              <a:defRPr sz="1800" kern="1200">
-                <a:solidFill>
-                  <a:schemeClr val="dk1"/>
-                </a:solidFill>
-                <a:latin typeface="+mn-lt"/>
-                <a:ea typeface="+mn-ea"/>
-                <a:cs typeface="+mn-cs"/>
-              </a:defRPr>
-            </a:lvl7pPr>
-            <a:lvl8pPr marL="3200400" algn="l" defTabSz="914400" rtl="0" eaLnBrk="1" latinLnBrk="0" hangingPunct="1">
-              <a:defRPr sz="1800" kern="1200">
-                <a:solidFill>
-                  <a:schemeClr val="dk1"/>
-                </a:solidFill>
-                <a:latin typeface="+mn-lt"/>
-                <a:ea typeface="+mn-ea"/>
-                <a:cs typeface="+mn-cs"/>
-              </a:defRPr>
-            </a:lvl8pPr>
-            <a:lvl9pPr marL="3657600" algn="l" defTabSz="914400" rtl="0" eaLnBrk="1" latinLnBrk="0" hangingPunct="1">
-              <a:defRPr sz="1800" kern="1200">
-                <a:solidFill>
-                  <a:schemeClr val="dk1"/>
-                </a:solidFill>
-                <a:latin typeface="+mn-lt"/>
-                <a:ea typeface="+mn-ea"/>
-                <a:cs typeface="+mn-cs"/>
-              </a:defRPr>
-            </a:lvl9pPr>
-          </a:lstStyle>
-          <a:p>
-            <a:pPr algn="ctr"/>
-            <a:r>
-              <a:rPr lang="en-US" sz="1600" dirty="0" smtClean="0"/>
-              <a:t>To Be Implemented</a:t>
-            </a:r>
-            <a:endParaRPr lang="en-US" sz="1600" dirty="0"/>
           </a:p>
         </p:txBody>
       </p:sp>
       <p:pic>
         <p:nvPicPr>
-          <p:cNvPr id="1031" name="Picture 7"/>
+          <p:cNvPr id="2050" name="Picture 2"/>
           <p:cNvPicPr>
             <a:picLocks noChangeAspect="1" noChangeArrowheads="1"/>
           </p:cNvPicPr>
@@ -9089,8 +11530,8 @@
         </p:blipFill>
         <p:spPr bwMode="auto">
           <a:xfrm>
-            <a:off x="2008095" y="1235066"/>
-            <a:ext cx="3854824" cy="4180376"/>
+            <a:off x="779929" y="1353672"/>
+            <a:ext cx="10721789" cy="4987922"/>
           </a:xfrm>
           <a:prstGeom prst="rect">
             <a:avLst/>
@@ -9099,7 +11540,6 @@
           <a:ln>
             <a:noFill/>
           </a:ln>
-          <a:effectLst/>
           <a:extLst>
             <a:ext uri="{909E8E84-426E-40DD-AFC4-6F175D3DCCD1}">
               <a14:hiddenFill xmlns:a14="http://schemas.microsoft.com/office/drawing/2010/main">
@@ -9118,1229 +11558,13 @@
                 <a:tailEnd/>
               </a14:hiddenLine>
             </a:ext>
-            <a:ext uri="{AF507438-7753-43E0-B8FC-AC1667EBCBE1}">
-              <a14:hiddenEffects xmlns:a14="http://schemas.microsoft.com/office/drawing/2010/main">
-                <a:effectLst>
-                  <a:outerShdw dist="35921" dir="2700000" algn="ctr" rotWithShape="0">
-                    <a:schemeClr val="bg2"/>
-                  </a:outerShdw>
-                </a:effectLst>
-              </a14:hiddenEffects>
-            </a:ext>
           </a:extLst>
         </p:spPr>
       </p:pic>
-      <p:pic>
-        <p:nvPicPr>
-          <p:cNvPr id="1030" name="Picture 6" descr="C:\Users\KK\AppData\Local\Microsoft\Windows\Temporary Internet Files\Content.IE5\KASK9R65\Gorilla-server.svg[1].png"/>
-          <p:cNvPicPr>
-            <a:picLocks noChangeAspect="1" noChangeArrowheads="1"/>
-          </p:cNvPicPr>
-          <p:nvPr/>
-        </p:nvPicPr>
-        <p:blipFill>
-          <a:blip r:embed="rId3">
-            <a:extLst>
-              <a:ext uri="{28A0092B-C50C-407E-A947-70E740481C1C}">
-                <a14:useLocalDpi xmlns:a14="http://schemas.microsoft.com/office/drawing/2010/main" val="0"/>
-              </a:ext>
-            </a:extLst>
-          </a:blip>
-          <a:srcRect/>
-          <a:stretch>
-            <a:fillRect/>
-          </a:stretch>
-        </p:blipFill>
-        <p:spPr bwMode="auto">
-          <a:xfrm>
-            <a:off x="5764305" y="1107255"/>
-            <a:ext cx="3818703" cy="4352251"/>
-          </a:xfrm>
-          <a:prstGeom prst="rect">
-            <a:avLst/>
-          </a:prstGeom>
-          <a:noFill/>
-          <a:extLst>
-            <a:ext uri="{909E8E84-426E-40DD-AFC4-6F175D3DCCD1}">
-              <a14:hiddenFill xmlns:a14="http://schemas.microsoft.com/office/drawing/2010/main">
-                <a:solidFill>
-                  <a:srgbClr val="FFFFFF"/>
-                </a:solidFill>
-              </a14:hiddenFill>
-            </a:ext>
-          </a:extLst>
-        </p:spPr>
-      </p:pic>
-      <p:sp>
-        <p:nvSpPr>
-          <p:cNvPr id="2" name="Title 1">
-            <a:extLst>
-              <a:ext uri="{FF2B5EF4-FFF2-40B4-BE49-F238E27FC236}">
-                <a16:creationId xmlns:a16="http://schemas.microsoft.com/office/drawing/2014/main" xmlns="" id="{F80389EE-9E58-48FF-89C5-3FBADBA31B30}"/>
-              </a:ext>
-            </a:extLst>
-          </p:cNvPr>
-          <p:cNvSpPr>
-            <a:spLocks noGrp="1"/>
-          </p:cNvSpPr>
-          <p:nvPr>
-            <p:ph type="title"/>
-          </p:nvPr>
-        </p:nvSpPr>
-        <p:spPr>
-          <a:xfrm>
-            <a:off x="1141413" y="71718"/>
-            <a:ext cx="9905998" cy="787024"/>
-          </a:xfrm>
-        </p:spPr>
-        <p:txBody>
-          <a:bodyPr>
-            <a:normAutofit fontScale="90000"/>
-          </a:bodyPr>
-          <a:lstStyle/>
-          <a:p>
-            <a:r>
-              <a:rPr lang="en-US" b="1" dirty="0" smtClean="0">
-                <a:effectLst/>
-              </a:rPr>
-              <a:t>Progress to date  </a:t>
-            </a:r>
-            <a:r>
-              <a:rPr lang="en-US" sz="2200" b="1" dirty="0" smtClean="0">
-                <a:effectLst/>
-              </a:rPr>
-              <a:t>Development Environment </a:t>
-            </a:r>
-            <a:r>
-              <a:rPr lang="en-US" b="1" dirty="0">
-                <a:effectLst/>
-              </a:rPr>
-              <a:t/>
-            </a:r>
-            <a:br>
-              <a:rPr lang="en-US" b="1" dirty="0">
-                <a:effectLst/>
-              </a:rPr>
-            </a:br>
-            <a:endParaRPr lang="en-US" dirty="0"/>
-          </a:p>
-        </p:txBody>
-      </p:sp>
-      <p:sp>
-        <p:nvSpPr>
-          <p:cNvPr id="4" name="Rectangle: Rounded Corners 91">
-            <a:extLst>
-              <a:ext uri="{FF2B5EF4-FFF2-40B4-BE49-F238E27FC236}">
-                <a16:creationId xmlns:a16="http://schemas.microsoft.com/office/drawing/2014/main" xmlns="" id="{1D838972-D107-4FC0-86F6-111F21BB8F67}"/>
-              </a:ext>
-            </a:extLst>
-          </p:cNvPr>
-          <p:cNvSpPr/>
-          <p:nvPr/>
-        </p:nvSpPr>
-        <p:spPr>
-          <a:xfrm>
-            <a:off x="179294" y="878542"/>
-            <a:ext cx="1703294" cy="2008912"/>
-          </a:xfrm>
-          <a:prstGeom prst="roundRect">
-            <a:avLst/>
-          </a:prstGeom>
-          <a:solidFill>
-            <a:schemeClr val="tx2">
-              <a:lumMod val="50000"/>
-            </a:schemeClr>
-          </a:solidFill>
-        </p:spPr>
-        <p:style>
-          <a:lnRef idx="1">
-            <a:schemeClr val="accent4"/>
-          </a:lnRef>
-          <a:fillRef idx="2">
-            <a:schemeClr val="accent4"/>
-          </a:fillRef>
-          <a:effectRef idx="1">
-            <a:schemeClr val="accent4"/>
-          </a:effectRef>
-          <a:fontRef idx="minor">
-            <a:schemeClr val="dk1"/>
-          </a:fontRef>
-        </p:style>
-        <p:txBody>
-          <a:bodyPr rtlCol="0" anchor="t"/>
-          <a:lstStyle>
-            <a:defPPr>
-              <a:defRPr lang="en-US"/>
-            </a:defPPr>
-            <a:lvl1pPr marL="0" algn="l" defTabSz="914400" rtl="0" eaLnBrk="1" latinLnBrk="0" hangingPunct="1">
-              <a:defRPr sz="1800" kern="1200">
-                <a:solidFill>
-                  <a:schemeClr val="dk1"/>
-                </a:solidFill>
-                <a:latin typeface="+mn-lt"/>
-                <a:ea typeface="+mn-ea"/>
-                <a:cs typeface="+mn-cs"/>
-              </a:defRPr>
-            </a:lvl1pPr>
-            <a:lvl2pPr marL="457200" algn="l" defTabSz="914400" rtl="0" eaLnBrk="1" latinLnBrk="0" hangingPunct="1">
-              <a:defRPr sz="1800" kern="1200">
-                <a:solidFill>
-                  <a:schemeClr val="dk1"/>
-                </a:solidFill>
-                <a:latin typeface="+mn-lt"/>
-                <a:ea typeface="+mn-ea"/>
-                <a:cs typeface="+mn-cs"/>
-              </a:defRPr>
-            </a:lvl2pPr>
-            <a:lvl3pPr marL="914400" algn="l" defTabSz="914400" rtl="0" eaLnBrk="1" latinLnBrk="0" hangingPunct="1">
-              <a:defRPr sz="1800" kern="1200">
-                <a:solidFill>
-                  <a:schemeClr val="dk1"/>
-                </a:solidFill>
-                <a:latin typeface="+mn-lt"/>
-                <a:ea typeface="+mn-ea"/>
-                <a:cs typeface="+mn-cs"/>
-              </a:defRPr>
-            </a:lvl3pPr>
-            <a:lvl4pPr marL="1371600" algn="l" defTabSz="914400" rtl="0" eaLnBrk="1" latinLnBrk="0" hangingPunct="1">
-              <a:defRPr sz="1800" kern="1200">
-                <a:solidFill>
-                  <a:schemeClr val="dk1"/>
-                </a:solidFill>
-                <a:latin typeface="+mn-lt"/>
-                <a:ea typeface="+mn-ea"/>
-                <a:cs typeface="+mn-cs"/>
-              </a:defRPr>
-            </a:lvl4pPr>
-            <a:lvl5pPr marL="1828800" algn="l" defTabSz="914400" rtl="0" eaLnBrk="1" latinLnBrk="0" hangingPunct="1">
-              <a:defRPr sz="1800" kern="1200">
-                <a:solidFill>
-                  <a:schemeClr val="dk1"/>
-                </a:solidFill>
-                <a:latin typeface="+mn-lt"/>
-                <a:ea typeface="+mn-ea"/>
-                <a:cs typeface="+mn-cs"/>
-              </a:defRPr>
-            </a:lvl5pPr>
-            <a:lvl6pPr marL="2286000" algn="l" defTabSz="914400" rtl="0" eaLnBrk="1" latinLnBrk="0" hangingPunct="1">
-              <a:defRPr sz="1800" kern="1200">
-                <a:solidFill>
-                  <a:schemeClr val="dk1"/>
-                </a:solidFill>
-                <a:latin typeface="+mn-lt"/>
-                <a:ea typeface="+mn-ea"/>
-                <a:cs typeface="+mn-cs"/>
-              </a:defRPr>
-            </a:lvl6pPr>
-            <a:lvl7pPr marL="2743200" algn="l" defTabSz="914400" rtl="0" eaLnBrk="1" latinLnBrk="0" hangingPunct="1">
-              <a:defRPr sz="1800" kern="1200">
-                <a:solidFill>
-                  <a:schemeClr val="dk1"/>
-                </a:solidFill>
-                <a:latin typeface="+mn-lt"/>
-                <a:ea typeface="+mn-ea"/>
-                <a:cs typeface="+mn-cs"/>
-              </a:defRPr>
-            </a:lvl7pPr>
-            <a:lvl8pPr marL="3200400" algn="l" defTabSz="914400" rtl="0" eaLnBrk="1" latinLnBrk="0" hangingPunct="1">
-              <a:defRPr sz="1800" kern="1200">
-                <a:solidFill>
-                  <a:schemeClr val="dk1"/>
-                </a:solidFill>
-                <a:latin typeface="+mn-lt"/>
-                <a:ea typeface="+mn-ea"/>
-                <a:cs typeface="+mn-cs"/>
-              </a:defRPr>
-            </a:lvl8pPr>
-            <a:lvl9pPr marL="3657600" algn="l" defTabSz="914400" rtl="0" eaLnBrk="1" latinLnBrk="0" hangingPunct="1">
-              <a:defRPr sz="1800" kern="1200">
-                <a:solidFill>
-                  <a:schemeClr val="dk1"/>
-                </a:solidFill>
-                <a:latin typeface="+mn-lt"/>
-                <a:ea typeface="+mn-ea"/>
-                <a:cs typeface="+mn-cs"/>
-              </a:defRPr>
-            </a:lvl9pPr>
-          </a:lstStyle>
-          <a:p>
-            <a:pPr algn="ctr"/>
-            <a:r>
-              <a:rPr lang="en-US" sz="1600" dirty="0" smtClean="0"/>
-              <a:t>Planning</a:t>
-            </a:r>
-          </a:p>
-          <a:p>
-            <a:pPr algn="ctr"/>
-            <a:r>
-              <a:rPr lang="en-US" sz="1600" dirty="0" smtClean="0"/>
-              <a:t>Collaboration</a:t>
-            </a:r>
-            <a:endParaRPr lang="en-US" sz="1600" dirty="0"/>
-          </a:p>
-        </p:txBody>
-      </p:sp>
-      <p:sp>
-        <p:nvSpPr>
-          <p:cNvPr id="5" name="Rectangle: Rounded Corners 92">
-            <a:extLst>
-              <a:ext uri="{FF2B5EF4-FFF2-40B4-BE49-F238E27FC236}">
-                <a16:creationId xmlns:a16="http://schemas.microsoft.com/office/drawing/2014/main" xmlns="" id="{3361B1F7-61DA-41EA-A158-80D47FBC601B}"/>
-              </a:ext>
-            </a:extLst>
-          </p:cNvPr>
-          <p:cNvSpPr/>
-          <p:nvPr/>
-        </p:nvSpPr>
-        <p:spPr>
-          <a:xfrm>
-            <a:off x="179295" y="3123269"/>
-            <a:ext cx="1703294" cy="1269437"/>
-          </a:xfrm>
-          <a:prstGeom prst="roundRect">
-            <a:avLst/>
-          </a:prstGeom>
-          <a:solidFill>
-            <a:schemeClr val="tx2">
-              <a:lumMod val="50000"/>
-            </a:schemeClr>
-          </a:solidFill>
-        </p:spPr>
-        <p:style>
-          <a:lnRef idx="1">
-            <a:schemeClr val="accent4"/>
-          </a:lnRef>
-          <a:fillRef idx="2">
-            <a:schemeClr val="accent4"/>
-          </a:fillRef>
-          <a:effectRef idx="1">
-            <a:schemeClr val="accent4"/>
-          </a:effectRef>
-          <a:fontRef idx="minor">
-            <a:schemeClr val="dk1"/>
-          </a:fontRef>
-        </p:style>
-        <p:txBody>
-          <a:bodyPr rtlCol="0" anchor="t"/>
-          <a:lstStyle>
-            <a:defPPr>
-              <a:defRPr lang="en-US"/>
-            </a:defPPr>
-            <a:lvl1pPr marL="0" algn="l" defTabSz="914400" rtl="0" eaLnBrk="1" latinLnBrk="0" hangingPunct="1">
-              <a:defRPr sz="1800" kern="1200">
-                <a:solidFill>
-                  <a:schemeClr val="dk1"/>
-                </a:solidFill>
-                <a:latin typeface="+mn-lt"/>
-                <a:ea typeface="+mn-ea"/>
-                <a:cs typeface="+mn-cs"/>
-              </a:defRPr>
-            </a:lvl1pPr>
-            <a:lvl2pPr marL="457200" algn="l" defTabSz="914400" rtl="0" eaLnBrk="1" latinLnBrk="0" hangingPunct="1">
-              <a:defRPr sz="1800" kern="1200">
-                <a:solidFill>
-                  <a:schemeClr val="dk1"/>
-                </a:solidFill>
-                <a:latin typeface="+mn-lt"/>
-                <a:ea typeface="+mn-ea"/>
-                <a:cs typeface="+mn-cs"/>
-              </a:defRPr>
-            </a:lvl2pPr>
-            <a:lvl3pPr marL="914400" algn="l" defTabSz="914400" rtl="0" eaLnBrk="1" latinLnBrk="0" hangingPunct="1">
-              <a:defRPr sz="1800" kern="1200">
-                <a:solidFill>
-                  <a:schemeClr val="dk1"/>
-                </a:solidFill>
-                <a:latin typeface="+mn-lt"/>
-                <a:ea typeface="+mn-ea"/>
-                <a:cs typeface="+mn-cs"/>
-              </a:defRPr>
-            </a:lvl3pPr>
-            <a:lvl4pPr marL="1371600" algn="l" defTabSz="914400" rtl="0" eaLnBrk="1" latinLnBrk="0" hangingPunct="1">
-              <a:defRPr sz="1800" kern="1200">
-                <a:solidFill>
-                  <a:schemeClr val="dk1"/>
-                </a:solidFill>
-                <a:latin typeface="+mn-lt"/>
-                <a:ea typeface="+mn-ea"/>
-                <a:cs typeface="+mn-cs"/>
-              </a:defRPr>
-            </a:lvl4pPr>
-            <a:lvl5pPr marL="1828800" algn="l" defTabSz="914400" rtl="0" eaLnBrk="1" latinLnBrk="0" hangingPunct="1">
-              <a:defRPr sz="1800" kern="1200">
-                <a:solidFill>
-                  <a:schemeClr val="dk1"/>
-                </a:solidFill>
-                <a:latin typeface="+mn-lt"/>
-                <a:ea typeface="+mn-ea"/>
-                <a:cs typeface="+mn-cs"/>
-              </a:defRPr>
-            </a:lvl5pPr>
-            <a:lvl6pPr marL="2286000" algn="l" defTabSz="914400" rtl="0" eaLnBrk="1" latinLnBrk="0" hangingPunct="1">
-              <a:defRPr sz="1800" kern="1200">
-                <a:solidFill>
-                  <a:schemeClr val="dk1"/>
-                </a:solidFill>
-                <a:latin typeface="+mn-lt"/>
-                <a:ea typeface="+mn-ea"/>
-                <a:cs typeface="+mn-cs"/>
-              </a:defRPr>
-            </a:lvl6pPr>
-            <a:lvl7pPr marL="2743200" algn="l" defTabSz="914400" rtl="0" eaLnBrk="1" latinLnBrk="0" hangingPunct="1">
-              <a:defRPr sz="1800" kern="1200">
-                <a:solidFill>
-                  <a:schemeClr val="dk1"/>
-                </a:solidFill>
-                <a:latin typeface="+mn-lt"/>
-                <a:ea typeface="+mn-ea"/>
-                <a:cs typeface="+mn-cs"/>
-              </a:defRPr>
-            </a:lvl7pPr>
-            <a:lvl8pPr marL="3200400" algn="l" defTabSz="914400" rtl="0" eaLnBrk="1" latinLnBrk="0" hangingPunct="1">
-              <a:defRPr sz="1800" kern="1200">
-                <a:solidFill>
-                  <a:schemeClr val="dk1"/>
-                </a:solidFill>
-                <a:latin typeface="+mn-lt"/>
-                <a:ea typeface="+mn-ea"/>
-                <a:cs typeface="+mn-cs"/>
-              </a:defRPr>
-            </a:lvl8pPr>
-            <a:lvl9pPr marL="3657600" algn="l" defTabSz="914400" rtl="0" eaLnBrk="1" latinLnBrk="0" hangingPunct="1">
-              <a:defRPr sz="1800" kern="1200">
-                <a:solidFill>
-                  <a:schemeClr val="dk1"/>
-                </a:solidFill>
-                <a:latin typeface="+mn-lt"/>
-                <a:ea typeface="+mn-ea"/>
-                <a:cs typeface="+mn-cs"/>
-              </a:defRPr>
-            </a:lvl9pPr>
-          </a:lstStyle>
-          <a:p>
-            <a:pPr algn="ctr"/>
-            <a:r>
-              <a:rPr lang="en-US" sz="1600" dirty="0" smtClean="0"/>
-              <a:t>Build Tools</a:t>
-            </a:r>
-            <a:endParaRPr lang="en-US" sz="1600" dirty="0"/>
-          </a:p>
-        </p:txBody>
-      </p:sp>
-      <p:pic>
-        <p:nvPicPr>
-          <p:cNvPr id="6" name="Picture 5" descr="Related image">
-            <a:extLst>
-              <a:ext uri="{FF2B5EF4-FFF2-40B4-BE49-F238E27FC236}">
-                <a16:creationId xmlns:a16="http://schemas.microsoft.com/office/drawing/2014/main" xmlns="" id="{8913D232-6DF1-48E3-A429-AE211CF7127D}"/>
-              </a:ext>
-            </a:extLst>
-          </p:cNvPr>
-          <p:cNvPicPr>
-            <a:picLocks noChangeAspect="1" noChangeArrowheads="1"/>
-          </p:cNvPicPr>
-          <p:nvPr/>
-        </p:nvPicPr>
-        <p:blipFill>
-          <a:blip r:embed="rId4" cstate="print">
-            <a:extLst>
-              <a:ext uri="{28A0092B-C50C-407E-A947-70E740481C1C}">
-                <a14:useLocalDpi xmlns:a14="http://schemas.microsoft.com/office/drawing/2010/main" val="0"/>
-              </a:ext>
-            </a:extLst>
-          </a:blip>
-          <a:srcRect/>
-          <a:stretch>
-            <a:fillRect/>
-          </a:stretch>
-        </p:blipFill>
-        <p:spPr bwMode="auto">
-          <a:xfrm>
-            <a:off x="206189" y="3349313"/>
-            <a:ext cx="740301" cy="692753"/>
-          </a:xfrm>
-          <a:prstGeom prst="rect">
-            <a:avLst/>
-          </a:prstGeom>
-          <a:noFill/>
-          <a:extLst>
-            <a:ext uri="{909E8E84-426E-40DD-AFC4-6F175D3DCCD1}">
-              <a14:hiddenFill xmlns:a14="http://schemas.microsoft.com/office/drawing/2010/main">
-                <a:solidFill>
-                  <a:srgbClr val="FFFFFF"/>
-                </a:solidFill>
-              </a14:hiddenFill>
-            </a:ext>
-          </a:extLst>
-        </p:spPr>
-      </p:pic>
-      <p:pic>
-        <p:nvPicPr>
-          <p:cNvPr id="8" name="Picture 7">
-            <a:extLst>
-              <a:ext uri="{FF2B5EF4-FFF2-40B4-BE49-F238E27FC236}">
-                <a16:creationId xmlns:a16="http://schemas.microsoft.com/office/drawing/2014/main" xmlns="" id="{5AC3D39C-1E7D-4D10-8B3F-7F6EB9B0ED46}"/>
-              </a:ext>
-            </a:extLst>
-          </p:cNvPr>
-          <p:cNvPicPr>
-            <a:picLocks noChangeAspect="1"/>
-          </p:cNvPicPr>
-          <p:nvPr/>
-        </p:nvPicPr>
-        <p:blipFill>
-          <a:blip r:embed="rId5" cstate="print">
-            <a:extLst>
-              <a:ext uri="{28A0092B-C50C-407E-A947-70E740481C1C}">
-                <a14:useLocalDpi xmlns:a14="http://schemas.microsoft.com/office/drawing/2010/main" val="0"/>
-              </a:ext>
-            </a:extLst>
-          </a:blip>
-          <a:stretch>
-            <a:fillRect/>
-          </a:stretch>
-        </p:blipFill>
-        <p:spPr>
-          <a:xfrm>
-            <a:off x="319996" y="4009256"/>
-            <a:ext cx="1385526" cy="217818"/>
-          </a:xfrm>
-          <a:prstGeom prst="rect">
-            <a:avLst/>
-          </a:prstGeom>
-        </p:spPr>
-      </p:pic>
-      <p:pic>
-        <p:nvPicPr>
-          <p:cNvPr id="11" name="Picture 10">
-            <a:extLst>
-              <a:ext uri="{FF2B5EF4-FFF2-40B4-BE49-F238E27FC236}">
-                <a16:creationId xmlns:a16="http://schemas.microsoft.com/office/drawing/2014/main" xmlns="" id="{6A2D1D4E-E637-41B0-9A80-E88C62213FA5}"/>
-              </a:ext>
-            </a:extLst>
-          </p:cNvPr>
-          <p:cNvPicPr>
-            <a:picLocks noChangeAspect="1"/>
-          </p:cNvPicPr>
-          <p:nvPr/>
-        </p:nvPicPr>
-        <p:blipFill>
-          <a:blip r:embed="rId6" cstate="print">
-            <a:extLst>
-              <a:ext uri="{28A0092B-C50C-407E-A947-70E740481C1C}">
-                <a14:useLocalDpi xmlns:a14="http://schemas.microsoft.com/office/drawing/2010/main" val="0"/>
-              </a:ext>
-            </a:extLst>
-          </a:blip>
-          <a:stretch>
-            <a:fillRect/>
-          </a:stretch>
-        </p:blipFill>
-        <p:spPr>
-          <a:xfrm>
-            <a:off x="2976282" y="2745816"/>
-            <a:ext cx="1995372" cy="865107"/>
-          </a:xfrm>
-          <a:prstGeom prst="rect">
-            <a:avLst/>
-          </a:prstGeom>
-        </p:spPr>
-      </p:pic>
-      <p:pic>
-        <p:nvPicPr>
-          <p:cNvPr id="12" name="Picture 11">
-            <a:extLst>
-              <a:ext uri="{FF2B5EF4-FFF2-40B4-BE49-F238E27FC236}">
-                <a16:creationId xmlns:a16="http://schemas.microsoft.com/office/drawing/2014/main" xmlns="" id="{7A664BF7-2BED-4529-AF18-7CD31084EDBC}"/>
-              </a:ext>
-            </a:extLst>
-          </p:cNvPr>
-          <p:cNvPicPr>
-            <a:picLocks noChangeAspect="1"/>
-          </p:cNvPicPr>
-          <p:nvPr/>
-        </p:nvPicPr>
-        <p:blipFill>
-          <a:blip r:embed="rId7" cstate="print">
-            <a:extLst>
-              <a:ext uri="{28A0092B-C50C-407E-A947-70E740481C1C}">
-                <a14:useLocalDpi xmlns:a14="http://schemas.microsoft.com/office/drawing/2010/main" val="0"/>
-              </a:ext>
-            </a:extLst>
-          </a:blip>
-          <a:stretch>
-            <a:fillRect/>
-          </a:stretch>
-        </p:blipFill>
-        <p:spPr>
-          <a:xfrm>
-            <a:off x="3299013" y="3325254"/>
-            <a:ext cx="1272988" cy="874941"/>
-          </a:xfrm>
-          <a:prstGeom prst="rect">
-            <a:avLst/>
-          </a:prstGeom>
-        </p:spPr>
-      </p:pic>
-      <p:pic>
-        <p:nvPicPr>
-          <p:cNvPr id="14" name="Picture 13">
-            <a:extLst>
-              <a:ext uri="{FF2B5EF4-FFF2-40B4-BE49-F238E27FC236}">
-                <a16:creationId xmlns:a16="http://schemas.microsoft.com/office/drawing/2014/main" xmlns="" id="{B94385D5-98B6-4AC7-B7CD-65B49EF4CA03}"/>
-              </a:ext>
-            </a:extLst>
-          </p:cNvPr>
-          <p:cNvPicPr>
-            <a:picLocks noChangeAspect="1"/>
-          </p:cNvPicPr>
-          <p:nvPr/>
-        </p:nvPicPr>
-        <p:blipFill>
-          <a:blip r:embed="rId8" cstate="print">
-            <a:extLst>
-              <a:ext uri="{28A0092B-C50C-407E-A947-70E740481C1C}">
-                <a14:useLocalDpi xmlns:a14="http://schemas.microsoft.com/office/drawing/2010/main" val="0"/>
-              </a:ext>
-            </a:extLst>
-          </a:blip>
-          <a:stretch>
-            <a:fillRect/>
-          </a:stretch>
-        </p:blipFill>
-        <p:spPr>
-          <a:xfrm>
-            <a:off x="90217" y="1322792"/>
-            <a:ext cx="950927" cy="667388"/>
-          </a:xfrm>
-          <a:prstGeom prst="rect">
-            <a:avLst/>
-          </a:prstGeom>
-        </p:spPr>
-      </p:pic>
-      <p:pic>
-        <p:nvPicPr>
-          <p:cNvPr id="17" name="Picture 16">
-            <a:extLst>
-              <a:ext uri="{FF2B5EF4-FFF2-40B4-BE49-F238E27FC236}">
-                <a16:creationId xmlns:a16="http://schemas.microsoft.com/office/drawing/2014/main" xmlns="" id="{E63422CD-2838-4A04-81ED-A278AEC41896}"/>
-              </a:ext>
-            </a:extLst>
-          </p:cNvPr>
-          <p:cNvPicPr>
-            <a:picLocks noChangeAspect="1"/>
-          </p:cNvPicPr>
-          <p:nvPr/>
-        </p:nvPicPr>
-        <p:blipFill>
-          <a:blip r:embed="rId9" cstate="print">
-            <a:extLst>
-              <a:ext uri="{28A0092B-C50C-407E-A947-70E740481C1C}">
-                <a14:useLocalDpi xmlns:a14="http://schemas.microsoft.com/office/drawing/2010/main" val="0"/>
-              </a:ext>
-            </a:extLst>
-          </a:blip>
-          <a:stretch>
-            <a:fillRect/>
-          </a:stretch>
-        </p:blipFill>
-        <p:spPr>
-          <a:xfrm>
-            <a:off x="3299013" y="2425668"/>
-            <a:ext cx="1672641" cy="461786"/>
-          </a:xfrm>
-          <a:prstGeom prst="rect">
-            <a:avLst/>
-          </a:prstGeom>
-        </p:spPr>
-      </p:pic>
-      <p:pic>
-        <p:nvPicPr>
-          <p:cNvPr id="20" name="Picture 19">
-            <a:extLst>
-              <a:ext uri="{FF2B5EF4-FFF2-40B4-BE49-F238E27FC236}">
-                <a16:creationId xmlns:a16="http://schemas.microsoft.com/office/drawing/2014/main" xmlns="" id="{72721FF6-1EE4-4E1C-AD01-BC2F7761B051}"/>
-              </a:ext>
-            </a:extLst>
-          </p:cNvPr>
-          <p:cNvPicPr>
-            <a:picLocks noChangeAspect="1"/>
-          </p:cNvPicPr>
-          <p:nvPr/>
-        </p:nvPicPr>
-        <p:blipFill>
-          <a:blip r:embed="rId10" cstate="print">
-            <a:extLst>
-              <a:ext uri="{28A0092B-C50C-407E-A947-70E740481C1C}">
-                <a14:useLocalDpi xmlns:a14="http://schemas.microsoft.com/office/drawing/2010/main" val="0"/>
-              </a:ext>
-            </a:extLst>
-          </a:blip>
-          <a:stretch>
-            <a:fillRect/>
-          </a:stretch>
-        </p:blipFill>
-        <p:spPr>
-          <a:xfrm>
-            <a:off x="9762566" y="866737"/>
-            <a:ext cx="1810871" cy="862252"/>
-          </a:xfrm>
-          <a:prstGeom prst="rect">
-            <a:avLst/>
-          </a:prstGeom>
-        </p:spPr>
-      </p:pic>
-      <p:pic>
-        <p:nvPicPr>
-          <p:cNvPr id="29" name="Picture 28" descr="Related image">
-            <a:extLst>
-              <a:ext uri="{FF2B5EF4-FFF2-40B4-BE49-F238E27FC236}">
-                <a16:creationId xmlns:a16="http://schemas.microsoft.com/office/drawing/2014/main" xmlns="" id="{401ACDE4-B7D9-4196-A8AD-4186CA769FD5}"/>
-              </a:ext>
-            </a:extLst>
-          </p:cNvPr>
-          <p:cNvPicPr>
-            <a:picLocks noChangeAspect="1" noChangeArrowheads="1"/>
-          </p:cNvPicPr>
-          <p:nvPr/>
-        </p:nvPicPr>
-        <p:blipFill>
-          <a:blip r:embed="rId11" cstate="print"/>
-          <a:srcRect/>
-          <a:stretch>
-            <a:fillRect/>
-          </a:stretch>
-        </p:blipFill>
-        <p:spPr bwMode="auto">
-          <a:xfrm>
-            <a:off x="1012759" y="3446120"/>
-            <a:ext cx="833438" cy="499141"/>
-          </a:xfrm>
-          <a:prstGeom prst="rect">
-            <a:avLst/>
-          </a:prstGeom>
-          <a:noFill/>
-        </p:spPr>
-      </p:pic>
-      <p:pic>
-        <p:nvPicPr>
-          <p:cNvPr id="30" name="Picture 29" descr="Image result for slack icon">
-            <a:extLst>
-              <a:ext uri="{FF2B5EF4-FFF2-40B4-BE49-F238E27FC236}">
-                <a16:creationId xmlns:a16="http://schemas.microsoft.com/office/drawing/2014/main" xmlns="" id="{3B4F4157-5C39-468E-B4EB-4D9FFA4C75D1}"/>
-              </a:ext>
-            </a:extLst>
-          </p:cNvPr>
-          <p:cNvPicPr>
-            <a:picLocks noChangeAspect="1" noChangeArrowheads="1"/>
-          </p:cNvPicPr>
-          <p:nvPr/>
-        </p:nvPicPr>
-        <p:blipFill>
-          <a:blip r:embed="rId12" cstate="print"/>
-          <a:srcRect/>
-          <a:stretch>
-            <a:fillRect/>
-          </a:stretch>
-        </p:blipFill>
-        <p:spPr bwMode="auto">
-          <a:xfrm>
-            <a:off x="287209" y="1781619"/>
-            <a:ext cx="1228519" cy="998281"/>
-          </a:xfrm>
-          <a:prstGeom prst="rect">
-            <a:avLst/>
-          </a:prstGeom>
-          <a:noFill/>
-        </p:spPr>
-      </p:pic>
-      <p:pic>
-        <p:nvPicPr>
-          <p:cNvPr id="31" name="Picture 30" descr="Image result for Zoom.us icon">
-            <a:extLst>
-              <a:ext uri="{FF2B5EF4-FFF2-40B4-BE49-F238E27FC236}">
-                <a16:creationId xmlns:a16="http://schemas.microsoft.com/office/drawing/2014/main" xmlns="" id="{2F2E3B5D-CE69-4ADA-A498-65222952DD56}"/>
-              </a:ext>
-            </a:extLst>
-          </p:cNvPr>
-          <p:cNvPicPr>
-            <a:picLocks noChangeAspect="1" noChangeArrowheads="1"/>
-          </p:cNvPicPr>
-          <p:nvPr/>
-        </p:nvPicPr>
-        <p:blipFill>
-          <a:blip r:embed="rId13" cstate="print"/>
-          <a:srcRect/>
-          <a:stretch>
-            <a:fillRect/>
-          </a:stretch>
-        </p:blipFill>
-        <p:spPr bwMode="auto">
-          <a:xfrm>
-            <a:off x="731071" y="2498161"/>
-            <a:ext cx="1081097" cy="213917"/>
-          </a:xfrm>
-          <a:prstGeom prst="rect">
-            <a:avLst/>
-          </a:prstGeom>
-          <a:noFill/>
-        </p:spPr>
-      </p:pic>
-      <p:pic>
-        <p:nvPicPr>
-          <p:cNvPr id="32" name="Picture 31">
-            <a:extLst>
-              <a:ext uri="{FF2B5EF4-FFF2-40B4-BE49-F238E27FC236}">
-                <a16:creationId xmlns:a16="http://schemas.microsoft.com/office/drawing/2014/main" xmlns="" id="{A272410F-9916-48B3-AAB7-2F12300A37B1}"/>
-              </a:ext>
-            </a:extLst>
-          </p:cNvPr>
-          <p:cNvPicPr>
-            <a:picLocks noChangeAspect="1" noChangeArrowheads="1"/>
-          </p:cNvPicPr>
-          <p:nvPr/>
-        </p:nvPicPr>
-        <p:blipFill>
-          <a:blip r:embed="rId14" cstate="print"/>
-          <a:srcRect/>
-          <a:stretch>
-            <a:fillRect/>
-          </a:stretch>
-        </p:blipFill>
-        <p:spPr bwMode="auto">
-          <a:xfrm>
-            <a:off x="412191" y="1864745"/>
-            <a:ext cx="1310420" cy="213917"/>
-          </a:xfrm>
-          <a:prstGeom prst="rect">
-            <a:avLst/>
-          </a:prstGeom>
-          <a:noFill/>
-          <a:ln w="9525">
-            <a:noFill/>
-            <a:miter lim="800000"/>
-            <a:headEnd/>
-            <a:tailEnd/>
-          </a:ln>
-          <a:effectLst/>
-        </p:spPr>
-      </p:pic>
-      <p:sp>
-        <p:nvSpPr>
-          <p:cNvPr id="33" name="TextBox 60">
-            <a:extLst>
-              <a:ext uri="{FF2B5EF4-FFF2-40B4-BE49-F238E27FC236}">
-                <a16:creationId xmlns:a16="http://schemas.microsoft.com/office/drawing/2014/main" xmlns="" id="{E61ACCCE-3C6E-46EB-B66E-50745C51DE4A}"/>
-              </a:ext>
-            </a:extLst>
-          </p:cNvPr>
-          <p:cNvSpPr txBox="1"/>
-          <p:nvPr/>
-        </p:nvSpPr>
-        <p:spPr>
-          <a:xfrm>
-            <a:off x="9870141" y="2518738"/>
-            <a:ext cx="1900519" cy="523220"/>
-          </a:xfrm>
-          <a:prstGeom prst="rect">
-            <a:avLst/>
-          </a:prstGeom>
-          <a:noFill/>
-        </p:spPr>
-        <p:txBody>
-          <a:bodyPr wrap="square" rtlCol="0">
-            <a:spAutoFit/>
-          </a:bodyPr>
-          <a:lstStyle>
-            <a:defPPr>
-              <a:defRPr lang="en-US"/>
-            </a:defPPr>
-            <a:lvl1pPr marL="0" algn="l" defTabSz="914400" rtl="0" eaLnBrk="1" latinLnBrk="0" hangingPunct="1">
-              <a:defRPr sz="1800" kern="1200">
-                <a:solidFill>
-                  <a:schemeClr val="tx1"/>
-                </a:solidFill>
-                <a:latin typeface="+mn-lt"/>
-                <a:ea typeface="+mn-ea"/>
-                <a:cs typeface="+mn-cs"/>
-              </a:defRPr>
-            </a:lvl1pPr>
-            <a:lvl2pPr marL="457200" algn="l" defTabSz="914400" rtl="0" eaLnBrk="1" latinLnBrk="0" hangingPunct="1">
-              <a:defRPr sz="1800" kern="1200">
-                <a:solidFill>
-                  <a:schemeClr val="tx1"/>
-                </a:solidFill>
-                <a:latin typeface="+mn-lt"/>
-                <a:ea typeface="+mn-ea"/>
-                <a:cs typeface="+mn-cs"/>
-              </a:defRPr>
-            </a:lvl2pPr>
-            <a:lvl3pPr marL="914400" algn="l" defTabSz="914400" rtl="0" eaLnBrk="1" latinLnBrk="0" hangingPunct="1">
-              <a:defRPr sz="1800" kern="1200">
-                <a:solidFill>
-                  <a:schemeClr val="tx1"/>
-                </a:solidFill>
-                <a:latin typeface="+mn-lt"/>
-                <a:ea typeface="+mn-ea"/>
-                <a:cs typeface="+mn-cs"/>
-              </a:defRPr>
-            </a:lvl3pPr>
-            <a:lvl4pPr marL="1371600" algn="l" defTabSz="914400" rtl="0" eaLnBrk="1" latinLnBrk="0" hangingPunct="1">
-              <a:defRPr sz="1800" kern="1200">
-                <a:solidFill>
-                  <a:schemeClr val="tx1"/>
-                </a:solidFill>
-                <a:latin typeface="+mn-lt"/>
-                <a:ea typeface="+mn-ea"/>
-                <a:cs typeface="+mn-cs"/>
-              </a:defRPr>
-            </a:lvl4pPr>
-            <a:lvl5pPr marL="1828800" algn="l" defTabSz="914400" rtl="0" eaLnBrk="1" latinLnBrk="0" hangingPunct="1">
-              <a:defRPr sz="1800" kern="1200">
-                <a:solidFill>
-                  <a:schemeClr val="tx1"/>
-                </a:solidFill>
-                <a:latin typeface="+mn-lt"/>
-                <a:ea typeface="+mn-ea"/>
-                <a:cs typeface="+mn-cs"/>
-              </a:defRPr>
-            </a:lvl5pPr>
-            <a:lvl6pPr marL="2286000" algn="l" defTabSz="914400" rtl="0" eaLnBrk="1" latinLnBrk="0" hangingPunct="1">
-              <a:defRPr sz="1800" kern="1200">
-                <a:solidFill>
-                  <a:schemeClr val="tx1"/>
-                </a:solidFill>
-                <a:latin typeface="+mn-lt"/>
-                <a:ea typeface="+mn-ea"/>
-                <a:cs typeface="+mn-cs"/>
-              </a:defRPr>
-            </a:lvl6pPr>
-            <a:lvl7pPr marL="2743200" algn="l" defTabSz="914400" rtl="0" eaLnBrk="1" latinLnBrk="0" hangingPunct="1">
-              <a:defRPr sz="1800" kern="1200">
-                <a:solidFill>
-                  <a:schemeClr val="tx1"/>
-                </a:solidFill>
-                <a:latin typeface="+mn-lt"/>
-                <a:ea typeface="+mn-ea"/>
-                <a:cs typeface="+mn-cs"/>
-              </a:defRPr>
-            </a:lvl7pPr>
-            <a:lvl8pPr marL="3200400" algn="l" defTabSz="914400" rtl="0" eaLnBrk="1" latinLnBrk="0" hangingPunct="1">
-              <a:defRPr sz="1800" kern="1200">
-                <a:solidFill>
-                  <a:schemeClr val="tx1"/>
-                </a:solidFill>
-                <a:latin typeface="+mn-lt"/>
-                <a:ea typeface="+mn-ea"/>
-                <a:cs typeface="+mn-cs"/>
-              </a:defRPr>
-            </a:lvl8pPr>
-            <a:lvl9pPr marL="3657600" algn="l" defTabSz="914400" rtl="0" eaLnBrk="1" latinLnBrk="0" hangingPunct="1">
-              <a:defRPr sz="1800" kern="1200">
-                <a:solidFill>
-                  <a:schemeClr val="tx1"/>
-                </a:solidFill>
-                <a:latin typeface="+mn-lt"/>
-                <a:ea typeface="+mn-ea"/>
-                <a:cs typeface="+mn-cs"/>
-              </a:defRPr>
-            </a:lvl9pPr>
-          </a:lstStyle>
-          <a:p>
-            <a:pPr algn="ctr"/>
-            <a:r>
-              <a:rPr lang="en-IE" sz="1400" dirty="0" err="1" smtClean="0">
-                <a:effectLst>
-                  <a:outerShdw blurRad="38100" dist="38100" dir="2700000" algn="tl">
-                    <a:srgbClr val="000000">
-                      <a:alpha val="43137"/>
-                    </a:srgbClr>
-                  </a:outerShdw>
-                </a:effectLst>
-                <a:latin typeface="Britannic Bold" pitchFamily="34" charset="0"/>
-              </a:rPr>
-              <a:t>Wrk</a:t>
-            </a:r>
-            <a:r>
-              <a:rPr lang="en-IE" sz="1400" dirty="0" smtClean="0">
-                <a:effectLst>
-                  <a:outerShdw blurRad="38100" dist="38100" dir="2700000" algn="tl">
-                    <a:srgbClr val="000000">
-                      <a:alpha val="43137"/>
-                    </a:srgbClr>
-                  </a:outerShdw>
-                </a:effectLst>
-                <a:latin typeface="Britannic Bold" pitchFamily="34" charset="0"/>
-              </a:rPr>
-              <a:t> </a:t>
-            </a:r>
-          </a:p>
-          <a:p>
-            <a:pPr algn="ctr"/>
-            <a:r>
-              <a:rPr lang="en-IE" sz="1400" dirty="0" smtClean="0">
-                <a:effectLst>
-                  <a:outerShdw blurRad="38100" dist="38100" dir="2700000" algn="tl">
-                    <a:srgbClr val="000000">
-                      <a:alpha val="43137"/>
-                    </a:srgbClr>
-                  </a:outerShdw>
-                </a:effectLst>
-                <a:latin typeface="Britannic Bold" pitchFamily="34" charset="0"/>
-              </a:rPr>
-              <a:t>Performance Tests</a:t>
-            </a:r>
-            <a:endParaRPr lang="en-IE" sz="1400" dirty="0">
-              <a:effectLst>
-                <a:outerShdw blurRad="38100" dist="38100" dir="2700000" algn="tl">
-                  <a:srgbClr val="000000">
-                    <a:alpha val="43137"/>
-                  </a:srgbClr>
-                </a:outerShdw>
-              </a:effectLst>
-              <a:latin typeface="Britannic Bold" pitchFamily="34" charset="0"/>
-            </a:endParaRPr>
-          </a:p>
-        </p:txBody>
-      </p:sp>
-      <p:pic>
-        <p:nvPicPr>
-          <p:cNvPr id="34" name="Picture 33" descr="Related image">
-            <a:extLst>
-              <a:ext uri="{FF2B5EF4-FFF2-40B4-BE49-F238E27FC236}">
-                <a16:creationId xmlns:a16="http://schemas.microsoft.com/office/drawing/2014/main" xmlns="" id="{008D268E-D1DB-43FB-9F12-C5E2CCA12318}"/>
-              </a:ext>
-            </a:extLst>
-          </p:cNvPr>
-          <p:cNvPicPr>
-            <a:picLocks noChangeAspect="1" noChangeArrowheads="1"/>
-          </p:cNvPicPr>
-          <p:nvPr/>
-        </p:nvPicPr>
-        <p:blipFill>
-          <a:blip r:embed="rId15" cstate="print"/>
-          <a:srcRect/>
-          <a:stretch>
-            <a:fillRect/>
-          </a:stretch>
-        </p:blipFill>
-        <p:spPr bwMode="auto">
-          <a:xfrm>
-            <a:off x="7124136" y="3668773"/>
-            <a:ext cx="1099037" cy="427835"/>
-          </a:xfrm>
-          <a:prstGeom prst="rect">
-            <a:avLst/>
-          </a:prstGeom>
-          <a:noFill/>
-        </p:spPr>
-      </p:pic>
-      <p:pic>
-        <p:nvPicPr>
-          <p:cNvPr id="35" name="Picture 34" descr="Related image">
-            <a:extLst>
-              <a:ext uri="{FF2B5EF4-FFF2-40B4-BE49-F238E27FC236}">
-                <a16:creationId xmlns:a16="http://schemas.microsoft.com/office/drawing/2014/main" xmlns="" id="{4861B1E8-4350-452C-B15F-DCAF10295865}"/>
-              </a:ext>
-            </a:extLst>
-          </p:cNvPr>
-          <p:cNvPicPr>
-            <a:picLocks noChangeAspect="1" noChangeArrowheads="1"/>
-          </p:cNvPicPr>
-          <p:nvPr/>
-        </p:nvPicPr>
-        <p:blipFill>
-          <a:blip r:embed="rId16" cstate="print"/>
-          <a:srcRect/>
-          <a:stretch>
-            <a:fillRect/>
-          </a:stretch>
-        </p:blipFill>
-        <p:spPr bwMode="auto">
-          <a:xfrm>
-            <a:off x="6919855" y="2745816"/>
-            <a:ext cx="1507601" cy="371503"/>
-          </a:xfrm>
-          <a:prstGeom prst="rect">
-            <a:avLst/>
-          </a:prstGeom>
-          <a:noFill/>
-        </p:spPr>
-      </p:pic>
-      <p:pic>
-        <p:nvPicPr>
-          <p:cNvPr id="36" name="Picture 35" descr="Related image">
-            <a:extLst>
-              <a:ext uri="{FF2B5EF4-FFF2-40B4-BE49-F238E27FC236}">
-                <a16:creationId xmlns:a16="http://schemas.microsoft.com/office/drawing/2014/main" xmlns="" id="{5019FCB9-A345-42F5-9602-81AE2CA39175}"/>
-              </a:ext>
-            </a:extLst>
-          </p:cNvPr>
-          <p:cNvPicPr>
-            <a:picLocks noChangeAspect="1" noChangeArrowheads="1"/>
-          </p:cNvPicPr>
-          <p:nvPr/>
-        </p:nvPicPr>
-        <p:blipFill>
-          <a:blip r:embed="rId17" cstate="print"/>
-          <a:srcRect/>
-          <a:stretch>
-            <a:fillRect/>
-          </a:stretch>
-        </p:blipFill>
-        <p:spPr bwMode="auto">
-          <a:xfrm>
-            <a:off x="6982983" y="3041957"/>
-            <a:ext cx="1157753" cy="716029"/>
-          </a:xfrm>
-          <a:prstGeom prst="rect">
-            <a:avLst/>
-          </a:prstGeom>
-          <a:noFill/>
-        </p:spPr>
-      </p:pic>
-      <p:pic>
-        <p:nvPicPr>
-          <p:cNvPr id="37" name="Picture 36" descr="Related image">
-            <a:extLst>
-              <a:ext uri="{FF2B5EF4-FFF2-40B4-BE49-F238E27FC236}">
-                <a16:creationId xmlns:a16="http://schemas.microsoft.com/office/drawing/2014/main" xmlns="" id="{C466CB66-BA6D-41F0-AB1B-62C68C6AFFB2}"/>
-              </a:ext>
-            </a:extLst>
-          </p:cNvPr>
-          <p:cNvPicPr>
-            <a:picLocks noChangeAspect="1" noChangeArrowheads="1"/>
-          </p:cNvPicPr>
-          <p:nvPr/>
-        </p:nvPicPr>
-        <p:blipFill>
-          <a:blip r:embed="rId18" cstate="print"/>
-          <a:srcRect/>
-          <a:stretch>
-            <a:fillRect/>
-          </a:stretch>
-        </p:blipFill>
-        <p:spPr bwMode="auto">
-          <a:xfrm>
-            <a:off x="10273552" y="1559859"/>
-            <a:ext cx="1407459" cy="323139"/>
-          </a:xfrm>
-          <a:prstGeom prst="rect">
-            <a:avLst/>
-          </a:prstGeom>
-          <a:noFill/>
-        </p:spPr>
-      </p:pic>
-      <p:pic>
-        <p:nvPicPr>
-          <p:cNvPr id="38" name="Picture 37" descr="Image result for monit icon images">
-            <a:extLst>
-              <a:ext uri="{FF2B5EF4-FFF2-40B4-BE49-F238E27FC236}">
-                <a16:creationId xmlns:a16="http://schemas.microsoft.com/office/drawing/2014/main" xmlns="" id="{AAFFF1A1-64CD-49A6-8815-15B8508ADC74}"/>
-              </a:ext>
-            </a:extLst>
-          </p:cNvPr>
-          <p:cNvPicPr>
-            <a:picLocks noChangeAspect="1" noChangeArrowheads="1"/>
-          </p:cNvPicPr>
-          <p:nvPr/>
-        </p:nvPicPr>
-        <p:blipFill>
-          <a:blip r:embed="rId19" cstate="print"/>
-          <a:srcRect/>
-          <a:stretch>
-            <a:fillRect/>
-          </a:stretch>
-        </p:blipFill>
-        <p:spPr bwMode="auto">
-          <a:xfrm>
-            <a:off x="9762565" y="1971703"/>
-            <a:ext cx="1555378" cy="677864"/>
-          </a:xfrm>
-          <a:prstGeom prst="rect">
-            <a:avLst/>
-          </a:prstGeom>
-          <a:noFill/>
-        </p:spPr>
-      </p:pic>
-      <p:sp>
-        <p:nvSpPr>
-          <p:cNvPr id="39" name="TextBox 38"/>
-          <p:cNvSpPr txBox="1"/>
-          <p:nvPr/>
-        </p:nvSpPr>
-        <p:spPr>
-          <a:xfrm>
-            <a:off x="6051176" y="735106"/>
-            <a:ext cx="3531832" cy="369332"/>
-          </a:xfrm>
-          <a:prstGeom prst="rect">
-            <a:avLst/>
-          </a:prstGeom>
-          <a:noFill/>
-        </p:spPr>
-        <p:txBody>
-          <a:bodyPr wrap="square" rtlCol="0">
-            <a:spAutoFit/>
-          </a:bodyPr>
-          <a:lstStyle/>
-          <a:p>
-            <a:pPr algn="ctr"/>
-            <a:r>
-              <a:rPr lang="en-IE" b="1" dirty="0" smtClean="0">
-                <a:latin typeface="Courier New" panose="02070309020205020404" pitchFamily="49" charset="0"/>
-                <a:cs typeface="Courier New" panose="02070309020205020404" pitchFamily="49" charset="0"/>
-              </a:rPr>
-              <a:t>Dev Server</a:t>
-            </a:r>
-            <a:endParaRPr lang="en-IE" b="1" dirty="0">
-              <a:latin typeface="Courier New" panose="02070309020205020404" pitchFamily="49" charset="0"/>
-              <a:cs typeface="Courier New" panose="02070309020205020404" pitchFamily="49" charset="0"/>
-            </a:endParaRPr>
-          </a:p>
-        </p:txBody>
-      </p:sp>
-      <p:sp>
-        <p:nvSpPr>
-          <p:cNvPr id="40" name="TextBox 39"/>
-          <p:cNvSpPr txBox="1"/>
-          <p:nvPr/>
-        </p:nvSpPr>
-        <p:spPr>
-          <a:xfrm>
-            <a:off x="2743201" y="784089"/>
-            <a:ext cx="2614252" cy="369332"/>
-          </a:xfrm>
-          <a:prstGeom prst="rect">
-            <a:avLst/>
-          </a:prstGeom>
-          <a:noFill/>
-        </p:spPr>
-        <p:txBody>
-          <a:bodyPr wrap="square" rtlCol="0">
-            <a:spAutoFit/>
-          </a:bodyPr>
-          <a:lstStyle/>
-          <a:p>
-            <a:pPr algn="ctr"/>
-            <a:r>
-              <a:rPr lang="en-IE" b="1" dirty="0" smtClean="0">
-                <a:latin typeface="Courier New" panose="02070309020205020404" pitchFamily="49" charset="0"/>
-                <a:cs typeface="Courier New" panose="02070309020205020404" pitchFamily="49" charset="0"/>
-              </a:rPr>
-              <a:t>Jenkins Server</a:t>
-            </a:r>
-            <a:endParaRPr lang="en-IE" b="1" dirty="0">
-              <a:latin typeface="Courier New" panose="02070309020205020404" pitchFamily="49" charset="0"/>
-              <a:cs typeface="Courier New" panose="02070309020205020404" pitchFamily="49" charset="0"/>
-            </a:endParaRPr>
-          </a:p>
-        </p:txBody>
-      </p:sp>
     </p:spTree>
     <p:extLst>
       <p:ext uri="{BB962C8B-B14F-4D97-AF65-F5344CB8AC3E}">
-        <p14:creationId xmlns:p14="http://schemas.microsoft.com/office/powerpoint/2010/main" val="2181418736"/>
+        <p14:creationId xmlns:p14="http://schemas.microsoft.com/office/powerpoint/2010/main" val="2678944280"/>
       </p:ext>
     </p:extLst>
   </p:cSld>
@@ -10369,6 +11593,1092 @@
       </p:grpSpPr>
       <p:sp>
         <p:nvSpPr>
+          <p:cNvPr id="7" name="Rounded Rectangle 6"/>
+          <p:cNvSpPr/>
+          <p:nvPr/>
+        </p:nvSpPr>
+        <p:spPr>
+          <a:xfrm>
+            <a:off x="484093" y="5428129"/>
+            <a:ext cx="1272989" cy="1030942"/>
+          </a:xfrm>
+          <a:prstGeom prst="roundRect">
+            <a:avLst/>
+          </a:prstGeom>
+        </p:spPr>
+        <p:style>
+          <a:lnRef idx="2">
+            <a:schemeClr val="accent1">
+              <a:shade val="50000"/>
+            </a:schemeClr>
+          </a:lnRef>
+          <a:fillRef idx="1">
+            <a:schemeClr val="accent1"/>
+          </a:fillRef>
+          <a:effectRef idx="0">
+            <a:schemeClr val="accent1"/>
+          </a:effectRef>
+          <a:fontRef idx="minor">
+            <a:schemeClr val="lt1"/>
+          </a:fontRef>
+        </p:style>
+        <p:txBody>
+          <a:bodyPr rtlCol="0" anchor="ctr"/>
+          <a:lstStyle/>
+          <a:p>
+            <a:pPr algn="ctr"/>
+            <a:r>
+              <a:rPr lang="en-IE" sz="1200" dirty="0" smtClean="0">
+                <a:latin typeface="Courier New" panose="02070309020205020404" pitchFamily="49" charset="0"/>
+                <a:cs typeface="Courier New" panose="02070309020205020404" pitchFamily="49" charset="0"/>
+              </a:rPr>
+              <a:t>github.com</a:t>
+            </a:r>
+          </a:p>
+          <a:p>
+            <a:pPr algn="ctr"/>
+            <a:r>
+              <a:rPr lang="en-IE" sz="1200" dirty="0" smtClean="0">
+                <a:latin typeface="Courier New" panose="02070309020205020404" pitchFamily="49" charset="0"/>
+                <a:cs typeface="Courier New" panose="02070309020205020404" pitchFamily="49" charset="0"/>
+              </a:rPr>
+              <a:t>/</a:t>
+            </a:r>
+            <a:r>
+              <a:rPr lang="en-IE" sz="1200" dirty="0" err="1" smtClean="0">
+                <a:latin typeface="Courier New" panose="02070309020205020404" pitchFamily="49" charset="0"/>
+                <a:cs typeface="Courier New" panose="02070309020205020404" pitchFamily="49" charset="0"/>
+              </a:rPr>
+              <a:t>rlennon</a:t>
+            </a:r>
+            <a:endParaRPr lang="en-IE" sz="1200" dirty="0">
+              <a:latin typeface="Courier New" panose="02070309020205020404" pitchFamily="49" charset="0"/>
+              <a:cs typeface="Courier New" panose="02070309020205020404" pitchFamily="49" charset="0"/>
+            </a:endParaRPr>
+          </a:p>
+          <a:p>
+            <a:pPr algn="ctr"/>
+            <a:r>
+              <a:rPr lang="en-IE" sz="1200" dirty="0" smtClean="0">
+                <a:latin typeface="Courier New" panose="02070309020205020404" pitchFamily="49" charset="0"/>
+                <a:cs typeface="Courier New" panose="02070309020205020404" pitchFamily="49" charset="0"/>
+              </a:rPr>
+              <a:t>/</a:t>
+            </a:r>
+            <a:r>
+              <a:rPr lang="en-IE" sz="1200" dirty="0" err="1" smtClean="0">
+                <a:latin typeface="Courier New" panose="02070309020205020404" pitchFamily="49" charset="0"/>
+                <a:cs typeface="Courier New" panose="02070309020205020404" pitchFamily="49" charset="0"/>
+              </a:rPr>
+              <a:t>CrowSoft</a:t>
+            </a:r>
+            <a:endParaRPr lang="en-IE" sz="1200" dirty="0" smtClean="0">
+              <a:latin typeface="Courier New" panose="02070309020205020404" pitchFamily="49" charset="0"/>
+              <a:cs typeface="Courier New" panose="02070309020205020404" pitchFamily="49" charset="0"/>
+            </a:endParaRPr>
+          </a:p>
+          <a:p>
+            <a:pPr algn="ctr"/>
+            <a:r>
+              <a:rPr lang="en-IE" sz="1200" dirty="0" smtClean="0">
+                <a:latin typeface="Courier New" panose="02070309020205020404" pitchFamily="49" charset="0"/>
+                <a:cs typeface="Courier New" panose="02070309020205020404" pitchFamily="49" charset="0"/>
+              </a:rPr>
+              <a:t> </a:t>
+            </a:r>
+            <a:endParaRPr lang="en-IE" sz="1200" dirty="0">
+              <a:latin typeface="Courier New" panose="02070309020205020404" pitchFamily="49" charset="0"/>
+              <a:cs typeface="Courier New" panose="02070309020205020404" pitchFamily="49" charset="0"/>
+            </a:endParaRPr>
+          </a:p>
+        </p:txBody>
+      </p:sp>
+      <p:pic>
+        <p:nvPicPr>
+          <p:cNvPr id="1027" name="Picture 3" descr="C:\Users\KK\AppData\Local\Microsoft\Windows\Temporary Internet Files\Content.IE5\A50P4KBE\580px-Computer_n_screen.svg[1].png"/>
+          <p:cNvPicPr>
+            <a:picLocks noChangeAspect="1" noChangeArrowheads="1"/>
+          </p:cNvPicPr>
+          <p:nvPr/>
+        </p:nvPicPr>
+        <p:blipFill>
+          <a:blip r:embed="rId2" cstate="print">
+            <a:extLst>
+              <a:ext uri="{28A0092B-C50C-407E-A947-70E740481C1C}">
+                <a14:useLocalDpi xmlns:a14="http://schemas.microsoft.com/office/drawing/2010/main" val="0"/>
+              </a:ext>
+            </a:extLst>
+          </a:blip>
+          <a:srcRect/>
+          <a:stretch>
+            <a:fillRect/>
+          </a:stretch>
+        </p:blipFill>
+        <p:spPr bwMode="auto">
+          <a:xfrm>
+            <a:off x="233082" y="784091"/>
+            <a:ext cx="1613647" cy="1241934"/>
+          </a:xfrm>
+          <a:prstGeom prst="rect">
+            <a:avLst/>
+          </a:prstGeom>
+          <a:noFill/>
+          <a:extLst>
+            <a:ext uri="{909E8E84-426E-40DD-AFC4-6F175D3DCCD1}">
+              <a14:hiddenFill xmlns:a14="http://schemas.microsoft.com/office/drawing/2010/main">
+                <a:solidFill>
+                  <a:srgbClr val="FFFFFF"/>
+                </a:solidFill>
+              </a14:hiddenFill>
+            </a:ext>
+          </a:extLst>
+        </p:spPr>
+      </p:pic>
+      <p:pic>
+        <p:nvPicPr>
+          <p:cNvPr id="1026" name="Picture 2"/>
+          <p:cNvPicPr>
+            <a:picLocks noChangeAspect="1" noChangeArrowheads="1"/>
+          </p:cNvPicPr>
+          <p:nvPr/>
+        </p:nvPicPr>
+        <p:blipFill>
+          <a:blip r:embed="rId3">
+            <a:extLst>
+              <a:ext uri="{28A0092B-C50C-407E-A947-70E740481C1C}">
+                <a14:useLocalDpi xmlns:a14="http://schemas.microsoft.com/office/drawing/2010/main" val="0"/>
+              </a:ext>
+            </a:extLst>
+          </a:blip>
+          <a:srcRect/>
+          <a:stretch>
+            <a:fillRect/>
+          </a:stretch>
+        </p:blipFill>
+        <p:spPr bwMode="auto">
+          <a:xfrm>
+            <a:off x="322729" y="4242919"/>
+            <a:ext cx="1640542" cy="1398602"/>
+          </a:xfrm>
+          <a:prstGeom prst="rect">
+            <a:avLst/>
+          </a:prstGeom>
+          <a:noFill/>
+          <a:ln>
+            <a:noFill/>
+          </a:ln>
+          <a:effectLst/>
+          <a:extLst>
+            <a:ext uri="{909E8E84-426E-40DD-AFC4-6F175D3DCCD1}">
+              <a14:hiddenFill xmlns:a14="http://schemas.microsoft.com/office/drawing/2010/main">
+                <a:solidFill>
+                  <a:schemeClr val="accent1"/>
+                </a:solidFill>
+              </a14:hiddenFill>
+            </a:ext>
+            <a:ext uri="{91240B29-F687-4F45-9708-019B960494DF}">
+              <a14:hiddenLine xmlns:a14="http://schemas.microsoft.com/office/drawing/2010/main" w="9525">
+                <a:solidFill>
+                  <a:schemeClr val="tx1"/>
+                </a:solidFill>
+                <a:miter lim="800000"/>
+                <a:headEnd/>
+                <a:tailEnd/>
+              </a14:hiddenLine>
+            </a:ext>
+            <a:ext uri="{AF507438-7753-43E0-B8FC-AC1667EBCBE1}">
+              <a14:hiddenEffects xmlns:a14="http://schemas.microsoft.com/office/drawing/2010/main">
+                <a:effectLst>
+                  <a:outerShdw dist="35921" dir="2700000" algn="ctr" rotWithShape="0">
+                    <a:schemeClr val="bg2"/>
+                  </a:outerShdw>
+                </a:effectLst>
+              </a14:hiddenEffects>
+            </a:ext>
+          </a:extLst>
+        </p:spPr>
+      </p:pic>
+      <p:sp>
+        <p:nvSpPr>
+          <p:cNvPr id="41" name="Rounded Rectangle 40"/>
+          <p:cNvSpPr/>
+          <p:nvPr/>
+        </p:nvSpPr>
+        <p:spPr>
+          <a:xfrm>
+            <a:off x="2743200" y="4442974"/>
+            <a:ext cx="2205317" cy="2397095"/>
+          </a:xfrm>
+          <a:prstGeom prst="roundRect">
+            <a:avLst/>
+          </a:prstGeom>
+        </p:spPr>
+        <p:style>
+          <a:lnRef idx="2">
+            <a:schemeClr val="accent1">
+              <a:shade val="50000"/>
+            </a:schemeClr>
+          </a:lnRef>
+          <a:fillRef idx="1">
+            <a:schemeClr val="accent1"/>
+          </a:fillRef>
+          <a:effectRef idx="0">
+            <a:schemeClr val="accent1"/>
+          </a:effectRef>
+          <a:fontRef idx="minor">
+            <a:schemeClr val="lt1"/>
+          </a:fontRef>
+        </p:style>
+        <p:txBody>
+          <a:bodyPr rtlCol="0" anchor="ctr"/>
+          <a:lstStyle/>
+          <a:p>
+            <a:pPr algn="ctr"/>
+            <a:r>
+              <a:rPr lang="en-IE" sz="1400" dirty="0" smtClean="0">
+                <a:latin typeface="Courier New" panose="02070309020205020404" pitchFamily="49" charset="0"/>
+                <a:cs typeface="Courier New" panose="02070309020205020404" pitchFamily="49" charset="0"/>
+              </a:rPr>
+              <a:t>Jenkins	</a:t>
+            </a:r>
+            <a:endParaRPr lang="en-IE" sz="1400" dirty="0" smtClean="0">
+              <a:latin typeface="Courier New" panose="02070309020205020404" pitchFamily="49" charset="0"/>
+              <a:cs typeface="Courier New" panose="02070309020205020404" pitchFamily="49" charset="0"/>
+            </a:endParaRPr>
+          </a:p>
+          <a:p>
+            <a:pPr algn="ctr"/>
+            <a:r>
+              <a:rPr lang="en-IE" sz="1400" dirty="0" smtClean="0">
+                <a:latin typeface="Courier New" panose="02070309020205020404" pitchFamily="49" charset="0"/>
+                <a:cs typeface="Courier New" panose="02070309020205020404" pitchFamily="49" charset="0"/>
+              </a:rPr>
+              <a:t>Java </a:t>
+            </a:r>
+            <a:endParaRPr lang="en-IE" sz="1400" dirty="0" smtClean="0">
+              <a:latin typeface="Courier New" panose="02070309020205020404" pitchFamily="49" charset="0"/>
+              <a:cs typeface="Courier New" panose="02070309020205020404" pitchFamily="49" charset="0"/>
+            </a:endParaRPr>
+          </a:p>
+          <a:p>
+            <a:pPr algn="ctr"/>
+            <a:r>
+              <a:rPr lang="en-IE" sz="1400" dirty="0" smtClean="0">
+                <a:latin typeface="Courier New" panose="02070309020205020404" pitchFamily="49" charset="0"/>
+                <a:cs typeface="Courier New" panose="02070309020205020404" pitchFamily="49" charset="0"/>
+              </a:rPr>
+              <a:t>Open SSH</a:t>
+            </a:r>
+          </a:p>
+          <a:p>
+            <a:pPr algn="ctr"/>
+            <a:r>
+              <a:rPr lang="en-IE" sz="1400" dirty="0" smtClean="0">
+                <a:latin typeface="Courier New" panose="02070309020205020404" pitchFamily="49" charset="0"/>
+                <a:cs typeface="Courier New" panose="02070309020205020404" pitchFamily="49" charset="0"/>
+              </a:rPr>
+              <a:t>Putty </a:t>
+            </a:r>
+            <a:endParaRPr lang="en-IE" sz="1400" dirty="0" smtClean="0">
+              <a:latin typeface="Courier New" panose="02070309020205020404" pitchFamily="49" charset="0"/>
+              <a:cs typeface="Courier New" panose="02070309020205020404" pitchFamily="49" charset="0"/>
+            </a:endParaRPr>
+          </a:p>
+          <a:p>
+            <a:pPr algn="ctr"/>
+            <a:r>
+              <a:rPr lang="en-IE" sz="1400" dirty="0" smtClean="0">
+                <a:latin typeface="Courier New" panose="02070309020205020404" pitchFamily="49" charset="0"/>
+                <a:cs typeface="Courier New" panose="02070309020205020404" pitchFamily="49" charset="0"/>
+              </a:rPr>
+              <a:t>Git</a:t>
+            </a:r>
+          </a:p>
+          <a:p>
+            <a:pPr algn="ctr"/>
+            <a:r>
+              <a:rPr lang="en-IE" sz="1400" dirty="0" err="1" smtClean="0">
+                <a:latin typeface="Courier New" panose="02070309020205020404" pitchFamily="49" charset="0"/>
+                <a:cs typeface="Courier New" panose="02070309020205020404" pitchFamily="49" charset="0"/>
+              </a:rPr>
+              <a:t>Ansible</a:t>
+            </a:r>
+            <a:endParaRPr lang="en-IE" sz="1400" dirty="0" smtClean="0">
+              <a:latin typeface="Courier New" panose="02070309020205020404" pitchFamily="49" charset="0"/>
+              <a:cs typeface="Courier New" panose="02070309020205020404" pitchFamily="49" charset="0"/>
+            </a:endParaRPr>
+          </a:p>
+          <a:p>
+            <a:pPr algn="ctr"/>
+            <a:r>
+              <a:rPr lang="en-IE" sz="1400" dirty="0" err="1" smtClean="0">
+                <a:latin typeface="Courier New" panose="02070309020205020404" pitchFamily="49" charset="0"/>
+                <a:cs typeface="Courier New" panose="02070309020205020404" pitchFamily="49" charset="0"/>
+              </a:rPr>
+              <a:t>Jfrog</a:t>
+            </a:r>
+            <a:r>
+              <a:rPr lang="en-IE" sz="1400" dirty="0" smtClean="0">
+                <a:latin typeface="Courier New" panose="02070309020205020404" pitchFamily="49" charset="0"/>
+                <a:cs typeface="Courier New" panose="02070309020205020404" pitchFamily="49" charset="0"/>
+              </a:rPr>
+              <a:t> </a:t>
+            </a:r>
+            <a:r>
+              <a:rPr lang="en-IE" sz="1400" dirty="0" err="1" smtClean="0">
+                <a:latin typeface="Courier New" panose="02070309020205020404" pitchFamily="49" charset="0"/>
+                <a:cs typeface="Courier New" panose="02070309020205020404" pitchFamily="49" charset="0"/>
+              </a:rPr>
+              <a:t>Artifactory</a:t>
+            </a:r>
+            <a:endParaRPr lang="en-IE" sz="1400" dirty="0" smtClean="0">
+              <a:latin typeface="Courier New" panose="02070309020205020404" pitchFamily="49" charset="0"/>
+              <a:cs typeface="Courier New" panose="02070309020205020404" pitchFamily="49" charset="0"/>
+            </a:endParaRPr>
+          </a:p>
+          <a:p>
+            <a:pPr algn="ctr"/>
+            <a:r>
+              <a:rPr lang="en-IE" sz="1400" dirty="0" smtClean="0">
+                <a:latin typeface="Courier New" panose="02070309020205020404" pitchFamily="49" charset="0"/>
+                <a:cs typeface="Courier New" panose="02070309020205020404" pitchFamily="49" charset="0"/>
+              </a:rPr>
+              <a:t>Selenium</a:t>
+            </a:r>
+            <a:endParaRPr lang="en-IE" sz="1400" dirty="0" smtClean="0">
+              <a:latin typeface="Courier New" panose="02070309020205020404" pitchFamily="49" charset="0"/>
+              <a:cs typeface="Courier New" panose="02070309020205020404" pitchFamily="49" charset="0"/>
+            </a:endParaRPr>
+          </a:p>
+        </p:txBody>
+      </p:sp>
+      <p:sp>
+        <p:nvSpPr>
+          <p:cNvPr id="49" name="Rounded Rectangle 48"/>
+          <p:cNvSpPr/>
+          <p:nvPr/>
+        </p:nvSpPr>
+        <p:spPr>
+          <a:xfrm flipH="1">
+            <a:off x="6304718" y="4374776"/>
+            <a:ext cx="2166929" cy="2303929"/>
+          </a:xfrm>
+          <a:prstGeom prst="roundRect">
+            <a:avLst>
+              <a:gd name="adj" fmla="val 17356"/>
+            </a:avLst>
+          </a:prstGeom>
+        </p:spPr>
+        <p:style>
+          <a:lnRef idx="2">
+            <a:schemeClr val="accent1">
+              <a:shade val="50000"/>
+            </a:schemeClr>
+          </a:lnRef>
+          <a:fillRef idx="1">
+            <a:schemeClr val="accent1"/>
+          </a:fillRef>
+          <a:effectRef idx="0">
+            <a:schemeClr val="accent1"/>
+          </a:effectRef>
+          <a:fontRef idx="minor">
+            <a:schemeClr val="lt1"/>
+          </a:fontRef>
+        </p:style>
+        <p:txBody>
+          <a:bodyPr rtlCol="0" anchor="ctr"/>
+          <a:lstStyle/>
+          <a:p>
+            <a:pPr algn="ctr"/>
+            <a:r>
+              <a:rPr lang="en-IE" sz="1400" dirty="0" smtClean="0">
+                <a:latin typeface="Courier New" panose="02070309020205020404" pitchFamily="49" charset="0"/>
+                <a:cs typeface="Courier New" panose="02070309020205020404" pitchFamily="49" charset="0"/>
+              </a:rPr>
+              <a:t>Ubuntu 16.04</a:t>
+            </a:r>
+          </a:p>
+          <a:p>
+            <a:pPr algn="ctr"/>
+            <a:r>
+              <a:rPr lang="en-IE" sz="1400" dirty="0" smtClean="0">
+                <a:latin typeface="Courier New" panose="02070309020205020404" pitchFamily="49" charset="0"/>
+                <a:cs typeface="Courier New" panose="02070309020205020404" pitchFamily="49" charset="0"/>
+              </a:rPr>
+              <a:t>.NET Core</a:t>
+            </a:r>
+          </a:p>
+          <a:p>
+            <a:pPr algn="ctr"/>
+            <a:r>
+              <a:rPr lang="en-IE" sz="1400" dirty="0" smtClean="0">
+                <a:latin typeface="Courier New" panose="02070309020205020404" pitchFamily="49" charset="0"/>
+                <a:cs typeface="Courier New" panose="02070309020205020404" pitchFamily="49" charset="0"/>
+              </a:rPr>
+              <a:t>MySQL</a:t>
+            </a:r>
+          </a:p>
+          <a:p>
+            <a:pPr algn="ctr"/>
+            <a:r>
+              <a:rPr lang="en-IE" sz="1400" dirty="0" err="1" smtClean="0">
+                <a:latin typeface="Courier New" panose="02070309020205020404" pitchFamily="49" charset="0"/>
+                <a:cs typeface="Courier New" panose="02070309020205020404" pitchFamily="49" charset="0"/>
+              </a:rPr>
+              <a:t>Nunit</a:t>
+            </a:r>
+            <a:endParaRPr lang="en-IE" sz="1400" dirty="0" smtClean="0">
+              <a:latin typeface="Courier New" panose="02070309020205020404" pitchFamily="49" charset="0"/>
+              <a:cs typeface="Courier New" panose="02070309020205020404" pitchFamily="49" charset="0"/>
+            </a:endParaRPr>
+          </a:p>
+          <a:p>
+            <a:pPr algn="ctr"/>
+            <a:r>
+              <a:rPr lang="en-IE" sz="1400" dirty="0" err="1" smtClean="0">
+                <a:latin typeface="Courier New" panose="02070309020205020404" pitchFamily="49" charset="0"/>
+                <a:cs typeface="Courier New" panose="02070309020205020404" pitchFamily="49" charset="0"/>
+              </a:rPr>
+              <a:t>Monit</a:t>
+            </a:r>
+            <a:endParaRPr lang="en-IE" sz="1400" dirty="0" smtClean="0">
+              <a:latin typeface="Courier New" panose="02070309020205020404" pitchFamily="49" charset="0"/>
+              <a:cs typeface="Courier New" panose="02070309020205020404" pitchFamily="49" charset="0"/>
+            </a:endParaRPr>
+          </a:p>
+          <a:p>
+            <a:pPr algn="ctr"/>
+            <a:r>
+              <a:rPr lang="en-IE" sz="1400" dirty="0" smtClean="0">
+                <a:latin typeface="Courier New" panose="02070309020205020404" pitchFamily="49" charset="0"/>
+                <a:cs typeface="Courier New" panose="02070309020205020404" pitchFamily="49" charset="0"/>
+              </a:rPr>
+              <a:t>Open </a:t>
+            </a:r>
+            <a:r>
+              <a:rPr lang="en-IE" sz="1400" dirty="0" smtClean="0">
+                <a:latin typeface="Courier New" panose="02070309020205020404" pitchFamily="49" charset="0"/>
+                <a:cs typeface="Courier New" panose="02070309020205020404" pitchFamily="49" charset="0"/>
+              </a:rPr>
+              <a:t>SSH</a:t>
+            </a:r>
+          </a:p>
+          <a:p>
+            <a:pPr algn="ctr"/>
+            <a:r>
+              <a:rPr lang="en-IE" sz="1400" dirty="0" err="1" smtClean="0">
+                <a:latin typeface="Courier New" panose="02070309020205020404" pitchFamily="49" charset="0"/>
+                <a:cs typeface="Courier New" panose="02070309020205020404" pitchFamily="49" charset="0"/>
+              </a:rPr>
+              <a:t>Wk</a:t>
+            </a:r>
+            <a:r>
+              <a:rPr lang="en-IE" sz="1400" dirty="0" smtClean="0">
+                <a:latin typeface="Courier New" panose="02070309020205020404" pitchFamily="49" charset="0"/>
+                <a:cs typeface="Courier New" panose="02070309020205020404" pitchFamily="49" charset="0"/>
+              </a:rPr>
+              <a:t> Per. Tests</a:t>
+            </a:r>
+            <a:endParaRPr lang="en-IE" sz="1400" dirty="0">
+              <a:latin typeface="Courier New" panose="02070309020205020404" pitchFamily="49" charset="0"/>
+              <a:cs typeface="Courier New" panose="02070309020205020404" pitchFamily="49" charset="0"/>
+            </a:endParaRPr>
+          </a:p>
+        </p:txBody>
+      </p:sp>
+      <p:pic>
+        <p:nvPicPr>
+          <p:cNvPr id="1031" name="Picture 7"/>
+          <p:cNvPicPr>
+            <a:picLocks noChangeAspect="1" noChangeArrowheads="1"/>
+          </p:cNvPicPr>
+          <p:nvPr/>
+        </p:nvPicPr>
+        <p:blipFill>
+          <a:blip r:embed="rId4">
+            <a:extLst>
+              <a:ext uri="{28A0092B-C50C-407E-A947-70E740481C1C}">
+                <a14:useLocalDpi xmlns:a14="http://schemas.microsoft.com/office/drawing/2010/main" val="0"/>
+              </a:ext>
+            </a:extLst>
+          </a:blip>
+          <a:srcRect/>
+          <a:stretch>
+            <a:fillRect/>
+          </a:stretch>
+        </p:blipFill>
+        <p:spPr bwMode="auto">
+          <a:xfrm>
+            <a:off x="2474259" y="1235066"/>
+            <a:ext cx="2844574" cy="3516228"/>
+          </a:xfrm>
+          <a:prstGeom prst="rect">
+            <a:avLst/>
+          </a:prstGeom>
+          <a:noFill/>
+          <a:ln>
+            <a:noFill/>
+          </a:ln>
+          <a:effectLst/>
+          <a:extLst>
+            <a:ext uri="{909E8E84-426E-40DD-AFC4-6F175D3DCCD1}">
+              <a14:hiddenFill xmlns:a14="http://schemas.microsoft.com/office/drawing/2010/main">
+                <a:solidFill>
+                  <a:schemeClr val="accent1"/>
+                </a:solidFill>
+              </a14:hiddenFill>
+            </a:ext>
+            <a:ext uri="{91240B29-F687-4F45-9708-019B960494DF}">
+              <a14:hiddenLine xmlns:a14="http://schemas.microsoft.com/office/drawing/2010/main" w="9525">
+                <a:solidFill>
+                  <a:schemeClr val="tx1"/>
+                </a:solidFill>
+                <a:miter lim="800000"/>
+                <a:headEnd/>
+                <a:tailEnd/>
+              </a14:hiddenLine>
+            </a:ext>
+            <a:ext uri="{AF507438-7753-43E0-B8FC-AC1667EBCBE1}">
+              <a14:hiddenEffects xmlns:a14="http://schemas.microsoft.com/office/drawing/2010/main">
+                <a:effectLst>
+                  <a:outerShdw dist="35921" dir="2700000" algn="ctr" rotWithShape="0">
+                    <a:schemeClr val="bg2"/>
+                  </a:outerShdw>
+                </a:effectLst>
+              </a14:hiddenEffects>
+            </a:ext>
+          </a:extLst>
+        </p:spPr>
+      </p:pic>
+      <p:pic>
+        <p:nvPicPr>
+          <p:cNvPr id="1030" name="Picture 6" descr="C:\Users\KK\AppData\Local\Microsoft\Windows\Temporary Internet Files\Content.IE5\KASK9R65\Gorilla-server.svg[1].png"/>
+          <p:cNvPicPr>
+            <a:picLocks noChangeAspect="1" noChangeArrowheads="1"/>
+          </p:cNvPicPr>
+          <p:nvPr/>
+        </p:nvPicPr>
+        <p:blipFill>
+          <a:blip r:embed="rId5" cstate="print">
+            <a:extLst>
+              <a:ext uri="{28A0092B-C50C-407E-A947-70E740481C1C}">
+                <a14:useLocalDpi xmlns:a14="http://schemas.microsoft.com/office/drawing/2010/main" val="0"/>
+              </a:ext>
+            </a:extLst>
+          </a:blip>
+          <a:srcRect/>
+          <a:stretch>
+            <a:fillRect/>
+          </a:stretch>
+        </p:blipFill>
+        <p:spPr bwMode="auto">
+          <a:xfrm>
+            <a:off x="6051176" y="1235065"/>
+            <a:ext cx="2907096" cy="3407963"/>
+          </a:xfrm>
+          <a:prstGeom prst="rect">
+            <a:avLst/>
+          </a:prstGeom>
+          <a:noFill/>
+          <a:extLst>
+            <a:ext uri="{909E8E84-426E-40DD-AFC4-6F175D3DCCD1}">
+              <a14:hiddenFill xmlns:a14="http://schemas.microsoft.com/office/drawing/2010/main">
+                <a:solidFill>
+                  <a:srgbClr val="FFFFFF"/>
+                </a:solidFill>
+              </a14:hiddenFill>
+            </a:ext>
+          </a:extLst>
+        </p:spPr>
+      </p:pic>
+      <p:sp>
+        <p:nvSpPr>
+          <p:cNvPr id="2" name="Title 1">
+            <a:extLst>
+              <a:ext uri="{FF2B5EF4-FFF2-40B4-BE49-F238E27FC236}">
+                <a16:creationId xmlns:a16="http://schemas.microsoft.com/office/drawing/2014/main" xmlns="" id="{F80389EE-9E58-48FF-89C5-3FBADBA31B30}"/>
+              </a:ext>
+            </a:extLst>
+          </p:cNvPr>
+          <p:cNvSpPr>
+            <a:spLocks noGrp="1"/>
+          </p:cNvSpPr>
+          <p:nvPr>
+            <p:ph type="title"/>
+          </p:nvPr>
+        </p:nvSpPr>
+        <p:spPr>
+          <a:xfrm>
+            <a:off x="394447" y="71718"/>
+            <a:ext cx="9690848" cy="787024"/>
+          </a:xfrm>
+        </p:spPr>
+        <p:txBody>
+          <a:bodyPr>
+            <a:normAutofit fontScale="90000"/>
+          </a:bodyPr>
+          <a:lstStyle/>
+          <a:p>
+            <a:r>
+              <a:rPr lang="en-US" sz="2200" b="1" dirty="0" smtClean="0">
+                <a:effectLst/>
+              </a:rPr>
+              <a:t>Development Environment </a:t>
+            </a:r>
+            <a:r>
+              <a:rPr lang="en-US" b="1" dirty="0">
+                <a:effectLst/>
+              </a:rPr>
+              <a:t/>
+            </a:r>
+            <a:br>
+              <a:rPr lang="en-US" b="1" dirty="0">
+                <a:effectLst/>
+              </a:rPr>
+            </a:br>
+            <a:endParaRPr lang="en-US" dirty="0"/>
+          </a:p>
+        </p:txBody>
+      </p:sp>
+      <p:sp>
+        <p:nvSpPr>
+          <p:cNvPr id="39" name="TextBox 38"/>
+          <p:cNvSpPr txBox="1"/>
+          <p:nvPr/>
+        </p:nvSpPr>
+        <p:spPr>
+          <a:xfrm>
+            <a:off x="6051176" y="735106"/>
+            <a:ext cx="3531832" cy="369332"/>
+          </a:xfrm>
+          <a:prstGeom prst="rect">
+            <a:avLst/>
+          </a:prstGeom>
+          <a:noFill/>
+        </p:spPr>
+        <p:txBody>
+          <a:bodyPr wrap="square" rtlCol="0">
+            <a:spAutoFit/>
+          </a:bodyPr>
+          <a:lstStyle/>
+          <a:p>
+            <a:pPr algn="ctr"/>
+            <a:r>
+              <a:rPr lang="en-IE" b="1" dirty="0" smtClean="0">
+                <a:latin typeface="Courier New" panose="02070309020205020404" pitchFamily="49" charset="0"/>
+                <a:cs typeface="Courier New" panose="02070309020205020404" pitchFamily="49" charset="0"/>
+              </a:rPr>
+              <a:t>Dev Server</a:t>
+            </a:r>
+            <a:endParaRPr lang="en-IE" b="1" dirty="0">
+              <a:latin typeface="Courier New" panose="02070309020205020404" pitchFamily="49" charset="0"/>
+              <a:cs typeface="Courier New" panose="02070309020205020404" pitchFamily="49" charset="0"/>
+            </a:endParaRPr>
+          </a:p>
+        </p:txBody>
+      </p:sp>
+      <p:sp>
+        <p:nvSpPr>
+          <p:cNvPr id="40" name="TextBox 39"/>
+          <p:cNvSpPr txBox="1"/>
+          <p:nvPr/>
+        </p:nvSpPr>
+        <p:spPr>
+          <a:xfrm>
+            <a:off x="2743201" y="784089"/>
+            <a:ext cx="2614252" cy="369332"/>
+          </a:xfrm>
+          <a:prstGeom prst="rect">
+            <a:avLst/>
+          </a:prstGeom>
+          <a:noFill/>
+        </p:spPr>
+        <p:txBody>
+          <a:bodyPr wrap="square" rtlCol="0">
+            <a:spAutoFit/>
+          </a:bodyPr>
+          <a:lstStyle/>
+          <a:p>
+            <a:pPr algn="ctr"/>
+            <a:r>
+              <a:rPr lang="en-IE" b="1" dirty="0" smtClean="0">
+                <a:latin typeface="Courier New" panose="02070309020205020404" pitchFamily="49" charset="0"/>
+                <a:cs typeface="Courier New" panose="02070309020205020404" pitchFamily="49" charset="0"/>
+              </a:rPr>
+              <a:t>Jenkins Server</a:t>
+            </a:r>
+            <a:endParaRPr lang="en-IE" b="1" dirty="0">
+              <a:latin typeface="Courier New" panose="02070309020205020404" pitchFamily="49" charset="0"/>
+              <a:cs typeface="Courier New" panose="02070309020205020404" pitchFamily="49" charset="0"/>
+            </a:endParaRPr>
+          </a:p>
+        </p:txBody>
+      </p:sp>
+      <p:pic>
+        <p:nvPicPr>
+          <p:cNvPr id="2050" name="Picture 2"/>
+          <p:cNvPicPr>
+            <a:picLocks noChangeAspect="1" noChangeArrowheads="1"/>
+          </p:cNvPicPr>
+          <p:nvPr/>
+        </p:nvPicPr>
+        <p:blipFill>
+          <a:blip r:embed="rId6" cstate="print">
+            <a:extLst>
+              <a:ext uri="{28A0092B-C50C-407E-A947-70E740481C1C}">
+                <a14:useLocalDpi xmlns:a14="http://schemas.microsoft.com/office/drawing/2010/main" val="0"/>
+              </a:ext>
+            </a:extLst>
+          </a:blip>
+          <a:srcRect/>
+          <a:stretch>
+            <a:fillRect/>
+          </a:stretch>
+        </p:blipFill>
+        <p:spPr bwMode="auto">
+          <a:xfrm>
+            <a:off x="8677836" y="3371363"/>
+            <a:ext cx="2365310" cy="2590888"/>
+          </a:xfrm>
+          <a:prstGeom prst="rect">
+            <a:avLst/>
+          </a:prstGeom>
+          <a:noFill/>
+          <a:ln>
+            <a:noFill/>
+          </a:ln>
+          <a:effectLst/>
+          <a:extLst>
+            <a:ext uri="{909E8E84-426E-40DD-AFC4-6F175D3DCCD1}">
+              <a14:hiddenFill xmlns:a14="http://schemas.microsoft.com/office/drawing/2010/main">
+                <a:solidFill>
+                  <a:schemeClr val="accent1"/>
+                </a:solidFill>
+              </a14:hiddenFill>
+            </a:ext>
+            <a:ext uri="{91240B29-F687-4F45-9708-019B960494DF}">
+              <a14:hiddenLine xmlns:a14="http://schemas.microsoft.com/office/drawing/2010/main" w="9525">
+                <a:solidFill>
+                  <a:schemeClr val="tx1"/>
+                </a:solidFill>
+                <a:miter lim="800000"/>
+                <a:headEnd/>
+                <a:tailEnd/>
+              </a14:hiddenLine>
+            </a:ext>
+            <a:ext uri="{AF507438-7753-43E0-B8FC-AC1667EBCBE1}">
+              <a14:hiddenEffects xmlns:a14="http://schemas.microsoft.com/office/drawing/2010/main">
+                <a:effectLst>
+                  <a:outerShdw dist="35921" dir="2700000" algn="ctr" rotWithShape="0">
+                    <a:schemeClr val="bg2"/>
+                  </a:outerShdw>
+                </a:effectLst>
+              </a14:hiddenEffects>
+            </a:ext>
+          </a:extLst>
+        </p:spPr>
+      </p:pic>
+      <p:pic>
+        <p:nvPicPr>
+          <p:cNvPr id="2051" name="Picture 3"/>
+          <p:cNvPicPr>
+            <a:picLocks noChangeAspect="1" noChangeArrowheads="1"/>
+          </p:cNvPicPr>
+          <p:nvPr/>
+        </p:nvPicPr>
+        <p:blipFill>
+          <a:blip r:embed="rId3">
+            <a:extLst>
+              <a:ext uri="{28A0092B-C50C-407E-A947-70E740481C1C}">
+                <a14:useLocalDpi xmlns:a14="http://schemas.microsoft.com/office/drawing/2010/main" val="0"/>
+              </a:ext>
+            </a:extLst>
+          </a:blip>
+          <a:srcRect/>
+          <a:stretch>
+            <a:fillRect/>
+          </a:stretch>
+        </p:blipFill>
+        <p:spPr bwMode="auto">
+          <a:xfrm>
+            <a:off x="10085295" y="4293484"/>
+            <a:ext cx="2238580" cy="2597150"/>
+          </a:xfrm>
+          <a:prstGeom prst="rect">
+            <a:avLst/>
+          </a:prstGeom>
+          <a:noFill/>
+          <a:ln>
+            <a:noFill/>
+          </a:ln>
+          <a:effectLst/>
+          <a:extLst>
+            <a:ext uri="{909E8E84-426E-40DD-AFC4-6F175D3DCCD1}">
+              <a14:hiddenFill xmlns:a14="http://schemas.microsoft.com/office/drawing/2010/main">
+                <a:solidFill>
+                  <a:schemeClr val="accent1"/>
+                </a:solidFill>
+              </a14:hiddenFill>
+            </a:ext>
+            <a:ext uri="{91240B29-F687-4F45-9708-019B960494DF}">
+              <a14:hiddenLine xmlns:a14="http://schemas.microsoft.com/office/drawing/2010/main" w="9525">
+                <a:solidFill>
+                  <a:schemeClr val="tx1"/>
+                </a:solidFill>
+                <a:miter lim="800000"/>
+                <a:headEnd/>
+                <a:tailEnd/>
+              </a14:hiddenLine>
+            </a:ext>
+            <a:ext uri="{AF507438-7753-43E0-B8FC-AC1667EBCBE1}">
+              <a14:hiddenEffects xmlns:a14="http://schemas.microsoft.com/office/drawing/2010/main">
+                <a:effectLst>
+                  <a:outerShdw dist="35921" dir="2700000" algn="ctr" rotWithShape="0">
+                    <a:schemeClr val="bg2"/>
+                  </a:outerShdw>
+                </a:effectLst>
+              </a14:hiddenEffects>
+            </a:ext>
+          </a:extLst>
+        </p:spPr>
+      </p:pic>
+      <p:sp>
+        <p:nvSpPr>
+          <p:cNvPr id="3" name="TextBox 2"/>
+          <p:cNvSpPr txBox="1"/>
+          <p:nvPr/>
+        </p:nvSpPr>
+        <p:spPr>
+          <a:xfrm>
+            <a:off x="9099176" y="4242919"/>
+            <a:ext cx="1445510" cy="400110"/>
+          </a:xfrm>
+          <a:prstGeom prst="rect">
+            <a:avLst/>
+          </a:prstGeom>
+          <a:noFill/>
+        </p:spPr>
+        <p:txBody>
+          <a:bodyPr wrap="square" rtlCol="0">
+            <a:spAutoFit/>
+          </a:bodyPr>
+          <a:lstStyle/>
+          <a:p>
+            <a:r>
+              <a:rPr lang="en-IE" sz="2000" b="1" dirty="0" smtClean="0">
+                <a:solidFill>
+                  <a:schemeClr val="bg1"/>
+                </a:solidFill>
+                <a:latin typeface="Courier New" panose="02070309020205020404" pitchFamily="49" charset="0"/>
+                <a:cs typeface="Courier New" panose="02070309020205020404" pitchFamily="49" charset="0"/>
+              </a:rPr>
+              <a:t>Testing</a:t>
+            </a:r>
+            <a:endParaRPr lang="en-IE" sz="2000" b="1" dirty="0">
+              <a:solidFill>
+                <a:schemeClr val="bg1"/>
+              </a:solidFill>
+              <a:latin typeface="Courier New" panose="02070309020205020404" pitchFamily="49" charset="0"/>
+              <a:cs typeface="Courier New" panose="02070309020205020404" pitchFamily="49" charset="0"/>
+            </a:endParaRPr>
+          </a:p>
+        </p:txBody>
+      </p:sp>
+      <p:sp>
+        <p:nvSpPr>
+          <p:cNvPr id="4" name="TextBox 3"/>
+          <p:cNvSpPr txBox="1"/>
+          <p:nvPr/>
+        </p:nvSpPr>
+        <p:spPr>
+          <a:xfrm>
+            <a:off x="10668000" y="5065059"/>
+            <a:ext cx="1111623" cy="461665"/>
+          </a:xfrm>
+          <a:prstGeom prst="rect">
+            <a:avLst/>
+          </a:prstGeom>
+          <a:noFill/>
+        </p:spPr>
+        <p:txBody>
+          <a:bodyPr wrap="square" rtlCol="0">
+            <a:spAutoFit/>
+          </a:bodyPr>
+          <a:lstStyle/>
+          <a:p>
+            <a:r>
+              <a:rPr lang="en-IE" sz="2400" b="1" dirty="0" smtClean="0">
+                <a:solidFill>
+                  <a:schemeClr val="bg1"/>
+                </a:solidFill>
+                <a:latin typeface="Courier New" panose="02070309020205020404" pitchFamily="49" charset="0"/>
+                <a:cs typeface="Courier New" panose="02070309020205020404" pitchFamily="49" charset="0"/>
+              </a:rPr>
+              <a:t>Live</a:t>
+            </a:r>
+            <a:endParaRPr lang="en-IE" sz="2400" b="1" dirty="0">
+              <a:solidFill>
+                <a:schemeClr val="bg1"/>
+              </a:solidFill>
+              <a:latin typeface="Courier New" panose="02070309020205020404" pitchFamily="49" charset="0"/>
+              <a:cs typeface="Courier New" panose="02070309020205020404" pitchFamily="49" charset="0"/>
+            </a:endParaRPr>
+          </a:p>
+        </p:txBody>
+      </p:sp>
+    </p:spTree>
+    <p:extLst>
+      <p:ext uri="{BB962C8B-B14F-4D97-AF65-F5344CB8AC3E}">
+        <p14:creationId xmlns:p14="http://schemas.microsoft.com/office/powerpoint/2010/main" val="2181418736"/>
+      </p:ext>
+    </p:extLst>
+  </p:cSld>
+  <p:clrMapOvr>
+    <a:masterClrMapping/>
+  </p:clrMapOvr>
+  <p:timing>
+    <p:tnLst>
+      <p:par>
+        <p:cTn id="1" dur="indefinite" restart="never" nodeType="tmRoot"/>
+      </p:par>
+    </p:tnLst>
+  </p:timing>
+</p:sld>
+</file>
+
+<file path=ppt/slides/slide7.xml><?xml version="1.0" encoding="utf-8"?>
+<p:sld xmlns:a="http://schemas.openxmlformats.org/drawingml/2006/main" xmlns:r="http://schemas.openxmlformats.org/officeDocument/2006/relationships" xmlns:p="http://schemas.openxmlformats.org/presentationml/2006/main">
+  <p:cSld>
+    <p:spTree>
+      <p:nvGrpSpPr>
+        <p:cNvPr id="1" name=""/>
+        <p:cNvGrpSpPr/>
+        <p:nvPr/>
+      </p:nvGrpSpPr>
+      <p:grpSpPr>
+        <a:xfrm>
+          <a:off x="0" y="0"/>
+          <a:ext cx="0" cy="0"/>
+          <a:chOff x="0" y="0"/>
+          <a:chExt cx="0" cy="0"/>
+        </a:xfrm>
+      </p:grpSpPr>
+      <p:sp>
+        <p:nvSpPr>
+          <p:cNvPr id="2" name="Title 1"/>
+          <p:cNvSpPr>
+            <a:spLocks noGrp="1"/>
+          </p:cNvSpPr>
+          <p:nvPr>
+            <p:ph type="title"/>
+          </p:nvPr>
+        </p:nvSpPr>
+        <p:spPr>
+          <a:xfrm>
+            <a:off x="1141413" y="179294"/>
+            <a:ext cx="9905998" cy="860612"/>
+          </a:xfrm>
+        </p:spPr>
+        <p:txBody>
+          <a:bodyPr/>
+          <a:lstStyle/>
+          <a:p>
+            <a:r>
+              <a:rPr lang="en-IE" dirty="0" smtClean="0"/>
+              <a:t>DevOps Pipeline</a:t>
+            </a:r>
+            <a:endParaRPr lang="en-IE" dirty="0"/>
+          </a:p>
+        </p:txBody>
+      </p:sp>
+      <p:pic>
+        <p:nvPicPr>
+          <p:cNvPr id="1026" name="Picture 2"/>
+          <p:cNvPicPr>
+            <a:picLocks noGrp="1" noChangeAspect="1" noChangeArrowheads="1"/>
+          </p:cNvPicPr>
+          <p:nvPr>
+            <p:ph idx="1"/>
+          </p:nvPr>
+        </p:nvPicPr>
+        <p:blipFill>
+          <a:blip r:embed="rId2">
+            <a:extLst>
+              <a:ext uri="{28A0092B-C50C-407E-A947-70E740481C1C}">
+                <a14:useLocalDpi xmlns:a14="http://schemas.microsoft.com/office/drawing/2010/main" val="0"/>
+              </a:ext>
+            </a:extLst>
+          </a:blip>
+          <a:srcRect/>
+          <a:stretch>
+            <a:fillRect/>
+          </a:stretch>
+        </p:blipFill>
+        <p:spPr bwMode="auto">
+          <a:xfrm>
+            <a:off x="1559859" y="1506071"/>
+            <a:ext cx="8659906" cy="5091953"/>
+          </a:xfrm>
+          <a:prstGeom prst="rect">
+            <a:avLst/>
+          </a:prstGeom>
+          <a:noFill/>
+          <a:ln>
+            <a:noFill/>
+          </a:ln>
+          <a:extLst>
+            <a:ext uri="{909E8E84-426E-40DD-AFC4-6F175D3DCCD1}">
+              <a14:hiddenFill xmlns:a14="http://schemas.microsoft.com/office/drawing/2010/main">
+                <a:solidFill>
+                  <a:schemeClr val="accent1"/>
+                </a:solidFill>
+              </a14:hiddenFill>
+            </a:ext>
+            <a:ext uri="{91240B29-F687-4F45-9708-019B960494DF}">
+              <a14:hiddenLine xmlns:a14="http://schemas.microsoft.com/office/drawing/2010/main" w="9525">
+                <a:solidFill>
+                  <a:schemeClr val="tx1"/>
+                </a:solidFill>
+                <a:miter lim="800000"/>
+                <a:headEnd/>
+                <a:tailEnd/>
+              </a14:hiddenLine>
+            </a:ext>
+          </a:extLst>
+        </p:spPr>
+      </p:pic>
+    </p:spTree>
+    <p:extLst>
+      <p:ext uri="{BB962C8B-B14F-4D97-AF65-F5344CB8AC3E}">
+        <p14:creationId xmlns:p14="http://schemas.microsoft.com/office/powerpoint/2010/main" val="2913121024"/>
+      </p:ext>
+    </p:extLst>
+  </p:cSld>
+  <p:clrMapOvr>
+    <a:masterClrMapping/>
+  </p:clrMapOvr>
+</p:sld>
+</file>
+
+<file path=ppt/slides/slide8.xml><?xml version="1.0" encoding="utf-8"?>
+<p:sld xmlns:a="http://schemas.openxmlformats.org/drawingml/2006/main" xmlns:r="http://schemas.openxmlformats.org/officeDocument/2006/relationships" xmlns:p="http://schemas.openxmlformats.org/presentationml/2006/main">
+  <p:cSld>
+    <p:spTree>
+      <p:nvGrpSpPr>
+        <p:cNvPr id="1" name=""/>
+        <p:cNvGrpSpPr/>
+        <p:nvPr/>
+      </p:nvGrpSpPr>
+      <p:grpSpPr>
+        <a:xfrm>
+          <a:off x="0" y="0"/>
+          <a:ext cx="0" cy="0"/>
+          <a:chOff x="0" y="0"/>
+          <a:chExt cx="0" cy="0"/>
+        </a:xfrm>
+      </p:grpSpPr>
+      <p:sp>
+        <p:nvSpPr>
           <p:cNvPr id="2" name="Title 1">
             <a:extLst>
               <a:ext uri="{FF2B5EF4-FFF2-40B4-BE49-F238E27FC236}">
@@ -10385,8 +12695,8 @@
         </p:nvSpPr>
         <p:spPr>
           <a:xfrm>
-            <a:off x="412377" y="0"/>
-            <a:ext cx="3747248" cy="1144988"/>
+            <a:off x="412377" y="1506070"/>
+            <a:ext cx="3747248" cy="1084730"/>
           </a:xfrm>
         </p:spPr>
         <p:txBody>
@@ -10433,7 +12743,6 @@
               <a:rPr lang="en-US" dirty="0"/>
               <a:t> </a:t>
             </a:r>
-            <a:endParaRPr lang="en-US" dirty="0"/>
           </a:p>
         </p:txBody>
       </p:sp>
@@ -10490,7 +12799,7 @@
         </p:blipFill>
         <p:spPr bwMode="auto">
           <a:xfrm>
-            <a:off x="824753" y="1084728"/>
+            <a:off x="824753" y="2590800"/>
             <a:ext cx="3048000" cy="3827931"/>
           </a:xfrm>
           <a:prstGeom prst="rect">
@@ -10679,10 +12988,17 @@
   <p:clrMapOvr>
     <a:masterClrMapping/>
   </p:clrMapOvr>
+  <p:timing>
+    <p:tnLst>
+      <p:par>
+        <p:cTn id="1" dur="indefinite" restart="never" nodeType="tmRoot"/>
+      </p:par>
+    </p:tnLst>
+  </p:timing>
 </p:sld>
 </file>
 
-<file path=ppt/slides/slide7.xml><?xml version="1.0" encoding="utf-8"?>
+<file path=ppt/slides/slide9.xml><?xml version="1.0" encoding="utf-8"?>
 <p:sld xmlns:a="http://schemas.openxmlformats.org/drawingml/2006/main" xmlns:r="http://schemas.openxmlformats.org/officeDocument/2006/relationships" xmlns:p="http://schemas.openxmlformats.org/presentationml/2006/main">
   <p:cSld>
     <p:spTree>
@@ -10831,125 +13147,6 @@
           </a:p>
         </p:txBody>
       </p:sp>
-      <p:pic>
-        <p:nvPicPr>
-          <p:cNvPr id="1028" name="Picture 4"/>
-          <p:cNvPicPr>
-            <a:picLocks noChangeAspect="1" noChangeArrowheads="1"/>
-          </p:cNvPicPr>
-          <p:nvPr/>
-        </p:nvPicPr>
-        <p:blipFill>
-          <a:blip r:embed="rId4">
-            <a:extLst>
-              <a:ext uri="{28A0092B-C50C-407E-A947-70E740481C1C}">
-                <a14:useLocalDpi xmlns:a14="http://schemas.microsoft.com/office/drawing/2010/main" val="0"/>
-              </a:ext>
-            </a:extLst>
-          </a:blip>
-          <a:srcRect/>
-          <a:stretch>
-            <a:fillRect/>
-          </a:stretch>
-        </p:blipFill>
-        <p:spPr bwMode="auto">
-          <a:xfrm>
-            <a:off x="6275294" y="1039906"/>
-            <a:ext cx="1568823" cy="1693969"/>
-          </a:xfrm>
-          <a:prstGeom prst="rect">
-            <a:avLst/>
-          </a:prstGeom>
-          <a:noFill/>
-          <a:ln>
-            <a:noFill/>
-          </a:ln>
-          <a:effectLst/>
-          <a:extLst>
-            <a:ext uri="{909E8E84-426E-40DD-AFC4-6F175D3DCCD1}">
-              <a14:hiddenFill xmlns:a14="http://schemas.microsoft.com/office/drawing/2010/main">
-                <a:solidFill>
-                  <a:schemeClr val="accent1"/>
-                </a:solidFill>
-              </a14:hiddenFill>
-            </a:ext>
-            <a:ext uri="{91240B29-F687-4F45-9708-019B960494DF}">
-              <a14:hiddenLine xmlns:a14="http://schemas.microsoft.com/office/drawing/2010/main" w="9525">
-                <a:solidFill>
-                  <a:schemeClr val="tx1"/>
-                </a:solidFill>
-                <a:miter lim="800000"/>
-                <a:headEnd/>
-                <a:tailEnd/>
-              </a14:hiddenLine>
-            </a:ext>
-            <a:ext uri="{AF507438-7753-43E0-B8FC-AC1667EBCBE1}">
-              <a14:hiddenEffects xmlns:a14="http://schemas.microsoft.com/office/drawing/2010/main">
-                <a:effectLst>
-                  <a:outerShdw dist="35921" dir="2700000" algn="ctr" rotWithShape="0">
-                    <a:schemeClr val="bg2"/>
-                  </a:outerShdw>
-                </a:effectLst>
-              </a14:hiddenEffects>
-            </a:ext>
-          </a:extLst>
-        </p:spPr>
-      </p:pic>
-      <p:pic>
-        <p:nvPicPr>
-          <p:cNvPr id="1029" name="Picture 5"/>
-          <p:cNvPicPr>
-            <a:picLocks noChangeAspect="1" noChangeArrowheads="1"/>
-          </p:cNvPicPr>
-          <p:nvPr/>
-        </p:nvPicPr>
-        <p:blipFill>
-          <a:blip r:embed="rId5">
-            <a:extLst>
-              <a:ext uri="{28A0092B-C50C-407E-A947-70E740481C1C}">
-                <a14:useLocalDpi xmlns:a14="http://schemas.microsoft.com/office/drawing/2010/main" val="0"/>
-              </a:ext>
-            </a:extLst>
-          </a:blip>
-          <a:srcRect/>
-          <a:stretch>
-            <a:fillRect/>
-          </a:stretch>
-        </p:blipFill>
-        <p:spPr bwMode="auto">
-          <a:xfrm>
-            <a:off x="8095129" y="1039906"/>
-            <a:ext cx="2510118" cy="1837765"/>
-          </a:xfrm>
-          <a:prstGeom prst="rect">
-            <a:avLst/>
-          </a:prstGeom>
-          <a:gradFill flip="none" rotWithShape="1">
-            <a:gsLst>
-              <a:gs pos="0">
-                <a:srgbClr val="03D4A8"/>
-              </a:gs>
-              <a:gs pos="25000">
-                <a:srgbClr val="21D6E0"/>
-              </a:gs>
-              <a:gs pos="75000">
-                <a:srgbClr val="0087E6"/>
-              </a:gs>
-              <a:gs pos="100000">
-                <a:srgbClr val="005CBF"/>
-              </a:gs>
-            </a:gsLst>
-            <a:path path="shape">
-              <a:fillToRect l="50000" t="50000" r="50000" b="50000"/>
-            </a:path>
-            <a:tileRect/>
-          </a:gradFill>
-          <a:ln>
-            <a:noFill/>
-          </a:ln>
-          <a:effectLst/>
-        </p:spPr>
-      </p:pic>
     </p:spTree>
     <p:extLst>
       <p:ext uri="{BB962C8B-B14F-4D97-AF65-F5344CB8AC3E}">
@@ -10960,2321 +13157,13 @@
   <p:clrMapOvr>
     <a:masterClrMapping/>
   </p:clrMapOvr>
-</p:sld>
-</file>
-
-<file path=ppt/slides/slide8.xml><?xml version="1.0" encoding="utf-8"?>
-<p:sld xmlns:a="http://schemas.openxmlformats.org/drawingml/2006/main" xmlns:r="http://schemas.openxmlformats.org/officeDocument/2006/relationships" xmlns:p="http://schemas.openxmlformats.org/presentationml/2006/main">
-  <p:cSld>
-    <p:spTree>
-      <p:nvGrpSpPr>
-        <p:cNvPr id="1" name=""/>
-        <p:cNvGrpSpPr/>
-        <p:nvPr/>
-      </p:nvGrpSpPr>
-      <p:grpSpPr>
-        <a:xfrm>
-          <a:off x="0" y="0"/>
-          <a:ext cx="0" cy="0"/>
-          <a:chOff x="0" y="0"/>
-          <a:chExt cx="0" cy="0"/>
-        </a:xfrm>
-      </p:grpSpPr>
-      <p:sp>
-        <p:nvSpPr>
-          <p:cNvPr id="2" name="Title 1"/>
-          <p:cNvSpPr>
-            <a:spLocks noGrp="1"/>
-          </p:cNvSpPr>
-          <p:nvPr>
-            <p:ph type="title"/>
-          </p:nvPr>
-        </p:nvSpPr>
-        <p:spPr>
-          <a:xfrm>
-            <a:off x="1141413" y="313766"/>
-            <a:ext cx="9905998" cy="770963"/>
-          </a:xfrm>
-        </p:spPr>
-        <p:txBody>
-          <a:bodyPr/>
-          <a:lstStyle/>
-          <a:p>
-            <a:r>
-              <a:rPr lang="en-IE" dirty="0"/>
-              <a:t>Security</a:t>
-            </a:r>
-          </a:p>
-        </p:txBody>
-      </p:sp>
-      <p:sp>
-        <p:nvSpPr>
-          <p:cNvPr id="3" name="Content Placeholder 2"/>
-          <p:cNvSpPr>
-            <a:spLocks noGrp="1"/>
-          </p:cNvSpPr>
-          <p:nvPr>
-            <p:ph idx="1"/>
-          </p:nvPr>
-        </p:nvSpPr>
-        <p:spPr/>
-        <p:txBody>
-          <a:bodyPr/>
-          <a:lstStyle/>
-          <a:p>
-            <a:endParaRPr lang="en-IE" dirty="0"/>
-          </a:p>
-        </p:txBody>
-      </p:sp>
-    </p:spTree>
-    <p:extLst>
-      <p:ext uri="{BB962C8B-B14F-4D97-AF65-F5344CB8AC3E}">
-        <p14:creationId xmlns:p14="http://schemas.microsoft.com/office/powerpoint/2010/main" val="3211917232"/>
-      </p:ext>
-    </p:extLst>
-  </p:cSld>
-  <p:clrMapOvr>
-    <a:masterClrMapping/>
-  </p:clrMapOvr>
-</p:sld>
-</file>
-
-<file path=ppt/slides/slide9.xml><?xml version="1.0" encoding="utf-8"?>
-<p:sld xmlns:a="http://schemas.openxmlformats.org/drawingml/2006/main" xmlns:r="http://schemas.openxmlformats.org/officeDocument/2006/relationships" xmlns:p="http://schemas.openxmlformats.org/presentationml/2006/main">
-  <p:cSld>
-    <p:spTree>
-      <p:nvGrpSpPr>
-        <p:cNvPr id="1" name=""/>
-        <p:cNvGrpSpPr/>
-        <p:nvPr/>
-      </p:nvGrpSpPr>
-      <p:grpSpPr>
-        <a:xfrm>
-          <a:off x="0" y="0"/>
-          <a:ext cx="0" cy="0"/>
-          <a:chOff x="0" y="0"/>
-          <a:chExt cx="0" cy="0"/>
-        </a:xfrm>
-      </p:grpSpPr>
-      <p:sp>
-        <p:nvSpPr>
-          <p:cNvPr id="40" name="Rectangle: Rounded Corners 73">
-            <a:extLst>
-              <a:ext uri="{FF2B5EF4-FFF2-40B4-BE49-F238E27FC236}">
-                <a16:creationId xmlns:a16="http://schemas.microsoft.com/office/drawing/2014/main" xmlns="" xmlns:wne="http://schemas.microsoft.com/office/word/2006/wordml" xmlns:w="http://schemas.openxmlformats.org/wordprocessingml/2006/main" xmlns:w10="urn:schemas-microsoft-com:office:word" xmlns:wp="http://schemas.openxmlformats.org/drawingml/2006/wordprocessingDrawing" xmlns:v="urn:schemas-microsoft-com:vml" xmlns:m="http://schemas.openxmlformats.org/officeDocument/2006/math" xmlns:o="urn:schemas-microsoft-com:office:office" xmlns:ve="http://schemas.openxmlformats.org/markup-compatibility/2006" xmlns:lc="http://schemas.openxmlformats.org/drawingml/2006/lockedCanvas" id="{1D838972-D107-4FC0-86F6-111F21BB8F67}"/>
-              </a:ext>
-            </a:extLst>
-          </p:cNvPr>
-          <p:cNvSpPr/>
-          <p:nvPr/>
-        </p:nvSpPr>
-        <p:spPr>
-          <a:xfrm>
-            <a:off x="1556143" y="2480504"/>
-            <a:ext cx="1583933" cy="1727426"/>
-          </a:xfrm>
-          <a:prstGeom prst="roundRect">
-            <a:avLst/>
-          </a:prstGeom>
-        </p:spPr>
-        <p:style>
-          <a:lnRef idx="1">
-            <a:schemeClr val="accent4"/>
-          </a:lnRef>
-          <a:fillRef idx="2">
-            <a:schemeClr val="accent4"/>
-          </a:fillRef>
-          <a:effectRef idx="1">
-            <a:schemeClr val="accent4"/>
-          </a:effectRef>
-          <a:fontRef idx="minor">
-            <a:schemeClr val="dk1"/>
-          </a:fontRef>
-        </p:style>
-        <p:txBody>
-          <a:bodyPr rtlCol="0" anchor="t"/>
-          <a:lstStyle>
-            <a:defPPr>
-              <a:defRPr lang="en-US"/>
-            </a:defPPr>
-            <a:lvl1pPr marL="0" algn="l" defTabSz="914400" rtl="0" eaLnBrk="1" latinLnBrk="0" hangingPunct="1">
-              <a:defRPr sz="1800" kern="1200">
-                <a:solidFill>
-                  <a:schemeClr val="dk1"/>
-                </a:solidFill>
-                <a:latin typeface="+mn-lt"/>
-                <a:ea typeface="+mn-ea"/>
-                <a:cs typeface="+mn-cs"/>
-              </a:defRPr>
-            </a:lvl1pPr>
-            <a:lvl2pPr marL="457200" algn="l" defTabSz="914400" rtl="0" eaLnBrk="1" latinLnBrk="0" hangingPunct="1">
-              <a:defRPr sz="1800" kern="1200">
-                <a:solidFill>
-                  <a:schemeClr val="dk1"/>
-                </a:solidFill>
-                <a:latin typeface="+mn-lt"/>
-                <a:ea typeface="+mn-ea"/>
-                <a:cs typeface="+mn-cs"/>
-              </a:defRPr>
-            </a:lvl2pPr>
-            <a:lvl3pPr marL="914400" algn="l" defTabSz="914400" rtl="0" eaLnBrk="1" latinLnBrk="0" hangingPunct="1">
-              <a:defRPr sz="1800" kern="1200">
-                <a:solidFill>
-                  <a:schemeClr val="dk1"/>
-                </a:solidFill>
-                <a:latin typeface="+mn-lt"/>
-                <a:ea typeface="+mn-ea"/>
-                <a:cs typeface="+mn-cs"/>
-              </a:defRPr>
-            </a:lvl3pPr>
-            <a:lvl4pPr marL="1371600" algn="l" defTabSz="914400" rtl="0" eaLnBrk="1" latinLnBrk="0" hangingPunct="1">
-              <a:defRPr sz="1800" kern="1200">
-                <a:solidFill>
-                  <a:schemeClr val="dk1"/>
-                </a:solidFill>
-                <a:latin typeface="+mn-lt"/>
-                <a:ea typeface="+mn-ea"/>
-                <a:cs typeface="+mn-cs"/>
-              </a:defRPr>
-            </a:lvl4pPr>
-            <a:lvl5pPr marL="1828800" algn="l" defTabSz="914400" rtl="0" eaLnBrk="1" latinLnBrk="0" hangingPunct="1">
-              <a:defRPr sz="1800" kern="1200">
-                <a:solidFill>
-                  <a:schemeClr val="dk1"/>
-                </a:solidFill>
-                <a:latin typeface="+mn-lt"/>
-                <a:ea typeface="+mn-ea"/>
-                <a:cs typeface="+mn-cs"/>
-              </a:defRPr>
-            </a:lvl5pPr>
-            <a:lvl6pPr marL="2286000" algn="l" defTabSz="914400" rtl="0" eaLnBrk="1" latinLnBrk="0" hangingPunct="1">
-              <a:defRPr sz="1800" kern="1200">
-                <a:solidFill>
-                  <a:schemeClr val="dk1"/>
-                </a:solidFill>
-                <a:latin typeface="+mn-lt"/>
-                <a:ea typeface="+mn-ea"/>
-                <a:cs typeface="+mn-cs"/>
-              </a:defRPr>
-            </a:lvl6pPr>
-            <a:lvl7pPr marL="2743200" algn="l" defTabSz="914400" rtl="0" eaLnBrk="1" latinLnBrk="0" hangingPunct="1">
-              <a:defRPr sz="1800" kern="1200">
-                <a:solidFill>
-                  <a:schemeClr val="dk1"/>
-                </a:solidFill>
-                <a:latin typeface="+mn-lt"/>
-                <a:ea typeface="+mn-ea"/>
-                <a:cs typeface="+mn-cs"/>
-              </a:defRPr>
-            </a:lvl7pPr>
-            <a:lvl8pPr marL="3200400" algn="l" defTabSz="914400" rtl="0" eaLnBrk="1" latinLnBrk="0" hangingPunct="1">
-              <a:defRPr sz="1800" kern="1200">
-                <a:solidFill>
-                  <a:schemeClr val="dk1"/>
-                </a:solidFill>
-                <a:latin typeface="+mn-lt"/>
-                <a:ea typeface="+mn-ea"/>
-                <a:cs typeface="+mn-cs"/>
-              </a:defRPr>
-            </a:lvl8pPr>
-            <a:lvl9pPr marL="3657600" algn="l" defTabSz="914400" rtl="0" eaLnBrk="1" latinLnBrk="0" hangingPunct="1">
-              <a:defRPr sz="1800" kern="1200">
-                <a:solidFill>
-                  <a:schemeClr val="dk1"/>
-                </a:solidFill>
-                <a:latin typeface="+mn-lt"/>
-                <a:ea typeface="+mn-ea"/>
-                <a:cs typeface="+mn-cs"/>
-              </a:defRPr>
-            </a:lvl9pPr>
-          </a:lstStyle>
-          <a:p>
-            <a:pPr algn="ctr"/>
-            <a:r>
-              <a:rPr lang="en-US" sz="1600" dirty="0"/>
-              <a:t>Collaboration</a:t>
-            </a:r>
-          </a:p>
-        </p:txBody>
-      </p:sp>
-      <p:sp>
-        <p:nvSpPr>
-          <p:cNvPr id="41" name="Rectangle: Rounded Corners 5">
-            <a:extLst>
-              <a:ext uri="{FF2B5EF4-FFF2-40B4-BE49-F238E27FC236}">
-                <a16:creationId xmlns:a16="http://schemas.microsoft.com/office/drawing/2014/main" xmlns="" xmlns:wne="http://schemas.microsoft.com/office/word/2006/wordml" xmlns:w="http://schemas.openxmlformats.org/wordprocessingml/2006/main" xmlns:w10="urn:schemas-microsoft-com:office:word" xmlns:wp="http://schemas.openxmlformats.org/drawingml/2006/wordprocessingDrawing" xmlns:v="urn:schemas-microsoft-com:vml" xmlns:m="http://schemas.openxmlformats.org/officeDocument/2006/math" xmlns:o="urn:schemas-microsoft-com:office:office" xmlns:ve="http://schemas.openxmlformats.org/markup-compatibility/2006" xmlns:lc="http://schemas.openxmlformats.org/drawingml/2006/lockedCanvas" id="{3361B1F7-61DA-41EA-A158-80D47FBC601B}"/>
-              </a:ext>
-            </a:extLst>
-          </p:cNvPr>
-          <p:cNvSpPr/>
-          <p:nvPr/>
-        </p:nvSpPr>
-        <p:spPr>
-          <a:xfrm>
-            <a:off x="1556143" y="4380280"/>
-            <a:ext cx="1813729" cy="1736521"/>
-          </a:xfrm>
-          <a:prstGeom prst="roundRect">
-            <a:avLst/>
-          </a:prstGeom>
-        </p:spPr>
-        <p:style>
-          <a:lnRef idx="1">
-            <a:schemeClr val="accent4"/>
-          </a:lnRef>
-          <a:fillRef idx="2">
-            <a:schemeClr val="accent4"/>
-          </a:fillRef>
-          <a:effectRef idx="1">
-            <a:schemeClr val="accent4"/>
-          </a:effectRef>
-          <a:fontRef idx="minor">
-            <a:schemeClr val="dk1"/>
-          </a:fontRef>
-        </p:style>
-        <p:txBody>
-          <a:bodyPr rtlCol="0" anchor="t"/>
-          <a:lstStyle>
-            <a:defPPr>
-              <a:defRPr lang="en-US"/>
-            </a:defPPr>
-            <a:lvl1pPr marL="0" algn="l" defTabSz="914400" rtl="0" eaLnBrk="1" latinLnBrk="0" hangingPunct="1">
-              <a:defRPr sz="1800" kern="1200">
-                <a:solidFill>
-                  <a:schemeClr val="dk1"/>
-                </a:solidFill>
-                <a:latin typeface="+mn-lt"/>
-                <a:ea typeface="+mn-ea"/>
-                <a:cs typeface="+mn-cs"/>
-              </a:defRPr>
-            </a:lvl1pPr>
-            <a:lvl2pPr marL="457200" algn="l" defTabSz="914400" rtl="0" eaLnBrk="1" latinLnBrk="0" hangingPunct="1">
-              <a:defRPr sz="1800" kern="1200">
-                <a:solidFill>
-                  <a:schemeClr val="dk1"/>
-                </a:solidFill>
-                <a:latin typeface="+mn-lt"/>
-                <a:ea typeface="+mn-ea"/>
-                <a:cs typeface="+mn-cs"/>
-              </a:defRPr>
-            </a:lvl2pPr>
-            <a:lvl3pPr marL="914400" algn="l" defTabSz="914400" rtl="0" eaLnBrk="1" latinLnBrk="0" hangingPunct="1">
-              <a:defRPr sz="1800" kern="1200">
-                <a:solidFill>
-                  <a:schemeClr val="dk1"/>
-                </a:solidFill>
-                <a:latin typeface="+mn-lt"/>
-                <a:ea typeface="+mn-ea"/>
-                <a:cs typeface="+mn-cs"/>
-              </a:defRPr>
-            </a:lvl3pPr>
-            <a:lvl4pPr marL="1371600" algn="l" defTabSz="914400" rtl="0" eaLnBrk="1" latinLnBrk="0" hangingPunct="1">
-              <a:defRPr sz="1800" kern="1200">
-                <a:solidFill>
-                  <a:schemeClr val="dk1"/>
-                </a:solidFill>
-                <a:latin typeface="+mn-lt"/>
-                <a:ea typeface="+mn-ea"/>
-                <a:cs typeface="+mn-cs"/>
-              </a:defRPr>
-            </a:lvl4pPr>
-            <a:lvl5pPr marL="1828800" algn="l" defTabSz="914400" rtl="0" eaLnBrk="1" latinLnBrk="0" hangingPunct="1">
-              <a:defRPr sz="1800" kern="1200">
-                <a:solidFill>
-                  <a:schemeClr val="dk1"/>
-                </a:solidFill>
-                <a:latin typeface="+mn-lt"/>
-                <a:ea typeface="+mn-ea"/>
-                <a:cs typeface="+mn-cs"/>
-              </a:defRPr>
-            </a:lvl5pPr>
-            <a:lvl6pPr marL="2286000" algn="l" defTabSz="914400" rtl="0" eaLnBrk="1" latinLnBrk="0" hangingPunct="1">
-              <a:defRPr sz="1800" kern="1200">
-                <a:solidFill>
-                  <a:schemeClr val="dk1"/>
-                </a:solidFill>
-                <a:latin typeface="+mn-lt"/>
-                <a:ea typeface="+mn-ea"/>
-                <a:cs typeface="+mn-cs"/>
-              </a:defRPr>
-            </a:lvl6pPr>
-            <a:lvl7pPr marL="2743200" algn="l" defTabSz="914400" rtl="0" eaLnBrk="1" latinLnBrk="0" hangingPunct="1">
-              <a:defRPr sz="1800" kern="1200">
-                <a:solidFill>
-                  <a:schemeClr val="dk1"/>
-                </a:solidFill>
-                <a:latin typeface="+mn-lt"/>
-                <a:ea typeface="+mn-ea"/>
-                <a:cs typeface="+mn-cs"/>
-              </a:defRPr>
-            </a:lvl7pPr>
-            <a:lvl8pPr marL="3200400" algn="l" defTabSz="914400" rtl="0" eaLnBrk="1" latinLnBrk="0" hangingPunct="1">
-              <a:defRPr sz="1800" kern="1200">
-                <a:solidFill>
-                  <a:schemeClr val="dk1"/>
-                </a:solidFill>
-                <a:latin typeface="+mn-lt"/>
-                <a:ea typeface="+mn-ea"/>
-                <a:cs typeface="+mn-cs"/>
-              </a:defRPr>
-            </a:lvl8pPr>
-            <a:lvl9pPr marL="3657600" algn="l" defTabSz="914400" rtl="0" eaLnBrk="1" latinLnBrk="0" hangingPunct="1">
-              <a:defRPr sz="1800" kern="1200">
-                <a:solidFill>
-                  <a:schemeClr val="dk1"/>
-                </a:solidFill>
-                <a:latin typeface="+mn-lt"/>
-                <a:ea typeface="+mn-ea"/>
-                <a:cs typeface="+mn-cs"/>
-              </a:defRPr>
-            </a:lvl9pPr>
-          </a:lstStyle>
-          <a:p>
-            <a:pPr algn="ctr"/>
-            <a:r>
-              <a:rPr lang="en-US" sz="1600" dirty="0"/>
-              <a:t>Build</a:t>
-            </a:r>
-          </a:p>
-        </p:txBody>
-      </p:sp>
-      <p:pic>
-        <p:nvPicPr>
-          <p:cNvPr id="42" name="Picture 41" descr="Related image">
-            <a:extLst>
-              <a:ext uri="{FF2B5EF4-FFF2-40B4-BE49-F238E27FC236}">
-                <a16:creationId xmlns:a16="http://schemas.microsoft.com/office/drawing/2014/main" xmlns="" xmlns:wne="http://schemas.microsoft.com/office/word/2006/wordml" xmlns:w="http://schemas.openxmlformats.org/wordprocessingml/2006/main" xmlns:w10="urn:schemas-microsoft-com:office:word" xmlns:wp="http://schemas.openxmlformats.org/drawingml/2006/wordprocessingDrawing" xmlns:v="urn:schemas-microsoft-com:vml" xmlns:m="http://schemas.openxmlformats.org/officeDocument/2006/math" xmlns:o="urn:schemas-microsoft-com:office:office" xmlns:ve="http://schemas.openxmlformats.org/markup-compatibility/2006" xmlns:lc="http://schemas.openxmlformats.org/drawingml/2006/lockedCanvas" id="{8913D232-6DF1-48E3-A429-AE211CF7127D}"/>
-              </a:ext>
-            </a:extLst>
-          </p:cNvPr>
-          <p:cNvPicPr>
-            <a:picLocks noChangeAspect="1" noChangeArrowheads="1"/>
-          </p:cNvPicPr>
-          <p:nvPr/>
-        </p:nvPicPr>
-        <p:blipFill>
-          <a:blip r:embed="rId2" cstate="print">
-            <a:extLst>
-              <a:ext uri="{28A0092B-C50C-407E-A947-70E740481C1C}">
-                <a14:useLocalDpi xmlns:a14="http://schemas.microsoft.com/office/drawing/2010/main" val="0"/>
-              </a:ext>
-            </a:extLst>
-          </a:blip>
-          <a:srcRect/>
-          <a:stretch>
-            <a:fillRect/>
-          </a:stretch>
-        </p:blipFill>
-        <p:spPr bwMode="auto">
-          <a:xfrm>
-            <a:off x="1644256" y="4848713"/>
-            <a:ext cx="740301" cy="740301"/>
-          </a:xfrm>
-          <a:prstGeom prst="rect">
-            <a:avLst/>
-          </a:prstGeom>
-          <a:noFill/>
-          <a:extLst>
-            <a:ext uri="{909E8E84-426E-40DD-AFC4-6F175D3DCCD1}">
-              <a14:hiddenFill xmlns:a14="http://schemas.microsoft.com/office/drawing/2010/main">
-                <a:solidFill>
-                  <a:srgbClr val="FFFFFF"/>
-                </a:solidFill>
-              </a14:hiddenFill>
-            </a:ext>
-          </a:extLst>
-        </p:spPr>
-      </p:pic>
-      <p:sp>
-        <p:nvSpPr>
-          <p:cNvPr id="43" name="Rectangle: Rounded Corners 8">
-            <a:extLst>
-              <a:ext uri="{FF2B5EF4-FFF2-40B4-BE49-F238E27FC236}">
-                <a16:creationId xmlns:a16="http://schemas.microsoft.com/office/drawing/2014/main" xmlns="" xmlns:wne="http://schemas.microsoft.com/office/word/2006/wordml" xmlns:w="http://schemas.openxmlformats.org/wordprocessingml/2006/main" xmlns:w10="urn:schemas-microsoft-com:office:word" xmlns:wp="http://schemas.openxmlformats.org/drawingml/2006/wordprocessingDrawing" xmlns:v="urn:schemas-microsoft-com:vml" xmlns:m="http://schemas.openxmlformats.org/officeDocument/2006/math" xmlns:o="urn:schemas-microsoft-com:office:office" xmlns:ve="http://schemas.openxmlformats.org/markup-compatibility/2006" xmlns:lc="http://schemas.openxmlformats.org/drawingml/2006/lockedCanvas" id="{026577BB-D8B8-49E0-8B70-1B84A8B8C33B}"/>
-              </a:ext>
-            </a:extLst>
-          </p:cNvPr>
-          <p:cNvSpPr/>
-          <p:nvPr/>
-        </p:nvSpPr>
-        <p:spPr>
-          <a:xfrm>
-            <a:off x="6063856" y="746006"/>
-            <a:ext cx="4368565" cy="1389929"/>
-          </a:xfrm>
-          <a:prstGeom prst="roundRect">
-            <a:avLst/>
-          </a:prstGeom>
-        </p:spPr>
-        <p:style>
-          <a:lnRef idx="1">
-            <a:schemeClr val="accent4"/>
-          </a:lnRef>
-          <a:fillRef idx="2">
-            <a:schemeClr val="accent4"/>
-          </a:fillRef>
-          <a:effectRef idx="1">
-            <a:schemeClr val="accent4"/>
-          </a:effectRef>
-          <a:fontRef idx="minor">
-            <a:schemeClr val="dk1"/>
-          </a:fontRef>
-        </p:style>
-        <p:txBody>
-          <a:bodyPr rtlCol="0" anchor="t"/>
-          <a:lstStyle>
-            <a:defPPr>
-              <a:defRPr lang="en-US"/>
-            </a:defPPr>
-            <a:lvl1pPr marL="0" algn="l" defTabSz="914400" rtl="0" eaLnBrk="1" latinLnBrk="0" hangingPunct="1">
-              <a:defRPr sz="1800" kern="1200">
-                <a:solidFill>
-                  <a:schemeClr val="dk1"/>
-                </a:solidFill>
-                <a:latin typeface="+mn-lt"/>
-                <a:ea typeface="+mn-ea"/>
-                <a:cs typeface="+mn-cs"/>
-              </a:defRPr>
-            </a:lvl1pPr>
-            <a:lvl2pPr marL="457200" algn="l" defTabSz="914400" rtl="0" eaLnBrk="1" latinLnBrk="0" hangingPunct="1">
-              <a:defRPr sz="1800" kern="1200">
-                <a:solidFill>
-                  <a:schemeClr val="dk1"/>
-                </a:solidFill>
-                <a:latin typeface="+mn-lt"/>
-                <a:ea typeface="+mn-ea"/>
-                <a:cs typeface="+mn-cs"/>
-              </a:defRPr>
-            </a:lvl2pPr>
-            <a:lvl3pPr marL="914400" algn="l" defTabSz="914400" rtl="0" eaLnBrk="1" latinLnBrk="0" hangingPunct="1">
-              <a:defRPr sz="1800" kern="1200">
-                <a:solidFill>
-                  <a:schemeClr val="dk1"/>
-                </a:solidFill>
-                <a:latin typeface="+mn-lt"/>
-                <a:ea typeface="+mn-ea"/>
-                <a:cs typeface="+mn-cs"/>
-              </a:defRPr>
-            </a:lvl3pPr>
-            <a:lvl4pPr marL="1371600" algn="l" defTabSz="914400" rtl="0" eaLnBrk="1" latinLnBrk="0" hangingPunct="1">
-              <a:defRPr sz="1800" kern="1200">
-                <a:solidFill>
-                  <a:schemeClr val="dk1"/>
-                </a:solidFill>
-                <a:latin typeface="+mn-lt"/>
-                <a:ea typeface="+mn-ea"/>
-                <a:cs typeface="+mn-cs"/>
-              </a:defRPr>
-            </a:lvl4pPr>
-            <a:lvl5pPr marL="1828800" algn="l" defTabSz="914400" rtl="0" eaLnBrk="1" latinLnBrk="0" hangingPunct="1">
-              <a:defRPr sz="1800" kern="1200">
-                <a:solidFill>
-                  <a:schemeClr val="dk1"/>
-                </a:solidFill>
-                <a:latin typeface="+mn-lt"/>
-                <a:ea typeface="+mn-ea"/>
-                <a:cs typeface="+mn-cs"/>
-              </a:defRPr>
-            </a:lvl5pPr>
-            <a:lvl6pPr marL="2286000" algn="l" defTabSz="914400" rtl="0" eaLnBrk="1" latinLnBrk="0" hangingPunct="1">
-              <a:defRPr sz="1800" kern="1200">
-                <a:solidFill>
-                  <a:schemeClr val="dk1"/>
-                </a:solidFill>
-                <a:latin typeface="+mn-lt"/>
-                <a:ea typeface="+mn-ea"/>
-                <a:cs typeface="+mn-cs"/>
-              </a:defRPr>
-            </a:lvl6pPr>
-            <a:lvl7pPr marL="2743200" algn="l" defTabSz="914400" rtl="0" eaLnBrk="1" latinLnBrk="0" hangingPunct="1">
-              <a:defRPr sz="1800" kern="1200">
-                <a:solidFill>
-                  <a:schemeClr val="dk1"/>
-                </a:solidFill>
-                <a:latin typeface="+mn-lt"/>
-                <a:ea typeface="+mn-ea"/>
-                <a:cs typeface="+mn-cs"/>
-              </a:defRPr>
-            </a:lvl7pPr>
-            <a:lvl8pPr marL="3200400" algn="l" defTabSz="914400" rtl="0" eaLnBrk="1" latinLnBrk="0" hangingPunct="1">
-              <a:defRPr sz="1800" kern="1200">
-                <a:solidFill>
-                  <a:schemeClr val="dk1"/>
-                </a:solidFill>
-                <a:latin typeface="+mn-lt"/>
-                <a:ea typeface="+mn-ea"/>
-                <a:cs typeface="+mn-cs"/>
-              </a:defRPr>
-            </a:lvl8pPr>
-            <a:lvl9pPr marL="3657600" algn="l" defTabSz="914400" rtl="0" eaLnBrk="1" latinLnBrk="0" hangingPunct="1">
-              <a:defRPr sz="1800" kern="1200">
-                <a:solidFill>
-                  <a:schemeClr val="dk1"/>
-                </a:solidFill>
-                <a:latin typeface="+mn-lt"/>
-                <a:ea typeface="+mn-ea"/>
-                <a:cs typeface="+mn-cs"/>
-              </a:defRPr>
-            </a:lvl9pPr>
-          </a:lstStyle>
-          <a:p>
-            <a:pPr algn="ctr"/>
-            <a:r>
-              <a:rPr lang="en-US" sz="1600" dirty="0"/>
-              <a:t>Continuous Integration &amp; Deploy</a:t>
-            </a:r>
-          </a:p>
-        </p:txBody>
-      </p:sp>
-      <p:pic>
-        <p:nvPicPr>
-          <p:cNvPr id="44" name="Picture 43">
-            <a:extLst>
-              <a:ext uri="{FF2B5EF4-FFF2-40B4-BE49-F238E27FC236}">
-                <a16:creationId xmlns:a16="http://schemas.microsoft.com/office/drawing/2014/main" xmlns="" xmlns:wne="http://schemas.microsoft.com/office/word/2006/wordml" xmlns:w="http://schemas.openxmlformats.org/wordprocessingml/2006/main" xmlns:w10="urn:schemas-microsoft-com:office:word" xmlns:wp="http://schemas.openxmlformats.org/drawingml/2006/wordprocessingDrawing" xmlns:v="urn:schemas-microsoft-com:vml" xmlns:m="http://schemas.openxmlformats.org/officeDocument/2006/math" xmlns:o="urn:schemas-microsoft-com:office:office" xmlns:ve="http://schemas.openxmlformats.org/markup-compatibility/2006" xmlns:lc="http://schemas.openxmlformats.org/drawingml/2006/lockedCanvas" id="{5AC3D39C-1E7D-4D10-8B3F-7F6EB9B0ED46}"/>
-              </a:ext>
-            </a:extLst>
-          </p:cNvPr>
-          <p:cNvPicPr>
-            <a:picLocks noChangeAspect="1"/>
-          </p:cNvPicPr>
-          <p:nvPr/>
-        </p:nvPicPr>
-        <p:blipFill>
-          <a:blip r:embed="rId3" cstate="print">
-            <a:extLst>
-              <a:ext uri="{28A0092B-C50C-407E-A947-70E740481C1C}">
-                <a14:useLocalDpi xmlns:a14="http://schemas.microsoft.com/office/drawing/2010/main" val="0"/>
-              </a:ext>
-            </a:extLst>
-          </a:blip>
-          <a:stretch>
-            <a:fillRect/>
-          </a:stretch>
-        </p:blipFill>
-        <p:spPr>
-          <a:xfrm>
-            <a:off x="1796656" y="5686913"/>
-            <a:ext cx="1385526" cy="232768"/>
-          </a:xfrm>
-          <a:prstGeom prst="rect">
-            <a:avLst/>
-          </a:prstGeom>
-        </p:spPr>
-      </p:pic>
-      <p:sp>
-        <p:nvSpPr>
-          <p:cNvPr id="45" name="Rectangle: Rounded Corners 11">
-            <a:extLst>
-              <a:ext uri="{FF2B5EF4-FFF2-40B4-BE49-F238E27FC236}">
-                <a16:creationId xmlns:a16="http://schemas.microsoft.com/office/drawing/2014/main" xmlns="" xmlns:wne="http://schemas.microsoft.com/office/word/2006/wordml" xmlns:w="http://schemas.openxmlformats.org/wordprocessingml/2006/main" xmlns:w10="urn:schemas-microsoft-com:office:word" xmlns:wp="http://schemas.openxmlformats.org/drawingml/2006/wordprocessingDrawing" xmlns:v="urn:schemas-microsoft-com:vml" xmlns:m="http://schemas.openxmlformats.org/officeDocument/2006/math" xmlns:o="urn:schemas-microsoft-com:office:office" xmlns:ve="http://schemas.openxmlformats.org/markup-compatibility/2006" xmlns:lc="http://schemas.openxmlformats.org/drawingml/2006/lockedCanvas" id="{D5A10EA0-9538-4294-9A39-376087F91AA9}"/>
-              </a:ext>
-            </a:extLst>
-          </p:cNvPr>
-          <p:cNvSpPr/>
-          <p:nvPr/>
-        </p:nvSpPr>
-        <p:spPr>
-          <a:xfrm>
-            <a:off x="3607285" y="740035"/>
-            <a:ext cx="2227971" cy="1368406"/>
-          </a:xfrm>
-          <a:prstGeom prst="roundRect">
-            <a:avLst/>
-          </a:prstGeom>
-        </p:spPr>
-        <p:style>
-          <a:lnRef idx="1">
-            <a:schemeClr val="accent4"/>
-          </a:lnRef>
-          <a:fillRef idx="2">
-            <a:schemeClr val="accent4"/>
-          </a:fillRef>
-          <a:effectRef idx="1">
-            <a:schemeClr val="accent4"/>
-          </a:effectRef>
-          <a:fontRef idx="minor">
-            <a:schemeClr val="dk1"/>
-          </a:fontRef>
-        </p:style>
-        <p:txBody>
-          <a:bodyPr rtlCol="0" anchor="t"/>
-          <a:lstStyle>
-            <a:defPPr>
-              <a:defRPr lang="en-US"/>
-            </a:defPPr>
-            <a:lvl1pPr marL="0" algn="l" defTabSz="914400" rtl="0" eaLnBrk="1" latinLnBrk="0" hangingPunct="1">
-              <a:defRPr sz="1800" kern="1200">
-                <a:solidFill>
-                  <a:schemeClr val="dk1"/>
-                </a:solidFill>
-                <a:latin typeface="+mn-lt"/>
-                <a:ea typeface="+mn-ea"/>
-                <a:cs typeface="+mn-cs"/>
-              </a:defRPr>
-            </a:lvl1pPr>
-            <a:lvl2pPr marL="457200" algn="l" defTabSz="914400" rtl="0" eaLnBrk="1" latinLnBrk="0" hangingPunct="1">
-              <a:defRPr sz="1800" kern="1200">
-                <a:solidFill>
-                  <a:schemeClr val="dk1"/>
-                </a:solidFill>
-                <a:latin typeface="+mn-lt"/>
-                <a:ea typeface="+mn-ea"/>
-                <a:cs typeface="+mn-cs"/>
-              </a:defRPr>
-            </a:lvl2pPr>
-            <a:lvl3pPr marL="914400" algn="l" defTabSz="914400" rtl="0" eaLnBrk="1" latinLnBrk="0" hangingPunct="1">
-              <a:defRPr sz="1800" kern="1200">
-                <a:solidFill>
-                  <a:schemeClr val="dk1"/>
-                </a:solidFill>
-                <a:latin typeface="+mn-lt"/>
-                <a:ea typeface="+mn-ea"/>
-                <a:cs typeface="+mn-cs"/>
-              </a:defRPr>
-            </a:lvl3pPr>
-            <a:lvl4pPr marL="1371600" algn="l" defTabSz="914400" rtl="0" eaLnBrk="1" latinLnBrk="0" hangingPunct="1">
-              <a:defRPr sz="1800" kern="1200">
-                <a:solidFill>
-                  <a:schemeClr val="dk1"/>
-                </a:solidFill>
-                <a:latin typeface="+mn-lt"/>
-                <a:ea typeface="+mn-ea"/>
-                <a:cs typeface="+mn-cs"/>
-              </a:defRPr>
-            </a:lvl4pPr>
-            <a:lvl5pPr marL="1828800" algn="l" defTabSz="914400" rtl="0" eaLnBrk="1" latinLnBrk="0" hangingPunct="1">
-              <a:defRPr sz="1800" kern="1200">
-                <a:solidFill>
-                  <a:schemeClr val="dk1"/>
-                </a:solidFill>
-                <a:latin typeface="+mn-lt"/>
-                <a:ea typeface="+mn-ea"/>
-                <a:cs typeface="+mn-cs"/>
-              </a:defRPr>
-            </a:lvl5pPr>
-            <a:lvl6pPr marL="2286000" algn="l" defTabSz="914400" rtl="0" eaLnBrk="1" latinLnBrk="0" hangingPunct="1">
-              <a:defRPr sz="1800" kern="1200">
-                <a:solidFill>
-                  <a:schemeClr val="dk1"/>
-                </a:solidFill>
-                <a:latin typeface="+mn-lt"/>
-                <a:ea typeface="+mn-ea"/>
-                <a:cs typeface="+mn-cs"/>
-              </a:defRPr>
-            </a:lvl6pPr>
-            <a:lvl7pPr marL="2743200" algn="l" defTabSz="914400" rtl="0" eaLnBrk="1" latinLnBrk="0" hangingPunct="1">
-              <a:defRPr sz="1800" kern="1200">
-                <a:solidFill>
-                  <a:schemeClr val="dk1"/>
-                </a:solidFill>
-                <a:latin typeface="+mn-lt"/>
-                <a:ea typeface="+mn-ea"/>
-                <a:cs typeface="+mn-cs"/>
-              </a:defRPr>
-            </a:lvl7pPr>
-            <a:lvl8pPr marL="3200400" algn="l" defTabSz="914400" rtl="0" eaLnBrk="1" latinLnBrk="0" hangingPunct="1">
-              <a:defRPr sz="1800" kern="1200">
-                <a:solidFill>
-                  <a:schemeClr val="dk1"/>
-                </a:solidFill>
-                <a:latin typeface="+mn-lt"/>
-                <a:ea typeface="+mn-ea"/>
-                <a:cs typeface="+mn-cs"/>
-              </a:defRPr>
-            </a:lvl8pPr>
-            <a:lvl9pPr marL="3657600" algn="l" defTabSz="914400" rtl="0" eaLnBrk="1" latinLnBrk="0" hangingPunct="1">
-              <a:defRPr sz="1800" kern="1200">
-                <a:solidFill>
-                  <a:schemeClr val="dk1"/>
-                </a:solidFill>
-                <a:latin typeface="+mn-lt"/>
-                <a:ea typeface="+mn-ea"/>
-                <a:cs typeface="+mn-cs"/>
-              </a:defRPr>
-            </a:lvl9pPr>
-          </a:lstStyle>
-          <a:p>
-            <a:pPr algn="ctr"/>
-            <a:r>
-              <a:rPr lang="en-US" sz="1600" dirty="0"/>
-              <a:t>Configuration Management</a:t>
-            </a:r>
-          </a:p>
-        </p:txBody>
-      </p:sp>
-      <p:sp>
-        <p:nvSpPr>
-          <p:cNvPr id="46" name="Rectangle: Rounded Corners 12">
-            <a:extLst>
-              <a:ext uri="{FF2B5EF4-FFF2-40B4-BE49-F238E27FC236}">
-                <a16:creationId xmlns:a16="http://schemas.microsoft.com/office/drawing/2014/main" xmlns="" xmlns:wne="http://schemas.microsoft.com/office/word/2006/wordml" xmlns:w="http://schemas.openxmlformats.org/wordprocessingml/2006/main" xmlns:w10="urn:schemas-microsoft-com:office:word" xmlns:wp="http://schemas.openxmlformats.org/drawingml/2006/wordprocessingDrawing" xmlns:v="urn:schemas-microsoft-com:vml" xmlns:m="http://schemas.openxmlformats.org/officeDocument/2006/math" xmlns:o="urn:schemas-microsoft-com:office:office" xmlns:ve="http://schemas.openxmlformats.org/markup-compatibility/2006" xmlns:lc="http://schemas.openxmlformats.org/drawingml/2006/lockedCanvas" id="{F6E1CC74-9639-445F-9926-FC0AF8932A1A}"/>
-              </a:ext>
-            </a:extLst>
-          </p:cNvPr>
-          <p:cNvSpPr/>
-          <p:nvPr/>
-        </p:nvSpPr>
-        <p:spPr>
-          <a:xfrm>
-            <a:off x="1559979" y="724637"/>
-            <a:ext cx="1813729" cy="1588426"/>
-          </a:xfrm>
-          <a:prstGeom prst="roundRect">
-            <a:avLst/>
-          </a:prstGeom>
-        </p:spPr>
-        <p:style>
-          <a:lnRef idx="1">
-            <a:schemeClr val="accent4"/>
-          </a:lnRef>
-          <a:fillRef idx="2">
-            <a:schemeClr val="accent4"/>
-          </a:fillRef>
-          <a:effectRef idx="1">
-            <a:schemeClr val="accent4"/>
-          </a:effectRef>
-          <a:fontRef idx="minor">
-            <a:schemeClr val="dk1"/>
-          </a:fontRef>
-        </p:style>
-        <p:txBody>
-          <a:bodyPr rtlCol="0" anchor="t"/>
-          <a:lstStyle>
-            <a:defPPr>
-              <a:defRPr lang="en-US"/>
-            </a:defPPr>
-            <a:lvl1pPr marL="0" algn="l" defTabSz="914400" rtl="0" eaLnBrk="1" latinLnBrk="0" hangingPunct="1">
-              <a:defRPr sz="1800" kern="1200">
-                <a:solidFill>
-                  <a:schemeClr val="dk1"/>
-                </a:solidFill>
-                <a:latin typeface="+mn-lt"/>
-                <a:ea typeface="+mn-ea"/>
-                <a:cs typeface="+mn-cs"/>
-              </a:defRPr>
-            </a:lvl1pPr>
-            <a:lvl2pPr marL="457200" algn="l" defTabSz="914400" rtl="0" eaLnBrk="1" latinLnBrk="0" hangingPunct="1">
-              <a:defRPr sz="1800" kern="1200">
-                <a:solidFill>
-                  <a:schemeClr val="dk1"/>
-                </a:solidFill>
-                <a:latin typeface="+mn-lt"/>
-                <a:ea typeface="+mn-ea"/>
-                <a:cs typeface="+mn-cs"/>
-              </a:defRPr>
-            </a:lvl2pPr>
-            <a:lvl3pPr marL="914400" algn="l" defTabSz="914400" rtl="0" eaLnBrk="1" latinLnBrk="0" hangingPunct="1">
-              <a:defRPr sz="1800" kern="1200">
-                <a:solidFill>
-                  <a:schemeClr val="dk1"/>
-                </a:solidFill>
-                <a:latin typeface="+mn-lt"/>
-                <a:ea typeface="+mn-ea"/>
-                <a:cs typeface="+mn-cs"/>
-              </a:defRPr>
-            </a:lvl3pPr>
-            <a:lvl4pPr marL="1371600" algn="l" defTabSz="914400" rtl="0" eaLnBrk="1" latinLnBrk="0" hangingPunct="1">
-              <a:defRPr sz="1800" kern="1200">
-                <a:solidFill>
-                  <a:schemeClr val="dk1"/>
-                </a:solidFill>
-                <a:latin typeface="+mn-lt"/>
-                <a:ea typeface="+mn-ea"/>
-                <a:cs typeface="+mn-cs"/>
-              </a:defRPr>
-            </a:lvl4pPr>
-            <a:lvl5pPr marL="1828800" algn="l" defTabSz="914400" rtl="0" eaLnBrk="1" latinLnBrk="0" hangingPunct="1">
-              <a:defRPr sz="1800" kern="1200">
-                <a:solidFill>
-                  <a:schemeClr val="dk1"/>
-                </a:solidFill>
-                <a:latin typeface="+mn-lt"/>
-                <a:ea typeface="+mn-ea"/>
-                <a:cs typeface="+mn-cs"/>
-              </a:defRPr>
-            </a:lvl5pPr>
-            <a:lvl6pPr marL="2286000" algn="l" defTabSz="914400" rtl="0" eaLnBrk="1" latinLnBrk="0" hangingPunct="1">
-              <a:defRPr sz="1800" kern="1200">
-                <a:solidFill>
-                  <a:schemeClr val="dk1"/>
-                </a:solidFill>
-                <a:latin typeface="+mn-lt"/>
-                <a:ea typeface="+mn-ea"/>
-                <a:cs typeface="+mn-cs"/>
-              </a:defRPr>
-            </a:lvl6pPr>
-            <a:lvl7pPr marL="2743200" algn="l" defTabSz="914400" rtl="0" eaLnBrk="1" latinLnBrk="0" hangingPunct="1">
-              <a:defRPr sz="1800" kern="1200">
-                <a:solidFill>
-                  <a:schemeClr val="dk1"/>
-                </a:solidFill>
-                <a:latin typeface="+mn-lt"/>
-                <a:ea typeface="+mn-ea"/>
-                <a:cs typeface="+mn-cs"/>
-              </a:defRPr>
-            </a:lvl7pPr>
-            <a:lvl8pPr marL="3200400" algn="l" defTabSz="914400" rtl="0" eaLnBrk="1" latinLnBrk="0" hangingPunct="1">
-              <a:defRPr sz="1800" kern="1200">
-                <a:solidFill>
-                  <a:schemeClr val="dk1"/>
-                </a:solidFill>
-                <a:latin typeface="+mn-lt"/>
-                <a:ea typeface="+mn-ea"/>
-                <a:cs typeface="+mn-cs"/>
-              </a:defRPr>
-            </a:lvl8pPr>
-            <a:lvl9pPr marL="3657600" algn="l" defTabSz="914400" rtl="0" eaLnBrk="1" latinLnBrk="0" hangingPunct="1">
-              <a:defRPr sz="1800" kern="1200">
-                <a:solidFill>
-                  <a:schemeClr val="dk1"/>
-                </a:solidFill>
-                <a:latin typeface="+mn-lt"/>
-                <a:ea typeface="+mn-ea"/>
-                <a:cs typeface="+mn-cs"/>
-              </a:defRPr>
-            </a:lvl9pPr>
-          </a:lstStyle>
-          <a:p>
-            <a:pPr algn="ctr"/>
-            <a:r>
-              <a:rPr lang="en-US" sz="1600" dirty="0"/>
-              <a:t>Requirements &amp; Planning</a:t>
-            </a:r>
-          </a:p>
-        </p:txBody>
-      </p:sp>
-      <p:pic>
-        <p:nvPicPr>
-          <p:cNvPr id="47" name="Picture 46">
-            <a:extLst>
-              <a:ext uri="{FF2B5EF4-FFF2-40B4-BE49-F238E27FC236}">
-                <a16:creationId xmlns:a16="http://schemas.microsoft.com/office/drawing/2014/main" xmlns="" xmlns:wne="http://schemas.microsoft.com/office/word/2006/wordml" xmlns:w="http://schemas.openxmlformats.org/wordprocessingml/2006/main" xmlns:w10="urn:schemas-microsoft-com:office:word" xmlns:wp="http://schemas.openxmlformats.org/drawingml/2006/wordprocessingDrawing" xmlns:v="urn:schemas-microsoft-com:vml" xmlns:m="http://schemas.openxmlformats.org/officeDocument/2006/math" xmlns:o="urn:schemas-microsoft-com:office:office" xmlns:ve="http://schemas.openxmlformats.org/markup-compatibility/2006" xmlns:lc="http://schemas.openxmlformats.org/drawingml/2006/lockedCanvas" id="{6A2D1D4E-E637-41B0-9A80-E88C62213FA5}"/>
-              </a:ext>
-            </a:extLst>
-          </p:cNvPr>
-          <p:cNvPicPr>
-            <a:picLocks noChangeAspect="1"/>
-          </p:cNvPicPr>
-          <p:nvPr/>
-        </p:nvPicPr>
-        <p:blipFill>
-          <a:blip r:embed="rId4" cstate="print">
-            <a:extLst>
-              <a:ext uri="{28A0092B-C50C-407E-A947-70E740481C1C}">
-                <a14:useLocalDpi xmlns:a14="http://schemas.microsoft.com/office/drawing/2010/main" val="0"/>
-              </a:ext>
-            </a:extLst>
-          </a:blip>
-          <a:stretch>
-            <a:fillRect/>
-          </a:stretch>
-        </p:blipFill>
-        <p:spPr>
-          <a:xfrm>
-            <a:off x="8578456" y="1114913"/>
-            <a:ext cx="1752600" cy="523008"/>
-          </a:xfrm>
-          <a:prstGeom prst="rect">
-            <a:avLst/>
-          </a:prstGeom>
-        </p:spPr>
-      </p:pic>
-      <p:pic>
-        <p:nvPicPr>
-          <p:cNvPr id="48" name="Picture 47">
-            <a:extLst>
-              <a:ext uri="{FF2B5EF4-FFF2-40B4-BE49-F238E27FC236}">
-                <a16:creationId xmlns:a16="http://schemas.microsoft.com/office/drawing/2014/main" xmlns="" xmlns:wne="http://schemas.microsoft.com/office/word/2006/wordml" xmlns:w="http://schemas.openxmlformats.org/wordprocessingml/2006/main" xmlns:w10="urn:schemas-microsoft-com:office:word" xmlns:wp="http://schemas.openxmlformats.org/drawingml/2006/wordprocessingDrawing" xmlns:v="urn:schemas-microsoft-com:vml" xmlns:m="http://schemas.openxmlformats.org/officeDocument/2006/math" xmlns:o="urn:schemas-microsoft-com:office:office" xmlns:ve="http://schemas.openxmlformats.org/markup-compatibility/2006" xmlns:lc="http://schemas.openxmlformats.org/drawingml/2006/lockedCanvas" id="{7A664BF7-2BED-4529-AF18-7CD31084EDBC}"/>
-              </a:ext>
-            </a:extLst>
-          </p:cNvPr>
-          <p:cNvPicPr>
-            <a:picLocks noChangeAspect="1"/>
-          </p:cNvPicPr>
-          <p:nvPr/>
-        </p:nvPicPr>
-        <p:blipFill>
-          <a:blip r:embed="rId5" cstate="print">
-            <a:extLst>
-              <a:ext uri="{28A0092B-C50C-407E-A947-70E740481C1C}">
-                <a14:useLocalDpi xmlns:a14="http://schemas.microsoft.com/office/drawing/2010/main" val="0"/>
-              </a:ext>
-            </a:extLst>
-          </a:blip>
-          <a:stretch>
-            <a:fillRect/>
-          </a:stretch>
-        </p:blipFill>
-        <p:spPr>
-          <a:xfrm>
-            <a:off x="4311256" y="1343513"/>
-            <a:ext cx="771645" cy="609600"/>
-          </a:xfrm>
-          <a:prstGeom prst="rect">
-            <a:avLst/>
-          </a:prstGeom>
-        </p:spPr>
-      </p:pic>
-      <p:pic>
-        <p:nvPicPr>
-          <p:cNvPr id="49" name="Picture 48" descr="Related image">
-            <a:extLst>
-              <a:ext uri="{FF2B5EF4-FFF2-40B4-BE49-F238E27FC236}">
-                <a16:creationId xmlns:a16="http://schemas.microsoft.com/office/drawing/2014/main" xmlns="" xmlns:wne="http://schemas.microsoft.com/office/word/2006/wordml" xmlns:w="http://schemas.openxmlformats.org/wordprocessingml/2006/main" xmlns:w10="urn:schemas-microsoft-com:office:word" xmlns:wp="http://schemas.openxmlformats.org/drawingml/2006/wordprocessingDrawing" xmlns:v="urn:schemas-microsoft-com:vml" xmlns:m="http://schemas.openxmlformats.org/officeDocument/2006/math" xmlns:o="urn:schemas-microsoft-com:office:office" xmlns:ve="http://schemas.openxmlformats.org/markup-compatibility/2006" xmlns:lc="http://schemas.openxmlformats.org/drawingml/2006/lockedCanvas" id="{D3474849-1B27-4378-8BAC-4A0E031BC269}"/>
-              </a:ext>
-            </a:extLst>
-          </p:cNvPr>
-          <p:cNvPicPr>
-            <a:picLocks noChangeAspect="1" noChangeArrowheads="1"/>
-          </p:cNvPicPr>
-          <p:nvPr/>
-        </p:nvPicPr>
-        <p:blipFill>
-          <a:blip r:embed="rId6" cstate="print">
-            <a:extLst>
-              <a:ext uri="{28A0092B-C50C-407E-A947-70E740481C1C}">
-                <a14:useLocalDpi xmlns:a14="http://schemas.microsoft.com/office/drawing/2010/main" val="0"/>
-              </a:ext>
-            </a:extLst>
-          </a:blip>
-          <a:srcRect/>
-          <a:stretch>
-            <a:fillRect/>
-          </a:stretch>
-        </p:blipFill>
-        <p:spPr bwMode="auto">
-          <a:xfrm>
-            <a:off x="2996386" y="1966500"/>
-            <a:ext cx="5458459" cy="3093127"/>
-          </a:xfrm>
-          <a:prstGeom prst="rect">
-            <a:avLst/>
-          </a:prstGeom>
-          <a:noFill/>
-          <a:extLst>
-            <a:ext uri="{909E8E84-426E-40DD-AFC4-6F175D3DCCD1}">
-              <a14:hiddenFill xmlns:a14="http://schemas.microsoft.com/office/drawing/2010/main">
-                <a:solidFill>
-                  <a:srgbClr val="FFFFFF"/>
-                </a:solidFill>
-              </a14:hiddenFill>
-            </a:ext>
-          </a:extLst>
-        </p:spPr>
-      </p:pic>
-      <p:pic>
-        <p:nvPicPr>
-          <p:cNvPr id="50" name="Picture 49">
-            <a:extLst>
-              <a:ext uri="{FF2B5EF4-FFF2-40B4-BE49-F238E27FC236}">
-                <a16:creationId xmlns:a16="http://schemas.microsoft.com/office/drawing/2014/main" xmlns="" xmlns:wne="http://schemas.microsoft.com/office/word/2006/wordml" xmlns:w="http://schemas.openxmlformats.org/wordprocessingml/2006/main" xmlns:w10="urn:schemas-microsoft-com:office:word" xmlns:wp="http://schemas.openxmlformats.org/drawingml/2006/wordprocessingDrawing" xmlns:v="urn:schemas-microsoft-com:vml" xmlns:m="http://schemas.openxmlformats.org/officeDocument/2006/math" xmlns:o="urn:schemas-microsoft-com:office:office" xmlns:ve="http://schemas.openxmlformats.org/markup-compatibility/2006" xmlns:lc="http://schemas.openxmlformats.org/drawingml/2006/lockedCanvas" id="{B94385D5-98B6-4AC7-B7CD-65B49EF4CA03}"/>
-              </a:ext>
-            </a:extLst>
-          </p:cNvPr>
-          <p:cNvPicPr>
-            <a:picLocks noChangeAspect="1"/>
-          </p:cNvPicPr>
-          <p:nvPr/>
-        </p:nvPicPr>
-        <p:blipFill>
-          <a:blip r:embed="rId7" cstate="print">
-            <a:extLst>
-              <a:ext uri="{28A0092B-C50C-407E-A947-70E740481C1C}">
-                <a14:useLocalDpi xmlns:a14="http://schemas.microsoft.com/office/drawing/2010/main" val="0"/>
-              </a:ext>
-            </a:extLst>
-          </a:blip>
-          <a:stretch>
-            <a:fillRect/>
-          </a:stretch>
-        </p:blipFill>
-        <p:spPr>
-          <a:xfrm>
-            <a:off x="1949056" y="1343513"/>
-            <a:ext cx="950927" cy="713195"/>
-          </a:xfrm>
-          <a:prstGeom prst="rect">
-            <a:avLst/>
-          </a:prstGeom>
-        </p:spPr>
-      </p:pic>
-      <p:cxnSp>
-        <p:nvCxnSpPr>
-          <p:cNvPr id="51" name="Straight Connector 50">
-            <a:extLst>
-              <a:ext uri="{FF2B5EF4-FFF2-40B4-BE49-F238E27FC236}">
-                <a16:creationId xmlns:a16="http://schemas.microsoft.com/office/drawing/2014/main" xmlns="" xmlns:wne="http://schemas.microsoft.com/office/word/2006/wordml" xmlns:w="http://schemas.openxmlformats.org/wordprocessingml/2006/main" xmlns:w10="urn:schemas-microsoft-com:office:word" xmlns:wp="http://schemas.openxmlformats.org/drawingml/2006/wordprocessingDrawing" xmlns:v="urn:schemas-microsoft-com:vml" xmlns:m="http://schemas.openxmlformats.org/officeDocument/2006/math" xmlns:o="urn:schemas-microsoft-com:office:office" xmlns:ve="http://schemas.openxmlformats.org/markup-compatibility/2006" xmlns:lc="http://schemas.openxmlformats.org/drawingml/2006/lockedCanvas" id="{323884FB-A247-4387-9215-9A9E8470F2A0}"/>
-              </a:ext>
-            </a:extLst>
-          </p:cNvPr>
-          <p:cNvCxnSpPr>
-            <a:cxnSpLocks/>
-          </p:cNvCxnSpPr>
-          <p:nvPr/>
-        </p:nvCxnSpPr>
-        <p:spPr>
-          <a:xfrm flipH="1">
-            <a:off x="2987597" y="4264521"/>
-            <a:ext cx="796090" cy="517320"/>
-          </a:xfrm>
-          <a:prstGeom prst="line">
-            <a:avLst/>
-          </a:prstGeom>
-          <a:ln/>
-        </p:spPr>
-        <p:style>
-          <a:lnRef idx="2">
-            <a:schemeClr val="accent4"/>
-          </a:lnRef>
-          <a:fillRef idx="0">
-            <a:schemeClr val="accent4"/>
-          </a:fillRef>
-          <a:effectRef idx="1">
-            <a:schemeClr val="accent4"/>
-          </a:effectRef>
-          <a:fontRef idx="minor">
-            <a:schemeClr val="tx1"/>
-          </a:fontRef>
-        </p:style>
-      </p:cxnSp>
-      <p:cxnSp>
-        <p:nvCxnSpPr>
-          <p:cNvPr id="52" name="Straight Connector 51">
-            <a:extLst>
-              <a:ext uri="{FF2B5EF4-FFF2-40B4-BE49-F238E27FC236}">
-                <a16:creationId xmlns:a16="http://schemas.microsoft.com/office/drawing/2014/main" xmlns="" xmlns:wne="http://schemas.microsoft.com/office/word/2006/wordml" xmlns:w="http://schemas.openxmlformats.org/wordprocessingml/2006/main" xmlns:w10="urn:schemas-microsoft-com:office:word" xmlns:wp="http://schemas.openxmlformats.org/drawingml/2006/wordprocessingDrawing" xmlns:v="urn:schemas-microsoft-com:vml" xmlns:m="http://schemas.openxmlformats.org/officeDocument/2006/math" xmlns:o="urn:schemas-microsoft-com:office:office" xmlns:ve="http://schemas.openxmlformats.org/markup-compatibility/2006" xmlns:lc="http://schemas.openxmlformats.org/drawingml/2006/lockedCanvas" id="{EDBCDB02-1877-48E1-8234-82F5C68048D2}"/>
-              </a:ext>
-            </a:extLst>
-          </p:cNvPr>
-          <p:cNvCxnSpPr>
-            <a:cxnSpLocks/>
-          </p:cNvCxnSpPr>
-          <p:nvPr/>
-        </p:nvCxnSpPr>
-        <p:spPr>
-          <a:xfrm flipH="1" flipV="1">
-            <a:off x="3211599" y="2208827"/>
-            <a:ext cx="687897" cy="519895"/>
-          </a:xfrm>
-          <a:prstGeom prst="line">
-            <a:avLst/>
-          </a:prstGeom>
-          <a:ln/>
-        </p:spPr>
-        <p:style>
-          <a:lnRef idx="2">
-            <a:schemeClr val="accent4"/>
-          </a:lnRef>
-          <a:fillRef idx="0">
-            <a:schemeClr val="accent4"/>
-          </a:fillRef>
-          <a:effectRef idx="1">
-            <a:schemeClr val="accent4"/>
-          </a:effectRef>
-          <a:fontRef idx="minor">
-            <a:schemeClr val="tx1"/>
-          </a:fontRef>
-        </p:style>
-      </p:cxnSp>
-      <p:pic>
-        <p:nvPicPr>
-          <p:cNvPr id="53" name="Picture 52">
-            <a:extLst>
-              <a:ext uri="{FF2B5EF4-FFF2-40B4-BE49-F238E27FC236}">
-                <a16:creationId xmlns:a16="http://schemas.microsoft.com/office/drawing/2014/main" xmlns="" xmlns:wne="http://schemas.microsoft.com/office/word/2006/wordml" xmlns:w="http://schemas.openxmlformats.org/wordprocessingml/2006/main" xmlns:w10="urn:schemas-microsoft-com:office:word" xmlns:wp="http://schemas.openxmlformats.org/drawingml/2006/wordprocessingDrawing" xmlns:v="urn:schemas-microsoft-com:vml" xmlns:m="http://schemas.openxmlformats.org/officeDocument/2006/math" xmlns:o="urn:schemas-microsoft-com:office:office" xmlns:ve="http://schemas.openxmlformats.org/markup-compatibility/2006" xmlns:lc="http://schemas.openxmlformats.org/drawingml/2006/lockedCanvas" id="{E63422CD-2838-4A04-81ED-A278AEC41896}"/>
-              </a:ext>
-            </a:extLst>
-          </p:cNvPr>
-          <p:cNvPicPr>
-            <a:picLocks noChangeAspect="1"/>
-          </p:cNvPicPr>
-          <p:nvPr/>
-        </p:nvPicPr>
-        <p:blipFill>
-          <a:blip r:embed="rId8" cstate="print">
-            <a:extLst>
-              <a:ext uri="{28A0092B-C50C-407E-A947-70E740481C1C}">
-                <a14:useLocalDpi xmlns:a14="http://schemas.microsoft.com/office/drawing/2010/main" val="0"/>
-              </a:ext>
-            </a:extLst>
-          </a:blip>
-          <a:stretch>
-            <a:fillRect/>
-          </a:stretch>
-        </p:blipFill>
-        <p:spPr>
-          <a:xfrm>
-            <a:off x="6368656" y="1114913"/>
-            <a:ext cx="1534416" cy="493481"/>
-          </a:xfrm>
-          <a:prstGeom prst="rect">
-            <a:avLst/>
-          </a:prstGeom>
-        </p:spPr>
-      </p:pic>
-      <p:cxnSp>
-        <p:nvCxnSpPr>
-          <p:cNvPr id="54" name="Straight Connector 53">
-            <a:extLst>
-              <a:ext uri="{FF2B5EF4-FFF2-40B4-BE49-F238E27FC236}">
-                <a16:creationId xmlns:a16="http://schemas.microsoft.com/office/drawing/2014/main" xmlns="" xmlns:wne="http://schemas.microsoft.com/office/word/2006/wordml" xmlns:w="http://schemas.openxmlformats.org/wordprocessingml/2006/main" xmlns:w10="urn:schemas-microsoft-com:office:word" xmlns:wp="http://schemas.openxmlformats.org/drawingml/2006/wordprocessingDrawing" xmlns:v="urn:schemas-microsoft-com:vml" xmlns:m="http://schemas.openxmlformats.org/officeDocument/2006/math" xmlns:o="urn:schemas-microsoft-com:office:office" xmlns:ve="http://schemas.openxmlformats.org/markup-compatibility/2006" xmlns:lc="http://schemas.openxmlformats.org/drawingml/2006/lockedCanvas" id="{33381917-C21F-4F2D-87AA-7E079E65AD3F}"/>
-              </a:ext>
-            </a:extLst>
-          </p:cNvPr>
-          <p:cNvCxnSpPr>
-            <a:cxnSpLocks/>
-          </p:cNvCxnSpPr>
-          <p:nvPr/>
-        </p:nvCxnSpPr>
-        <p:spPr>
-          <a:xfrm flipV="1">
-            <a:off x="7582263" y="1940092"/>
-            <a:ext cx="419808" cy="812642"/>
-          </a:xfrm>
-          <a:prstGeom prst="line">
-            <a:avLst/>
-          </a:prstGeom>
-          <a:ln/>
-        </p:spPr>
-        <p:style>
-          <a:lnRef idx="2">
-            <a:schemeClr val="accent4"/>
-          </a:lnRef>
-          <a:fillRef idx="0">
-            <a:schemeClr val="accent4"/>
-          </a:fillRef>
-          <a:effectRef idx="1">
-            <a:schemeClr val="accent4"/>
-          </a:effectRef>
-          <a:fontRef idx="minor">
-            <a:schemeClr val="tx1"/>
-          </a:fontRef>
-        </p:style>
-      </p:cxnSp>
-      <p:sp>
-        <p:nvSpPr>
-          <p:cNvPr id="55" name="Rectangle: Rounded Corners 46">
-            <a:extLst>
-              <a:ext uri="{FF2B5EF4-FFF2-40B4-BE49-F238E27FC236}">
-                <a16:creationId xmlns:a16="http://schemas.microsoft.com/office/drawing/2014/main" xmlns="" xmlns:wne="http://schemas.microsoft.com/office/word/2006/wordml" xmlns:w="http://schemas.openxmlformats.org/wordprocessingml/2006/main" xmlns:w10="urn:schemas-microsoft-com:office:word" xmlns:wp="http://schemas.openxmlformats.org/drawingml/2006/wordprocessingDrawing" xmlns:v="urn:schemas-microsoft-com:vml" xmlns:m="http://schemas.openxmlformats.org/officeDocument/2006/math" xmlns:o="urn:schemas-microsoft-com:office:office" xmlns:ve="http://schemas.openxmlformats.org/markup-compatibility/2006" xmlns:lc="http://schemas.openxmlformats.org/drawingml/2006/lockedCanvas" id="{1A4C5F64-6070-4AA7-B3C8-B87CA784202B}"/>
-              </a:ext>
-            </a:extLst>
-          </p:cNvPr>
-          <p:cNvSpPr/>
-          <p:nvPr/>
-        </p:nvSpPr>
-        <p:spPr>
-          <a:xfrm>
-            <a:off x="3752546" y="4973906"/>
-            <a:ext cx="4292509" cy="1159458"/>
-          </a:xfrm>
-          <a:prstGeom prst="roundRect">
-            <a:avLst/>
-          </a:prstGeom>
-        </p:spPr>
-        <p:style>
-          <a:lnRef idx="1">
-            <a:schemeClr val="accent4"/>
-          </a:lnRef>
-          <a:fillRef idx="2">
-            <a:schemeClr val="accent4"/>
-          </a:fillRef>
-          <a:effectRef idx="1">
-            <a:schemeClr val="accent4"/>
-          </a:effectRef>
-          <a:fontRef idx="minor">
-            <a:schemeClr val="dk1"/>
-          </a:fontRef>
-        </p:style>
-        <p:txBody>
-          <a:bodyPr rtlCol="0" anchor="t"/>
-          <a:lstStyle>
-            <a:defPPr>
-              <a:defRPr lang="en-US"/>
-            </a:defPPr>
-            <a:lvl1pPr marL="0" algn="l" defTabSz="914400" rtl="0" eaLnBrk="1" latinLnBrk="0" hangingPunct="1">
-              <a:defRPr sz="1800" kern="1200">
-                <a:solidFill>
-                  <a:schemeClr val="dk1"/>
-                </a:solidFill>
-                <a:latin typeface="+mn-lt"/>
-                <a:ea typeface="+mn-ea"/>
-                <a:cs typeface="+mn-cs"/>
-              </a:defRPr>
-            </a:lvl1pPr>
-            <a:lvl2pPr marL="457200" algn="l" defTabSz="914400" rtl="0" eaLnBrk="1" latinLnBrk="0" hangingPunct="1">
-              <a:defRPr sz="1800" kern="1200">
-                <a:solidFill>
-                  <a:schemeClr val="dk1"/>
-                </a:solidFill>
-                <a:latin typeface="+mn-lt"/>
-                <a:ea typeface="+mn-ea"/>
-                <a:cs typeface="+mn-cs"/>
-              </a:defRPr>
-            </a:lvl2pPr>
-            <a:lvl3pPr marL="914400" algn="l" defTabSz="914400" rtl="0" eaLnBrk="1" latinLnBrk="0" hangingPunct="1">
-              <a:defRPr sz="1800" kern="1200">
-                <a:solidFill>
-                  <a:schemeClr val="dk1"/>
-                </a:solidFill>
-                <a:latin typeface="+mn-lt"/>
-                <a:ea typeface="+mn-ea"/>
-                <a:cs typeface="+mn-cs"/>
-              </a:defRPr>
-            </a:lvl3pPr>
-            <a:lvl4pPr marL="1371600" algn="l" defTabSz="914400" rtl="0" eaLnBrk="1" latinLnBrk="0" hangingPunct="1">
-              <a:defRPr sz="1800" kern="1200">
-                <a:solidFill>
-                  <a:schemeClr val="dk1"/>
-                </a:solidFill>
-                <a:latin typeface="+mn-lt"/>
-                <a:ea typeface="+mn-ea"/>
-                <a:cs typeface="+mn-cs"/>
-              </a:defRPr>
-            </a:lvl4pPr>
-            <a:lvl5pPr marL="1828800" algn="l" defTabSz="914400" rtl="0" eaLnBrk="1" latinLnBrk="0" hangingPunct="1">
-              <a:defRPr sz="1800" kern="1200">
-                <a:solidFill>
-                  <a:schemeClr val="dk1"/>
-                </a:solidFill>
-                <a:latin typeface="+mn-lt"/>
-                <a:ea typeface="+mn-ea"/>
-                <a:cs typeface="+mn-cs"/>
-              </a:defRPr>
-            </a:lvl5pPr>
-            <a:lvl6pPr marL="2286000" algn="l" defTabSz="914400" rtl="0" eaLnBrk="1" latinLnBrk="0" hangingPunct="1">
-              <a:defRPr sz="1800" kern="1200">
-                <a:solidFill>
-                  <a:schemeClr val="dk1"/>
-                </a:solidFill>
-                <a:latin typeface="+mn-lt"/>
-                <a:ea typeface="+mn-ea"/>
-                <a:cs typeface="+mn-cs"/>
-              </a:defRPr>
-            </a:lvl6pPr>
-            <a:lvl7pPr marL="2743200" algn="l" defTabSz="914400" rtl="0" eaLnBrk="1" latinLnBrk="0" hangingPunct="1">
-              <a:defRPr sz="1800" kern="1200">
-                <a:solidFill>
-                  <a:schemeClr val="dk1"/>
-                </a:solidFill>
-                <a:latin typeface="+mn-lt"/>
-                <a:ea typeface="+mn-ea"/>
-                <a:cs typeface="+mn-cs"/>
-              </a:defRPr>
-            </a:lvl7pPr>
-            <a:lvl8pPr marL="3200400" algn="l" defTabSz="914400" rtl="0" eaLnBrk="1" latinLnBrk="0" hangingPunct="1">
-              <a:defRPr sz="1800" kern="1200">
-                <a:solidFill>
-                  <a:schemeClr val="dk1"/>
-                </a:solidFill>
-                <a:latin typeface="+mn-lt"/>
-                <a:ea typeface="+mn-ea"/>
-                <a:cs typeface="+mn-cs"/>
-              </a:defRPr>
-            </a:lvl8pPr>
-            <a:lvl9pPr marL="3657600" algn="l" defTabSz="914400" rtl="0" eaLnBrk="1" latinLnBrk="0" hangingPunct="1">
-              <a:defRPr sz="1800" kern="1200">
-                <a:solidFill>
-                  <a:schemeClr val="dk1"/>
-                </a:solidFill>
-                <a:latin typeface="+mn-lt"/>
-                <a:ea typeface="+mn-ea"/>
-                <a:cs typeface="+mn-cs"/>
-              </a:defRPr>
-            </a:lvl9pPr>
-          </a:lstStyle>
-          <a:p>
-            <a:pPr algn="ctr"/>
-            <a:r>
-              <a:rPr lang="en-US" sz="1600" dirty="0"/>
-              <a:t>Automated Testing</a:t>
-            </a:r>
-          </a:p>
-        </p:txBody>
-      </p:sp>
-      <p:pic>
-        <p:nvPicPr>
-          <p:cNvPr id="56" name="Picture 55">
-            <a:extLst>
-              <a:ext uri="{FF2B5EF4-FFF2-40B4-BE49-F238E27FC236}">
-                <a16:creationId xmlns:a16="http://schemas.microsoft.com/office/drawing/2014/main" xmlns="" xmlns:wne="http://schemas.microsoft.com/office/word/2006/wordml" xmlns:w="http://schemas.openxmlformats.org/wordprocessingml/2006/main" xmlns:w10="urn:schemas-microsoft-com:office:word" xmlns:wp="http://schemas.openxmlformats.org/drawingml/2006/wordprocessingDrawing" xmlns:v="urn:schemas-microsoft-com:vml" xmlns:m="http://schemas.openxmlformats.org/officeDocument/2006/math" xmlns:o="urn:schemas-microsoft-com:office:office" xmlns:ve="http://schemas.openxmlformats.org/markup-compatibility/2006" xmlns:lc="http://schemas.openxmlformats.org/drawingml/2006/lockedCanvas" id="{72721FF6-1EE4-4E1C-AD01-BC2F7761B051}"/>
-              </a:ext>
-            </a:extLst>
-          </p:cNvPr>
-          <p:cNvPicPr>
-            <a:picLocks noChangeAspect="1"/>
-          </p:cNvPicPr>
-          <p:nvPr/>
-        </p:nvPicPr>
-        <p:blipFill>
-          <a:blip r:embed="rId9" cstate="print">
-            <a:extLst>
-              <a:ext uri="{28A0092B-C50C-407E-A947-70E740481C1C}">
-                <a14:useLocalDpi xmlns:a14="http://schemas.microsoft.com/office/drawing/2010/main" val="0"/>
-              </a:ext>
-            </a:extLst>
-          </a:blip>
-          <a:stretch>
-            <a:fillRect/>
-          </a:stretch>
-        </p:blipFill>
-        <p:spPr>
-          <a:xfrm>
-            <a:off x="3777856" y="5229713"/>
-            <a:ext cx="1361063" cy="862456"/>
-          </a:xfrm>
-          <a:prstGeom prst="rect">
-            <a:avLst/>
-          </a:prstGeom>
-        </p:spPr>
-      </p:pic>
-      <p:sp>
-        <p:nvSpPr>
-          <p:cNvPr id="57" name="Rectangle: Rounded Corners 58">
-            <a:extLst>
-              <a:ext uri="{FF2B5EF4-FFF2-40B4-BE49-F238E27FC236}">
-                <a16:creationId xmlns:a16="http://schemas.microsoft.com/office/drawing/2014/main" xmlns="" xmlns:wne="http://schemas.microsoft.com/office/word/2006/wordml" xmlns:w="http://schemas.openxmlformats.org/wordprocessingml/2006/main" xmlns:w10="urn:schemas-microsoft-com:office:word" xmlns:wp="http://schemas.openxmlformats.org/drawingml/2006/wordprocessingDrawing" xmlns:v="urn:schemas-microsoft-com:vml" xmlns:m="http://schemas.openxmlformats.org/officeDocument/2006/math" xmlns:o="urn:schemas-microsoft-com:office:office" xmlns:ve="http://schemas.openxmlformats.org/markup-compatibility/2006" xmlns:lc="http://schemas.openxmlformats.org/drawingml/2006/lockedCanvas" id="{40DDAFC7-2343-4D18-84DB-27D82A318D14}"/>
-              </a:ext>
-            </a:extLst>
-          </p:cNvPr>
-          <p:cNvSpPr/>
-          <p:nvPr/>
-        </p:nvSpPr>
-        <p:spPr>
-          <a:xfrm>
-            <a:off x="8395995" y="2266906"/>
-            <a:ext cx="2036425" cy="1727426"/>
-          </a:xfrm>
-          <a:prstGeom prst="roundRect">
-            <a:avLst/>
-          </a:prstGeom>
-        </p:spPr>
-        <p:style>
-          <a:lnRef idx="1">
-            <a:schemeClr val="accent4"/>
-          </a:lnRef>
-          <a:fillRef idx="2">
-            <a:schemeClr val="accent4"/>
-          </a:fillRef>
-          <a:effectRef idx="1">
-            <a:schemeClr val="accent4"/>
-          </a:effectRef>
-          <a:fontRef idx="minor">
-            <a:schemeClr val="dk1"/>
-          </a:fontRef>
-        </p:style>
-        <p:txBody>
-          <a:bodyPr rtlCol="0" anchor="t"/>
-          <a:lstStyle>
-            <a:defPPr>
-              <a:defRPr lang="en-US"/>
-            </a:defPPr>
-            <a:lvl1pPr marL="0" algn="l" defTabSz="914400" rtl="0" eaLnBrk="1" latinLnBrk="0" hangingPunct="1">
-              <a:defRPr sz="1800" kern="1200">
-                <a:solidFill>
-                  <a:schemeClr val="dk1"/>
-                </a:solidFill>
-                <a:latin typeface="+mn-lt"/>
-                <a:ea typeface="+mn-ea"/>
-                <a:cs typeface="+mn-cs"/>
-              </a:defRPr>
-            </a:lvl1pPr>
-            <a:lvl2pPr marL="457200" algn="l" defTabSz="914400" rtl="0" eaLnBrk="1" latinLnBrk="0" hangingPunct="1">
-              <a:defRPr sz="1800" kern="1200">
-                <a:solidFill>
-                  <a:schemeClr val="dk1"/>
-                </a:solidFill>
-                <a:latin typeface="+mn-lt"/>
-                <a:ea typeface="+mn-ea"/>
-                <a:cs typeface="+mn-cs"/>
-              </a:defRPr>
-            </a:lvl2pPr>
-            <a:lvl3pPr marL="914400" algn="l" defTabSz="914400" rtl="0" eaLnBrk="1" latinLnBrk="0" hangingPunct="1">
-              <a:defRPr sz="1800" kern="1200">
-                <a:solidFill>
-                  <a:schemeClr val="dk1"/>
-                </a:solidFill>
-                <a:latin typeface="+mn-lt"/>
-                <a:ea typeface="+mn-ea"/>
-                <a:cs typeface="+mn-cs"/>
-              </a:defRPr>
-            </a:lvl3pPr>
-            <a:lvl4pPr marL="1371600" algn="l" defTabSz="914400" rtl="0" eaLnBrk="1" latinLnBrk="0" hangingPunct="1">
-              <a:defRPr sz="1800" kern="1200">
-                <a:solidFill>
-                  <a:schemeClr val="dk1"/>
-                </a:solidFill>
-                <a:latin typeface="+mn-lt"/>
-                <a:ea typeface="+mn-ea"/>
-                <a:cs typeface="+mn-cs"/>
-              </a:defRPr>
-            </a:lvl4pPr>
-            <a:lvl5pPr marL="1828800" algn="l" defTabSz="914400" rtl="0" eaLnBrk="1" latinLnBrk="0" hangingPunct="1">
-              <a:defRPr sz="1800" kern="1200">
-                <a:solidFill>
-                  <a:schemeClr val="dk1"/>
-                </a:solidFill>
-                <a:latin typeface="+mn-lt"/>
-                <a:ea typeface="+mn-ea"/>
-                <a:cs typeface="+mn-cs"/>
-              </a:defRPr>
-            </a:lvl5pPr>
-            <a:lvl6pPr marL="2286000" algn="l" defTabSz="914400" rtl="0" eaLnBrk="1" latinLnBrk="0" hangingPunct="1">
-              <a:defRPr sz="1800" kern="1200">
-                <a:solidFill>
-                  <a:schemeClr val="dk1"/>
-                </a:solidFill>
-                <a:latin typeface="+mn-lt"/>
-                <a:ea typeface="+mn-ea"/>
-                <a:cs typeface="+mn-cs"/>
-              </a:defRPr>
-            </a:lvl6pPr>
-            <a:lvl7pPr marL="2743200" algn="l" defTabSz="914400" rtl="0" eaLnBrk="1" latinLnBrk="0" hangingPunct="1">
-              <a:defRPr sz="1800" kern="1200">
-                <a:solidFill>
-                  <a:schemeClr val="dk1"/>
-                </a:solidFill>
-                <a:latin typeface="+mn-lt"/>
-                <a:ea typeface="+mn-ea"/>
-                <a:cs typeface="+mn-cs"/>
-              </a:defRPr>
-            </a:lvl7pPr>
-            <a:lvl8pPr marL="3200400" algn="l" defTabSz="914400" rtl="0" eaLnBrk="1" latinLnBrk="0" hangingPunct="1">
-              <a:defRPr sz="1800" kern="1200">
-                <a:solidFill>
-                  <a:schemeClr val="dk1"/>
-                </a:solidFill>
-                <a:latin typeface="+mn-lt"/>
-                <a:ea typeface="+mn-ea"/>
-                <a:cs typeface="+mn-cs"/>
-              </a:defRPr>
-            </a:lvl8pPr>
-            <a:lvl9pPr marL="3657600" algn="l" defTabSz="914400" rtl="0" eaLnBrk="1" latinLnBrk="0" hangingPunct="1">
-              <a:defRPr sz="1800" kern="1200">
-                <a:solidFill>
-                  <a:schemeClr val="dk1"/>
-                </a:solidFill>
-                <a:latin typeface="+mn-lt"/>
-                <a:ea typeface="+mn-ea"/>
-                <a:cs typeface="+mn-cs"/>
-              </a:defRPr>
-            </a:lvl9pPr>
-          </a:lstStyle>
-          <a:p>
-            <a:pPr algn="ctr"/>
-            <a:r>
-              <a:rPr lang="en-US" sz="1600" dirty="0"/>
-              <a:t>Deployment</a:t>
-            </a:r>
-          </a:p>
-          <a:p>
-            <a:pPr algn="ctr"/>
-            <a:r>
-              <a:rPr lang="en-US" sz="1600" dirty="0"/>
-              <a:t>Environments</a:t>
-            </a:r>
-          </a:p>
-        </p:txBody>
-      </p:sp>
-      <p:sp>
-        <p:nvSpPr>
-          <p:cNvPr id="58" name="Rectangle: Rounded Corners 64">
-            <a:extLst>
-              <a:ext uri="{FF2B5EF4-FFF2-40B4-BE49-F238E27FC236}">
-                <a16:creationId xmlns:a16="http://schemas.microsoft.com/office/drawing/2014/main" xmlns="" xmlns:wne="http://schemas.microsoft.com/office/word/2006/wordml" xmlns:w="http://schemas.openxmlformats.org/wordprocessingml/2006/main" xmlns:w10="urn:schemas-microsoft-com:office:word" xmlns:wp="http://schemas.openxmlformats.org/drawingml/2006/wordprocessingDrawing" xmlns:v="urn:schemas-microsoft-com:vml" xmlns:m="http://schemas.openxmlformats.org/officeDocument/2006/math" xmlns:o="urn:schemas-microsoft-com:office:office" xmlns:ve="http://schemas.openxmlformats.org/markup-compatibility/2006" xmlns:lc="http://schemas.openxmlformats.org/drawingml/2006/lockedCanvas" id="{46AFC2AF-CFE6-4A1C-A681-9C5F8CDC4E08}"/>
-              </a:ext>
-            </a:extLst>
-          </p:cNvPr>
-          <p:cNvSpPr/>
-          <p:nvPr/>
-        </p:nvSpPr>
-        <p:spPr>
-          <a:xfrm>
-            <a:off x="8405321" y="4241552"/>
-            <a:ext cx="2053430" cy="1860391"/>
-          </a:xfrm>
-          <a:prstGeom prst="roundRect">
-            <a:avLst/>
-          </a:prstGeom>
-        </p:spPr>
-        <p:style>
-          <a:lnRef idx="1">
-            <a:schemeClr val="accent4"/>
-          </a:lnRef>
-          <a:fillRef idx="2">
-            <a:schemeClr val="accent4"/>
-          </a:fillRef>
-          <a:effectRef idx="1">
-            <a:schemeClr val="accent4"/>
-          </a:effectRef>
-          <a:fontRef idx="minor">
-            <a:schemeClr val="dk1"/>
-          </a:fontRef>
-        </p:style>
-        <p:txBody>
-          <a:bodyPr rtlCol="0" anchor="t"/>
-          <a:lstStyle>
-            <a:defPPr>
-              <a:defRPr lang="en-US"/>
-            </a:defPPr>
-            <a:lvl1pPr marL="0" algn="l" defTabSz="914400" rtl="0" eaLnBrk="1" latinLnBrk="0" hangingPunct="1">
-              <a:defRPr sz="1800" kern="1200">
-                <a:solidFill>
-                  <a:schemeClr val="dk1"/>
-                </a:solidFill>
-                <a:latin typeface="+mn-lt"/>
-                <a:ea typeface="+mn-ea"/>
-                <a:cs typeface="+mn-cs"/>
-              </a:defRPr>
-            </a:lvl1pPr>
-            <a:lvl2pPr marL="457200" algn="l" defTabSz="914400" rtl="0" eaLnBrk="1" latinLnBrk="0" hangingPunct="1">
-              <a:defRPr sz="1800" kern="1200">
-                <a:solidFill>
-                  <a:schemeClr val="dk1"/>
-                </a:solidFill>
-                <a:latin typeface="+mn-lt"/>
-                <a:ea typeface="+mn-ea"/>
-                <a:cs typeface="+mn-cs"/>
-              </a:defRPr>
-            </a:lvl2pPr>
-            <a:lvl3pPr marL="914400" algn="l" defTabSz="914400" rtl="0" eaLnBrk="1" latinLnBrk="0" hangingPunct="1">
-              <a:defRPr sz="1800" kern="1200">
-                <a:solidFill>
-                  <a:schemeClr val="dk1"/>
-                </a:solidFill>
-                <a:latin typeface="+mn-lt"/>
-                <a:ea typeface="+mn-ea"/>
-                <a:cs typeface="+mn-cs"/>
-              </a:defRPr>
-            </a:lvl3pPr>
-            <a:lvl4pPr marL="1371600" algn="l" defTabSz="914400" rtl="0" eaLnBrk="1" latinLnBrk="0" hangingPunct="1">
-              <a:defRPr sz="1800" kern="1200">
-                <a:solidFill>
-                  <a:schemeClr val="dk1"/>
-                </a:solidFill>
-                <a:latin typeface="+mn-lt"/>
-                <a:ea typeface="+mn-ea"/>
-                <a:cs typeface="+mn-cs"/>
-              </a:defRPr>
-            </a:lvl4pPr>
-            <a:lvl5pPr marL="1828800" algn="l" defTabSz="914400" rtl="0" eaLnBrk="1" latinLnBrk="0" hangingPunct="1">
-              <a:defRPr sz="1800" kern="1200">
-                <a:solidFill>
-                  <a:schemeClr val="dk1"/>
-                </a:solidFill>
-                <a:latin typeface="+mn-lt"/>
-                <a:ea typeface="+mn-ea"/>
-                <a:cs typeface="+mn-cs"/>
-              </a:defRPr>
-            </a:lvl5pPr>
-            <a:lvl6pPr marL="2286000" algn="l" defTabSz="914400" rtl="0" eaLnBrk="1" latinLnBrk="0" hangingPunct="1">
-              <a:defRPr sz="1800" kern="1200">
-                <a:solidFill>
-                  <a:schemeClr val="dk1"/>
-                </a:solidFill>
-                <a:latin typeface="+mn-lt"/>
-                <a:ea typeface="+mn-ea"/>
-                <a:cs typeface="+mn-cs"/>
-              </a:defRPr>
-            </a:lvl6pPr>
-            <a:lvl7pPr marL="2743200" algn="l" defTabSz="914400" rtl="0" eaLnBrk="1" latinLnBrk="0" hangingPunct="1">
-              <a:defRPr sz="1800" kern="1200">
-                <a:solidFill>
-                  <a:schemeClr val="dk1"/>
-                </a:solidFill>
-                <a:latin typeface="+mn-lt"/>
-                <a:ea typeface="+mn-ea"/>
-                <a:cs typeface="+mn-cs"/>
-              </a:defRPr>
-            </a:lvl7pPr>
-            <a:lvl8pPr marL="3200400" algn="l" defTabSz="914400" rtl="0" eaLnBrk="1" latinLnBrk="0" hangingPunct="1">
-              <a:defRPr sz="1800" kern="1200">
-                <a:solidFill>
-                  <a:schemeClr val="dk1"/>
-                </a:solidFill>
-                <a:latin typeface="+mn-lt"/>
-                <a:ea typeface="+mn-ea"/>
-                <a:cs typeface="+mn-cs"/>
-              </a:defRPr>
-            </a:lvl8pPr>
-            <a:lvl9pPr marL="3657600" algn="l" defTabSz="914400" rtl="0" eaLnBrk="1" latinLnBrk="0" hangingPunct="1">
-              <a:defRPr sz="1800" kern="1200">
-                <a:solidFill>
-                  <a:schemeClr val="dk1"/>
-                </a:solidFill>
-                <a:latin typeface="+mn-lt"/>
-                <a:ea typeface="+mn-ea"/>
-                <a:cs typeface="+mn-cs"/>
-              </a:defRPr>
-            </a:lvl9pPr>
-          </a:lstStyle>
-          <a:p>
-            <a:pPr algn="ctr"/>
-            <a:r>
-              <a:rPr lang="en-US" sz="1600" dirty="0"/>
-              <a:t>Operate &amp; Monitor</a:t>
-            </a:r>
-          </a:p>
-        </p:txBody>
-      </p:sp>
-      <p:cxnSp>
-        <p:nvCxnSpPr>
-          <p:cNvPr id="59" name="Straight Connector 58">
-            <a:extLst>
-              <a:ext uri="{FF2B5EF4-FFF2-40B4-BE49-F238E27FC236}">
-                <a16:creationId xmlns:a16="http://schemas.microsoft.com/office/drawing/2014/main" xmlns="" xmlns:wne="http://schemas.microsoft.com/office/word/2006/wordml" xmlns:w="http://schemas.openxmlformats.org/wordprocessingml/2006/main" xmlns:w10="urn:schemas-microsoft-com:office:word" xmlns:wp="http://schemas.openxmlformats.org/drawingml/2006/wordprocessingDrawing" xmlns:v="urn:schemas-microsoft-com:vml" xmlns:m="http://schemas.openxmlformats.org/officeDocument/2006/math" xmlns:o="urn:schemas-microsoft-com:office:office" xmlns:ve="http://schemas.openxmlformats.org/markup-compatibility/2006" xmlns:lc="http://schemas.openxmlformats.org/drawingml/2006/lockedCanvas" id="{F3E1E8B7-7631-4D72-A00F-E23044A1BE1F}"/>
-              </a:ext>
-            </a:extLst>
-          </p:cNvPr>
-          <p:cNvCxnSpPr>
-            <a:cxnSpLocks/>
-          </p:cNvCxnSpPr>
-          <p:nvPr/>
-        </p:nvCxnSpPr>
-        <p:spPr>
-          <a:xfrm flipH="1" flipV="1">
-            <a:off x="7548054" y="4230685"/>
-            <a:ext cx="978314" cy="386930"/>
-          </a:xfrm>
-          <a:prstGeom prst="line">
-            <a:avLst/>
-          </a:prstGeom>
-          <a:ln/>
-        </p:spPr>
-        <p:style>
-          <a:lnRef idx="2">
-            <a:schemeClr val="accent4"/>
-          </a:lnRef>
-          <a:fillRef idx="0">
-            <a:schemeClr val="accent4"/>
-          </a:fillRef>
-          <a:effectRef idx="1">
-            <a:schemeClr val="accent4"/>
-          </a:effectRef>
-          <a:fontRef idx="minor">
-            <a:schemeClr val="tx1"/>
-          </a:fontRef>
-        </p:style>
-      </p:cxnSp>
-      <p:cxnSp>
-        <p:nvCxnSpPr>
-          <p:cNvPr id="60" name="Straight Connector 59">
-            <a:extLst>
-              <a:ext uri="{FF2B5EF4-FFF2-40B4-BE49-F238E27FC236}">
-                <a16:creationId xmlns:a16="http://schemas.microsoft.com/office/drawing/2014/main" xmlns="" xmlns:wne="http://schemas.microsoft.com/office/word/2006/wordml" xmlns:w="http://schemas.openxmlformats.org/wordprocessingml/2006/main" xmlns:w10="urn:schemas-microsoft-com:office:word" xmlns:wp="http://schemas.openxmlformats.org/drawingml/2006/wordprocessingDrawing" xmlns:v="urn:schemas-microsoft-com:vml" xmlns:m="http://schemas.openxmlformats.org/officeDocument/2006/math" xmlns:o="urn:schemas-microsoft-com:office:office" xmlns:ve="http://schemas.openxmlformats.org/markup-compatibility/2006" xmlns:lc="http://schemas.openxmlformats.org/drawingml/2006/lockedCanvas" id="{F663B159-7BFE-4C43-8BAD-54538C2CE6DE}"/>
-              </a:ext>
-            </a:extLst>
-          </p:cNvPr>
-          <p:cNvCxnSpPr>
-            <a:cxnSpLocks/>
-          </p:cNvCxnSpPr>
-          <p:nvPr/>
-        </p:nvCxnSpPr>
-        <p:spPr>
-          <a:xfrm flipH="1">
-            <a:off x="3003466" y="3106549"/>
-            <a:ext cx="1927876" cy="177069"/>
-          </a:xfrm>
-          <a:prstGeom prst="line">
-            <a:avLst/>
-          </a:prstGeom>
-          <a:ln/>
-        </p:spPr>
-        <p:style>
-          <a:lnRef idx="2">
-            <a:schemeClr val="accent4"/>
-          </a:lnRef>
-          <a:fillRef idx="0">
-            <a:schemeClr val="accent4"/>
-          </a:fillRef>
-          <a:effectRef idx="1">
-            <a:schemeClr val="accent4"/>
-          </a:effectRef>
-          <a:fontRef idx="minor">
-            <a:schemeClr val="tx1"/>
-          </a:fontRef>
-        </p:style>
-      </p:cxnSp>
-      <p:cxnSp>
-        <p:nvCxnSpPr>
-          <p:cNvPr id="61" name="Straight Connector 60">
-            <a:extLst>
-              <a:ext uri="{FF2B5EF4-FFF2-40B4-BE49-F238E27FC236}">
-                <a16:creationId xmlns:a16="http://schemas.microsoft.com/office/drawing/2014/main" xmlns="" xmlns:wne="http://schemas.microsoft.com/office/word/2006/wordml" xmlns:w="http://schemas.openxmlformats.org/wordprocessingml/2006/main" xmlns:w10="urn:schemas-microsoft-com:office:word" xmlns:wp="http://schemas.openxmlformats.org/drawingml/2006/wordprocessingDrawing" xmlns:v="urn:schemas-microsoft-com:vml" xmlns:m="http://schemas.openxmlformats.org/officeDocument/2006/math" xmlns:o="urn:schemas-microsoft-com:office:office" xmlns:ve="http://schemas.openxmlformats.org/markup-compatibility/2006" xmlns:lc="http://schemas.openxmlformats.org/drawingml/2006/lockedCanvas" id="{AB4FE091-356B-4BA5-B45C-01D19290C22F}"/>
-              </a:ext>
-            </a:extLst>
-          </p:cNvPr>
-          <p:cNvCxnSpPr>
-            <a:cxnSpLocks/>
-          </p:cNvCxnSpPr>
-          <p:nvPr/>
-        </p:nvCxnSpPr>
-        <p:spPr>
-          <a:xfrm flipH="1" flipV="1">
-            <a:off x="5682856" y="2105513"/>
-            <a:ext cx="1078584" cy="273537"/>
-          </a:xfrm>
-          <a:prstGeom prst="line">
-            <a:avLst/>
-          </a:prstGeom>
-          <a:ln/>
-        </p:spPr>
-        <p:style>
-          <a:lnRef idx="2">
-            <a:schemeClr val="accent4"/>
-          </a:lnRef>
-          <a:fillRef idx="0">
-            <a:schemeClr val="accent4"/>
-          </a:fillRef>
-          <a:effectRef idx="1">
-            <a:schemeClr val="accent4"/>
-          </a:effectRef>
-          <a:fontRef idx="minor">
-            <a:schemeClr val="tx1"/>
-          </a:fontRef>
-        </p:style>
-      </p:cxnSp>
-      <p:cxnSp>
-        <p:nvCxnSpPr>
-          <p:cNvPr id="62" name="Straight Connector 61">
-            <a:extLst>
-              <a:ext uri="{FF2B5EF4-FFF2-40B4-BE49-F238E27FC236}">
-                <a16:creationId xmlns:a16="http://schemas.microsoft.com/office/drawing/2014/main" xmlns="" xmlns:wne="http://schemas.microsoft.com/office/word/2006/wordml" xmlns:w="http://schemas.openxmlformats.org/wordprocessingml/2006/main" xmlns:w10="urn:schemas-microsoft-com:office:word" xmlns:wp="http://schemas.openxmlformats.org/drawingml/2006/wordprocessingDrawing" xmlns:v="urn:schemas-microsoft-com:vml" xmlns:m="http://schemas.openxmlformats.org/officeDocument/2006/math" xmlns:o="urn:schemas-microsoft-com:office:office" xmlns:ve="http://schemas.openxmlformats.org/markup-compatibility/2006" xmlns:lc="http://schemas.openxmlformats.org/drawingml/2006/lockedCanvas" id="{609F955E-CFBC-4484-ADFC-62A6ADD6D07B}"/>
-              </a:ext>
-            </a:extLst>
-          </p:cNvPr>
-          <p:cNvCxnSpPr>
-            <a:cxnSpLocks/>
-          </p:cNvCxnSpPr>
-          <p:nvPr/>
-        </p:nvCxnSpPr>
-        <p:spPr>
-          <a:xfrm flipH="1" flipV="1">
-            <a:off x="5375959" y="4140992"/>
-            <a:ext cx="94826" cy="945043"/>
-          </a:xfrm>
-          <a:prstGeom prst="line">
-            <a:avLst/>
-          </a:prstGeom>
-          <a:ln/>
-        </p:spPr>
-        <p:style>
-          <a:lnRef idx="2">
-            <a:schemeClr val="accent4"/>
-          </a:lnRef>
-          <a:fillRef idx="0">
-            <a:schemeClr val="accent4"/>
-          </a:fillRef>
-          <a:effectRef idx="1">
-            <a:schemeClr val="accent4"/>
-          </a:effectRef>
-          <a:fontRef idx="minor">
-            <a:schemeClr val="tx1"/>
-          </a:fontRef>
-        </p:style>
-      </p:cxnSp>
-      <p:cxnSp>
-        <p:nvCxnSpPr>
-          <p:cNvPr id="63" name="Straight Connector 62">
-            <a:extLst>
-              <a:ext uri="{FF2B5EF4-FFF2-40B4-BE49-F238E27FC236}">
-                <a16:creationId xmlns:a16="http://schemas.microsoft.com/office/drawing/2014/main" xmlns="" xmlns:wne="http://schemas.microsoft.com/office/word/2006/wordml" xmlns:w="http://schemas.openxmlformats.org/wordprocessingml/2006/main" xmlns:w10="urn:schemas-microsoft-com:office:word" xmlns:wp="http://schemas.openxmlformats.org/drawingml/2006/wordprocessingDrawing" xmlns:v="urn:schemas-microsoft-com:vml" xmlns:m="http://schemas.openxmlformats.org/officeDocument/2006/math" xmlns:o="urn:schemas-microsoft-com:office:office" xmlns:ve="http://schemas.openxmlformats.org/markup-compatibility/2006" xmlns:lc="http://schemas.openxmlformats.org/drawingml/2006/lockedCanvas" id="{FDEA3AF4-4A30-4B3D-B6B2-0102418C87C1}"/>
-              </a:ext>
-            </a:extLst>
-          </p:cNvPr>
-          <p:cNvCxnSpPr>
-            <a:cxnSpLocks/>
-          </p:cNvCxnSpPr>
-          <p:nvPr/>
-        </p:nvCxnSpPr>
-        <p:spPr>
-          <a:xfrm flipV="1">
-            <a:off x="6739240" y="1941762"/>
-            <a:ext cx="1227433" cy="810972"/>
-          </a:xfrm>
-          <a:prstGeom prst="line">
-            <a:avLst/>
-          </a:prstGeom>
-          <a:ln/>
-        </p:spPr>
-        <p:style>
-          <a:lnRef idx="2">
-            <a:schemeClr val="accent4"/>
-          </a:lnRef>
-          <a:fillRef idx="0">
-            <a:schemeClr val="accent4"/>
-          </a:fillRef>
-          <a:effectRef idx="1">
-            <a:schemeClr val="accent4"/>
-          </a:effectRef>
-          <a:fontRef idx="minor">
-            <a:schemeClr val="tx1"/>
-          </a:fontRef>
-        </p:style>
-      </p:cxnSp>
-      <p:cxnSp>
-        <p:nvCxnSpPr>
-          <p:cNvPr id="64" name="Straight Connector 63">
-            <a:extLst>
-              <a:ext uri="{FF2B5EF4-FFF2-40B4-BE49-F238E27FC236}">
-                <a16:creationId xmlns:a16="http://schemas.microsoft.com/office/drawing/2014/main" xmlns="" xmlns:wne="http://schemas.microsoft.com/office/word/2006/wordml" xmlns:w="http://schemas.openxmlformats.org/wordprocessingml/2006/main" xmlns:w10="urn:schemas-microsoft-com:office:word" xmlns:wp="http://schemas.openxmlformats.org/drawingml/2006/wordprocessingDrawing" xmlns:v="urn:schemas-microsoft-com:vml" xmlns:m="http://schemas.openxmlformats.org/officeDocument/2006/math" xmlns:o="urn:schemas-microsoft-com:office:office" xmlns:ve="http://schemas.openxmlformats.org/markup-compatibility/2006" xmlns:lc="http://schemas.openxmlformats.org/drawingml/2006/lockedCanvas" id="{2F22BA16-D3B7-4B43-AFCE-ACF8AAE6F2AB}"/>
-              </a:ext>
-            </a:extLst>
-          </p:cNvPr>
-          <p:cNvCxnSpPr>
-            <a:cxnSpLocks/>
-          </p:cNvCxnSpPr>
-          <p:nvPr/>
-        </p:nvCxnSpPr>
-        <p:spPr>
-          <a:xfrm flipV="1">
-            <a:off x="7918722" y="3390886"/>
-            <a:ext cx="611784" cy="37679"/>
-          </a:xfrm>
-          <a:prstGeom prst="line">
-            <a:avLst/>
-          </a:prstGeom>
-          <a:ln/>
-        </p:spPr>
-        <p:style>
-          <a:lnRef idx="2">
-            <a:schemeClr val="accent4"/>
-          </a:lnRef>
-          <a:fillRef idx="0">
-            <a:schemeClr val="accent4"/>
-          </a:fillRef>
-          <a:effectRef idx="1">
-            <a:schemeClr val="accent4"/>
-          </a:effectRef>
-          <a:fontRef idx="minor">
-            <a:schemeClr val="tx1"/>
-          </a:fontRef>
-        </p:style>
-      </p:cxnSp>
-      <p:pic>
-        <p:nvPicPr>
-          <p:cNvPr id="65" name="Picture 64" descr="Related image"/>
-          <p:cNvPicPr>
-            <a:picLocks noChangeAspect="1" noChangeArrowheads="1"/>
-          </p:cNvPicPr>
-          <p:nvPr/>
-        </p:nvPicPr>
-        <p:blipFill>
-          <a:blip r:embed="rId10" cstate="print"/>
-          <a:srcRect/>
-          <a:stretch>
-            <a:fillRect/>
-          </a:stretch>
-        </p:blipFill>
-        <p:spPr bwMode="auto">
-          <a:xfrm>
-            <a:off x="2406256" y="4924913"/>
-            <a:ext cx="833438" cy="533400"/>
-          </a:xfrm>
-          <a:prstGeom prst="rect">
-            <a:avLst/>
-          </a:prstGeom>
-          <a:noFill/>
-        </p:spPr>
-      </p:pic>
-      <p:pic>
-        <p:nvPicPr>
-          <p:cNvPr id="66" name="Picture 65" descr="Image result for slack icon"/>
-          <p:cNvPicPr>
-            <a:picLocks noChangeAspect="1" noChangeArrowheads="1"/>
-          </p:cNvPicPr>
-          <p:nvPr/>
-        </p:nvPicPr>
-        <p:blipFill>
-          <a:blip r:embed="rId11" cstate="print"/>
-          <a:srcRect/>
-          <a:stretch>
-            <a:fillRect/>
-          </a:stretch>
-        </p:blipFill>
-        <p:spPr bwMode="auto">
-          <a:xfrm>
-            <a:off x="1796656" y="3019913"/>
-            <a:ext cx="1143000" cy="1066800"/>
-          </a:xfrm>
-          <a:prstGeom prst="rect">
-            <a:avLst/>
-          </a:prstGeom>
-          <a:noFill/>
-        </p:spPr>
-      </p:pic>
-      <p:pic>
-        <p:nvPicPr>
-          <p:cNvPr id="67" name="Picture 66" descr="Image result for Zoom.us icon"/>
-          <p:cNvPicPr>
-            <a:picLocks noChangeAspect="1" noChangeArrowheads="1"/>
-          </p:cNvPicPr>
-          <p:nvPr/>
-        </p:nvPicPr>
-        <p:blipFill>
-          <a:blip r:embed="rId12" cstate="print"/>
-          <a:srcRect/>
-          <a:stretch>
-            <a:fillRect/>
-          </a:stretch>
-        </p:blipFill>
-        <p:spPr bwMode="auto">
-          <a:xfrm>
-            <a:off x="1872856" y="3858113"/>
-            <a:ext cx="1005840" cy="228600"/>
-          </a:xfrm>
-          <a:prstGeom prst="rect">
-            <a:avLst/>
-          </a:prstGeom>
-          <a:noFill/>
-        </p:spPr>
-      </p:pic>
-      <p:pic>
-        <p:nvPicPr>
-          <p:cNvPr id="68" name="Picture 67"/>
-          <p:cNvPicPr>
-            <a:picLocks noChangeAspect="1" noChangeArrowheads="1"/>
-          </p:cNvPicPr>
-          <p:nvPr/>
-        </p:nvPicPr>
-        <p:blipFill>
-          <a:blip r:embed="rId13" cstate="print"/>
-          <a:srcRect/>
-          <a:stretch>
-            <a:fillRect/>
-          </a:stretch>
-        </p:blipFill>
-        <p:spPr bwMode="auto">
-          <a:xfrm>
-            <a:off x="1796656" y="3019913"/>
-            <a:ext cx="1219200" cy="228600"/>
-          </a:xfrm>
-          <a:prstGeom prst="rect">
-            <a:avLst/>
-          </a:prstGeom>
-          <a:noFill/>
-          <a:ln w="9525">
-            <a:noFill/>
-            <a:miter lim="800000"/>
-            <a:headEnd/>
-            <a:tailEnd/>
-          </a:ln>
-          <a:effectLst/>
-        </p:spPr>
-      </p:pic>
-      <p:sp>
-        <p:nvSpPr>
-          <p:cNvPr id="69" name="TextBox 60"/>
-          <p:cNvSpPr txBox="1"/>
-          <p:nvPr/>
-        </p:nvSpPr>
-        <p:spPr>
-          <a:xfrm>
-            <a:off x="6368656" y="5534513"/>
-            <a:ext cx="1675459" cy="523220"/>
-          </a:xfrm>
-          <a:prstGeom prst="rect">
-            <a:avLst/>
-          </a:prstGeom>
-          <a:noFill/>
-        </p:spPr>
-        <p:txBody>
-          <a:bodyPr wrap="none" rtlCol="0">
-            <a:spAutoFit/>
-          </a:bodyPr>
-          <a:lstStyle>
-            <a:defPPr>
-              <a:defRPr lang="en-US"/>
-            </a:defPPr>
-            <a:lvl1pPr marL="0" algn="l" defTabSz="914400" rtl="0" eaLnBrk="1" latinLnBrk="0" hangingPunct="1">
-              <a:defRPr sz="1800" kern="1200">
-                <a:solidFill>
-                  <a:schemeClr val="tx1"/>
-                </a:solidFill>
-                <a:latin typeface="+mn-lt"/>
-                <a:ea typeface="+mn-ea"/>
-                <a:cs typeface="+mn-cs"/>
-              </a:defRPr>
-            </a:lvl1pPr>
-            <a:lvl2pPr marL="457200" algn="l" defTabSz="914400" rtl="0" eaLnBrk="1" latinLnBrk="0" hangingPunct="1">
-              <a:defRPr sz="1800" kern="1200">
-                <a:solidFill>
-                  <a:schemeClr val="tx1"/>
-                </a:solidFill>
-                <a:latin typeface="+mn-lt"/>
-                <a:ea typeface="+mn-ea"/>
-                <a:cs typeface="+mn-cs"/>
-              </a:defRPr>
-            </a:lvl2pPr>
-            <a:lvl3pPr marL="914400" algn="l" defTabSz="914400" rtl="0" eaLnBrk="1" latinLnBrk="0" hangingPunct="1">
-              <a:defRPr sz="1800" kern="1200">
-                <a:solidFill>
-                  <a:schemeClr val="tx1"/>
-                </a:solidFill>
-                <a:latin typeface="+mn-lt"/>
-                <a:ea typeface="+mn-ea"/>
-                <a:cs typeface="+mn-cs"/>
-              </a:defRPr>
-            </a:lvl3pPr>
-            <a:lvl4pPr marL="1371600" algn="l" defTabSz="914400" rtl="0" eaLnBrk="1" latinLnBrk="0" hangingPunct="1">
-              <a:defRPr sz="1800" kern="1200">
-                <a:solidFill>
-                  <a:schemeClr val="tx1"/>
-                </a:solidFill>
-                <a:latin typeface="+mn-lt"/>
-                <a:ea typeface="+mn-ea"/>
-                <a:cs typeface="+mn-cs"/>
-              </a:defRPr>
-            </a:lvl4pPr>
-            <a:lvl5pPr marL="1828800" algn="l" defTabSz="914400" rtl="0" eaLnBrk="1" latinLnBrk="0" hangingPunct="1">
-              <a:defRPr sz="1800" kern="1200">
-                <a:solidFill>
-                  <a:schemeClr val="tx1"/>
-                </a:solidFill>
-                <a:latin typeface="+mn-lt"/>
-                <a:ea typeface="+mn-ea"/>
-                <a:cs typeface="+mn-cs"/>
-              </a:defRPr>
-            </a:lvl5pPr>
-            <a:lvl6pPr marL="2286000" algn="l" defTabSz="914400" rtl="0" eaLnBrk="1" latinLnBrk="0" hangingPunct="1">
-              <a:defRPr sz="1800" kern="1200">
-                <a:solidFill>
-                  <a:schemeClr val="tx1"/>
-                </a:solidFill>
-                <a:latin typeface="+mn-lt"/>
-                <a:ea typeface="+mn-ea"/>
-                <a:cs typeface="+mn-cs"/>
-              </a:defRPr>
-            </a:lvl6pPr>
-            <a:lvl7pPr marL="2743200" algn="l" defTabSz="914400" rtl="0" eaLnBrk="1" latinLnBrk="0" hangingPunct="1">
-              <a:defRPr sz="1800" kern="1200">
-                <a:solidFill>
-                  <a:schemeClr val="tx1"/>
-                </a:solidFill>
-                <a:latin typeface="+mn-lt"/>
-                <a:ea typeface="+mn-ea"/>
-                <a:cs typeface="+mn-cs"/>
-              </a:defRPr>
-            </a:lvl7pPr>
-            <a:lvl8pPr marL="3200400" algn="l" defTabSz="914400" rtl="0" eaLnBrk="1" latinLnBrk="0" hangingPunct="1">
-              <a:defRPr sz="1800" kern="1200">
-                <a:solidFill>
-                  <a:schemeClr val="tx1"/>
-                </a:solidFill>
-                <a:latin typeface="+mn-lt"/>
-                <a:ea typeface="+mn-ea"/>
-                <a:cs typeface="+mn-cs"/>
-              </a:defRPr>
-            </a:lvl8pPr>
-            <a:lvl9pPr marL="3657600" algn="l" defTabSz="914400" rtl="0" eaLnBrk="1" latinLnBrk="0" hangingPunct="1">
-              <a:defRPr sz="1800" kern="1200">
-                <a:solidFill>
-                  <a:schemeClr val="tx1"/>
-                </a:solidFill>
-                <a:latin typeface="+mn-lt"/>
-                <a:ea typeface="+mn-ea"/>
-                <a:cs typeface="+mn-cs"/>
-              </a:defRPr>
-            </a:lvl9pPr>
-          </a:lstStyle>
-          <a:p>
-            <a:pPr algn="ctr"/>
-            <a:r>
-              <a:rPr lang="en-IE" sz="1400" dirty="0" err="1" smtClean="0">
-                <a:effectLst>
-                  <a:outerShdw blurRad="38100" dist="38100" dir="2700000" algn="tl">
-                    <a:srgbClr val="000000">
-                      <a:alpha val="43137"/>
-                    </a:srgbClr>
-                  </a:outerShdw>
-                </a:effectLst>
-                <a:latin typeface="Britannic Bold" pitchFamily="34" charset="0"/>
-              </a:rPr>
-              <a:t>Wrk</a:t>
-            </a:r>
-            <a:r>
-              <a:rPr lang="en-IE" sz="1400" dirty="0" smtClean="0">
-                <a:effectLst>
-                  <a:outerShdw blurRad="38100" dist="38100" dir="2700000" algn="tl">
-                    <a:srgbClr val="000000">
-                      <a:alpha val="43137"/>
-                    </a:srgbClr>
-                  </a:outerShdw>
-                </a:effectLst>
-                <a:latin typeface="Britannic Bold" pitchFamily="34" charset="0"/>
-              </a:rPr>
-              <a:t> </a:t>
-            </a:r>
-          </a:p>
-          <a:p>
-            <a:pPr algn="ctr"/>
-            <a:r>
-              <a:rPr lang="en-IE" sz="1400" dirty="0" smtClean="0">
-                <a:effectLst>
-                  <a:outerShdw blurRad="38100" dist="38100" dir="2700000" algn="tl">
-                    <a:srgbClr val="000000">
-                      <a:alpha val="43137"/>
-                    </a:srgbClr>
-                  </a:outerShdw>
-                </a:effectLst>
-                <a:latin typeface="Britannic Bold" pitchFamily="34" charset="0"/>
-              </a:rPr>
-              <a:t>Performance Tests</a:t>
-            </a:r>
-            <a:endParaRPr lang="en-IE" sz="1400" dirty="0">
-              <a:effectLst>
-                <a:outerShdw blurRad="38100" dist="38100" dir="2700000" algn="tl">
-                  <a:srgbClr val="000000">
-                    <a:alpha val="43137"/>
-                  </a:srgbClr>
-                </a:outerShdw>
-              </a:effectLst>
-              <a:latin typeface="Britannic Bold" pitchFamily="34" charset="0"/>
-            </a:endParaRPr>
-          </a:p>
-        </p:txBody>
-      </p:sp>
-      <p:pic>
-        <p:nvPicPr>
-          <p:cNvPr id="70" name="Picture 69" descr="Related image"/>
-          <p:cNvPicPr>
-            <a:picLocks noChangeAspect="1" noChangeArrowheads="1"/>
-          </p:cNvPicPr>
-          <p:nvPr/>
-        </p:nvPicPr>
-        <p:blipFill>
-          <a:blip r:embed="rId14" cstate="print"/>
-          <a:srcRect/>
-          <a:stretch>
-            <a:fillRect/>
-          </a:stretch>
-        </p:blipFill>
-        <p:spPr bwMode="auto">
-          <a:xfrm>
-            <a:off x="5378056" y="5382113"/>
-            <a:ext cx="1099037" cy="457200"/>
-          </a:xfrm>
-          <a:prstGeom prst="rect">
-            <a:avLst/>
-          </a:prstGeom>
-          <a:noFill/>
-        </p:spPr>
-      </p:pic>
-      <p:pic>
-        <p:nvPicPr>
-          <p:cNvPr id="71" name="Picture 70" descr="Related image"/>
-          <p:cNvPicPr>
-            <a:picLocks noChangeAspect="1" noChangeArrowheads="1"/>
-          </p:cNvPicPr>
-          <p:nvPr/>
-        </p:nvPicPr>
-        <p:blipFill>
-          <a:blip r:embed="rId15" cstate="print"/>
-          <a:srcRect/>
-          <a:stretch>
-            <a:fillRect/>
-          </a:stretch>
-        </p:blipFill>
-        <p:spPr bwMode="auto">
-          <a:xfrm>
-            <a:off x="8730856" y="2943713"/>
-            <a:ext cx="1507601" cy="397002"/>
-          </a:xfrm>
-          <a:prstGeom prst="rect">
-            <a:avLst/>
-          </a:prstGeom>
-          <a:noFill/>
-        </p:spPr>
-      </p:pic>
-      <p:pic>
-        <p:nvPicPr>
-          <p:cNvPr id="72" name="Picture 71" descr="Related image"/>
-          <p:cNvPicPr>
-            <a:picLocks noChangeAspect="1" noChangeArrowheads="1"/>
-          </p:cNvPicPr>
-          <p:nvPr/>
-        </p:nvPicPr>
-        <p:blipFill>
-          <a:blip r:embed="rId16" cstate="print"/>
-          <a:srcRect/>
-          <a:stretch>
-            <a:fillRect/>
-          </a:stretch>
-        </p:blipFill>
-        <p:spPr bwMode="auto">
-          <a:xfrm>
-            <a:off x="9111856" y="3248513"/>
-            <a:ext cx="765175" cy="765175"/>
-          </a:xfrm>
-          <a:prstGeom prst="rect">
-            <a:avLst/>
-          </a:prstGeom>
-          <a:noFill/>
-        </p:spPr>
-      </p:pic>
-      <p:pic>
-        <p:nvPicPr>
-          <p:cNvPr id="73" name="Picture 72" descr="Image result for monit icon images"/>
-          <p:cNvPicPr>
-            <a:picLocks noChangeAspect="1" noChangeArrowheads="1"/>
-          </p:cNvPicPr>
-          <p:nvPr/>
-        </p:nvPicPr>
-        <p:blipFill>
-          <a:blip r:embed="rId17" cstate="print"/>
-          <a:srcRect/>
-          <a:stretch>
-            <a:fillRect/>
-          </a:stretch>
-        </p:blipFill>
-        <p:spPr bwMode="auto">
-          <a:xfrm>
-            <a:off x="8578456" y="4772513"/>
-            <a:ext cx="2057400" cy="955222"/>
-          </a:xfrm>
-          <a:prstGeom prst="rect">
-            <a:avLst/>
-          </a:prstGeom>
-          <a:noFill/>
-        </p:spPr>
-      </p:pic>
-      <p:pic>
-        <p:nvPicPr>
-          <p:cNvPr id="74" name="Picture 73" descr="Image result for gradle icon"/>
-          <p:cNvPicPr>
-            <a:picLocks noChangeAspect="1" noChangeArrowheads="1"/>
-          </p:cNvPicPr>
-          <p:nvPr/>
-        </p:nvPicPr>
-        <p:blipFill>
-          <a:blip r:embed="rId18" cstate="print"/>
-          <a:srcRect/>
-          <a:stretch>
-            <a:fillRect/>
-          </a:stretch>
-        </p:blipFill>
-        <p:spPr bwMode="auto">
-          <a:xfrm>
-            <a:off x="7359256" y="1648313"/>
-            <a:ext cx="1363148" cy="381000"/>
-          </a:xfrm>
-          <a:prstGeom prst="rect">
-            <a:avLst/>
-          </a:prstGeom>
-          <a:noFill/>
-        </p:spPr>
-      </p:pic>
-    </p:spTree>
-    <p:extLst>
-      <p:ext uri="{BB962C8B-B14F-4D97-AF65-F5344CB8AC3E}">
-        <p14:creationId xmlns:p14="http://schemas.microsoft.com/office/powerpoint/2010/main" val="4272565969"/>
-      </p:ext>
-    </p:extLst>
-  </p:cSld>
-  <p:clrMapOvr>
-    <a:masterClrMapping/>
-  </p:clrMapOvr>
+  <p:timing>
+    <p:tnLst>
+      <p:par>
+        <p:cTn id="1" dur="indefinite" restart="never" nodeType="tmRoot"/>
+      </p:par>
+    </p:tnLst>
+  </p:timing>
 </p:sld>
 </file>
 

--- a/Documentation/CrowSoft.pptx
+++ b/Documentation/CrowSoft.pptx
@@ -7,15 +7,18 @@
   <p:sldIdLst>
     <p:sldId id="256" r:id="rId2"/>
     <p:sldId id="257" r:id="rId3"/>
-    <p:sldId id="258" r:id="rId4"/>
-    <p:sldId id="262" r:id="rId5"/>
-    <p:sldId id="267" r:id="rId6"/>
-    <p:sldId id="259" r:id="rId7"/>
-    <p:sldId id="266" r:id="rId8"/>
-    <p:sldId id="260" r:id="rId9"/>
-    <p:sldId id="261" r:id="rId10"/>
-    <p:sldId id="264" r:id="rId11"/>
-    <p:sldId id="265" r:id="rId12"/>
+    <p:sldId id="269" r:id="rId4"/>
+    <p:sldId id="258" r:id="rId5"/>
+    <p:sldId id="262" r:id="rId6"/>
+    <p:sldId id="267" r:id="rId7"/>
+    <p:sldId id="259" r:id="rId8"/>
+    <p:sldId id="266" r:id="rId9"/>
+    <p:sldId id="260" r:id="rId10"/>
+    <p:sldId id="270" r:id="rId11"/>
+    <p:sldId id="261" r:id="rId12"/>
+    <p:sldId id="264" r:id="rId13"/>
+    <p:sldId id="268" r:id="rId14"/>
+    <p:sldId id="265" r:id="rId15"/>
   </p:sldIdLst>
   <p:sldSz cx="12192000" cy="6858000"/>
   <p:notesSz cx="6858000" cy="9144000"/>
@@ -116,7 +119,7 @@
   </p:defaultTextStyle>
   <p:extLst>
     <p:ext uri="{EFAFB233-063F-42B5-8137-9DF3F51BA10A}">
-      <p15:sldGuideLst xmlns:p15="http://schemas.microsoft.com/office/powerpoint/2012/main" xmlns="">
+      <p15:sldGuideLst xmlns="" xmlns:p15="http://schemas.microsoft.com/office/powerpoint/2012/main">
         <p15:guide id="1" orient="horz" pos="2160">
           <p15:clr>
             <a:srgbClr val="A4A3A4"/>
@@ -346,7 +349,7 @@
           <a:p>
             <a:fld id="{AC7D8286-6A45-451E-A956-25899882B2DA}" type="datetimeFigureOut">
               <a:rPr lang="en-US" smtClean="0"/>
-              <a:t>4/5/2019</a:t>
+              <a:t>4/6/2019</a:t>
             </a:fld>
             <a:endParaRPr lang="en-US"/>
           </a:p>
@@ -637,7 +640,7 @@
           <a:p>
             <a:fld id="{AC7D8286-6A45-451E-A956-25899882B2DA}" type="datetimeFigureOut">
               <a:rPr lang="en-US" smtClean="0"/>
-              <a:t>4/5/2019</a:t>
+              <a:t>4/6/2019</a:t>
             </a:fld>
             <a:endParaRPr lang="en-US"/>
           </a:p>
@@ -896,7 +899,7 @@
           <a:p>
             <a:fld id="{AC7D8286-6A45-451E-A956-25899882B2DA}" type="datetimeFigureOut">
               <a:rPr lang="en-US" smtClean="0"/>
-              <a:t>4/5/2019</a:t>
+              <a:t>4/6/2019</a:t>
             </a:fld>
             <a:endParaRPr lang="en-US"/>
           </a:p>
@@ -1365,7 +1368,7 @@
           <a:p>
             <a:fld id="{AC7D8286-6A45-451E-A956-25899882B2DA}" type="datetimeFigureOut">
               <a:rPr lang="en-US" smtClean="0"/>
-              <a:t>4/5/2019</a:t>
+              <a:t>4/6/2019</a:t>
             </a:fld>
             <a:endParaRPr lang="en-US"/>
           </a:p>
@@ -1545,7 +1548,7 @@
           <a:p>
             <a:fld id="{AC7D8286-6A45-451E-A956-25899882B2DA}" type="datetimeFigureOut">
               <a:rPr lang="en-US" smtClean="0"/>
-              <a:t>4/5/2019</a:t>
+              <a:t>4/6/2019</a:t>
             </a:fld>
             <a:endParaRPr lang="en-US"/>
           </a:p>
@@ -2121,7 +2124,7 @@
           <a:p>
             <a:fld id="{AC7D8286-6A45-451E-A956-25899882B2DA}" type="datetimeFigureOut">
               <a:rPr lang="en-US" smtClean="0"/>
-              <a:t>4/5/2019</a:t>
+              <a:t>4/6/2019</a:t>
             </a:fld>
             <a:endParaRPr lang="en-US"/>
           </a:p>
@@ -2453,7 +2456,7 @@
           <a:p>
             <a:fld id="{AC7D8286-6A45-451E-A956-25899882B2DA}" type="datetimeFigureOut">
               <a:rPr lang="en-US" smtClean="0"/>
-              <a:t>4/5/2019</a:t>
+              <a:t>4/6/2019</a:t>
             </a:fld>
             <a:endParaRPr lang="en-US"/>
           </a:p>
@@ -2628,7 +2631,7 @@
           <a:p>
             <a:fld id="{AC7D8286-6A45-451E-A956-25899882B2DA}" type="datetimeFigureOut">
               <a:rPr lang="en-US" smtClean="0"/>
-              <a:t>4/5/2019</a:t>
+              <a:t>4/6/2019</a:t>
             </a:fld>
             <a:endParaRPr lang="en-US"/>
           </a:p>
@@ -2808,7 +2811,7 @@
           <a:p>
             <a:fld id="{AC7D8286-6A45-451E-A956-25899882B2DA}" type="datetimeFigureOut">
               <a:rPr lang="en-US" smtClean="0"/>
-              <a:t>4/5/2019</a:t>
+              <a:t>4/6/2019</a:t>
             </a:fld>
             <a:endParaRPr lang="en-US"/>
           </a:p>
@@ -2978,7 +2981,7 @@
           <a:p>
             <a:fld id="{AC7D8286-6A45-451E-A956-25899882B2DA}" type="datetimeFigureOut">
               <a:rPr lang="en-US" smtClean="0"/>
-              <a:t>4/5/2019</a:t>
+              <a:t>4/6/2019</a:t>
             </a:fld>
             <a:endParaRPr lang="en-US"/>
           </a:p>
@@ -3235,7 +3238,7 @@
           <a:p>
             <a:fld id="{AC7D8286-6A45-451E-A956-25899882B2DA}" type="datetimeFigureOut">
               <a:rPr lang="en-US" smtClean="0"/>
-              <a:t>4/5/2019</a:t>
+              <a:t>4/6/2019</a:t>
             </a:fld>
             <a:endParaRPr lang="en-US"/>
           </a:p>
@@ -3527,7 +3530,7 @@
           <a:p>
             <a:fld id="{AC7D8286-6A45-451E-A956-25899882B2DA}" type="datetimeFigureOut">
               <a:rPr lang="en-US" smtClean="0"/>
-              <a:t>4/5/2019</a:t>
+              <a:t>4/6/2019</a:t>
             </a:fld>
             <a:endParaRPr lang="en-US"/>
           </a:p>
@@ -3957,7 +3960,7 @@
           <a:p>
             <a:fld id="{AC7D8286-6A45-451E-A956-25899882B2DA}" type="datetimeFigureOut">
               <a:rPr lang="en-US" smtClean="0"/>
-              <a:t>4/5/2019</a:t>
+              <a:t>4/6/2019</a:t>
             </a:fld>
             <a:endParaRPr lang="en-US"/>
           </a:p>
@@ -4075,7 +4078,7 @@
           <a:p>
             <a:fld id="{AC7D8286-6A45-451E-A956-25899882B2DA}" type="datetimeFigureOut">
               <a:rPr lang="en-US" smtClean="0"/>
-              <a:t>4/5/2019</a:t>
+              <a:t>4/6/2019</a:t>
             </a:fld>
             <a:endParaRPr lang="en-US"/>
           </a:p>
@@ -4170,7 +4173,7 @@
           <a:p>
             <a:fld id="{AC7D8286-6A45-451E-A956-25899882B2DA}" type="datetimeFigureOut">
               <a:rPr lang="en-US" smtClean="0"/>
-              <a:t>4/5/2019</a:t>
+              <a:t>4/6/2019</a:t>
             </a:fld>
             <a:endParaRPr lang="en-US"/>
           </a:p>
@@ -4453,7 +4456,7 @@
           <a:p>
             <a:fld id="{AC7D8286-6A45-451E-A956-25899882B2DA}" type="datetimeFigureOut">
               <a:rPr lang="en-US" smtClean="0"/>
-              <a:t>4/5/2019</a:t>
+              <a:t>4/6/2019</a:t>
             </a:fld>
             <a:endParaRPr lang="en-US"/>
           </a:p>
@@ -4744,7 +4747,7 @@
           <a:p>
             <a:fld id="{AC7D8286-6A45-451E-A956-25899882B2DA}" type="datetimeFigureOut">
               <a:rPr lang="en-US" smtClean="0"/>
-              <a:t>4/5/2019</a:t>
+              <a:t>4/6/2019</a:t>
             </a:fld>
             <a:endParaRPr lang="en-US"/>
           </a:p>
@@ -4975,7 +4978,7 @@
           <a:p>
             <a:fld id="{AC7D8286-6A45-451E-A956-25899882B2DA}" type="datetimeFigureOut">
               <a:rPr lang="en-US" smtClean="0"/>
-              <a:t>4/5/2019</a:t>
+              <a:t>4/6/2019</a:t>
             </a:fld>
             <a:endParaRPr lang="en-US"/>
           </a:p>
@@ -5749,7 +5752,7 @@
           <p:cNvPr id="2" name="Title 1">
             <a:extLst>
               <a:ext uri="{FF2B5EF4-FFF2-40B4-BE49-F238E27FC236}">
-                <a16:creationId xmlns:a16="http://schemas.microsoft.com/office/drawing/2014/main" xmlns="" id="{A97CC6BA-1822-42DF-B266-BD2E4F6E0AA7}"/>
+                <a16:creationId xmlns="" xmlns:a16="http://schemas.microsoft.com/office/drawing/2014/main" id="{A97CC6BA-1822-42DF-B266-BD2E4F6E0AA7}"/>
               </a:ext>
             </a:extLst>
           </p:cNvPr>
@@ -5803,7 +5806,7 @@
           <p:cNvPr id="3" name="Subtitle 2">
             <a:extLst>
               <a:ext uri="{FF2B5EF4-FFF2-40B4-BE49-F238E27FC236}">
-                <a16:creationId xmlns:a16="http://schemas.microsoft.com/office/drawing/2014/main" xmlns="" id="{61680A1D-38F1-411F-8AEA-01155C295C03}"/>
+                <a16:creationId xmlns="" xmlns:a16="http://schemas.microsoft.com/office/drawing/2014/main" id="{61680A1D-38F1-411F-8AEA-01155C295C03}"/>
               </a:ext>
             </a:extLst>
           </p:cNvPr>
@@ -5995,6 +5998,287 @@
         </p:nvSpPr>
         <p:spPr>
           <a:xfrm>
+            <a:off x="1141413" y="304800"/>
+            <a:ext cx="9905998" cy="1138518"/>
+          </a:xfrm>
+        </p:spPr>
+        <p:txBody>
+          <a:bodyPr/>
+          <a:lstStyle/>
+          <a:p>
+            <a:r>
+              <a:rPr lang="en-IE" dirty="0" smtClean="0"/>
+              <a:t>System Context</a:t>
+            </a:r>
+            <a:endParaRPr lang="en-IE" dirty="0"/>
+          </a:p>
+        </p:txBody>
+      </p:sp>
+      <p:pic>
+        <p:nvPicPr>
+          <p:cNvPr id="2050" name="Picture 2"/>
+          <p:cNvPicPr>
+            <a:picLocks noGrp="1" noChangeAspect="1" noChangeArrowheads="1"/>
+          </p:cNvPicPr>
+          <p:nvPr>
+            <p:ph idx="1"/>
+          </p:nvPr>
+        </p:nvPicPr>
+        <p:blipFill>
+          <a:blip r:embed="rId2">
+            <a:extLst>
+              <a:ext uri="{28A0092B-C50C-407E-A947-70E740481C1C}">
+                <a14:useLocalDpi xmlns:a14="http://schemas.microsoft.com/office/drawing/2010/main" val="0"/>
+              </a:ext>
+            </a:extLst>
+          </a:blip>
+          <a:srcRect/>
+          <a:stretch>
+            <a:fillRect/>
+          </a:stretch>
+        </p:blipFill>
+        <p:spPr bwMode="auto">
+          <a:xfrm>
+            <a:off x="995082" y="1640541"/>
+            <a:ext cx="9816353" cy="4545106"/>
+          </a:xfrm>
+          <a:prstGeom prst="rect">
+            <a:avLst/>
+          </a:prstGeom>
+          <a:noFill/>
+          <a:ln w="127000" cmpd="sng">
+            <a:solidFill>
+              <a:schemeClr val="bg1">
+                <a:lumMod val="50000"/>
+                <a:lumOff val="50000"/>
+              </a:schemeClr>
+            </a:solidFill>
+            <a:miter lim="800000"/>
+            <a:headEnd/>
+            <a:tailEnd/>
+          </a:ln>
+          <a:extLst>
+            <a:ext uri="{909E8E84-426E-40DD-AFC4-6F175D3DCCD1}">
+              <a14:hiddenFill xmlns:a14="http://schemas.microsoft.com/office/drawing/2010/main">
+                <a:solidFill>
+                  <a:schemeClr val="accent1"/>
+                </a:solidFill>
+              </a14:hiddenFill>
+            </a:ext>
+          </a:extLst>
+        </p:spPr>
+      </p:pic>
+    </p:spTree>
+    <p:extLst>
+      <p:ext uri="{BB962C8B-B14F-4D97-AF65-F5344CB8AC3E}">
+        <p14:creationId xmlns:p14="http://schemas.microsoft.com/office/powerpoint/2010/main" val="2821842391"/>
+      </p:ext>
+    </p:extLst>
+  </p:cSld>
+  <p:clrMapOvr>
+    <a:masterClrMapping/>
+  </p:clrMapOvr>
+</p:sld>
+</file>
+
+<file path=ppt/slides/slide11.xml><?xml version="1.0" encoding="utf-8"?>
+<p:sld xmlns:a="http://schemas.openxmlformats.org/drawingml/2006/main" xmlns:r="http://schemas.openxmlformats.org/officeDocument/2006/relationships" xmlns:p="http://schemas.openxmlformats.org/presentationml/2006/main">
+  <p:cSld>
+    <p:spTree>
+      <p:nvGrpSpPr>
+        <p:cNvPr id="1" name=""/>
+        <p:cNvGrpSpPr/>
+        <p:nvPr/>
+      </p:nvGrpSpPr>
+      <p:grpSpPr>
+        <a:xfrm>
+          <a:off x="0" y="0"/>
+          <a:ext cx="0" cy="0"/>
+          <a:chOff x="0" y="0"/>
+          <a:chExt cx="0" cy="0"/>
+        </a:xfrm>
+      </p:grpSpPr>
+      <p:sp>
+        <p:nvSpPr>
+          <p:cNvPr id="2" name="Title 1">
+            <a:extLst>
+              <a:ext uri="{FF2B5EF4-FFF2-40B4-BE49-F238E27FC236}">
+                <a16:creationId xmlns="" xmlns:a16="http://schemas.microsoft.com/office/drawing/2014/main" id="{D97765D5-3401-4A9A-A22D-1A26A1C1D8FC}"/>
+              </a:ext>
+            </a:extLst>
+          </p:cNvPr>
+          <p:cNvSpPr>
+            <a:spLocks noGrp="1"/>
+          </p:cNvSpPr>
+          <p:nvPr>
+            <p:ph type="title"/>
+          </p:nvPr>
+        </p:nvSpPr>
+        <p:spPr>
+          <a:xfrm>
+            <a:off x="349624" y="238540"/>
+            <a:ext cx="10697787" cy="855154"/>
+          </a:xfrm>
+        </p:spPr>
+        <p:txBody>
+          <a:bodyPr>
+            <a:normAutofit fontScale="90000"/>
+          </a:bodyPr>
+          <a:lstStyle/>
+          <a:p>
+            <a:r>
+              <a:rPr lang="en-US" b="1" dirty="0">
+                <a:effectLst/>
+              </a:rPr>
+              <a:t>Code Repository</a:t>
+            </a:r>
+            <a:br>
+              <a:rPr lang="en-US" b="1" dirty="0">
+                <a:effectLst/>
+              </a:rPr>
+            </a:br>
+            <a:endParaRPr lang="en-US" dirty="0"/>
+          </a:p>
+        </p:txBody>
+      </p:sp>
+      <p:pic>
+        <p:nvPicPr>
+          <p:cNvPr id="9" name="Picture 8">
+            <a:extLst>
+              <a:ext uri="{FF2B5EF4-FFF2-40B4-BE49-F238E27FC236}">
+                <a16:creationId xmlns="" xmlns:a16="http://schemas.microsoft.com/office/drawing/2014/main" id="{87C2624D-6B5C-40ED-A15A-6A1AFF8534F5}"/>
+              </a:ext>
+            </a:extLst>
+          </p:cNvPr>
+          <p:cNvPicPr>
+            <a:picLocks noChangeAspect="1"/>
+          </p:cNvPicPr>
+          <p:nvPr/>
+        </p:nvPicPr>
+        <p:blipFill>
+          <a:blip r:embed="rId2"/>
+          <a:stretch>
+            <a:fillRect/>
+          </a:stretch>
+        </p:blipFill>
+        <p:spPr>
+          <a:xfrm>
+            <a:off x="839753" y="2599765"/>
+            <a:ext cx="10608907" cy="3935505"/>
+          </a:xfrm>
+          <a:prstGeom prst="rect">
+            <a:avLst/>
+          </a:prstGeom>
+        </p:spPr>
+      </p:pic>
+      <p:sp>
+        <p:nvSpPr>
+          <p:cNvPr id="6" name="TextBox 5"/>
+          <p:cNvSpPr txBox="1"/>
+          <p:nvPr/>
+        </p:nvSpPr>
+        <p:spPr>
+          <a:xfrm>
+            <a:off x="1004047" y="1102659"/>
+            <a:ext cx="6580094" cy="1631216"/>
+          </a:xfrm>
+          <a:prstGeom prst="rect">
+            <a:avLst/>
+          </a:prstGeom>
+          <a:noFill/>
+        </p:spPr>
+        <p:txBody>
+          <a:bodyPr wrap="square" rtlCol="0">
+            <a:spAutoFit/>
+          </a:bodyPr>
+          <a:lstStyle/>
+          <a:p>
+            <a:r>
+              <a:rPr lang="en-IE" sz="2000" dirty="0">
+                <a:latin typeface="Courier New" panose="02070309020205020404" pitchFamily="49" charset="0"/>
+                <a:cs typeface="Courier New" panose="02070309020205020404" pitchFamily="49" charset="0"/>
+              </a:rPr>
+              <a:t>GitHub</a:t>
+            </a:r>
+          </a:p>
+          <a:p>
+            <a:r>
+              <a:rPr lang="en-IE" sz="2000" dirty="0">
+                <a:hlinkClick r:id="rId3"/>
+              </a:rPr>
+              <a:t>https://github.com/rlennon/CrowSoft</a:t>
+            </a:r>
+            <a:endParaRPr lang="en-IE" sz="2000" dirty="0"/>
+          </a:p>
+          <a:p>
+            <a:endParaRPr lang="en-IE" sz="2000" dirty="0">
+              <a:latin typeface="Courier New" panose="02070309020205020404" pitchFamily="49" charset="0"/>
+              <a:cs typeface="Courier New" panose="02070309020205020404" pitchFamily="49" charset="0"/>
+            </a:endParaRPr>
+          </a:p>
+          <a:p>
+            <a:endParaRPr lang="en-IE" sz="2000" dirty="0">
+              <a:latin typeface="Courier New" panose="02070309020205020404" pitchFamily="49" charset="0"/>
+              <a:cs typeface="Courier New" panose="02070309020205020404" pitchFamily="49" charset="0"/>
+            </a:endParaRPr>
+          </a:p>
+          <a:p>
+            <a:endParaRPr lang="en-IE" sz="2000" dirty="0">
+              <a:latin typeface="Courier New" panose="02070309020205020404" pitchFamily="49" charset="0"/>
+              <a:cs typeface="Courier New" panose="02070309020205020404" pitchFamily="49" charset="0"/>
+            </a:endParaRPr>
+          </a:p>
+        </p:txBody>
+      </p:sp>
+    </p:spTree>
+    <p:extLst>
+      <p:ext uri="{BB962C8B-B14F-4D97-AF65-F5344CB8AC3E}">
+        <p14:creationId xmlns:p14="http://schemas.microsoft.com/office/powerpoint/2010/main" val="3705463633"/>
+      </p:ext>
+    </p:extLst>
+  </p:cSld>
+  <p:clrMapOvr>
+    <a:masterClrMapping/>
+  </p:clrMapOvr>
+  <p:timing>
+    <p:tnLst>
+      <p:par>
+        <p:cTn id="1" dur="indefinite" restart="never" nodeType="tmRoot"/>
+      </p:par>
+    </p:tnLst>
+  </p:timing>
+</p:sld>
+</file>
+
+<file path=ppt/slides/slide12.xml><?xml version="1.0" encoding="utf-8"?>
+<p:sld xmlns:a="http://schemas.openxmlformats.org/drawingml/2006/main" xmlns:r="http://schemas.openxmlformats.org/officeDocument/2006/relationships" xmlns:p="http://schemas.openxmlformats.org/presentationml/2006/main">
+  <p:cSld>
+    <p:spTree>
+      <p:nvGrpSpPr>
+        <p:cNvPr id="1" name=""/>
+        <p:cNvGrpSpPr/>
+        <p:nvPr/>
+      </p:nvGrpSpPr>
+      <p:grpSpPr>
+        <a:xfrm>
+          <a:off x="0" y="0"/>
+          <a:ext cx="0" cy="0"/>
+          <a:chOff x="0" y="0"/>
+          <a:chExt cx="0" cy="0"/>
+        </a:xfrm>
+      </p:grpSpPr>
+      <p:sp>
+        <p:nvSpPr>
+          <p:cNvPr id="2" name="Title 1"/>
+          <p:cNvSpPr>
+            <a:spLocks noGrp="1"/>
+          </p:cNvSpPr>
+          <p:nvPr>
+            <p:ph type="title"/>
+          </p:nvPr>
+        </p:nvSpPr>
+        <p:spPr>
+          <a:xfrm>
             <a:off x="1141413" y="313766"/>
             <a:ext cx="9905998" cy="770963"/>
           </a:xfrm>
@@ -6049,7 +6333,7 @@
 </p:sld>
 </file>
 
-<file path=ppt/slides/slide11.xml><?xml version="1.0" encoding="utf-8"?>
+<file path=ppt/slides/slide13.xml><?xml version="1.0" encoding="utf-8"?>
 <p:sld xmlns:a="http://schemas.openxmlformats.org/drawingml/2006/main" xmlns:r="http://schemas.openxmlformats.org/officeDocument/2006/relationships" xmlns:p="http://schemas.openxmlformats.org/presentationml/2006/main">
   <p:cSld>
     <p:spTree>
@@ -6068,2213 +6352,81 @@
       </p:grpSpPr>
       <p:sp>
         <p:nvSpPr>
-          <p:cNvPr id="40" name="Rectangle: Rounded Corners 73">
-            <a:extLst>
-              <a:ext uri="{FF2B5EF4-FFF2-40B4-BE49-F238E27FC236}">
-                <a16:creationId xmlns:a16="http://schemas.microsoft.com/office/drawing/2014/main" xmlns="" xmlns:wne="http://schemas.microsoft.com/office/word/2006/wordml" xmlns:w="http://schemas.openxmlformats.org/wordprocessingml/2006/main" xmlns:w10="urn:schemas-microsoft-com:office:word" xmlns:wp="http://schemas.openxmlformats.org/drawingml/2006/wordprocessingDrawing" xmlns:v="urn:schemas-microsoft-com:vml" xmlns:m="http://schemas.openxmlformats.org/officeDocument/2006/math" xmlns:o="urn:schemas-microsoft-com:office:office" xmlns:ve="http://schemas.openxmlformats.org/markup-compatibility/2006" xmlns:lc="http://schemas.openxmlformats.org/drawingml/2006/lockedCanvas" id="{1D838972-D107-4FC0-86F6-111F21BB8F67}"/>
-              </a:ext>
-            </a:extLst>
-          </p:cNvPr>
-          <p:cNvSpPr/>
-          <p:nvPr/>
+          <p:cNvPr id="2" name="Title 1"/>
+          <p:cNvSpPr>
+            <a:spLocks noGrp="1"/>
+          </p:cNvSpPr>
+          <p:nvPr>
+            <p:ph type="title"/>
+          </p:nvPr>
         </p:nvSpPr>
         <p:spPr>
           <a:xfrm>
-            <a:off x="1556143" y="2480504"/>
-            <a:ext cx="1583933" cy="1727426"/>
-          </a:xfrm>
-          <a:prstGeom prst="roundRect">
-            <a:avLst/>
-          </a:prstGeom>
-        </p:spPr>
-        <p:style>
-          <a:lnRef idx="1">
-            <a:schemeClr val="accent4"/>
-          </a:lnRef>
-          <a:fillRef idx="2">
-            <a:schemeClr val="accent4"/>
-          </a:fillRef>
-          <a:effectRef idx="1">
-            <a:schemeClr val="accent4"/>
-          </a:effectRef>
-          <a:fontRef idx="minor">
-            <a:schemeClr val="dk1"/>
-          </a:fontRef>
-        </p:style>
-        <p:txBody>
-          <a:bodyPr rtlCol="0" anchor="t"/>
-          <a:lstStyle>
-            <a:defPPr>
-              <a:defRPr lang="en-US"/>
-            </a:defPPr>
-            <a:lvl1pPr marL="0" algn="l" defTabSz="914400" rtl="0" eaLnBrk="1" latinLnBrk="0" hangingPunct="1">
-              <a:defRPr sz="1800" kern="1200">
-                <a:solidFill>
-                  <a:schemeClr val="dk1"/>
-                </a:solidFill>
-                <a:latin typeface="+mn-lt"/>
-                <a:ea typeface="+mn-ea"/>
-                <a:cs typeface="+mn-cs"/>
-              </a:defRPr>
-            </a:lvl1pPr>
-            <a:lvl2pPr marL="457200" algn="l" defTabSz="914400" rtl="0" eaLnBrk="1" latinLnBrk="0" hangingPunct="1">
-              <a:defRPr sz="1800" kern="1200">
-                <a:solidFill>
-                  <a:schemeClr val="dk1"/>
-                </a:solidFill>
-                <a:latin typeface="+mn-lt"/>
-                <a:ea typeface="+mn-ea"/>
-                <a:cs typeface="+mn-cs"/>
-              </a:defRPr>
-            </a:lvl2pPr>
-            <a:lvl3pPr marL="914400" algn="l" defTabSz="914400" rtl="0" eaLnBrk="1" latinLnBrk="0" hangingPunct="1">
-              <a:defRPr sz="1800" kern="1200">
-                <a:solidFill>
-                  <a:schemeClr val="dk1"/>
-                </a:solidFill>
-                <a:latin typeface="+mn-lt"/>
-                <a:ea typeface="+mn-ea"/>
-                <a:cs typeface="+mn-cs"/>
-              </a:defRPr>
-            </a:lvl3pPr>
-            <a:lvl4pPr marL="1371600" algn="l" defTabSz="914400" rtl="0" eaLnBrk="1" latinLnBrk="0" hangingPunct="1">
-              <a:defRPr sz="1800" kern="1200">
-                <a:solidFill>
-                  <a:schemeClr val="dk1"/>
-                </a:solidFill>
-                <a:latin typeface="+mn-lt"/>
-                <a:ea typeface="+mn-ea"/>
-                <a:cs typeface="+mn-cs"/>
-              </a:defRPr>
-            </a:lvl4pPr>
-            <a:lvl5pPr marL="1828800" algn="l" defTabSz="914400" rtl="0" eaLnBrk="1" latinLnBrk="0" hangingPunct="1">
-              <a:defRPr sz="1800" kern="1200">
-                <a:solidFill>
-                  <a:schemeClr val="dk1"/>
-                </a:solidFill>
-                <a:latin typeface="+mn-lt"/>
-                <a:ea typeface="+mn-ea"/>
-                <a:cs typeface="+mn-cs"/>
-              </a:defRPr>
-            </a:lvl5pPr>
-            <a:lvl6pPr marL="2286000" algn="l" defTabSz="914400" rtl="0" eaLnBrk="1" latinLnBrk="0" hangingPunct="1">
-              <a:defRPr sz="1800" kern="1200">
-                <a:solidFill>
-                  <a:schemeClr val="dk1"/>
-                </a:solidFill>
-                <a:latin typeface="+mn-lt"/>
-                <a:ea typeface="+mn-ea"/>
-                <a:cs typeface="+mn-cs"/>
-              </a:defRPr>
-            </a:lvl6pPr>
-            <a:lvl7pPr marL="2743200" algn="l" defTabSz="914400" rtl="0" eaLnBrk="1" latinLnBrk="0" hangingPunct="1">
-              <a:defRPr sz="1800" kern="1200">
-                <a:solidFill>
-                  <a:schemeClr val="dk1"/>
-                </a:solidFill>
-                <a:latin typeface="+mn-lt"/>
-                <a:ea typeface="+mn-ea"/>
-                <a:cs typeface="+mn-cs"/>
-              </a:defRPr>
-            </a:lvl7pPr>
-            <a:lvl8pPr marL="3200400" algn="l" defTabSz="914400" rtl="0" eaLnBrk="1" latinLnBrk="0" hangingPunct="1">
-              <a:defRPr sz="1800" kern="1200">
-                <a:solidFill>
-                  <a:schemeClr val="dk1"/>
-                </a:solidFill>
-                <a:latin typeface="+mn-lt"/>
-                <a:ea typeface="+mn-ea"/>
-                <a:cs typeface="+mn-cs"/>
-              </a:defRPr>
-            </a:lvl8pPr>
-            <a:lvl9pPr marL="3657600" algn="l" defTabSz="914400" rtl="0" eaLnBrk="1" latinLnBrk="0" hangingPunct="1">
-              <a:defRPr sz="1800" kern="1200">
-                <a:solidFill>
-                  <a:schemeClr val="dk1"/>
-                </a:solidFill>
-                <a:latin typeface="+mn-lt"/>
-                <a:ea typeface="+mn-ea"/>
-                <a:cs typeface="+mn-cs"/>
-              </a:defRPr>
-            </a:lvl9pPr>
-          </a:lstStyle>
-          <a:p>
-            <a:pPr algn="ctr"/>
-            <a:r>
-              <a:rPr lang="en-US" sz="1600" dirty="0"/>
-              <a:t>Collaboration</a:t>
-            </a:r>
-          </a:p>
-        </p:txBody>
-      </p:sp>
-      <p:sp>
-        <p:nvSpPr>
-          <p:cNvPr id="41" name="Rectangle: Rounded Corners 5">
-            <a:extLst>
-              <a:ext uri="{FF2B5EF4-FFF2-40B4-BE49-F238E27FC236}">
-                <a16:creationId xmlns:a16="http://schemas.microsoft.com/office/drawing/2014/main" xmlns="" xmlns:wne="http://schemas.microsoft.com/office/word/2006/wordml" xmlns:w="http://schemas.openxmlformats.org/wordprocessingml/2006/main" xmlns:w10="urn:schemas-microsoft-com:office:word" xmlns:wp="http://schemas.openxmlformats.org/drawingml/2006/wordprocessingDrawing" xmlns:v="urn:schemas-microsoft-com:vml" xmlns:m="http://schemas.openxmlformats.org/officeDocument/2006/math" xmlns:o="urn:schemas-microsoft-com:office:office" xmlns:ve="http://schemas.openxmlformats.org/markup-compatibility/2006" xmlns:lc="http://schemas.openxmlformats.org/drawingml/2006/lockedCanvas" id="{3361B1F7-61DA-41EA-A158-80D47FBC601B}"/>
-              </a:ext>
-            </a:extLst>
-          </p:cNvPr>
-          <p:cNvSpPr/>
-          <p:nvPr/>
-        </p:nvSpPr>
-        <p:spPr>
-          <a:xfrm>
-            <a:off x="1556143" y="4380280"/>
-            <a:ext cx="1813729" cy="1736521"/>
-          </a:xfrm>
-          <a:prstGeom prst="roundRect">
-            <a:avLst/>
-          </a:prstGeom>
-        </p:spPr>
-        <p:style>
-          <a:lnRef idx="1">
-            <a:schemeClr val="accent4"/>
-          </a:lnRef>
-          <a:fillRef idx="2">
-            <a:schemeClr val="accent4"/>
-          </a:fillRef>
-          <a:effectRef idx="1">
-            <a:schemeClr val="accent4"/>
-          </a:effectRef>
-          <a:fontRef idx="minor">
-            <a:schemeClr val="dk1"/>
-          </a:fontRef>
-        </p:style>
-        <p:txBody>
-          <a:bodyPr rtlCol="0" anchor="t"/>
-          <a:lstStyle>
-            <a:defPPr>
-              <a:defRPr lang="en-US"/>
-            </a:defPPr>
-            <a:lvl1pPr marL="0" algn="l" defTabSz="914400" rtl="0" eaLnBrk="1" latinLnBrk="0" hangingPunct="1">
-              <a:defRPr sz="1800" kern="1200">
-                <a:solidFill>
-                  <a:schemeClr val="dk1"/>
-                </a:solidFill>
-                <a:latin typeface="+mn-lt"/>
-                <a:ea typeface="+mn-ea"/>
-                <a:cs typeface="+mn-cs"/>
-              </a:defRPr>
-            </a:lvl1pPr>
-            <a:lvl2pPr marL="457200" algn="l" defTabSz="914400" rtl="0" eaLnBrk="1" latinLnBrk="0" hangingPunct="1">
-              <a:defRPr sz="1800" kern="1200">
-                <a:solidFill>
-                  <a:schemeClr val="dk1"/>
-                </a:solidFill>
-                <a:latin typeface="+mn-lt"/>
-                <a:ea typeface="+mn-ea"/>
-                <a:cs typeface="+mn-cs"/>
-              </a:defRPr>
-            </a:lvl2pPr>
-            <a:lvl3pPr marL="914400" algn="l" defTabSz="914400" rtl="0" eaLnBrk="1" latinLnBrk="0" hangingPunct="1">
-              <a:defRPr sz="1800" kern="1200">
-                <a:solidFill>
-                  <a:schemeClr val="dk1"/>
-                </a:solidFill>
-                <a:latin typeface="+mn-lt"/>
-                <a:ea typeface="+mn-ea"/>
-                <a:cs typeface="+mn-cs"/>
-              </a:defRPr>
-            </a:lvl3pPr>
-            <a:lvl4pPr marL="1371600" algn="l" defTabSz="914400" rtl="0" eaLnBrk="1" latinLnBrk="0" hangingPunct="1">
-              <a:defRPr sz="1800" kern="1200">
-                <a:solidFill>
-                  <a:schemeClr val="dk1"/>
-                </a:solidFill>
-                <a:latin typeface="+mn-lt"/>
-                <a:ea typeface="+mn-ea"/>
-                <a:cs typeface="+mn-cs"/>
-              </a:defRPr>
-            </a:lvl4pPr>
-            <a:lvl5pPr marL="1828800" algn="l" defTabSz="914400" rtl="0" eaLnBrk="1" latinLnBrk="0" hangingPunct="1">
-              <a:defRPr sz="1800" kern="1200">
-                <a:solidFill>
-                  <a:schemeClr val="dk1"/>
-                </a:solidFill>
-                <a:latin typeface="+mn-lt"/>
-                <a:ea typeface="+mn-ea"/>
-                <a:cs typeface="+mn-cs"/>
-              </a:defRPr>
-            </a:lvl5pPr>
-            <a:lvl6pPr marL="2286000" algn="l" defTabSz="914400" rtl="0" eaLnBrk="1" latinLnBrk="0" hangingPunct="1">
-              <a:defRPr sz="1800" kern="1200">
-                <a:solidFill>
-                  <a:schemeClr val="dk1"/>
-                </a:solidFill>
-                <a:latin typeface="+mn-lt"/>
-                <a:ea typeface="+mn-ea"/>
-                <a:cs typeface="+mn-cs"/>
-              </a:defRPr>
-            </a:lvl6pPr>
-            <a:lvl7pPr marL="2743200" algn="l" defTabSz="914400" rtl="0" eaLnBrk="1" latinLnBrk="0" hangingPunct="1">
-              <a:defRPr sz="1800" kern="1200">
-                <a:solidFill>
-                  <a:schemeClr val="dk1"/>
-                </a:solidFill>
-                <a:latin typeface="+mn-lt"/>
-                <a:ea typeface="+mn-ea"/>
-                <a:cs typeface="+mn-cs"/>
-              </a:defRPr>
-            </a:lvl7pPr>
-            <a:lvl8pPr marL="3200400" algn="l" defTabSz="914400" rtl="0" eaLnBrk="1" latinLnBrk="0" hangingPunct="1">
-              <a:defRPr sz="1800" kern="1200">
-                <a:solidFill>
-                  <a:schemeClr val="dk1"/>
-                </a:solidFill>
-                <a:latin typeface="+mn-lt"/>
-                <a:ea typeface="+mn-ea"/>
-                <a:cs typeface="+mn-cs"/>
-              </a:defRPr>
-            </a:lvl8pPr>
-            <a:lvl9pPr marL="3657600" algn="l" defTabSz="914400" rtl="0" eaLnBrk="1" latinLnBrk="0" hangingPunct="1">
-              <a:defRPr sz="1800" kern="1200">
-                <a:solidFill>
-                  <a:schemeClr val="dk1"/>
-                </a:solidFill>
-                <a:latin typeface="+mn-lt"/>
-                <a:ea typeface="+mn-ea"/>
-                <a:cs typeface="+mn-cs"/>
-              </a:defRPr>
-            </a:lvl9pPr>
-          </a:lstStyle>
-          <a:p>
-            <a:pPr algn="ctr"/>
-            <a:r>
-              <a:rPr lang="en-US" sz="1600" dirty="0"/>
-              <a:t>Build</a:t>
-            </a:r>
-          </a:p>
-        </p:txBody>
-      </p:sp>
-      <p:pic>
-        <p:nvPicPr>
-          <p:cNvPr id="42" name="Picture 41" descr="Related image">
-            <a:extLst>
-              <a:ext uri="{FF2B5EF4-FFF2-40B4-BE49-F238E27FC236}">
-                <a16:creationId xmlns:a16="http://schemas.microsoft.com/office/drawing/2014/main" xmlns="" xmlns:wne="http://schemas.microsoft.com/office/word/2006/wordml" xmlns:w="http://schemas.openxmlformats.org/wordprocessingml/2006/main" xmlns:w10="urn:schemas-microsoft-com:office:word" xmlns:wp="http://schemas.openxmlformats.org/drawingml/2006/wordprocessingDrawing" xmlns:v="urn:schemas-microsoft-com:vml" xmlns:m="http://schemas.openxmlformats.org/officeDocument/2006/math" xmlns:o="urn:schemas-microsoft-com:office:office" xmlns:ve="http://schemas.openxmlformats.org/markup-compatibility/2006" xmlns:lc="http://schemas.openxmlformats.org/drawingml/2006/lockedCanvas" id="{8913D232-6DF1-48E3-A429-AE211CF7127D}"/>
-              </a:ext>
-            </a:extLst>
-          </p:cNvPr>
-          <p:cNvPicPr>
-            <a:picLocks noChangeAspect="1" noChangeArrowheads="1"/>
-          </p:cNvPicPr>
-          <p:nvPr/>
-        </p:nvPicPr>
-        <p:blipFill>
-          <a:blip r:embed="rId2" cstate="print">
-            <a:extLst>
-              <a:ext uri="{28A0092B-C50C-407E-A947-70E740481C1C}">
-                <a14:useLocalDpi xmlns:a14="http://schemas.microsoft.com/office/drawing/2010/main" val="0"/>
-              </a:ext>
-            </a:extLst>
-          </a:blip>
-          <a:srcRect/>
-          <a:stretch>
-            <a:fillRect/>
-          </a:stretch>
-        </p:blipFill>
-        <p:spPr bwMode="auto">
-          <a:xfrm>
-            <a:off x="1644256" y="4848713"/>
-            <a:ext cx="740301" cy="740301"/>
-          </a:xfrm>
-          <a:prstGeom prst="rect">
-            <a:avLst/>
-          </a:prstGeom>
-          <a:noFill/>
-          <a:extLst>
-            <a:ext uri="{909E8E84-426E-40DD-AFC4-6F175D3DCCD1}">
-              <a14:hiddenFill xmlns:a14="http://schemas.microsoft.com/office/drawing/2010/main">
-                <a:solidFill>
-                  <a:srgbClr val="FFFFFF"/>
-                </a:solidFill>
-              </a14:hiddenFill>
-            </a:ext>
-          </a:extLst>
-        </p:spPr>
-      </p:pic>
-      <p:sp>
-        <p:nvSpPr>
-          <p:cNvPr id="43" name="Rectangle: Rounded Corners 8">
-            <a:extLst>
-              <a:ext uri="{FF2B5EF4-FFF2-40B4-BE49-F238E27FC236}">
-                <a16:creationId xmlns:a16="http://schemas.microsoft.com/office/drawing/2014/main" xmlns="" xmlns:wne="http://schemas.microsoft.com/office/word/2006/wordml" xmlns:w="http://schemas.openxmlformats.org/wordprocessingml/2006/main" xmlns:w10="urn:schemas-microsoft-com:office:word" xmlns:wp="http://schemas.openxmlformats.org/drawingml/2006/wordprocessingDrawing" xmlns:v="urn:schemas-microsoft-com:vml" xmlns:m="http://schemas.openxmlformats.org/officeDocument/2006/math" xmlns:o="urn:schemas-microsoft-com:office:office" xmlns:ve="http://schemas.openxmlformats.org/markup-compatibility/2006" xmlns:lc="http://schemas.openxmlformats.org/drawingml/2006/lockedCanvas" id="{026577BB-D8B8-49E0-8B70-1B84A8B8C33B}"/>
-              </a:ext>
-            </a:extLst>
-          </p:cNvPr>
-          <p:cNvSpPr/>
-          <p:nvPr/>
-        </p:nvSpPr>
-        <p:spPr>
-          <a:xfrm>
-            <a:off x="6063856" y="746006"/>
-            <a:ext cx="4368565" cy="1389929"/>
-          </a:xfrm>
-          <a:prstGeom prst="roundRect">
-            <a:avLst/>
-          </a:prstGeom>
-        </p:spPr>
-        <p:style>
-          <a:lnRef idx="1">
-            <a:schemeClr val="accent4"/>
-          </a:lnRef>
-          <a:fillRef idx="2">
-            <a:schemeClr val="accent4"/>
-          </a:fillRef>
-          <a:effectRef idx="1">
-            <a:schemeClr val="accent4"/>
-          </a:effectRef>
-          <a:fontRef idx="minor">
-            <a:schemeClr val="dk1"/>
-          </a:fontRef>
-        </p:style>
-        <p:txBody>
-          <a:bodyPr rtlCol="0" anchor="t"/>
-          <a:lstStyle>
-            <a:defPPr>
-              <a:defRPr lang="en-US"/>
-            </a:defPPr>
-            <a:lvl1pPr marL="0" algn="l" defTabSz="914400" rtl="0" eaLnBrk="1" latinLnBrk="0" hangingPunct="1">
-              <a:defRPr sz="1800" kern="1200">
-                <a:solidFill>
-                  <a:schemeClr val="dk1"/>
-                </a:solidFill>
-                <a:latin typeface="+mn-lt"/>
-                <a:ea typeface="+mn-ea"/>
-                <a:cs typeface="+mn-cs"/>
-              </a:defRPr>
-            </a:lvl1pPr>
-            <a:lvl2pPr marL="457200" algn="l" defTabSz="914400" rtl="0" eaLnBrk="1" latinLnBrk="0" hangingPunct="1">
-              <a:defRPr sz="1800" kern="1200">
-                <a:solidFill>
-                  <a:schemeClr val="dk1"/>
-                </a:solidFill>
-                <a:latin typeface="+mn-lt"/>
-                <a:ea typeface="+mn-ea"/>
-                <a:cs typeface="+mn-cs"/>
-              </a:defRPr>
-            </a:lvl2pPr>
-            <a:lvl3pPr marL="914400" algn="l" defTabSz="914400" rtl="0" eaLnBrk="1" latinLnBrk="0" hangingPunct="1">
-              <a:defRPr sz="1800" kern="1200">
-                <a:solidFill>
-                  <a:schemeClr val="dk1"/>
-                </a:solidFill>
-                <a:latin typeface="+mn-lt"/>
-                <a:ea typeface="+mn-ea"/>
-                <a:cs typeface="+mn-cs"/>
-              </a:defRPr>
-            </a:lvl3pPr>
-            <a:lvl4pPr marL="1371600" algn="l" defTabSz="914400" rtl="0" eaLnBrk="1" latinLnBrk="0" hangingPunct="1">
-              <a:defRPr sz="1800" kern="1200">
-                <a:solidFill>
-                  <a:schemeClr val="dk1"/>
-                </a:solidFill>
-                <a:latin typeface="+mn-lt"/>
-                <a:ea typeface="+mn-ea"/>
-                <a:cs typeface="+mn-cs"/>
-              </a:defRPr>
-            </a:lvl4pPr>
-            <a:lvl5pPr marL="1828800" algn="l" defTabSz="914400" rtl="0" eaLnBrk="1" latinLnBrk="0" hangingPunct="1">
-              <a:defRPr sz="1800" kern="1200">
-                <a:solidFill>
-                  <a:schemeClr val="dk1"/>
-                </a:solidFill>
-                <a:latin typeface="+mn-lt"/>
-                <a:ea typeface="+mn-ea"/>
-                <a:cs typeface="+mn-cs"/>
-              </a:defRPr>
-            </a:lvl5pPr>
-            <a:lvl6pPr marL="2286000" algn="l" defTabSz="914400" rtl="0" eaLnBrk="1" latinLnBrk="0" hangingPunct="1">
-              <a:defRPr sz="1800" kern="1200">
-                <a:solidFill>
-                  <a:schemeClr val="dk1"/>
-                </a:solidFill>
-                <a:latin typeface="+mn-lt"/>
-                <a:ea typeface="+mn-ea"/>
-                <a:cs typeface="+mn-cs"/>
-              </a:defRPr>
-            </a:lvl6pPr>
-            <a:lvl7pPr marL="2743200" algn="l" defTabSz="914400" rtl="0" eaLnBrk="1" latinLnBrk="0" hangingPunct="1">
-              <a:defRPr sz="1800" kern="1200">
-                <a:solidFill>
-                  <a:schemeClr val="dk1"/>
-                </a:solidFill>
-                <a:latin typeface="+mn-lt"/>
-                <a:ea typeface="+mn-ea"/>
-                <a:cs typeface="+mn-cs"/>
-              </a:defRPr>
-            </a:lvl7pPr>
-            <a:lvl8pPr marL="3200400" algn="l" defTabSz="914400" rtl="0" eaLnBrk="1" latinLnBrk="0" hangingPunct="1">
-              <a:defRPr sz="1800" kern="1200">
-                <a:solidFill>
-                  <a:schemeClr val="dk1"/>
-                </a:solidFill>
-                <a:latin typeface="+mn-lt"/>
-                <a:ea typeface="+mn-ea"/>
-                <a:cs typeface="+mn-cs"/>
-              </a:defRPr>
-            </a:lvl8pPr>
-            <a:lvl9pPr marL="3657600" algn="l" defTabSz="914400" rtl="0" eaLnBrk="1" latinLnBrk="0" hangingPunct="1">
-              <a:defRPr sz="1800" kern="1200">
-                <a:solidFill>
-                  <a:schemeClr val="dk1"/>
-                </a:solidFill>
-                <a:latin typeface="+mn-lt"/>
-                <a:ea typeface="+mn-ea"/>
-                <a:cs typeface="+mn-cs"/>
-              </a:defRPr>
-            </a:lvl9pPr>
-          </a:lstStyle>
-          <a:p>
-            <a:pPr algn="ctr"/>
-            <a:r>
-              <a:rPr lang="en-US" sz="1600" dirty="0"/>
-              <a:t>Continuous Integration &amp; Deploy</a:t>
-            </a:r>
-          </a:p>
-        </p:txBody>
-      </p:sp>
-      <p:pic>
-        <p:nvPicPr>
-          <p:cNvPr id="44" name="Picture 43">
-            <a:extLst>
-              <a:ext uri="{FF2B5EF4-FFF2-40B4-BE49-F238E27FC236}">
-                <a16:creationId xmlns:a16="http://schemas.microsoft.com/office/drawing/2014/main" xmlns="" xmlns:wne="http://schemas.microsoft.com/office/word/2006/wordml" xmlns:w="http://schemas.openxmlformats.org/wordprocessingml/2006/main" xmlns:w10="urn:schemas-microsoft-com:office:word" xmlns:wp="http://schemas.openxmlformats.org/drawingml/2006/wordprocessingDrawing" xmlns:v="urn:schemas-microsoft-com:vml" xmlns:m="http://schemas.openxmlformats.org/officeDocument/2006/math" xmlns:o="urn:schemas-microsoft-com:office:office" xmlns:ve="http://schemas.openxmlformats.org/markup-compatibility/2006" xmlns:lc="http://schemas.openxmlformats.org/drawingml/2006/lockedCanvas" id="{5AC3D39C-1E7D-4D10-8B3F-7F6EB9B0ED46}"/>
-              </a:ext>
-            </a:extLst>
-          </p:cNvPr>
-          <p:cNvPicPr>
-            <a:picLocks noChangeAspect="1"/>
-          </p:cNvPicPr>
-          <p:nvPr/>
-        </p:nvPicPr>
-        <p:blipFill>
-          <a:blip r:embed="rId3" cstate="print">
-            <a:extLst>
-              <a:ext uri="{28A0092B-C50C-407E-A947-70E740481C1C}">
-                <a14:useLocalDpi xmlns:a14="http://schemas.microsoft.com/office/drawing/2010/main" val="0"/>
-              </a:ext>
-            </a:extLst>
-          </a:blip>
-          <a:stretch>
-            <a:fillRect/>
-          </a:stretch>
-        </p:blipFill>
-        <p:spPr>
-          <a:xfrm>
-            <a:off x="1796656" y="5686913"/>
-            <a:ext cx="1385526" cy="232768"/>
-          </a:xfrm>
-          <a:prstGeom prst="rect">
-            <a:avLst/>
-          </a:prstGeom>
-        </p:spPr>
-      </p:pic>
-      <p:sp>
-        <p:nvSpPr>
-          <p:cNvPr id="45" name="Rectangle: Rounded Corners 11">
-            <a:extLst>
-              <a:ext uri="{FF2B5EF4-FFF2-40B4-BE49-F238E27FC236}">
-                <a16:creationId xmlns:a16="http://schemas.microsoft.com/office/drawing/2014/main" xmlns="" xmlns:wne="http://schemas.microsoft.com/office/word/2006/wordml" xmlns:w="http://schemas.openxmlformats.org/wordprocessingml/2006/main" xmlns:w10="urn:schemas-microsoft-com:office:word" xmlns:wp="http://schemas.openxmlformats.org/drawingml/2006/wordprocessingDrawing" xmlns:v="urn:schemas-microsoft-com:vml" xmlns:m="http://schemas.openxmlformats.org/officeDocument/2006/math" xmlns:o="urn:schemas-microsoft-com:office:office" xmlns:ve="http://schemas.openxmlformats.org/markup-compatibility/2006" xmlns:lc="http://schemas.openxmlformats.org/drawingml/2006/lockedCanvas" id="{D5A10EA0-9538-4294-9A39-376087F91AA9}"/>
-              </a:ext>
-            </a:extLst>
-          </p:cNvPr>
-          <p:cNvSpPr/>
-          <p:nvPr/>
-        </p:nvSpPr>
-        <p:spPr>
-          <a:xfrm>
-            <a:off x="3607285" y="740035"/>
-            <a:ext cx="2227971" cy="1368406"/>
-          </a:xfrm>
-          <a:prstGeom prst="roundRect">
-            <a:avLst/>
-          </a:prstGeom>
-        </p:spPr>
-        <p:style>
-          <a:lnRef idx="1">
-            <a:schemeClr val="accent4"/>
-          </a:lnRef>
-          <a:fillRef idx="2">
-            <a:schemeClr val="accent4"/>
-          </a:fillRef>
-          <a:effectRef idx="1">
-            <a:schemeClr val="accent4"/>
-          </a:effectRef>
-          <a:fontRef idx="minor">
-            <a:schemeClr val="dk1"/>
-          </a:fontRef>
-        </p:style>
-        <p:txBody>
-          <a:bodyPr rtlCol="0" anchor="t"/>
-          <a:lstStyle>
-            <a:defPPr>
-              <a:defRPr lang="en-US"/>
-            </a:defPPr>
-            <a:lvl1pPr marL="0" algn="l" defTabSz="914400" rtl="0" eaLnBrk="1" latinLnBrk="0" hangingPunct="1">
-              <a:defRPr sz="1800" kern="1200">
-                <a:solidFill>
-                  <a:schemeClr val="dk1"/>
-                </a:solidFill>
-                <a:latin typeface="+mn-lt"/>
-                <a:ea typeface="+mn-ea"/>
-                <a:cs typeface="+mn-cs"/>
-              </a:defRPr>
-            </a:lvl1pPr>
-            <a:lvl2pPr marL="457200" algn="l" defTabSz="914400" rtl="0" eaLnBrk="1" latinLnBrk="0" hangingPunct="1">
-              <a:defRPr sz="1800" kern="1200">
-                <a:solidFill>
-                  <a:schemeClr val="dk1"/>
-                </a:solidFill>
-                <a:latin typeface="+mn-lt"/>
-                <a:ea typeface="+mn-ea"/>
-                <a:cs typeface="+mn-cs"/>
-              </a:defRPr>
-            </a:lvl2pPr>
-            <a:lvl3pPr marL="914400" algn="l" defTabSz="914400" rtl="0" eaLnBrk="1" latinLnBrk="0" hangingPunct="1">
-              <a:defRPr sz="1800" kern="1200">
-                <a:solidFill>
-                  <a:schemeClr val="dk1"/>
-                </a:solidFill>
-                <a:latin typeface="+mn-lt"/>
-                <a:ea typeface="+mn-ea"/>
-                <a:cs typeface="+mn-cs"/>
-              </a:defRPr>
-            </a:lvl3pPr>
-            <a:lvl4pPr marL="1371600" algn="l" defTabSz="914400" rtl="0" eaLnBrk="1" latinLnBrk="0" hangingPunct="1">
-              <a:defRPr sz="1800" kern="1200">
-                <a:solidFill>
-                  <a:schemeClr val="dk1"/>
-                </a:solidFill>
-                <a:latin typeface="+mn-lt"/>
-                <a:ea typeface="+mn-ea"/>
-                <a:cs typeface="+mn-cs"/>
-              </a:defRPr>
-            </a:lvl4pPr>
-            <a:lvl5pPr marL="1828800" algn="l" defTabSz="914400" rtl="0" eaLnBrk="1" latinLnBrk="0" hangingPunct="1">
-              <a:defRPr sz="1800" kern="1200">
-                <a:solidFill>
-                  <a:schemeClr val="dk1"/>
-                </a:solidFill>
-                <a:latin typeface="+mn-lt"/>
-                <a:ea typeface="+mn-ea"/>
-                <a:cs typeface="+mn-cs"/>
-              </a:defRPr>
-            </a:lvl5pPr>
-            <a:lvl6pPr marL="2286000" algn="l" defTabSz="914400" rtl="0" eaLnBrk="1" latinLnBrk="0" hangingPunct="1">
-              <a:defRPr sz="1800" kern="1200">
-                <a:solidFill>
-                  <a:schemeClr val="dk1"/>
-                </a:solidFill>
-                <a:latin typeface="+mn-lt"/>
-                <a:ea typeface="+mn-ea"/>
-                <a:cs typeface="+mn-cs"/>
-              </a:defRPr>
-            </a:lvl6pPr>
-            <a:lvl7pPr marL="2743200" algn="l" defTabSz="914400" rtl="0" eaLnBrk="1" latinLnBrk="0" hangingPunct="1">
-              <a:defRPr sz="1800" kern="1200">
-                <a:solidFill>
-                  <a:schemeClr val="dk1"/>
-                </a:solidFill>
-                <a:latin typeface="+mn-lt"/>
-                <a:ea typeface="+mn-ea"/>
-                <a:cs typeface="+mn-cs"/>
-              </a:defRPr>
-            </a:lvl7pPr>
-            <a:lvl8pPr marL="3200400" algn="l" defTabSz="914400" rtl="0" eaLnBrk="1" latinLnBrk="0" hangingPunct="1">
-              <a:defRPr sz="1800" kern="1200">
-                <a:solidFill>
-                  <a:schemeClr val="dk1"/>
-                </a:solidFill>
-                <a:latin typeface="+mn-lt"/>
-                <a:ea typeface="+mn-ea"/>
-                <a:cs typeface="+mn-cs"/>
-              </a:defRPr>
-            </a:lvl8pPr>
-            <a:lvl9pPr marL="3657600" algn="l" defTabSz="914400" rtl="0" eaLnBrk="1" latinLnBrk="0" hangingPunct="1">
-              <a:defRPr sz="1800" kern="1200">
-                <a:solidFill>
-                  <a:schemeClr val="dk1"/>
-                </a:solidFill>
-                <a:latin typeface="+mn-lt"/>
-                <a:ea typeface="+mn-ea"/>
-                <a:cs typeface="+mn-cs"/>
-              </a:defRPr>
-            </a:lvl9pPr>
-          </a:lstStyle>
-          <a:p>
-            <a:pPr algn="ctr"/>
-            <a:r>
-              <a:rPr lang="en-US" sz="1600" dirty="0"/>
-              <a:t>Configuration Management</a:t>
-            </a:r>
-          </a:p>
-        </p:txBody>
-      </p:sp>
-      <p:sp>
-        <p:nvSpPr>
-          <p:cNvPr id="46" name="Rectangle: Rounded Corners 12">
-            <a:extLst>
-              <a:ext uri="{FF2B5EF4-FFF2-40B4-BE49-F238E27FC236}">
-                <a16:creationId xmlns:a16="http://schemas.microsoft.com/office/drawing/2014/main" xmlns="" xmlns:wne="http://schemas.microsoft.com/office/word/2006/wordml" xmlns:w="http://schemas.openxmlformats.org/wordprocessingml/2006/main" xmlns:w10="urn:schemas-microsoft-com:office:word" xmlns:wp="http://schemas.openxmlformats.org/drawingml/2006/wordprocessingDrawing" xmlns:v="urn:schemas-microsoft-com:vml" xmlns:m="http://schemas.openxmlformats.org/officeDocument/2006/math" xmlns:o="urn:schemas-microsoft-com:office:office" xmlns:ve="http://schemas.openxmlformats.org/markup-compatibility/2006" xmlns:lc="http://schemas.openxmlformats.org/drawingml/2006/lockedCanvas" id="{F6E1CC74-9639-445F-9926-FC0AF8932A1A}"/>
-              </a:ext>
-            </a:extLst>
-          </p:cNvPr>
-          <p:cNvSpPr/>
-          <p:nvPr/>
-        </p:nvSpPr>
-        <p:spPr>
-          <a:xfrm>
-            <a:off x="1559979" y="724637"/>
-            <a:ext cx="1813729" cy="1588426"/>
-          </a:xfrm>
-          <a:prstGeom prst="roundRect">
-            <a:avLst/>
-          </a:prstGeom>
-        </p:spPr>
-        <p:style>
-          <a:lnRef idx="1">
-            <a:schemeClr val="accent4"/>
-          </a:lnRef>
-          <a:fillRef idx="2">
-            <a:schemeClr val="accent4"/>
-          </a:fillRef>
-          <a:effectRef idx="1">
-            <a:schemeClr val="accent4"/>
-          </a:effectRef>
-          <a:fontRef idx="minor">
-            <a:schemeClr val="dk1"/>
-          </a:fontRef>
-        </p:style>
-        <p:txBody>
-          <a:bodyPr rtlCol="0" anchor="t"/>
-          <a:lstStyle>
-            <a:defPPr>
-              <a:defRPr lang="en-US"/>
-            </a:defPPr>
-            <a:lvl1pPr marL="0" algn="l" defTabSz="914400" rtl="0" eaLnBrk="1" latinLnBrk="0" hangingPunct="1">
-              <a:defRPr sz="1800" kern="1200">
-                <a:solidFill>
-                  <a:schemeClr val="dk1"/>
-                </a:solidFill>
-                <a:latin typeface="+mn-lt"/>
-                <a:ea typeface="+mn-ea"/>
-                <a:cs typeface="+mn-cs"/>
-              </a:defRPr>
-            </a:lvl1pPr>
-            <a:lvl2pPr marL="457200" algn="l" defTabSz="914400" rtl="0" eaLnBrk="1" latinLnBrk="0" hangingPunct="1">
-              <a:defRPr sz="1800" kern="1200">
-                <a:solidFill>
-                  <a:schemeClr val="dk1"/>
-                </a:solidFill>
-                <a:latin typeface="+mn-lt"/>
-                <a:ea typeface="+mn-ea"/>
-                <a:cs typeface="+mn-cs"/>
-              </a:defRPr>
-            </a:lvl2pPr>
-            <a:lvl3pPr marL="914400" algn="l" defTabSz="914400" rtl="0" eaLnBrk="1" latinLnBrk="0" hangingPunct="1">
-              <a:defRPr sz="1800" kern="1200">
-                <a:solidFill>
-                  <a:schemeClr val="dk1"/>
-                </a:solidFill>
-                <a:latin typeface="+mn-lt"/>
-                <a:ea typeface="+mn-ea"/>
-                <a:cs typeface="+mn-cs"/>
-              </a:defRPr>
-            </a:lvl3pPr>
-            <a:lvl4pPr marL="1371600" algn="l" defTabSz="914400" rtl="0" eaLnBrk="1" latinLnBrk="0" hangingPunct="1">
-              <a:defRPr sz="1800" kern="1200">
-                <a:solidFill>
-                  <a:schemeClr val="dk1"/>
-                </a:solidFill>
-                <a:latin typeface="+mn-lt"/>
-                <a:ea typeface="+mn-ea"/>
-                <a:cs typeface="+mn-cs"/>
-              </a:defRPr>
-            </a:lvl4pPr>
-            <a:lvl5pPr marL="1828800" algn="l" defTabSz="914400" rtl="0" eaLnBrk="1" latinLnBrk="0" hangingPunct="1">
-              <a:defRPr sz="1800" kern="1200">
-                <a:solidFill>
-                  <a:schemeClr val="dk1"/>
-                </a:solidFill>
-                <a:latin typeface="+mn-lt"/>
-                <a:ea typeface="+mn-ea"/>
-                <a:cs typeface="+mn-cs"/>
-              </a:defRPr>
-            </a:lvl5pPr>
-            <a:lvl6pPr marL="2286000" algn="l" defTabSz="914400" rtl="0" eaLnBrk="1" latinLnBrk="0" hangingPunct="1">
-              <a:defRPr sz="1800" kern="1200">
-                <a:solidFill>
-                  <a:schemeClr val="dk1"/>
-                </a:solidFill>
-                <a:latin typeface="+mn-lt"/>
-                <a:ea typeface="+mn-ea"/>
-                <a:cs typeface="+mn-cs"/>
-              </a:defRPr>
-            </a:lvl6pPr>
-            <a:lvl7pPr marL="2743200" algn="l" defTabSz="914400" rtl="0" eaLnBrk="1" latinLnBrk="0" hangingPunct="1">
-              <a:defRPr sz="1800" kern="1200">
-                <a:solidFill>
-                  <a:schemeClr val="dk1"/>
-                </a:solidFill>
-                <a:latin typeface="+mn-lt"/>
-                <a:ea typeface="+mn-ea"/>
-                <a:cs typeface="+mn-cs"/>
-              </a:defRPr>
-            </a:lvl7pPr>
-            <a:lvl8pPr marL="3200400" algn="l" defTabSz="914400" rtl="0" eaLnBrk="1" latinLnBrk="0" hangingPunct="1">
-              <a:defRPr sz="1800" kern="1200">
-                <a:solidFill>
-                  <a:schemeClr val="dk1"/>
-                </a:solidFill>
-                <a:latin typeface="+mn-lt"/>
-                <a:ea typeface="+mn-ea"/>
-                <a:cs typeface="+mn-cs"/>
-              </a:defRPr>
-            </a:lvl8pPr>
-            <a:lvl9pPr marL="3657600" algn="l" defTabSz="914400" rtl="0" eaLnBrk="1" latinLnBrk="0" hangingPunct="1">
-              <a:defRPr sz="1800" kern="1200">
-                <a:solidFill>
-                  <a:schemeClr val="dk1"/>
-                </a:solidFill>
-                <a:latin typeface="+mn-lt"/>
-                <a:ea typeface="+mn-ea"/>
-                <a:cs typeface="+mn-cs"/>
-              </a:defRPr>
-            </a:lvl9pPr>
-          </a:lstStyle>
-          <a:p>
-            <a:pPr algn="ctr"/>
-            <a:r>
-              <a:rPr lang="en-US" sz="1600" dirty="0"/>
-              <a:t>Requirements &amp; Planning</a:t>
-            </a:r>
-          </a:p>
-        </p:txBody>
-      </p:sp>
-      <p:pic>
-        <p:nvPicPr>
-          <p:cNvPr id="47" name="Picture 46">
-            <a:extLst>
-              <a:ext uri="{FF2B5EF4-FFF2-40B4-BE49-F238E27FC236}">
-                <a16:creationId xmlns:a16="http://schemas.microsoft.com/office/drawing/2014/main" xmlns="" xmlns:wne="http://schemas.microsoft.com/office/word/2006/wordml" xmlns:w="http://schemas.openxmlformats.org/wordprocessingml/2006/main" xmlns:w10="urn:schemas-microsoft-com:office:word" xmlns:wp="http://schemas.openxmlformats.org/drawingml/2006/wordprocessingDrawing" xmlns:v="urn:schemas-microsoft-com:vml" xmlns:m="http://schemas.openxmlformats.org/officeDocument/2006/math" xmlns:o="urn:schemas-microsoft-com:office:office" xmlns:ve="http://schemas.openxmlformats.org/markup-compatibility/2006" xmlns:lc="http://schemas.openxmlformats.org/drawingml/2006/lockedCanvas" id="{6A2D1D4E-E637-41B0-9A80-E88C62213FA5}"/>
-              </a:ext>
-            </a:extLst>
-          </p:cNvPr>
-          <p:cNvPicPr>
-            <a:picLocks noChangeAspect="1"/>
-          </p:cNvPicPr>
-          <p:nvPr/>
-        </p:nvPicPr>
-        <p:blipFill>
-          <a:blip r:embed="rId4" cstate="print">
-            <a:extLst>
-              <a:ext uri="{28A0092B-C50C-407E-A947-70E740481C1C}">
-                <a14:useLocalDpi xmlns:a14="http://schemas.microsoft.com/office/drawing/2010/main" val="0"/>
-              </a:ext>
-            </a:extLst>
-          </a:blip>
-          <a:stretch>
-            <a:fillRect/>
-          </a:stretch>
-        </p:blipFill>
-        <p:spPr>
-          <a:xfrm>
-            <a:off x="8578456" y="1114913"/>
-            <a:ext cx="1752600" cy="523008"/>
-          </a:xfrm>
-          <a:prstGeom prst="rect">
-            <a:avLst/>
-          </a:prstGeom>
-        </p:spPr>
-      </p:pic>
-      <p:pic>
-        <p:nvPicPr>
-          <p:cNvPr id="48" name="Picture 47">
-            <a:extLst>
-              <a:ext uri="{FF2B5EF4-FFF2-40B4-BE49-F238E27FC236}">
-                <a16:creationId xmlns:a16="http://schemas.microsoft.com/office/drawing/2014/main" xmlns="" xmlns:wne="http://schemas.microsoft.com/office/word/2006/wordml" xmlns:w="http://schemas.openxmlformats.org/wordprocessingml/2006/main" xmlns:w10="urn:schemas-microsoft-com:office:word" xmlns:wp="http://schemas.openxmlformats.org/drawingml/2006/wordprocessingDrawing" xmlns:v="urn:schemas-microsoft-com:vml" xmlns:m="http://schemas.openxmlformats.org/officeDocument/2006/math" xmlns:o="urn:schemas-microsoft-com:office:office" xmlns:ve="http://schemas.openxmlformats.org/markup-compatibility/2006" xmlns:lc="http://schemas.openxmlformats.org/drawingml/2006/lockedCanvas" id="{7A664BF7-2BED-4529-AF18-7CD31084EDBC}"/>
-              </a:ext>
-            </a:extLst>
-          </p:cNvPr>
-          <p:cNvPicPr>
-            <a:picLocks noChangeAspect="1"/>
-          </p:cNvPicPr>
-          <p:nvPr/>
-        </p:nvPicPr>
-        <p:blipFill>
-          <a:blip r:embed="rId5" cstate="print">
-            <a:extLst>
-              <a:ext uri="{28A0092B-C50C-407E-A947-70E740481C1C}">
-                <a14:useLocalDpi xmlns:a14="http://schemas.microsoft.com/office/drawing/2010/main" val="0"/>
-              </a:ext>
-            </a:extLst>
-          </a:blip>
-          <a:stretch>
-            <a:fillRect/>
-          </a:stretch>
-        </p:blipFill>
-        <p:spPr>
-          <a:xfrm>
-            <a:off x="4311256" y="1343513"/>
-            <a:ext cx="771645" cy="609600"/>
-          </a:xfrm>
-          <a:prstGeom prst="rect">
-            <a:avLst/>
-          </a:prstGeom>
-        </p:spPr>
-      </p:pic>
-      <p:pic>
-        <p:nvPicPr>
-          <p:cNvPr id="49" name="Picture 48" descr="Related image">
-            <a:extLst>
-              <a:ext uri="{FF2B5EF4-FFF2-40B4-BE49-F238E27FC236}">
-                <a16:creationId xmlns:a16="http://schemas.microsoft.com/office/drawing/2014/main" xmlns="" xmlns:wne="http://schemas.microsoft.com/office/word/2006/wordml" xmlns:w="http://schemas.openxmlformats.org/wordprocessingml/2006/main" xmlns:w10="urn:schemas-microsoft-com:office:word" xmlns:wp="http://schemas.openxmlformats.org/drawingml/2006/wordprocessingDrawing" xmlns:v="urn:schemas-microsoft-com:vml" xmlns:m="http://schemas.openxmlformats.org/officeDocument/2006/math" xmlns:o="urn:schemas-microsoft-com:office:office" xmlns:ve="http://schemas.openxmlformats.org/markup-compatibility/2006" xmlns:lc="http://schemas.openxmlformats.org/drawingml/2006/lockedCanvas" id="{D3474849-1B27-4378-8BAC-4A0E031BC269}"/>
-              </a:ext>
-            </a:extLst>
-          </p:cNvPr>
-          <p:cNvPicPr>
-            <a:picLocks noChangeAspect="1" noChangeArrowheads="1"/>
-          </p:cNvPicPr>
-          <p:nvPr/>
-        </p:nvPicPr>
-        <p:blipFill>
-          <a:blip r:embed="rId6" cstate="print">
-            <a:extLst>
-              <a:ext uri="{28A0092B-C50C-407E-A947-70E740481C1C}">
-                <a14:useLocalDpi xmlns:a14="http://schemas.microsoft.com/office/drawing/2010/main" val="0"/>
-              </a:ext>
-            </a:extLst>
-          </a:blip>
-          <a:srcRect/>
-          <a:stretch>
-            <a:fillRect/>
-          </a:stretch>
-        </p:blipFill>
-        <p:spPr bwMode="auto">
-          <a:xfrm>
-            <a:off x="2996386" y="1966500"/>
-            <a:ext cx="5458459" cy="3093127"/>
-          </a:xfrm>
-          <a:prstGeom prst="rect">
-            <a:avLst/>
-          </a:prstGeom>
-          <a:noFill/>
-          <a:extLst>
-            <a:ext uri="{909E8E84-426E-40DD-AFC4-6F175D3DCCD1}">
-              <a14:hiddenFill xmlns:a14="http://schemas.microsoft.com/office/drawing/2010/main">
-                <a:solidFill>
-                  <a:srgbClr val="FFFFFF"/>
-                </a:solidFill>
-              </a14:hiddenFill>
-            </a:ext>
-          </a:extLst>
-        </p:spPr>
-      </p:pic>
-      <p:pic>
-        <p:nvPicPr>
-          <p:cNvPr id="50" name="Picture 49">
-            <a:extLst>
-              <a:ext uri="{FF2B5EF4-FFF2-40B4-BE49-F238E27FC236}">
-                <a16:creationId xmlns:a16="http://schemas.microsoft.com/office/drawing/2014/main" xmlns="" xmlns:wne="http://schemas.microsoft.com/office/word/2006/wordml" xmlns:w="http://schemas.openxmlformats.org/wordprocessingml/2006/main" xmlns:w10="urn:schemas-microsoft-com:office:word" xmlns:wp="http://schemas.openxmlformats.org/drawingml/2006/wordprocessingDrawing" xmlns:v="urn:schemas-microsoft-com:vml" xmlns:m="http://schemas.openxmlformats.org/officeDocument/2006/math" xmlns:o="urn:schemas-microsoft-com:office:office" xmlns:ve="http://schemas.openxmlformats.org/markup-compatibility/2006" xmlns:lc="http://schemas.openxmlformats.org/drawingml/2006/lockedCanvas" id="{B94385D5-98B6-4AC7-B7CD-65B49EF4CA03}"/>
-              </a:ext>
-            </a:extLst>
-          </p:cNvPr>
-          <p:cNvPicPr>
-            <a:picLocks noChangeAspect="1"/>
-          </p:cNvPicPr>
-          <p:nvPr/>
-        </p:nvPicPr>
-        <p:blipFill>
-          <a:blip r:embed="rId7" cstate="print">
-            <a:extLst>
-              <a:ext uri="{28A0092B-C50C-407E-A947-70E740481C1C}">
-                <a14:useLocalDpi xmlns:a14="http://schemas.microsoft.com/office/drawing/2010/main" val="0"/>
-              </a:ext>
-            </a:extLst>
-          </a:blip>
-          <a:stretch>
-            <a:fillRect/>
-          </a:stretch>
-        </p:blipFill>
-        <p:spPr>
-          <a:xfrm>
-            <a:off x="1949056" y="1343513"/>
-            <a:ext cx="950927" cy="713195"/>
-          </a:xfrm>
-          <a:prstGeom prst="rect">
-            <a:avLst/>
-          </a:prstGeom>
-        </p:spPr>
-      </p:pic>
-      <p:cxnSp>
-        <p:nvCxnSpPr>
-          <p:cNvPr id="51" name="Straight Connector 50">
-            <a:extLst>
-              <a:ext uri="{FF2B5EF4-FFF2-40B4-BE49-F238E27FC236}">
-                <a16:creationId xmlns:a16="http://schemas.microsoft.com/office/drawing/2014/main" xmlns="" xmlns:wne="http://schemas.microsoft.com/office/word/2006/wordml" xmlns:w="http://schemas.openxmlformats.org/wordprocessingml/2006/main" xmlns:w10="urn:schemas-microsoft-com:office:word" xmlns:wp="http://schemas.openxmlformats.org/drawingml/2006/wordprocessingDrawing" xmlns:v="urn:schemas-microsoft-com:vml" xmlns:m="http://schemas.openxmlformats.org/officeDocument/2006/math" xmlns:o="urn:schemas-microsoft-com:office:office" xmlns:ve="http://schemas.openxmlformats.org/markup-compatibility/2006" xmlns:lc="http://schemas.openxmlformats.org/drawingml/2006/lockedCanvas" id="{323884FB-A247-4387-9215-9A9E8470F2A0}"/>
-              </a:ext>
-            </a:extLst>
-          </p:cNvPr>
-          <p:cNvCxnSpPr>
-            <a:cxnSpLocks/>
-          </p:cNvCxnSpPr>
-          <p:nvPr/>
-        </p:nvCxnSpPr>
-        <p:spPr>
-          <a:xfrm flipH="1">
-            <a:off x="2987597" y="4264521"/>
-            <a:ext cx="796090" cy="517320"/>
-          </a:xfrm>
-          <a:prstGeom prst="line">
-            <a:avLst/>
-          </a:prstGeom>
-          <a:ln/>
-        </p:spPr>
-        <p:style>
-          <a:lnRef idx="2">
-            <a:schemeClr val="accent4"/>
-          </a:lnRef>
-          <a:fillRef idx="0">
-            <a:schemeClr val="accent4"/>
-          </a:fillRef>
-          <a:effectRef idx="1">
-            <a:schemeClr val="accent4"/>
-          </a:effectRef>
-          <a:fontRef idx="minor">
-            <a:schemeClr val="tx1"/>
-          </a:fontRef>
-        </p:style>
-      </p:cxnSp>
-      <p:cxnSp>
-        <p:nvCxnSpPr>
-          <p:cNvPr id="52" name="Straight Connector 51">
-            <a:extLst>
-              <a:ext uri="{FF2B5EF4-FFF2-40B4-BE49-F238E27FC236}">
-                <a16:creationId xmlns:a16="http://schemas.microsoft.com/office/drawing/2014/main" xmlns="" xmlns:wne="http://schemas.microsoft.com/office/word/2006/wordml" xmlns:w="http://schemas.openxmlformats.org/wordprocessingml/2006/main" xmlns:w10="urn:schemas-microsoft-com:office:word" xmlns:wp="http://schemas.openxmlformats.org/drawingml/2006/wordprocessingDrawing" xmlns:v="urn:schemas-microsoft-com:vml" xmlns:m="http://schemas.openxmlformats.org/officeDocument/2006/math" xmlns:o="urn:schemas-microsoft-com:office:office" xmlns:ve="http://schemas.openxmlformats.org/markup-compatibility/2006" xmlns:lc="http://schemas.openxmlformats.org/drawingml/2006/lockedCanvas" id="{EDBCDB02-1877-48E1-8234-82F5C68048D2}"/>
-              </a:ext>
-            </a:extLst>
-          </p:cNvPr>
-          <p:cNvCxnSpPr>
-            <a:cxnSpLocks/>
-          </p:cNvCxnSpPr>
-          <p:nvPr/>
-        </p:nvCxnSpPr>
-        <p:spPr>
-          <a:xfrm flipH="1" flipV="1">
-            <a:off x="3211599" y="2208827"/>
-            <a:ext cx="687897" cy="519895"/>
-          </a:xfrm>
-          <a:prstGeom prst="line">
-            <a:avLst/>
-          </a:prstGeom>
-          <a:ln/>
-        </p:spPr>
-        <p:style>
-          <a:lnRef idx="2">
-            <a:schemeClr val="accent4"/>
-          </a:lnRef>
-          <a:fillRef idx="0">
-            <a:schemeClr val="accent4"/>
-          </a:fillRef>
-          <a:effectRef idx="1">
-            <a:schemeClr val="accent4"/>
-          </a:effectRef>
-          <a:fontRef idx="minor">
-            <a:schemeClr val="tx1"/>
-          </a:fontRef>
-        </p:style>
-      </p:cxnSp>
-      <p:pic>
-        <p:nvPicPr>
-          <p:cNvPr id="53" name="Picture 52">
-            <a:extLst>
-              <a:ext uri="{FF2B5EF4-FFF2-40B4-BE49-F238E27FC236}">
-                <a16:creationId xmlns:a16="http://schemas.microsoft.com/office/drawing/2014/main" xmlns="" xmlns:wne="http://schemas.microsoft.com/office/word/2006/wordml" xmlns:w="http://schemas.openxmlformats.org/wordprocessingml/2006/main" xmlns:w10="urn:schemas-microsoft-com:office:word" xmlns:wp="http://schemas.openxmlformats.org/drawingml/2006/wordprocessingDrawing" xmlns:v="urn:schemas-microsoft-com:vml" xmlns:m="http://schemas.openxmlformats.org/officeDocument/2006/math" xmlns:o="urn:schemas-microsoft-com:office:office" xmlns:ve="http://schemas.openxmlformats.org/markup-compatibility/2006" xmlns:lc="http://schemas.openxmlformats.org/drawingml/2006/lockedCanvas" id="{E63422CD-2838-4A04-81ED-A278AEC41896}"/>
-              </a:ext>
-            </a:extLst>
-          </p:cNvPr>
-          <p:cNvPicPr>
-            <a:picLocks noChangeAspect="1"/>
-          </p:cNvPicPr>
-          <p:nvPr/>
-        </p:nvPicPr>
-        <p:blipFill>
-          <a:blip r:embed="rId8" cstate="print">
-            <a:extLst>
-              <a:ext uri="{28A0092B-C50C-407E-A947-70E740481C1C}">
-                <a14:useLocalDpi xmlns:a14="http://schemas.microsoft.com/office/drawing/2010/main" val="0"/>
-              </a:ext>
-            </a:extLst>
-          </a:blip>
-          <a:stretch>
-            <a:fillRect/>
-          </a:stretch>
-        </p:blipFill>
-        <p:spPr>
-          <a:xfrm>
-            <a:off x="6368656" y="1114913"/>
-            <a:ext cx="1534416" cy="493481"/>
-          </a:xfrm>
-          <a:prstGeom prst="rect">
-            <a:avLst/>
-          </a:prstGeom>
-        </p:spPr>
-      </p:pic>
-      <p:cxnSp>
-        <p:nvCxnSpPr>
-          <p:cNvPr id="54" name="Straight Connector 53">
-            <a:extLst>
-              <a:ext uri="{FF2B5EF4-FFF2-40B4-BE49-F238E27FC236}">
-                <a16:creationId xmlns:a16="http://schemas.microsoft.com/office/drawing/2014/main" xmlns="" xmlns:wne="http://schemas.microsoft.com/office/word/2006/wordml" xmlns:w="http://schemas.openxmlformats.org/wordprocessingml/2006/main" xmlns:w10="urn:schemas-microsoft-com:office:word" xmlns:wp="http://schemas.openxmlformats.org/drawingml/2006/wordprocessingDrawing" xmlns:v="urn:schemas-microsoft-com:vml" xmlns:m="http://schemas.openxmlformats.org/officeDocument/2006/math" xmlns:o="urn:schemas-microsoft-com:office:office" xmlns:ve="http://schemas.openxmlformats.org/markup-compatibility/2006" xmlns:lc="http://schemas.openxmlformats.org/drawingml/2006/lockedCanvas" id="{33381917-C21F-4F2D-87AA-7E079E65AD3F}"/>
-              </a:ext>
-            </a:extLst>
-          </p:cNvPr>
-          <p:cNvCxnSpPr>
-            <a:cxnSpLocks/>
-          </p:cNvCxnSpPr>
-          <p:nvPr/>
-        </p:nvCxnSpPr>
-        <p:spPr>
-          <a:xfrm flipV="1">
-            <a:off x="7582263" y="1940092"/>
-            <a:ext cx="419808" cy="812642"/>
-          </a:xfrm>
-          <a:prstGeom prst="line">
-            <a:avLst/>
-          </a:prstGeom>
-          <a:ln/>
-        </p:spPr>
-        <p:style>
-          <a:lnRef idx="2">
-            <a:schemeClr val="accent4"/>
-          </a:lnRef>
-          <a:fillRef idx="0">
-            <a:schemeClr val="accent4"/>
-          </a:fillRef>
-          <a:effectRef idx="1">
-            <a:schemeClr val="accent4"/>
-          </a:effectRef>
-          <a:fontRef idx="minor">
-            <a:schemeClr val="tx1"/>
-          </a:fontRef>
-        </p:style>
-      </p:cxnSp>
-      <p:sp>
-        <p:nvSpPr>
-          <p:cNvPr id="55" name="Rectangle: Rounded Corners 46">
-            <a:extLst>
-              <a:ext uri="{FF2B5EF4-FFF2-40B4-BE49-F238E27FC236}">
-                <a16:creationId xmlns:a16="http://schemas.microsoft.com/office/drawing/2014/main" xmlns="" xmlns:wne="http://schemas.microsoft.com/office/word/2006/wordml" xmlns:w="http://schemas.openxmlformats.org/wordprocessingml/2006/main" xmlns:w10="urn:schemas-microsoft-com:office:word" xmlns:wp="http://schemas.openxmlformats.org/drawingml/2006/wordprocessingDrawing" xmlns:v="urn:schemas-microsoft-com:vml" xmlns:m="http://schemas.openxmlformats.org/officeDocument/2006/math" xmlns:o="urn:schemas-microsoft-com:office:office" xmlns:ve="http://schemas.openxmlformats.org/markup-compatibility/2006" xmlns:lc="http://schemas.openxmlformats.org/drawingml/2006/lockedCanvas" id="{1A4C5F64-6070-4AA7-B3C8-B87CA784202B}"/>
-              </a:ext>
-            </a:extLst>
-          </p:cNvPr>
-          <p:cNvSpPr/>
-          <p:nvPr/>
-        </p:nvSpPr>
-        <p:spPr>
-          <a:xfrm>
-            <a:off x="3752546" y="4973906"/>
-            <a:ext cx="4292509" cy="1159458"/>
-          </a:xfrm>
-          <a:prstGeom prst="roundRect">
-            <a:avLst/>
-          </a:prstGeom>
-        </p:spPr>
-        <p:style>
-          <a:lnRef idx="1">
-            <a:schemeClr val="accent4"/>
-          </a:lnRef>
-          <a:fillRef idx="2">
-            <a:schemeClr val="accent4"/>
-          </a:fillRef>
-          <a:effectRef idx="1">
-            <a:schemeClr val="accent4"/>
-          </a:effectRef>
-          <a:fontRef idx="minor">
-            <a:schemeClr val="dk1"/>
-          </a:fontRef>
-        </p:style>
-        <p:txBody>
-          <a:bodyPr rtlCol="0" anchor="t"/>
-          <a:lstStyle>
-            <a:defPPr>
-              <a:defRPr lang="en-US"/>
-            </a:defPPr>
-            <a:lvl1pPr marL="0" algn="l" defTabSz="914400" rtl="0" eaLnBrk="1" latinLnBrk="0" hangingPunct="1">
-              <a:defRPr sz="1800" kern="1200">
-                <a:solidFill>
-                  <a:schemeClr val="dk1"/>
-                </a:solidFill>
-                <a:latin typeface="+mn-lt"/>
-                <a:ea typeface="+mn-ea"/>
-                <a:cs typeface="+mn-cs"/>
-              </a:defRPr>
-            </a:lvl1pPr>
-            <a:lvl2pPr marL="457200" algn="l" defTabSz="914400" rtl="0" eaLnBrk="1" latinLnBrk="0" hangingPunct="1">
-              <a:defRPr sz="1800" kern="1200">
-                <a:solidFill>
-                  <a:schemeClr val="dk1"/>
-                </a:solidFill>
-                <a:latin typeface="+mn-lt"/>
-                <a:ea typeface="+mn-ea"/>
-                <a:cs typeface="+mn-cs"/>
-              </a:defRPr>
-            </a:lvl2pPr>
-            <a:lvl3pPr marL="914400" algn="l" defTabSz="914400" rtl="0" eaLnBrk="1" latinLnBrk="0" hangingPunct="1">
-              <a:defRPr sz="1800" kern="1200">
-                <a:solidFill>
-                  <a:schemeClr val="dk1"/>
-                </a:solidFill>
-                <a:latin typeface="+mn-lt"/>
-                <a:ea typeface="+mn-ea"/>
-                <a:cs typeface="+mn-cs"/>
-              </a:defRPr>
-            </a:lvl3pPr>
-            <a:lvl4pPr marL="1371600" algn="l" defTabSz="914400" rtl="0" eaLnBrk="1" latinLnBrk="0" hangingPunct="1">
-              <a:defRPr sz="1800" kern="1200">
-                <a:solidFill>
-                  <a:schemeClr val="dk1"/>
-                </a:solidFill>
-                <a:latin typeface="+mn-lt"/>
-                <a:ea typeface="+mn-ea"/>
-                <a:cs typeface="+mn-cs"/>
-              </a:defRPr>
-            </a:lvl4pPr>
-            <a:lvl5pPr marL="1828800" algn="l" defTabSz="914400" rtl="0" eaLnBrk="1" latinLnBrk="0" hangingPunct="1">
-              <a:defRPr sz="1800" kern="1200">
-                <a:solidFill>
-                  <a:schemeClr val="dk1"/>
-                </a:solidFill>
-                <a:latin typeface="+mn-lt"/>
-                <a:ea typeface="+mn-ea"/>
-                <a:cs typeface="+mn-cs"/>
-              </a:defRPr>
-            </a:lvl5pPr>
-            <a:lvl6pPr marL="2286000" algn="l" defTabSz="914400" rtl="0" eaLnBrk="1" latinLnBrk="0" hangingPunct="1">
-              <a:defRPr sz="1800" kern="1200">
-                <a:solidFill>
-                  <a:schemeClr val="dk1"/>
-                </a:solidFill>
-                <a:latin typeface="+mn-lt"/>
-                <a:ea typeface="+mn-ea"/>
-                <a:cs typeface="+mn-cs"/>
-              </a:defRPr>
-            </a:lvl6pPr>
-            <a:lvl7pPr marL="2743200" algn="l" defTabSz="914400" rtl="0" eaLnBrk="1" latinLnBrk="0" hangingPunct="1">
-              <a:defRPr sz="1800" kern="1200">
-                <a:solidFill>
-                  <a:schemeClr val="dk1"/>
-                </a:solidFill>
-                <a:latin typeface="+mn-lt"/>
-                <a:ea typeface="+mn-ea"/>
-                <a:cs typeface="+mn-cs"/>
-              </a:defRPr>
-            </a:lvl7pPr>
-            <a:lvl8pPr marL="3200400" algn="l" defTabSz="914400" rtl="0" eaLnBrk="1" latinLnBrk="0" hangingPunct="1">
-              <a:defRPr sz="1800" kern="1200">
-                <a:solidFill>
-                  <a:schemeClr val="dk1"/>
-                </a:solidFill>
-                <a:latin typeface="+mn-lt"/>
-                <a:ea typeface="+mn-ea"/>
-                <a:cs typeface="+mn-cs"/>
-              </a:defRPr>
-            </a:lvl8pPr>
-            <a:lvl9pPr marL="3657600" algn="l" defTabSz="914400" rtl="0" eaLnBrk="1" latinLnBrk="0" hangingPunct="1">
-              <a:defRPr sz="1800" kern="1200">
-                <a:solidFill>
-                  <a:schemeClr val="dk1"/>
-                </a:solidFill>
-                <a:latin typeface="+mn-lt"/>
-                <a:ea typeface="+mn-ea"/>
-                <a:cs typeface="+mn-cs"/>
-              </a:defRPr>
-            </a:lvl9pPr>
-          </a:lstStyle>
-          <a:p>
-            <a:pPr algn="ctr"/>
-            <a:r>
-              <a:rPr lang="en-US" sz="1600" dirty="0"/>
-              <a:t>Automated Testing</a:t>
-            </a:r>
-          </a:p>
-        </p:txBody>
-      </p:sp>
-      <p:pic>
-        <p:nvPicPr>
-          <p:cNvPr id="56" name="Picture 55">
-            <a:extLst>
-              <a:ext uri="{FF2B5EF4-FFF2-40B4-BE49-F238E27FC236}">
-                <a16:creationId xmlns:a16="http://schemas.microsoft.com/office/drawing/2014/main" xmlns="" xmlns:wne="http://schemas.microsoft.com/office/word/2006/wordml" xmlns:w="http://schemas.openxmlformats.org/wordprocessingml/2006/main" xmlns:w10="urn:schemas-microsoft-com:office:word" xmlns:wp="http://schemas.openxmlformats.org/drawingml/2006/wordprocessingDrawing" xmlns:v="urn:schemas-microsoft-com:vml" xmlns:m="http://schemas.openxmlformats.org/officeDocument/2006/math" xmlns:o="urn:schemas-microsoft-com:office:office" xmlns:ve="http://schemas.openxmlformats.org/markup-compatibility/2006" xmlns:lc="http://schemas.openxmlformats.org/drawingml/2006/lockedCanvas" id="{72721FF6-1EE4-4E1C-AD01-BC2F7761B051}"/>
-              </a:ext>
-            </a:extLst>
-          </p:cNvPr>
-          <p:cNvPicPr>
-            <a:picLocks noChangeAspect="1"/>
-          </p:cNvPicPr>
-          <p:nvPr/>
-        </p:nvPicPr>
-        <p:blipFill>
-          <a:blip r:embed="rId9" cstate="print">
-            <a:extLst>
-              <a:ext uri="{28A0092B-C50C-407E-A947-70E740481C1C}">
-                <a14:useLocalDpi xmlns:a14="http://schemas.microsoft.com/office/drawing/2010/main" val="0"/>
-              </a:ext>
-            </a:extLst>
-          </a:blip>
-          <a:stretch>
-            <a:fillRect/>
-          </a:stretch>
-        </p:blipFill>
-        <p:spPr>
-          <a:xfrm>
-            <a:off x="3777856" y="5229713"/>
-            <a:ext cx="1361063" cy="862456"/>
-          </a:xfrm>
-          <a:prstGeom prst="rect">
-            <a:avLst/>
-          </a:prstGeom>
-        </p:spPr>
-      </p:pic>
-      <p:sp>
-        <p:nvSpPr>
-          <p:cNvPr id="57" name="Rectangle: Rounded Corners 58">
-            <a:extLst>
-              <a:ext uri="{FF2B5EF4-FFF2-40B4-BE49-F238E27FC236}">
-                <a16:creationId xmlns:a16="http://schemas.microsoft.com/office/drawing/2014/main" xmlns="" xmlns:wne="http://schemas.microsoft.com/office/word/2006/wordml" xmlns:w="http://schemas.openxmlformats.org/wordprocessingml/2006/main" xmlns:w10="urn:schemas-microsoft-com:office:word" xmlns:wp="http://schemas.openxmlformats.org/drawingml/2006/wordprocessingDrawing" xmlns:v="urn:schemas-microsoft-com:vml" xmlns:m="http://schemas.openxmlformats.org/officeDocument/2006/math" xmlns:o="urn:schemas-microsoft-com:office:office" xmlns:ve="http://schemas.openxmlformats.org/markup-compatibility/2006" xmlns:lc="http://schemas.openxmlformats.org/drawingml/2006/lockedCanvas" id="{40DDAFC7-2343-4D18-84DB-27D82A318D14}"/>
-              </a:ext>
-            </a:extLst>
-          </p:cNvPr>
-          <p:cNvSpPr/>
-          <p:nvPr/>
-        </p:nvSpPr>
-        <p:spPr>
-          <a:xfrm>
-            <a:off x="8395995" y="2266906"/>
-            <a:ext cx="2036425" cy="1727426"/>
-          </a:xfrm>
-          <a:prstGeom prst="roundRect">
-            <a:avLst/>
-          </a:prstGeom>
-        </p:spPr>
-        <p:style>
-          <a:lnRef idx="1">
-            <a:schemeClr val="accent4"/>
-          </a:lnRef>
-          <a:fillRef idx="2">
-            <a:schemeClr val="accent4"/>
-          </a:fillRef>
-          <a:effectRef idx="1">
-            <a:schemeClr val="accent4"/>
-          </a:effectRef>
-          <a:fontRef idx="minor">
-            <a:schemeClr val="dk1"/>
-          </a:fontRef>
-        </p:style>
-        <p:txBody>
-          <a:bodyPr rtlCol="0" anchor="t"/>
-          <a:lstStyle>
-            <a:defPPr>
-              <a:defRPr lang="en-US"/>
-            </a:defPPr>
-            <a:lvl1pPr marL="0" algn="l" defTabSz="914400" rtl="0" eaLnBrk="1" latinLnBrk="0" hangingPunct="1">
-              <a:defRPr sz="1800" kern="1200">
-                <a:solidFill>
-                  <a:schemeClr val="dk1"/>
-                </a:solidFill>
-                <a:latin typeface="+mn-lt"/>
-                <a:ea typeface="+mn-ea"/>
-                <a:cs typeface="+mn-cs"/>
-              </a:defRPr>
-            </a:lvl1pPr>
-            <a:lvl2pPr marL="457200" algn="l" defTabSz="914400" rtl="0" eaLnBrk="1" latinLnBrk="0" hangingPunct="1">
-              <a:defRPr sz="1800" kern="1200">
-                <a:solidFill>
-                  <a:schemeClr val="dk1"/>
-                </a:solidFill>
-                <a:latin typeface="+mn-lt"/>
-                <a:ea typeface="+mn-ea"/>
-                <a:cs typeface="+mn-cs"/>
-              </a:defRPr>
-            </a:lvl2pPr>
-            <a:lvl3pPr marL="914400" algn="l" defTabSz="914400" rtl="0" eaLnBrk="1" latinLnBrk="0" hangingPunct="1">
-              <a:defRPr sz="1800" kern="1200">
-                <a:solidFill>
-                  <a:schemeClr val="dk1"/>
-                </a:solidFill>
-                <a:latin typeface="+mn-lt"/>
-                <a:ea typeface="+mn-ea"/>
-                <a:cs typeface="+mn-cs"/>
-              </a:defRPr>
-            </a:lvl3pPr>
-            <a:lvl4pPr marL="1371600" algn="l" defTabSz="914400" rtl="0" eaLnBrk="1" latinLnBrk="0" hangingPunct="1">
-              <a:defRPr sz="1800" kern="1200">
-                <a:solidFill>
-                  <a:schemeClr val="dk1"/>
-                </a:solidFill>
-                <a:latin typeface="+mn-lt"/>
-                <a:ea typeface="+mn-ea"/>
-                <a:cs typeface="+mn-cs"/>
-              </a:defRPr>
-            </a:lvl4pPr>
-            <a:lvl5pPr marL="1828800" algn="l" defTabSz="914400" rtl="0" eaLnBrk="1" latinLnBrk="0" hangingPunct="1">
-              <a:defRPr sz="1800" kern="1200">
-                <a:solidFill>
-                  <a:schemeClr val="dk1"/>
-                </a:solidFill>
-                <a:latin typeface="+mn-lt"/>
-                <a:ea typeface="+mn-ea"/>
-                <a:cs typeface="+mn-cs"/>
-              </a:defRPr>
-            </a:lvl5pPr>
-            <a:lvl6pPr marL="2286000" algn="l" defTabSz="914400" rtl="0" eaLnBrk="1" latinLnBrk="0" hangingPunct="1">
-              <a:defRPr sz="1800" kern="1200">
-                <a:solidFill>
-                  <a:schemeClr val="dk1"/>
-                </a:solidFill>
-                <a:latin typeface="+mn-lt"/>
-                <a:ea typeface="+mn-ea"/>
-                <a:cs typeface="+mn-cs"/>
-              </a:defRPr>
-            </a:lvl6pPr>
-            <a:lvl7pPr marL="2743200" algn="l" defTabSz="914400" rtl="0" eaLnBrk="1" latinLnBrk="0" hangingPunct="1">
-              <a:defRPr sz="1800" kern="1200">
-                <a:solidFill>
-                  <a:schemeClr val="dk1"/>
-                </a:solidFill>
-                <a:latin typeface="+mn-lt"/>
-                <a:ea typeface="+mn-ea"/>
-                <a:cs typeface="+mn-cs"/>
-              </a:defRPr>
-            </a:lvl7pPr>
-            <a:lvl8pPr marL="3200400" algn="l" defTabSz="914400" rtl="0" eaLnBrk="1" latinLnBrk="0" hangingPunct="1">
-              <a:defRPr sz="1800" kern="1200">
-                <a:solidFill>
-                  <a:schemeClr val="dk1"/>
-                </a:solidFill>
-                <a:latin typeface="+mn-lt"/>
-                <a:ea typeface="+mn-ea"/>
-                <a:cs typeface="+mn-cs"/>
-              </a:defRPr>
-            </a:lvl8pPr>
-            <a:lvl9pPr marL="3657600" algn="l" defTabSz="914400" rtl="0" eaLnBrk="1" latinLnBrk="0" hangingPunct="1">
-              <a:defRPr sz="1800" kern="1200">
-                <a:solidFill>
-                  <a:schemeClr val="dk1"/>
-                </a:solidFill>
-                <a:latin typeface="+mn-lt"/>
-                <a:ea typeface="+mn-ea"/>
-                <a:cs typeface="+mn-cs"/>
-              </a:defRPr>
-            </a:lvl9pPr>
-          </a:lstStyle>
-          <a:p>
-            <a:pPr algn="ctr"/>
-            <a:r>
-              <a:rPr lang="en-US" sz="1600" dirty="0"/>
-              <a:t>Deployment</a:t>
-            </a:r>
-          </a:p>
-          <a:p>
-            <a:pPr algn="ctr"/>
-            <a:r>
-              <a:rPr lang="en-US" sz="1600" dirty="0"/>
-              <a:t>Environments</a:t>
-            </a:r>
-          </a:p>
-        </p:txBody>
-      </p:sp>
-      <p:sp>
-        <p:nvSpPr>
-          <p:cNvPr id="58" name="Rectangle: Rounded Corners 64">
-            <a:extLst>
-              <a:ext uri="{FF2B5EF4-FFF2-40B4-BE49-F238E27FC236}">
-                <a16:creationId xmlns:a16="http://schemas.microsoft.com/office/drawing/2014/main" xmlns="" xmlns:wne="http://schemas.microsoft.com/office/word/2006/wordml" xmlns:w="http://schemas.openxmlformats.org/wordprocessingml/2006/main" xmlns:w10="urn:schemas-microsoft-com:office:word" xmlns:wp="http://schemas.openxmlformats.org/drawingml/2006/wordprocessingDrawing" xmlns:v="urn:schemas-microsoft-com:vml" xmlns:m="http://schemas.openxmlformats.org/officeDocument/2006/math" xmlns:o="urn:schemas-microsoft-com:office:office" xmlns:ve="http://schemas.openxmlformats.org/markup-compatibility/2006" xmlns:lc="http://schemas.openxmlformats.org/drawingml/2006/lockedCanvas" id="{46AFC2AF-CFE6-4A1C-A681-9C5F8CDC4E08}"/>
-              </a:ext>
-            </a:extLst>
-          </p:cNvPr>
-          <p:cNvSpPr/>
-          <p:nvPr/>
-        </p:nvSpPr>
-        <p:spPr>
-          <a:xfrm>
-            <a:off x="8405321" y="4241552"/>
-            <a:ext cx="2053430" cy="1860391"/>
-          </a:xfrm>
-          <a:prstGeom prst="roundRect">
-            <a:avLst/>
-          </a:prstGeom>
-        </p:spPr>
-        <p:style>
-          <a:lnRef idx="1">
-            <a:schemeClr val="accent4"/>
-          </a:lnRef>
-          <a:fillRef idx="2">
-            <a:schemeClr val="accent4"/>
-          </a:fillRef>
-          <a:effectRef idx="1">
-            <a:schemeClr val="accent4"/>
-          </a:effectRef>
-          <a:fontRef idx="minor">
-            <a:schemeClr val="dk1"/>
-          </a:fontRef>
-        </p:style>
-        <p:txBody>
-          <a:bodyPr rtlCol="0" anchor="t"/>
-          <a:lstStyle>
-            <a:defPPr>
-              <a:defRPr lang="en-US"/>
-            </a:defPPr>
-            <a:lvl1pPr marL="0" algn="l" defTabSz="914400" rtl="0" eaLnBrk="1" latinLnBrk="0" hangingPunct="1">
-              <a:defRPr sz="1800" kern="1200">
-                <a:solidFill>
-                  <a:schemeClr val="dk1"/>
-                </a:solidFill>
-                <a:latin typeface="+mn-lt"/>
-                <a:ea typeface="+mn-ea"/>
-                <a:cs typeface="+mn-cs"/>
-              </a:defRPr>
-            </a:lvl1pPr>
-            <a:lvl2pPr marL="457200" algn="l" defTabSz="914400" rtl="0" eaLnBrk="1" latinLnBrk="0" hangingPunct="1">
-              <a:defRPr sz="1800" kern="1200">
-                <a:solidFill>
-                  <a:schemeClr val="dk1"/>
-                </a:solidFill>
-                <a:latin typeface="+mn-lt"/>
-                <a:ea typeface="+mn-ea"/>
-                <a:cs typeface="+mn-cs"/>
-              </a:defRPr>
-            </a:lvl2pPr>
-            <a:lvl3pPr marL="914400" algn="l" defTabSz="914400" rtl="0" eaLnBrk="1" latinLnBrk="0" hangingPunct="1">
-              <a:defRPr sz="1800" kern="1200">
-                <a:solidFill>
-                  <a:schemeClr val="dk1"/>
-                </a:solidFill>
-                <a:latin typeface="+mn-lt"/>
-                <a:ea typeface="+mn-ea"/>
-                <a:cs typeface="+mn-cs"/>
-              </a:defRPr>
-            </a:lvl3pPr>
-            <a:lvl4pPr marL="1371600" algn="l" defTabSz="914400" rtl="0" eaLnBrk="1" latinLnBrk="0" hangingPunct="1">
-              <a:defRPr sz="1800" kern="1200">
-                <a:solidFill>
-                  <a:schemeClr val="dk1"/>
-                </a:solidFill>
-                <a:latin typeface="+mn-lt"/>
-                <a:ea typeface="+mn-ea"/>
-                <a:cs typeface="+mn-cs"/>
-              </a:defRPr>
-            </a:lvl4pPr>
-            <a:lvl5pPr marL="1828800" algn="l" defTabSz="914400" rtl="0" eaLnBrk="1" latinLnBrk="0" hangingPunct="1">
-              <a:defRPr sz="1800" kern="1200">
-                <a:solidFill>
-                  <a:schemeClr val="dk1"/>
-                </a:solidFill>
-                <a:latin typeface="+mn-lt"/>
-                <a:ea typeface="+mn-ea"/>
-                <a:cs typeface="+mn-cs"/>
-              </a:defRPr>
-            </a:lvl5pPr>
-            <a:lvl6pPr marL="2286000" algn="l" defTabSz="914400" rtl="0" eaLnBrk="1" latinLnBrk="0" hangingPunct="1">
-              <a:defRPr sz="1800" kern="1200">
-                <a:solidFill>
-                  <a:schemeClr val="dk1"/>
-                </a:solidFill>
-                <a:latin typeface="+mn-lt"/>
-                <a:ea typeface="+mn-ea"/>
-                <a:cs typeface="+mn-cs"/>
-              </a:defRPr>
-            </a:lvl6pPr>
-            <a:lvl7pPr marL="2743200" algn="l" defTabSz="914400" rtl="0" eaLnBrk="1" latinLnBrk="0" hangingPunct="1">
-              <a:defRPr sz="1800" kern="1200">
-                <a:solidFill>
-                  <a:schemeClr val="dk1"/>
-                </a:solidFill>
-                <a:latin typeface="+mn-lt"/>
-                <a:ea typeface="+mn-ea"/>
-                <a:cs typeface="+mn-cs"/>
-              </a:defRPr>
-            </a:lvl7pPr>
-            <a:lvl8pPr marL="3200400" algn="l" defTabSz="914400" rtl="0" eaLnBrk="1" latinLnBrk="0" hangingPunct="1">
-              <a:defRPr sz="1800" kern="1200">
-                <a:solidFill>
-                  <a:schemeClr val="dk1"/>
-                </a:solidFill>
-                <a:latin typeface="+mn-lt"/>
-                <a:ea typeface="+mn-ea"/>
-                <a:cs typeface="+mn-cs"/>
-              </a:defRPr>
-            </a:lvl8pPr>
-            <a:lvl9pPr marL="3657600" algn="l" defTabSz="914400" rtl="0" eaLnBrk="1" latinLnBrk="0" hangingPunct="1">
-              <a:defRPr sz="1800" kern="1200">
-                <a:solidFill>
-                  <a:schemeClr val="dk1"/>
-                </a:solidFill>
-                <a:latin typeface="+mn-lt"/>
-                <a:ea typeface="+mn-ea"/>
-                <a:cs typeface="+mn-cs"/>
-              </a:defRPr>
-            </a:lvl9pPr>
-          </a:lstStyle>
-          <a:p>
-            <a:pPr algn="ctr"/>
-            <a:r>
-              <a:rPr lang="en-US" sz="1600" dirty="0"/>
-              <a:t>Operate &amp; Monitor</a:t>
-            </a:r>
-          </a:p>
-        </p:txBody>
-      </p:sp>
-      <p:cxnSp>
-        <p:nvCxnSpPr>
-          <p:cNvPr id="59" name="Straight Connector 58">
-            <a:extLst>
-              <a:ext uri="{FF2B5EF4-FFF2-40B4-BE49-F238E27FC236}">
-                <a16:creationId xmlns:a16="http://schemas.microsoft.com/office/drawing/2014/main" xmlns="" xmlns:wne="http://schemas.microsoft.com/office/word/2006/wordml" xmlns:w="http://schemas.openxmlformats.org/wordprocessingml/2006/main" xmlns:w10="urn:schemas-microsoft-com:office:word" xmlns:wp="http://schemas.openxmlformats.org/drawingml/2006/wordprocessingDrawing" xmlns:v="urn:schemas-microsoft-com:vml" xmlns:m="http://schemas.openxmlformats.org/officeDocument/2006/math" xmlns:o="urn:schemas-microsoft-com:office:office" xmlns:ve="http://schemas.openxmlformats.org/markup-compatibility/2006" xmlns:lc="http://schemas.openxmlformats.org/drawingml/2006/lockedCanvas" id="{F3E1E8B7-7631-4D72-A00F-E23044A1BE1F}"/>
-              </a:ext>
-            </a:extLst>
-          </p:cNvPr>
-          <p:cNvCxnSpPr>
-            <a:cxnSpLocks/>
-          </p:cNvCxnSpPr>
-          <p:nvPr/>
-        </p:nvCxnSpPr>
-        <p:spPr>
-          <a:xfrm flipH="1" flipV="1">
-            <a:off x="7548054" y="4230685"/>
-            <a:ext cx="978314" cy="386930"/>
-          </a:xfrm>
-          <a:prstGeom prst="line">
-            <a:avLst/>
-          </a:prstGeom>
-          <a:ln/>
-        </p:spPr>
-        <p:style>
-          <a:lnRef idx="2">
-            <a:schemeClr val="accent4"/>
-          </a:lnRef>
-          <a:fillRef idx="0">
-            <a:schemeClr val="accent4"/>
-          </a:fillRef>
-          <a:effectRef idx="1">
-            <a:schemeClr val="accent4"/>
-          </a:effectRef>
-          <a:fontRef idx="minor">
-            <a:schemeClr val="tx1"/>
-          </a:fontRef>
-        </p:style>
-      </p:cxnSp>
-      <p:cxnSp>
-        <p:nvCxnSpPr>
-          <p:cNvPr id="60" name="Straight Connector 59">
-            <a:extLst>
-              <a:ext uri="{FF2B5EF4-FFF2-40B4-BE49-F238E27FC236}">
-                <a16:creationId xmlns:a16="http://schemas.microsoft.com/office/drawing/2014/main" xmlns="" xmlns:wne="http://schemas.microsoft.com/office/word/2006/wordml" xmlns:w="http://schemas.openxmlformats.org/wordprocessingml/2006/main" xmlns:w10="urn:schemas-microsoft-com:office:word" xmlns:wp="http://schemas.openxmlformats.org/drawingml/2006/wordprocessingDrawing" xmlns:v="urn:schemas-microsoft-com:vml" xmlns:m="http://schemas.openxmlformats.org/officeDocument/2006/math" xmlns:o="urn:schemas-microsoft-com:office:office" xmlns:ve="http://schemas.openxmlformats.org/markup-compatibility/2006" xmlns:lc="http://schemas.openxmlformats.org/drawingml/2006/lockedCanvas" id="{F663B159-7BFE-4C43-8BAD-54538C2CE6DE}"/>
-              </a:ext>
-            </a:extLst>
-          </p:cNvPr>
-          <p:cNvCxnSpPr>
-            <a:cxnSpLocks/>
-          </p:cNvCxnSpPr>
-          <p:nvPr/>
-        </p:nvCxnSpPr>
-        <p:spPr>
-          <a:xfrm flipH="1">
-            <a:off x="3003466" y="3106549"/>
-            <a:ext cx="1927876" cy="177069"/>
-          </a:xfrm>
-          <a:prstGeom prst="line">
-            <a:avLst/>
-          </a:prstGeom>
-          <a:ln/>
-        </p:spPr>
-        <p:style>
-          <a:lnRef idx="2">
-            <a:schemeClr val="accent4"/>
-          </a:lnRef>
-          <a:fillRef idx="0">
-            <a:schemeClr val="accent4"/>
-          </a:fillRef>
-          <a:effectRef idx="1">
-            <a:schemeClr val="accent4"/>
-          </a:effectRef>
-          <a:fontRef idx="minor">
-            <a:schemeClr val="tx1"/>
-          </a:fontRef>
-        </p:style>
-      </p:cxnSp>
-      <p:cxnSp>
-        <p:nvCxnSpPr>
-          <p:cNvPr id="61" name="Straight Connector 60">
-            <a:extLst>
-              <a:ext uri="{FF2B5EF4-FFF2-40B4-BE49-F238E27FC236}">
-                <a16:creationId xmlns:a16="http://schemas.microsoft.com/office/drawing/2014/main" xmlns="" xmlns:wne="http://schemas.microsoft.com/office/word/2006/wordml" xmlns:w="http://schemas.openxmlformats.org/wordprocessingml/2006/main" xmlns:w10="urn:schemas-microsoft-com:office:word" xmlns:wp="http://schemas.openxmlformats.org/drawingml/2006/wordprocessingDrawing" xmlns:v="urn:schemas-microsoft-com:vml" xmlns:m="http://schemas.openxmlformats.org/officeDocument/2006/math" xmlns:o="urn:schemas-microsoft-com:office:office" xmlns:ve="http://schemas.openxmlformats.org/markup-compatibility/2006" xmlns:lc="http://schemas.openxmlformats.org/drawingml/2006/lockedCanvas" id="{AB4FE091-356B-4BA5-B45C-01D19290C22F}"/>
-              </a:ext>
-            </a:extLst>
-          </p:cNvPr>
-          <p:cNvCxnSpPr>
-            <a:cxnSpLocks/>
-          </p:cNvCxnSpPr>
-          <p:nvPr/>
-        </p:nvCxnSpPr>
-        <p:spPr>
-          <a:xfrm flipH="1" flipV="1">
-            <a:off x="5682856" y="2105513"/>
-            <a:ext cx="1078584" cy="273537"/>
-          </a:xfrm>
-          <a:prstGeom prst="line">
-            <a:avLst/>
-          </a:prstGeom>
-          <a:ln/>
-        </p:spPr>
-        <p:style>
-          <a:lnRef idx="2">
-            <a:schemeClr val="accent4"/>
-          </a:lnRef>
-          <a:fillRef idx="0">
-            <a:schemeClr val="accent4"/>
-          </a:fillRef>
-          <a:effectRef idx="1">
-            <a:schemeClr val="accent4"/>
-          </a:effectRef>
-          <a:fontRef idx="minor">
-            <a:schemeClr val="tx1"/>
-          </a:fontRef>
-        </p:style>
-      </p:cxnSp>
-      <p:cxnSp>
-        <p:nvCxnSpPr>
-          <p:cNvPr id="62" name="Straight Connector 61">
-            <a:extLst>
-              <a:ext uri="{FF2B5EF4-FFF2-40B4-BE49-F238E27FC236}">
-                <a16:creationId xmlns:a16="http://schemas.microsoft.com/office/drawing/2014/main" xmlns="" xmlns:wne="http://schemas.microsoft.com/office/word/2006/wordml" xmlns:w="http://schemas.openxmlformats.org/wordprocessingml/2006/main" xmlns:w10="urn:schemas-microsoft-com:office:word" xmlns:wp="http://schemas.openxmlformats.org/drawingml/2006/wordprocessingDrawing" xmlns:v="urn:schemas-microsoft-com:vml" xmlns:m="http://schemas.openxmlformats.org/officeDocument/2006/math" xmlns:o="urn:schemas-microsoft-com:office:office" xmlns:ve="http://schemas.openxmlformats.org/markup-compatibility/2006" xmlns:lc="http://schemas.openxmlformats.org/drawingml/2006/lockedCanvas" id="{609F955E-CFBC-4484-ADFC-62A6ADD6D07B}"/>
-              </a:ext>
-            </a:extLst>
-          </p:cNvPr>
-          <p:cNvCxnSpPr>
-            <a:cxnSpLocks/>
-          </p:cNvCxnSpPr>
-          <p:nvPr/>
-        </p:nvCxnSpPr>
-        <p:spPr>
-          <a:xfrm flipH="1" flipV="1">
-            <a:off x="5375959" y="4140992"/>
-            <a:ext cx="94826" cy="945043"/>
-          </a:xfrm>
-          <a:prstGeom prst="line">
-            <a:avLst/>
-          </a:prstGeom>
-          <a:ln/>
-        </p:spPr>
-        <p:style>
-          <a:lnRef idx="2">
-            <a:schemeClr val="accent4"/>
-          </a:lnRef>
-          <a:fillRef idx="0">
-            <a:schemeClr val="accent4"/>
-          </a:fillRef>
-          <a:effectRef idx="1">
-            <a:schemeClr val="accent4"/>
-          </a:effectRef>
-          <a:fontRef idx="minor">
-            <a:schemeClr val="tx1"/>
-          </a:fontRef>
-        </p:style>
-      </p:cxnSp>
-      <p:cxnSp>
-        <p:nvCxnSpPr>
-          <p:cNvPr id="63" name="Straight Connector 62">
-            <a:extLst>
-              <a:ext uri="{FF2B5EF4-FFF2-40B4-BE49-F238E27FC236}">
-                <a16:creationId xmlns:a16="http://schemas.microsoft.com/office/drawing/2014/main" xmlns="" xmlns:wne="http://schemas.microsoft.com/office/word/2006/wordml" xmlns:w="http://schemas.openxmlformats.org/wordprocessingml/2006/main" xmlns:w10="urn:schemas-microsoft-com:office:word" xmlns:wp="http://schemas.openxmlformats.org/drawingml/2006/wordprocessingDrawing" xmlns:v="urn:schemas-microsoft-com:vml" xmlns:m="http://schemas.openxmlformats.org/officeDocument/2006/math" xmlns:o="urn:schemas-microsoft-com:office:office" xmlns:ve="http://schemas.openxmlformats.org/markup-compatibility/2006" xmlns:lc="http://schemas.openxmlformats.org/drawingml/2006/lockedCanvas" id="{FDEA3AF4-4A30-4B3D-B6B2-0102418C87C1}"/>
-              </a:ext>
-            </a:extLst>
-          </p:cNvPr>
-          <p:cNvCxnSpPr>
-            <a:cxnSpLocks/>
-          </p:cNvCxnSpPr>
-          <p:nvPr/>
-        </p:nvCxnSpPr>
-        <p:spPr>
-          <a:xfrm flipV="1">
-            <a:off x="6739240" y="1941762"/>
-            <a:ext cx="1227433" cy="810972"/>
-          </a:xfrm>
-          <a:prstGeom prst="line">
-            <a:avLst/>
-          </a:prstGeom>
-          <a:ln/>
-        </p:spPr>
-        <p:style>
-          <a:lnRef idx="2">
-            <a:schemeClr val="accent4"/>
-          </a:lnRef>
-          <a:fillRef idx="0">
-            <a:schemeClr val="accent4"/>
-          </a:fillRef>
-          <a:effectRef idx="1">
-            <a:schemeClr val="accent4"/>
-          </a:effectRef>
-          <a:fontRef idx="minor">
-            <a:schemeClr val="tx1"/>
-          </a:fontRef>
-        </p:style>
-      </p:cxnSp>
-      <p:cxnSp>
-        <p:nvCxnSpPr>
-          <p:cNvPr id="64" name="Straight Connector 63">
-            <a:extLst>
-              <a:ext uri="{FF2B5EF4-FFF2-40B4-BE49-F238E27FC236}">
-                <a16:creationId xmlns:a16="http://schemas.microsoft.com/office/drawing/2014/main" xmlns="" xmlns:wne="http://schemas.microsoft.com/office/word/2006/wordml" xmlns:w="http://schemas.openxmlformats.org/wordprocessingml/2006/main" xmlns:w10="urn:schemas-microsoft-com:office:word" xmlns:wp="http://schemas.openxmlformats.org/drawingml/2006/wordprocessingDrawing" xmlns:v="urn:schemas-microsoft-com:vml" xmlns:m="http://schemas.openxmlformats.org/officeDocument/2006/math" xmlns:o="urn:schemas-microsoft-com:office:office" xmlns:ve="http://schemas.openxmlformats.org/markup-compatibility/2006" xmlns:lc="http://schemas.openxmlformats.org/drawingml/2006/lockedCanvas" id="{2F22BA16-D3B7-4B43-AFCE-ACF8AAE6F2AB}"/>
-              </a:ext>
-            </a:extLst>
-          </p:cNvPr>
-          <p:cNvCxnSpPr>
-            <a:cxnSpLocks/>
-          </p:cNvCxnSpPr>
-          <p:nvPr/>
-        </p:nvCxnSpPr>
-        <p:spPr>
-          <a:xfrm flipV="1">
-            <a:off x="7918722" y="3390886"/>
-            <a:ext cx="611784" cy="37679"/>
-          </a:xfrm>
-          <a:prstGeom prst="line">
-            <a:avLst/>
-          </a:prstGeom>
-          <a:ln/>
-        </p:spPr>
-        <p:style>
-          <a:lnRef idx="2">
-            <a:schemeClr val="accent4"/>
-          </a:lnRef>
-          <a:fillRef idx="0">
-            <a:schemeClr val="accent4"/>
-          </a:fillRef>
-          <a:effectRef idx="1">
-            <a:schemeClr val="accent4"/>
-          </a:effectRef>
-          <a:fontRef idx="minor">
-            <a:schemeClr val="tx1"/>
-          </a:fontRef>
-        </p:style>
-      </p:cxnSp>
-      <p:pic>
-        <p:nvPicPr>
-          <p:cNvPr id="65" name="Picture 64" descr="Related image"/>
-          <p:cNvPicPr>
-            <a:picLocks noChangeAspect="1" noChangeArrowheads="1"/>
-          </p:cNvPicPr>
-          <p:nvPr/>
-        </p:nvPicPr>
-        <p:blipFill>
-          <a:blip r:embed="rId10" cstate="print"/>
-          <a:srcRect/>
-          <a:stretch>
-            <a:fillRect/>
-          </a:stretch>
-        </p:blipFill>
-        <p:spPr bwMode="auto">
-          <a:xfrm>
-            <a:off x="2406256" y="4924913"/>
-            <a:ext cx="833438" cy="533400"/>
-          </a:xfrm>
-          <a:prstGeom prst="rect">
-            <a:avLst/>
-          </a:prstGeom>
-          <a:noFill/>
-        </p:spPr>
-      </p:pic>
-      <p:pic>
-        <p:nvPicPr>
-          <p:cNvPr id="66" name="Picture 65" descr="Image result for slack icon"/>
-          <p:cNvPicPr>
-            <a:picLocks noChangeAspect="1" noChangeArrowheads="1"/>
-          </p:cNvPicPr>
-          <p:nvPr/>
-        </p:nvPicPr>
-        <p:blipFill>
-          <a:blip r:embed="rId11" cstate="print"/>
-          <a:srcRect/>
-          <a:stretch>
-            <a:fillRect/>
-          </a:stretch>
-        </p:blipFill>
-        <p:spPr bwMode="auto">
-          <a:xfrm>
-            <a:off x="1796656" y="3019913"/>
-            <a:ext cx="1143000" cy="1066800"/>
-          </a:xfrm>
-          <a:prstGeom prst="rect">
-            <a:avLst/>
-          </a:prstGeom>
-          <a:noFill/>
-        </p:spPr>
-      </p:pic>
-      <p:pic>
-        <p:nvPicPr>
-          <p:cNvPr id="67" name="Picture 66" descr="Image result for Zoom.us icon"/>
-          <p:cNvPicPr>
-            <a:picLocks noChangeAspect="1" noChangeArrowheads="1"/>
-          </p:cNvPicPr>
-          <p:nvPr/>
-        </p:nvPicPr>
-        <p:blipFill>
-          <a:blip r:embed="rId12" cstate="print"/>
-          <a:srcRect/>
-          <a:stretch>
-            <a:fillRect/>
-          </a:stretch>
-        </p:blipFill>
-        <p:spPr bwMode="auto">
-          <a:xfrm>
-            <a:off x="1872856" y="3858113"/>
-            <a:ext cx="1005840" cy="228600"/>
-          </a:xfrm>
-          <a:prstGeom prst="rect">
-            <a:avLst/>
-          </a:prstGeom>
-          <a:noFill/>
-        </p:spPr>
-      </p:pic>
-      <p:pic>
-        <p:nvPicPr>
-          <p:cNvPr id="68" name="Picture 67"/>
-          <p:cNvPicPr>
-            <a:picLocks noChangeAspect="1" noChangeArrowheads="1"/>
-          </p:cNvPicPr>
-          <p:nvPr/>
-        </p:nvPicPr>
-        <p:blipFill>
-          <a:blip r:embed="rId13" cstate="print"/>
-          <a:srcRect/>
-          <a:stretch>
-            <a:fillRect/>
-          </a:stretch>
-        </p:blipFill>
-        <p:spPr bwMode="auto">
-          <a:xfrm>
-            <a:off x="1796656" y="3019913"/>
-            <a:ext cx="1219200" cy="228600"/>
-          </a:xfrm>
-          <a:prstGeom prst="rect">
-            <a:avLst/>
-          </a:prstGeom>
-          <a:noFill/>
-          <a:ln w="9525">
-            <a:noFill/>
-            <a:miter lim="800000"/>
-            <a:headEnd/>
-            <a:tailEnd/>
-          </a:ln>
-          <a:effectLst/>
-        </p:spPr>
-      </p:pic>
-      <p:sp>
-        <p:nvSpPr>
-          <p:cNvPr id="69" name="TextBox 60"/>
-          <p:cNvSpPr txBox="1"/>
-          <p:nvPr/>
-        </p:nvSpPr>
-        <p:spPr>
-          <a:xfrm>
-            <a:off x="6368656" y="5534513"/>
-            <a:ext cx="1675459" cy="523220"/>
-          </a:xfrm>
-          <a:prstGeom prst="rect">
-            <a:avLst/>
-          </a:prstGeom>
-          <a:noFill/>
-        </p:spPr>
-        <p:txBody>
-          <a:bodyPr wrap="none" rtlCol="0">
-            <a:spAutoFit/>
-          </a:bodyPr>
-          <a:lstStyle>
-            <a:defPPr>
-              <a:defRPr lang="en-US"/>
-            </a:defPPr>
-            <a:lvl1pPr marL="0" algn="l" defTabSz="914400" rtl="0" eaLnBrk="1" latinLnBrk="0" hangingPunct="1">
-              <a:defRPr sz="1800" kern="1200">
-                <a:solidFill>
-                  <a:schemeClr val="tx1"/>
-                </a:solidFill>
-                <a:latin typeface="+mn-lt"/>
-                <a:ea typeface="+mn-ea"/>
-                <a:cs typeface="+mn-cs"/>
-              </a:defRPr>
-            </a:lvl1pPr>
-            <a:lvl2pPr marL="457200" algn="l" defTabSz="914400" rtl="0" eaLnBrk="1" latinLnBrk="0" hangingPunct="1">
-              <a:defRPr sz="1800" kern="1200">
-                <a:solidFill>
-                  <a:schemeClr val="tx1"/>
-                </a:solidFill>
-                <a:latin typeface="+mn-lt"/>
-                <a:ea typeface="+mn-ea"/>
-                <a:cs typeface="+mn-cs"/>
-              </a:defRPr>
-            </a:lvl2pPr>
-            <a:lvl3pPr marL="914400" algn="l" defTabSz="914400" rtl="0" eaLnBrk="1" latinLnBrk="0" hangingPunct="1">
-              <a:defRPr sz="1800" kern="1200">
-                <a:solidFill>
-                  <a:schemeClr val="tx1"/>
-                </a:solidFill>
-                <a:latin typeface="+mn-lt"/>
-                <a:ea typeface="+mn-ea"/>
-                <a:cs typeface="+mn-cs"/>
-              </a:defRPr>
-            </a:lvl3pPr>
-            <a:lvl4pPr marL="1371600" algn="l" defTabSz="914400" rtl="0" eaLnBrk="1" latinLnBrk="0" hangingPunct="1">
-              <a:defRPr sz="1800" kern="1200">
-                <a:solidFill>
-                  <a:schemeClr val="tx1"/>
-                </a:solidFill>
-                <a:latin typeface="+mn-lt"/>
-                <a:ea typeface="+mn-ea"/>
-                <a:cs typeface="+mn-cs"/>
-              </a:defRPr>
-            </a:lvl4pPr>
-            <a:lvl5pPr marL="1828800" algn="l" defTabSz="914400" rtl="0" eaLnBrk="1" latinLnBrk="0" hangingPunct="1">
-              <a:defRPr sz="1800" kern="1200">
-                <a:solidFill>
-                  <a:schemeClr val="tx1"/>
-                </a:solidFill>
-                <a:latin typeface="+mn-lt"/>
-                <a:ea typeface="+mn-ea"/>
-                <a:cs typeface="+mn-cs"/>
-              </a:defRPr>
-            </a:lvl5pPr>
-            <a:lvl6pPr marL="2286000" algn="l" defTabSz="914400" rtl="0" eaLnBrk="1" latinLnBrk="0" hangingPunct="1">
-              <a:defRPr sz="1800" kern="1200">
-                <a:solidFill>
-                  <a:schemeClr val="tx1"/>
-                </a:solidFill>
-                <a:latin typeface="+mn-lt"/>
-                <a:ea typeface="+mn-ea"/>
-                <a:cs typeface="+mn-cs"/>
-              </a:defRPr>
-            </a:lvl6pPr>
-            <a:lvl7pPr marL="2743200" algn="l" defTabSz="914400" rtl="0" eaLnBrk="1" latinLnBrk="0" hangingPunct="1">
-              <a:defRPr sz="1800" kern="1200">
-                <a:solidFill>
-                  <a:schemeClr val="tx1"/>
-                </a:solidFill>
-                <a:latin typeface="+mn-lt"/>
-                <a:ea typeface="+mn-ea"/>
-                <a:cs typeface="+mn-cs"/>
-              </a:defRPr>
-            </a:lvl7pPr>
-            <a:lvl8pPr marL="3200400" algn="l" defTabSz="914400" rtl="0" eaLnBrk="1" latinLnBrk="0" hangingPunct="1">
-              <a:defRPr sz="1800" kern="1200">
-                <a:solidFill>
-                  <a:schemeClr val="tx1"/>
-                </a:solidFill>
-                <a:latin typeface="+mn-lt"/>
-                <a:ea typeface="+mn-ea"/>
-                <a:cs typeface="+mn-cs"/>
-              </a:defRPr>
-            </a:lvl8pPr>
-            <a:lvl9pPr marL="3657600" algn="l" defTabSz="914400" rtl="0" eaLnBrk="1" latinLnBrk="0" hangingPunct="1">
-              <a:defRPr sz="1800" kern="1200">
-                <a:solidFill>
-                  <a:schemeClr val="tx1"/>
-                </a:solidFill>
-                <a:latin typeface="+mn-lt"/>
-                <a:ea typeface="+mn-ea"/>
-                <a:cs typeface="+mn-cs"/>
-              </a:defRPr>
-            </a:lvl9pPr>
-          </a:lstStyle>
-          <a:p>
-            <a:pPr algn="ctr"/>
-            <a:r>
-              <a:rPr lang="en-IE" sz="1400" dirty="0" err="1" smtClean="0">
-                <a:effectLst>
-                  <a:outerShdw blurRad="38100" dist="38100" dir="2700000" algn="tl">
-                    <a:srgbClr val="000000">
-                      <a:alpha val="43137"/>
-                    </a:srgbClr>
-                  </a:outerShdw>
-                </a:effectLst>
-                <a:latin typeface="Britannic Bold" pitchFamily="34" charset="0"/>
-              </a:rPr>
-              <a:t>Wrk</a:t>
-            </a:r>
-            <a:r>
-              <a:rPr lang="en-IE" sz="1400" dirty="0" smtClean="0">
-                <a:effectLst>
-                  <a:outerShdw blurRad="38100" dist="38100" dir="2700000" algn="tl">
-                    <a:srgbClr val="000000">
-                      <a:alpha val="43137"/>
-                    </a:srgbClr>
-                  </a:outerShdw>
-                </a:effectLst>
-                <a:latin typeface="Britannic Bold" pitchFamily="34" charset="0"/>
-              </a:rPr>
-              <a:t> </a:t>
-            </a:r>
-          </a:p>
-          <a:p>
-            <a:pPr algn="ctr"/>
-            <a:r>
-              <a:rPr lang="en-IE" sz="1400" dirty="0" smtClean="0">
-                <a:effectLst>
-                  <a:outerShdw blurRad="38100" dist="38100" dir="2700000" algn="tl">
-                    <a:srgbClr val="000000">
-                      <a:alpha val="43137"/>
-                    </a:srgbClr>
-                  </a:outerShdw>
-                </a:effectLst>
-                <a:latin typeface="Britannic Bold" pitchFamily="34" charset="0"/>
-              </a:rPr>
-              <a:t>Performance Tests</a:t>
-            </a:r>
-            <a:endParaRPr lang="en-IE" sz="1400" dirty="0">
-              <a:effectLst>
-                <a:outerShdw blurRad="38100" dist="38100" dir="2700000" algn="tl">
-                  <a:srgbClr val="000000">
-                    <a:alpha val="43137"/>
-                  </a:srgbClr>
-                </a:outerShdw>
-              </a:effectLst>
-              <a:latin typeface="Britannic Bold" pitchFamily="34" charset="0"/>
-            </a:endParaRPr>
-          </a:p>
-        </p:txBody>
-      </p:sp>
-      <p:pic>
-        <p:nvPicPr>
-          <p:cNvPr id="70" name="Picture 69" descr="Related image"/>
-          <p:cNvPicPr>
-            <a:picLocks noChangeAspect="1" noChangeArrowheads="1"/>
-          </p:cNvPicPr>
-          <p:nvPr/>
-        </p:nvPicPr>
-        <p:blipFill>
-          <a:blip r:embed="rId14" cstate="print"/>
-          <a:srcRect/>
-          <a:stretch>
-            <a:fillRect/>
-          </a:stretch>
-        </p:blipFill>
-        <p:spPr bwMode="auto">
-          <a:xfrm>
-            <a:off x="5378056" y="5382113"/>
-            <a:ext cx="1099037" cy="457200"/>
-          </a:xfrm>
-          <a:prstGeom prst="rect">
-            <a:avLst/>
-          </a:prstGeom>
-          <a:noFill/>
-        </p:spPr>
-      </p:pic>
-      <p:pic>
-        <p:nvPicPr>
-          <p:cNvPr id="71" name="Picture 70" descr="Related image"/>
-          <p:cNvPicPr>
-            <a:picLocks noChangeAspect="1" noChangeArrowheads="1"/>
-          </p:cNvPicPr>
-          <p:nvPr/>
-        </p:nvPicPr>
-        <p:blipFill>
-          <a:blip r:embed="rId15" cstate="print"/>
-          <a:srcRect/>
-          <a:stretch>
-            <a:fillRect/>
-          </a:stretch>
-        </p:blipFill>
-        <p:spPr bwMode="auto">
-          <a:xfrm>
-            <a:off x="8730856" y="2943713"/>
-            <a:ext cx="1507601" cy="397002"/>
-          </a:xfrm>
-          <a:prstGeom prst="rect">
-            <a:avLst/>
-          </a:prstGeom>
-          <a:noFill/>
-        </p:spPr>
-      </p:pic>
-      <p:pic>
-        <p:nvPicPr>
-          <p:cNvPr id="72" name="Picture 71" descr="Related image"/>
-          <p:cNvPicPr>
-            <a:picLocks noChangeAspect="1" noChangeArrowheads="1"/>
-          </p:cNvPicPr>
-          <p:nvPr/>
-        </p:nvPicPr>
-        <p:blipFill>
-          <a:blip r:embed="rId16" cstate="print"/>
-          <a:srcRect/>
-          <a:stretch>
-            <a:fillRect/>
-          </a:stretch>
-        </p:blipFill>
-        <p:spPr bwMode="auto">
-          <a:xfrm>
-            <a:off x="9111856" y="3248513"/>
-            <a:ext cx="765175" cy="765175"/>
-          </a:xfrm>
-          <a:prstGeom prst="rect">
-            <a:avLst/>
-          </a:prstGeom>
-          <a:noFill/>
-        </p:spPr>
-      </p:pic>
-      <p:pic>
-        <p:nvPicPr>
-          <p:cNvPr id="73" name="Picture 72" descr="Image result for monit icon images"/>
-          <p:cNvPicPr>
-            <a:picLocks noChangeAspect="1" noChangeArrowheads="1"/>
-          </p:cNvPicPr>
-          <p:nvPr/>
-        </p:nvPicPr>
-        <p:blipFill>
-          <a:blip r:embed="rId17" cstate="print"/>
-          <a:srcRect/>
-          <a:stretch>
-            <a:fillRect/>
-          </a:stretch>
-        </p:blipFill>
-        <p:spPr bwMode="auto">
-          <a:xfrm>
-            <a:off x="8578456" y="4772513"/>
-            <a:ext cx="2057400" cy="955222"/>
-          </a:xfrm>
-          <a:prstGeom prst="rect">
-            <a:avLst/>
-          </a:prstGeom>
-          <a:noFill/>
-        </p:spPr>
-      </p:pic>
-      <p:pic>
-        <p:nvPicPr>
-          <p:cNvPr id="74" name="Picture 73" descr="Image result for gradle icon"/>
-          <p:cNvPicPr>
-            <a:picLocks noChangeAspect="1" noChangeArrowheads="1"/>
-          </p:cNvPicPr>
-          <p:nvPr/>
-        </p:nvPicPr>
-        <p:blipFill>
-          <a:blip r:embed="rId18" cstate="print"/>
-          <a:srcRect/>
-          <a:stretch>
-            <a:fillRect/>
-          </a:stretch>
-        </p:blipFill>
-        <p:spPr bwMode="auto">
-          <a:xfrm>
-            <a:off x="7359256" y="1648313"/>
-            <a:ext cx="1363148" cy="381000"/>
-          </a:xfrm>
-          <a:prstGeom prst="rect">
-            <a:avLst/>
-          </a:prstGeom>
-          <a:noFill/>
-        </p:spPr>
-      </p:pic>
+            <a:off x="1096589" y="0"/>
+            <a:ext cx="9905998" cy="1398494"/>
+          </a:xfrm>
+        </p:spPr>
+        <p:txBody>
+          <a:bodyPr/>
+          <a:lstStyle/>
+          <a:p>
+            <a:r>
+              <a:rPr lang="en-IE" dirty="0" smtClean="0"/>
+              <a:t>SLA</a:t>
+            </a:r>
+            <a:endParaRPr lang="en-IE" dirty="0"/>
+          </a:p>
+        </p:txBody>
+      </p:sp>
+      <p:sp>
+        <p:nvSpPr>
+          <p:cNvPr id="3" name="Content Placeholder 2"/>
+          <p:cNvSpPr>
+            <a:spLocks noGrp="1"/>
+          </p:cNvSpPr>
+          <p:nvPr>
+            <p:ph idx="1"/>
+          </p:nvPr>
+        </p:nvSpPr>
+        <p:spPr/>
+        <p:txBody>
+          <a:bodyPr/>
+          <a:lstStyle/>
+          <a:p>
+            <a:endParaRPr lang="en-IE" dirty="0"/>
+          </a:p>
+        </p:txBody>
+      </p:sp>
+    </p:spTree>
+    <p:extLst>
+      <p:ext uri="{BB962C8B-B14F-4D97-AF65-F5344CB8AC3E}">
+        <p14:creationId xmlns:p14="http://schemas.microsoft.com/office/powerpoint/2010/main" val="2359836205"/>
+      </p:ext>
+    </p:extLst>
+  </p:cSld>
+  <p:clrMapOvr>
+    <a:masterClrMapping/>
+  </p:clrMapOvr>
+</p:sld>
+</file>
+
+<file path=ppt/slides/slide14.xml><?xml version="1.0" encoding="utf-8"?>
+<p:sld xmlns:a="http://schemas.openxmlformats.org/drawingml/2006/main" xmlns:r="http://schemas.openxmlformats.org/officeDocument/2006/relationships" xmlns:p="http://schemas.openxmlformats.org/presentationml/2006/main">
+  <p:cSld>
+    <p:spTree>
+      <p:nvGrpSpPr>
+        <p:cNvPr id="1" name=""/>
+        <p:cNvGrpSpPr/>
+        <p:nvPr/>
+      </p:nvGrpSpPr>
+      <p:grpSpPr>
+        <a:xfrm>
+          <a:off x="0" y="0"/>
+          <a:ext cx="0" cy="0"/>
+          <a:chOff x="0" y="0"/>
+          <a:chExt cx="0" cy="0"/>
+        </a:xfrm>
+      </p:grpSpPr>
     </p:spTree>
     <p:extLst>
       <p:ext uri="{BB962C8B-B14F-4D97-AF65-F5344CB8AC3E}">
@@ -8317,7 +6469,7 @@
           <p:cNvPr id="2" name="Title 1">
             <a:extLst>
               <a:ext uri="{FF2B5EF4-FFF2-40B4-BE49-F238E27FC236}">
-                <a16:creationId xmlns:a16="http://schemas.microsoft.com/office/drawing/2014/main" xmlns="" id="{BB7DE4E6-DFB0-403A-A3D4-7A47423178D1}"/>
+                <a16:creationId xmlns="" xmlns:a16="http://schemas.microsoft.com/office/drawing/2014/main" id="{BB7DE4E6-DFB0-403A-A3D4-7A47423178D1}"/>
               </a:ext>
             </a:extLst>
           </p:cNvPr>
@@ -8373,7 +6525,7 @@
           <p:cNvPr id="3" name="Content Placeholder 2">
             <a:extLst>
               <a:ext uri="{FF2B5EF4-FFF2-40B4-BE49-F238E27FC236}">
-                <a16:creationId xmlns:a16="http://schemas.microsoft.com/office/drawing/2014/main" xmlns="" id="{1BAF3E77-EC7E-456C-BC8B-B4359E59B210}"/>
+                <a16:creationId xmlns="" xmlns:a16="http://schemas.microsoft.com/office/drawing/2014/main" id="{1BAF3E77-EC7E-456C-BC8B-B4359E59B210}"/>
               </a:ext>
             </a:extLst>
           </p:cNvPr>
@@ -8570,10 +6722,92 @@
       </p:grpSpPr>
       <p:sp>
         <p:nvSpPr>
+          <p:cNvPr id="2" name="Title 1"/>
+          <p:cNvSpPr>
+            <a:spLocks noGrp="1"/>
+          </p:cNvSpPr>
+          <p:nvPr>
+            <p:ph type="title"/>
+          </p:nvPr>
+        </p:nvSpPr>
+        <p:spPr>
+          <a:xfrm>
+            <a:off x="1141413" y="609600"/>
+            <a:ext cx="9905998" cy="1165412"/>
+          </a:xfrm>
+        </p:spPr>
+        <p:txBody>
+          <a:bodyPr/>
+          <a:lstStyle/>
+          <a:p>
+            <a:r>
+              <a:rPr lang="en-IE" dirty="0" smtClean="0"/>
+              <a:t>Schedule </a:t>
+            </a:r>
+            <a:endParaRPr lang="en-IE" dirty="0"/>
+          </a:p>
+        </p:txBody>
+      </p:sp>
+      <p:sp>
+        <p:nvSpPr>
+          <p:cNvPr id="3" name="Content Placeholder 2"/>
+          <p:cNvSpPr>
+            <a:spLocks noGrp="1"/>
+          </p:cNvSpPr>
+          <p:nvPr>
+            <p:ph idx="1"/>
+          </p:nvPr>
+        </p:nvSpPr>
+        <p:spPr>
+          <a:xfrm>
+            <a:off x="1141413" y="1918447"/>
+            <a:ext cx="9905998" cy="3872753"/>
+          </a:xfrm>
+        </p:spPr>
+        <p:txBody>
+          <a:bodyPr/>
+          <a:lstStyle/>
+          <a:p>
+            <a:endParaRPr lang="en-IE" dirty="0"/>
+          </a:p>
+        </p:txBody>
+      </p:sp>
+    </p:spTree>
+    <p:extLst>
+      <p:ext uri="{BB962C8B-B14F-4D97-AF65-F5344CB8AC3E}">
+        <p14:creationId xmlns:p14="http://schemas.microsoft.com/office/powerpoint/2010/main" val="752374773"/>
+      </p:ext>
+    </p:extLst>
+  </p:cSld>
+  <p:clrMapOvr>
+    <a:masterClrMapping/>
+  </p:clrMapOvr>
+</p:sld>
+</file>
+
+<file path=ppt/slides/slide4.xml><?xml version="1.0" encoding="utf-8"?>
+<p:sld xmlns:a="http://schemas.openxmlformats.org/drawingml/2006/main" xmlns:r="http://schemas.openxmlformats.org/officeDocument/2006/relationships" xmlns:p="http://schemas.openxmlformats.org/presentationml/2006/main">
+  <p:cSld>
+    <p:spTree>
+      <p:nvGrpSpPr>
+        <p:cNvPr id="1" name=""/>
+        <p:cNvGrpSpPr/>
+        <p:nvPr/>
+      </p:nvGrpSpPr>
+      <p:grpSpPr>
+        <a:xfrm>
+          <a:off x="0" y="0"/>
+          <a:ext cx="0" cy="0"/>
+          <a:chOff x="0" y="0"/>
+          <a:chExt cx="0" cy="0"/>
+        </a:xfrm>
+      </p:grpSpPr>
+      <p:sp>
+        <p:nvSpPr>
           <p:cNvPr id="2" name="Title 1">
             <a:extLst>
               <a:ext uri="{FF2B5EF4-FFF2-40B4-BE49-F238E27FC236}">
-                <a16:creationId xmlns:a16="http://schemas.microsoft.com/office/drawing/2014/main" xmlns="" id="{060567F0-368C-4EE8-A1E0-EEF5756B5F55}"/>
+                <a16:creationId xmlns="" xmlns:a16="http://schemas.microsoft.com/office/drawing/2014/main" id="{060567F0-368C-4EE8-A1E0-EEF5756B5F55}"/>
               </a:ext>
             </a:extLst>
           </p:cNvPr>
@@ -8622,7 +6856,7 @@
           <p:cNvPr id="4" name="Rectangle: Rounded Corners 91">
             <a:extLst>
               <a:ext uri="{FF2B5EF4-FFF2-40B4-BE49-F238E27FC236}">
-                <a16:creationId xmlns:a16="http://schemas.microsoft.com/office/drawing/2014/main" xmlns="" id="{1D838972-D107-4FC0-86F6-111F21BB8F67}"/>
+                <a16:creationId xmlns="" xmlns:a16="http://schemas.microsoft.com/office/drawing/2014/main" id="{1D838972-D107-4FC0-86F6-111F21BB8F67}"/>
               </a:ext>
             </a:extLst>
           </p:cNvPr>
@@ -8787,7 +7021,7 @@
           <p:cNvPr id="5" name="Rectangle: Rounded Corners 92">
             <a:extLst>
               <a:ext uri="{FF2B5EF4-FFF2-40B4-BE49-F238E27FC236}">
-                <a16:creationId xmlns:a16="http://schemas.microsoft.com/office/drawing/2014/main" xmlns="" id="{3361B1F7-61DA-41EA-A158-80D47FBC601B}"/>
+                <a16:creationId xmlns="" xmlns:a16="http://schemas.microsoft.com/office/drawing/2014/main" id="{3361B1F7-61DA-41EA-A158-80D47FBC601B}"/>
               </a:ext>
             </a:extLst>
           </p:cNvPr>
@@ -8954,7 +7188,7 @@
           <p:cNvPr id="6" name="Picture 5" descr="Related image">
             <a:extLst>
               <a:ext uri="{FF2B5EF4-FFF2-40B4-BE49-F238E27FC236}">
-                <a16:creationId xmlns:a16="http://schemas.microsoft.com/office/drawing/2014/main" xmlns="" id="{8913D232-6DF1-48E3-A429-AE211CF7127D}"/>
+                <a16:creationId xmlns="" xmlns:a16="http://schemas.microsoft.com/office/drawing/2014/main" id="{8913D232-6DF1-48E3-A429-AE211CF7127D}"/>
               </a:ext>
             </a:extLst>
           </p:cNvPr>
@@ -9001,7 +7235,7 @@
           <p:cNvPr id="7" name="Rectangle: Rounded Corners 94">
             <a:extLst>
               <a:ext uri="{FF2B5EF4-FFF2-40B4-BE49-F238E27FC236}">
-                <a16:creationId xmlns:a16="http://schemas.microsoft.com/office/drawing/2014/main" xmlns="" id="{026577BB-D8B8-49E0-8B70-1B84A8B8C33B}"/>
+                <a16:creationId xmlns="" xmlns:a16="http://schemas.microsoft.com/office/drawing/2014/main" id="{026577BB-D8B8-49E0-8B70-1B84A8B8C33B}"/>
               </a:ext>
             </a:extLst>
           </p:cNvPr>
@@ -9166,7 +7400,7 @@
           <p:cNvPr id="8" name="Picture 7">
             <a:extLst>
               <a:ext uri="{FF2B5EF4-FFF2-40B4-BE49-F238E27FC236}">
-                <a16:creationId xmlns:a16="http://schemas.microsoft.com/office/drawing/2014/main" xmlns="" id="{5AC3D39C-1E7D-4D10-8B3F-7F6EB9B0ED46}"/>
+                <a16:creationId xmlns="" xmlns:a16="http://schemas.microsoft.com/office/drawing/2014/main" id="{5AC3D39C-1E7D-4D10-8B3F-7F6EB9B0ED46}"/>
               </a:ext>
             </a:extLst>
           </p:cNvPr>
@@ -9202,7 +7436,7 @@
           <p:cNvPr id="9" name="Rectangle: Rounded Corners 96">
             <a:extLst>
               <a:ext uri="{FF2B5EF4-FFF2-40B4-BE49-F238E27FC236}">
-                <a16:creationId xmlns:a16="http://schemas.microsoft.com/office/drawing/2014/main" xmlns="" id="{D5A10EA0-9538-4294-9A39-376087F91AA9}"/>
+                <a16:creationId xmlns="" xmlns:a16="http://schemas.microsoft.com/office/drawing/2014/main" id="{D5A10EA0-9538-4294-9A39-376087F91AA9}"/>
               </a:ext>
             </a:extLst>
           </p:cNvPr>
@@ -9367,7 +7601,7 @@
           <p:cNvPr id="10" name="Rectangle: Rounded Corners 97">
             <a:extLst>
               <a:ext uri="{FF2B5EF4-FFF2-40B4-BE49-F238E27FC236}">
-                <a16:creationId xmlns:a16="http://schemas.microsoft.com/office/drawing/2014/main" xmlns="" id="{F6E1CC74-9639-445F-9926-FC0AF8932A1A}"/>
+                <a16:creationId xmlns="" xmlns:a16="http://schemas.microsoft.com/office/drawing/2014/main" id="{F6E1CC74-9639-445F-9926-FC0AF8932A1A}"/>
               </a:ext>
             </a:extLst>
           </p:cNvPr>
@@ -9532,7 +7766,7 @@
           <p:cNvPr id="11" name="Picture 10">
             <a:extLst>
               <a:ext uri="{FF2B5EF4-FFF2-40B4-BE49-F238E27FC236}">
-                <a16:creationId xmlns:a16="http://schemas.microsoft.com/office/drawing/2014/main" xmlns="" id="{6A2D1D4E-E637-41B0-9A80-E88C62213FA5}"/>
+                <a16:creationId xmlns="" xmlns:a16="http://schemas.microsoft.com/office/drawing/2014/main" id="{6A2D1D4E-E637-41B0-9A80-E88C62213FA5}"/>
               </a:ext>
             </a:extLst>
           </p:cNvPr>
@@ -9568,7 +7802,7 @@
           <p:cNvPr id="12" name="Picture 11">
             <a:extLst>
               <a:ext uri="{FF2B5EF4-FFF2-40B4-BE49-F238E27FC236}">
-                <a16:creationId xmlns:a16="http://schemas.microsoft.com/office/drawing/2014/main" xmlns="" id="{7A664BF7-2BED-4529-AF18-7CD31084EDBC}"/>
+                <a16:creationId xmlns="" xmlns:a16="http://schemas.microsoft.com/office/drawing/2014/main" id="{7A664BF7-2BED-4529-AF18-7CD31084EDBC}"/>
               </a:ext>
             </a:extLst>
           </p:cNvPr>
@@ -9604,7 +7838,7 @@
           <p:cNvPr id="13" name="Picture 12" descr="Related image">
             <a:extLst>
               <a:ext uri="{FF2B5EF4-FFF2-40B4-BE49-F238E27FC236}">
-                <a16:creationId xmlns:a16="http://schemas.microsoft.com/office/drawing/2014/main" xmlns="" id="{D3474849-1B27-4378-8BAC-4A0E031BC269}"/>
+                <a16:creationId xmlns="" xmlns:a16="http://schemas.microsoft.com/office/drawing/2014/main" id="{D3474849-1B27-4378-8BAC-4A0E031BC269}"/>
               </a:ext>
             </a:extLst>
           </p:cNvPr>
@@ -9651,7 +7885,7 @@
           <p:cNvPr id="14" name="Picture 13">
             <a:extLst>
               <a:ext uri="{FF2B5EF4-FFF2-40B4-BE49-F238E27FC236}">
-                <a16:creationId xmlns:a16="http://schemas.microsoft.com/office/drawing/2014/main" xmlns="" id="{B94385D5-98B6-4AC7-B7CD-65B49EF4CA03}"/>
+                <a16:creationId xmlns="" xmlns:a16="http://schemas.microsoft.com/office/drawing/2014/main" id="{B94385D5-98B6-4AC7-B7CD-65B49EF4CA03}"/>
               </a:ext>
             </a:extLst>
           </p:cNvPr>
@@ -9687,7 +7921,7 @@
           <p:cNvPr id="15" name="Straight Connector 14">
             <a:extLst>
               <a:ext uri="{FF2B5EF4-FFF2-40B4-BE49-F238E27FC236}">
-                <a16:creationId xmlns:a16="http://schemas.microsoft.com/office/drawing/2014/main" xmlns="" id="{323884FB-A247-4387-9215-9A9E8470F2A0}"/>
+                <a16:creationId xmlns="" xmlns:a16="http://schemas.microsoft.com/office/drawing/2014/main" id="{323884FB-A247-4387-9215-9A9E8470F2A0}"/>
               </a:ext>
             </a:extLst>
           </p:cNvPr>
@@ -9726,7 +7960,7 @@
           <p:cNvPr id="16" name="Straight Connector 15">
             <a:extLst>
               <a:ext uri="{FF2B5EF4-FFF2-40B4-BE49-F238E27FC236}">
-                <a16:creationId xmlns:a16="http://schemas.microsoft.com/office/drawing/2014/main" xmlns="" id="{EDBCDB02-1877-48E1-8234-82F5C68048D2}"/>
+                <a16:creationId xmlns="" xmlns:a16="http://schemas.microsoft.com/office/drawing/2014/main" id="{EDBCDB02-1877-48E1-8234-82F5C68048D2}"/>
               </a:ext>
             </a:extLst>
           </p:cNvPr>
@@ -9765,7 +7999,7 @@
           <p:cNvPr id="17" name="Picture 16">
             <a:extLst>
               <a:ext uri="{FF2B5EF4-FFF2-40B4-BE49-F238E27FC236}">
-                <a16:creationId xmlns:a16="http://schemas.microsoft.com/office/drawing/2014/main" xmlns="" id="{E63422CD-2838-4A04-81ED-A278AEC41896}"/>
+                <a16:creationId xmlns="" xmlns:a16="http://schemas.microsoft.com/office/drawing/2014/main" id="{E63422CD-2838-4A04-81ED-A278AEC41896}"/>
               </a:ext>
             </a:extLst>
           </p:cNvPr>
@@ -9801,7 +8035,7 @@
           <p:cNvPr id="18" name="Straight Connector 17">
             <a:extLst>
               <a:ext uri="{FF2B5EF4-FFF2-40B4-BE49-F238E27FC236}">
-                <a16:creationId xmlns:a16="http://schemas.microsoft.com/office/drawing/2014/main" xmlns="" id="{33381917-C21F-4F2D-87AA-7E079E65AD3F}"/>
+                <a16:creationId xmlns="" xmlns:a16="http://schemas.microsoft.com/office/drawing/2014/main" id="{33381917-C21F-4F2D-87AA-7E079E65AD3F}"/>
               </a:ext>
             </a:extLst>
           </p:cNvPr>
@@ -9840,7 +8074,7 @@
           <p:cNvPr id="19" name="Rectangle: Rounded Corners 106">
             <a:extLst>
               <a:ext uri="{FF2B5EF4-FFF2-40B4-BE49-F238E27FC236}">
-                <a16:creationId xmlns:a16="http://schemas.microsoft.com/office/drawing/2014/main" xmlns="" id="{1A4C5F64-6070-4AA7-B3C8-B87CA784202B}"/>
+                <a16:creationId xmlns="" xmlns:a16="http://schemas.microsoft.com/office/drawing/2014/main" id="{1A4C5F64-6070-4AA7-B3C8-B87CA784202B}"/>
               </a:ext>
             </a:extLst>
           </p:cNvPr>
@@ -10006,7 +8240,7 @@
           <p:cNvPr id="20" name="Picture 19">
             <a:extLst>
               <a:ext uri="{FF2B5EF4-FFF2-40B4-BE49-F238E27FC236}">
-                <a16:creationId xmlns:a16="http://schemas.microsoft.com/office/drawing/2014/main" xmlns="" id="{72721FF6-1EE4-4E1C-AD01-BC2F7761B051}"/>
+                <a16:creationId xmlns="" xmlns:a16="http://schemas.microsoft.com/office/drawing/2014/main" id="{72721FF6-1EE4-4E1C-AD01-BC2F7761B051}"/>
               </a:ext>
             </a:extLst>
           </p:cNvPr>
@@ -10042,7 +8276,7 @@
           <p:cNvPr id="21" name="Rectangle: Rounded Corners 108">
             <a:extLst>
               <a:ext uri="{FF2B5EF4-FFF2-40B4-BE49-F238E27FC236}">
-                <a16:creationId xmlns:a16="http://schemas.microsoft.com/office/drawing/2014/main" xmlns="" id="{40DDAFC7-2343-4D18-84DB-27D82A318D14}"/>
+                <a16:creationId xmlns="" xmlns:a16="http://schemas.microsoft.com/office/drawing/2014/main" id="{40DDAFC7-2343-4D18-84DB-27D82A318D14}"/>
               </a:ext>
             </a:extLst>
           </p:cNvPr>
@@ -10214,7 +8448,7 @@
           <p:cNvPr id="22" name="Rectangle: Rounded Corners 109">
             <a:extLst>
               <a:ext uri="{FF2B5EF4-FFF2-40B4-BE49-F238E27FC236}">
-                <a16:creationId xmlns:a16="http://schemas.microsoft.com/office/drawing/2014/main" xmlns="" id="{46AFC2AF-CFE6-4A1C-A681-9C5F8CDC4E08}"/>
+                <a16:creationId xmlns="" xmlns:a16="http://schemas.microsoft.com/office/drawing/2014/main" id="{46AFC2AF-CFE6-4A1C-A681-9C5F8CDC4E08}"/>
               </a:ext>
             </a:extLst>
           </p:cNvPr>
@@ -10379,7 +8613,7 @@
           <p:cNvPr id="23" name="Straight Connector 22">
             <a:extLst>
               <a:ext uri="{FF2B5EF4-FFF2-40B4-BE49-F238E27FC236}">
-                <a16:creationId xmlns:a16="http://schemas.microsoft.com/office/drawing/2014/main" xmlns="" id="{F3E1E8B7-7631-4D72-A00F-E23044A1BE1F}"/>
+                <a16:creationId xmlns="" xmlns:a16="http://schemas.microsoft.com/office/drawing/2014/main" id="{F3E1E8B7-7631-4D72-A00F-E23044A1BE1F}"/>
               </a:ext>
             </a:extLst>
           </p:cNvPr>
@@ -10418,7 +8652,7 @@
           <p:cNvPr id="24" name="Straight Connector 23">
             <a:extLst>
               <a:ext uri="{FF2B5EF4-FFF2-40B4-BE49-F238E27FC236}">
-                <a16:creationId xmlns:a16="http://schemas.microsoft.com/office/drawing/2014/main" xmlns="" id="{F663B159-7BFE-4C43-8BAD-54538C2CE6DE}"/>
+                <a16:creationId xmlns="" xmlns:a16="http://schemas.microsoft.com/office/drawing/2014/main" id="{F663B159-7BFE-4C43-8BAD-54538C2CE6DE}"/>
               </a:ext>
             </a:extLst>
           </p:cNvPr>
@@ -10457,7 +8691,7 @@
           <p:cNvPr id="25" name="Straight Connector 24">
             <a:extLst>
               <a:ext uri="{FF2B5EF4-FFF2-40B4-BE49-F238E27FC236}">
-                <a16:creationId xmlns:a16="http://schemas.microsoft.com/office/drawing/2014/main" xmlns="" id="{AB4FE091-356B-4BA5-B45C-01D19290C22F}"/>
+                <a16:creationId xmlns="" xmlns:a16="http://schemas.microsoft.com/office/drawing/2014/main" id="{AB4FE091-356B-4BA5-B45C-01D19290C22F}"/>
               </a:ext>
             </a:extLst>
           </p:cNvPr>
@@ -10496,7 +8730,7 @@
           <p:cNvPr id="26" name="Straight Connector 25">
             <a:extLst>
               <a:ext uri="{FF2B5EF4-FFF2-40B4-BE49-F238E27FC236}">
-                <a16:creationId xmlns:a16="http://schemas.microsoft.com/office/drawing/2014/main" xmlns="" id="{609F955E-CFBC-4484-ADFC-62A6ADD6D07B}"/>
+                <a16:creationId xmlns="" xmlns:a16="http://schemas.microsoft.com/office/drawing/2014/main" id="{609F955E-CFBC-4484-ADFC-62A6ADD6D07B}"/>
               </a:ext>
             </a:extLst>
           </p:cNvPr>
@@ -10535,7 +8769,7 @@
           <p:cNvPr id="27" name="Straight Connector 26">
             <a:extLst>
               <a:ext uri="{FF2B5EF4-FFF2-40B4-BE49-F238E27FC236}">
-                <a16:creationId xmlns:a16="http://schemas.microsoft.com/office/drawing/2014/main" xmlns="" id="{FDEA3AF4-4A30-4B3D-B6B2-0102418C87C1}"/>
+                <a16:creationId xmlns="" xmlns:a16="http://schemas.microsoft.com/office/drawing/2014/main" id="{FDEA3AF4-4A30-4B3D-B6B2-0102418C87C1}"/>
               </a:ext>
             </a:extLst>
           </p:cNvPr>
@@ -10574,7 +8808,7 @@
           <p:cNvPr id="28" name="Straight Connector 27">
             <a:extLst>
               <a:ext uri="{FF2B5EF4-FFF2-40B4-BE49-F238E27FC236}">
-                <a16:creationId xmlns:a16="http://schemas.microsoft.com/office/drawing/2014/main" xmlns="" id="{2F22BA16-D3B7-4B43-AFCE-ACF8AAE6F2AB}"/>
+                <a16:creationId xmlns="" xmlns:a16="http://schemas.microsoft.com/office/drawing/2014/main" id="{2F22BA16-D3B7-4B43-AFCE-ACF8AAE6F2AB}"/>
               </a:ext>
             </a:extLst>
           </p:cNvPr>
@@ -10613,7 +8847,7 @@
           <p:cNvPr id="29" name="Picture 28" descr="Related image">
             <a:extLst>
               <a:ext uri="{FF2B5EF4-FFF2-40B4-BE49-F238E27FC236}">
-                <a16:creationId xmlns:a16="http://schemas.microsoft.com/office/drawing/2014/main" xmlns="" id="{401ACDE4-B7D9-4196-A8AD-4186CA769FD5}"/>
+                <a16:creationId xmlns="" xmlns:a16="http://schemas.microsoft.com/office/drawing/2014/main" id="{401ACDE4-B7D9-4196-A8AD-4186CA769FD5}"/>
               </a:ext>
             </a:extLst>
           </p:cNvPr>
@@ -10645,7 +8879,7 @@
           <p:cNvPr id="30" name="Picture 29" descr="Image result for slack icon">
             <a:extLst>
               <a:ext uri="{FF2B5EF4-FFF2-40B4-BE49-F238E27FC236}">
-                <a16:creationId xmlns:a16="http://schemas.microsoft.com/office/drawing/2014/main" xmlns="" id="{3B4F4157-5C39-468E-B4EB-4D9FFA4C75D1}"/>
+                <a16:creationId xmlns="" xmlns:a16="http://schemas.microsoft.com/office/drawing/2014/main" id="{3B4F4157-5C39-468E-B4EB-4D9FFA4C75D1}"/>
               </a:ext>
             </a:extLst>
           </p:cNvPr>
@@ -10677,7 +8911,7 @@
           <p:cNvPr id="31" name="Picture 30" descr="Image result for Zoom.us icon">
             <a:extLst>
               <a:ext uri="{FF2B5EF4-FFF2-40B4-BE49-F238E27FC236}">
-                <a16:creationId xmlns:a16="http://schemas.microsoft.com/office/drawing/2014/main" xmlns="" id="{2F2E3B5D-CE69-4ADA-A498-65222952DD56}"/>
+                <a16:creationId xmlns="" xmlns:a16="http://schemas.microsoft.com/office/drawing/2014/main" id="{2F2E3B5D-CE69-4ADA-A498-65222952DD56}"/>
               </a:ext>
             </a:extLst>
           </p:cNvPr>
@@ -10709,7 +8943,7 @@
           <p:cNvPr id="32" name="Picture 31">
             <a:extLst>
               <a:ext uri="{FF2B5EF4-FFF2-40B4-BE49-F238E27FC236}">
-                <a16:creationId xmlns:a16="http://schemas.microsoft.com/office/drawing/2014/main" xmlns="" id="{A272410F-9916-48B3-AAB7-2F12300A37B1}"/>
+                <a16:creationId xmlns="" xmlns:a16="http://schemas.microsoft.com/office/drawing/2014/main" id="{A272410F-9916-48B3-AAB7-2F12300A37B1}"/>
               </a:ext>
             </a:extLst>
           </p:cNvPr>
@@ -10748,7 +8982,7 @@
           <p:cNvPr id="33" name="TextBox 60">
             <a:extLst>
               <a:ext uri="{FF2B5EF4-FFF2-40B4-BE49-F238E27FC236}">
-                <a16:creationId xmlns:a16="http://schemas.microsoft.com/office/drawing/2014/main" xmlns="" id="{E61ACCCE-3C6E-46EB-B66E-50745C51DE4A}"/>
+                <a16:creationId xmlns="" xmlns:a16="http://schemas.microsoft.com/office/drawing/2014/main" id="{E61ACCCE-3C6E-46EB-B66E-50745C51DE4A}"/>
               </a:ext>
             </a:extLst>
           </p:cNvPr>
@@ -10957,7 +9191,7 @@
           <p:cNvPr id="34" name="Picture 33" descr="Related image">
             <a:extLst>
               <a:ext uri="{FF2B5EF4-FFF2-40B4-BE49-F238E27FC236}">
-                <a16:creationId xmlns:a16="http://schemas.microsoft.com/office/drawing/2014/main" xmlns="" id="{008D268E-D1DB-43FB-9F12-C5E2CCA12318}"/>
+                <a16:creationId xmlns="" xmlns:a16="http://schemas.microsoft.com/office/drawing/2014/main" id="{008D268E-D1DB-43FB-9F12-C5E2CCA12318}"/>
               </a:ext>
             </a:extLst>
           </p:cNvPr>
@@ -10989,7 +9223,7 @@
           <p:cNvPr id="35" name="Picture 34" descr="Related image">
             <a:extLst>
               <a:ext uri="{FF2B5EF4-FFF2-40B4-BE49-F238E27FC236}">
-                <a16:creationId xmlns:a16="http://schemas.microsoft.com/office/drawing/2014/main" xmlns="" id="{4861B1E8-4350-452C-B15F-DCAF10295865}"/>
+                <a16:creationId xmlns="" xmlns:a16="http://schemas.microsoft.com/office/drawing/2014/main" id="{4861B1E8-4350-452C-B15F-DCAF10295865}"/>
               </a:ext>
             </a:extLst>
           </p:cNvPr>
@@ -11021,7 +9255,7 @@
           <p:cNvPr id="36" name="Picture 35" descr="Related image">
             <a:extLst>
               <a:ext uri="{FF2B5EF4-FFF2-40B4-BE49-F238E27FC236}">
-                <a16:creationId xmlns:a16="http://schemas.microsoft.com/office/drawing/2014/main" xmlns="" id="{5019FCB9-A345-42F5-9602-81AE2CA39175}"/>
+                <a16:creationId xmlns="" xmlns:a16="http://schemas.microsoft.com/office/drawing/2014/main" id="{5019FCB9-A345-42F5-9602-81AE2CA39175}"/>
               </a:ext>
             </a:extLst>
           </p:cNvPr>
@@ -11053,7 +9287,7 @@
           <p:cNvPr id="38" name="Picture 37" descr="Image result for monit icon images">
             <a:extLst>
               <a:ext uri="{FF2B5EF4-FFF2-40B4-BE49-F238E27FC236}">
-                <a16:creationId xmlns:a16="http://schemas.microsoft.com/office/drawing/2014/main" xmlns="" id="{AAFFF1A1-64CD-49A6-8815-15B8508ADC74}"/>
+                <a16:creationId xmlns="" xmlns:a16="http://schemas.microsoft.com/office/drawing/2014/main" id="{AAFFF1A1-64CD-49A6-8815-15B8508ADC74}"/>
               </a:ext>
             </a:extLst>
           </p:cNvPr>
@@ -11148,261 +9382,6 @@
     <p:extLst>
       <p:ext uri="{BB962C8B-B14F-4D97-AF65-F5344CB8AC3E}">
         <p14:creationId xmlns:p14="http://schemas.microsoft.com/office/powerpoint/2010/main" val="1826733245"/>
-      </p:ext>
-    </p:extLst>
-  </p:cSld>
-  <p:clrMapOvr>
-    <a:masterClrMapping/>
-  </p:clrMapOvr>
-  <p:timing>
-    <p:tnLst>
-      <p:par>
-        <p:cTn id="1" dur="indefinite" restart="never" nodeType="tmRoot"/>
-      </p:par>
-    </p:tnLst>
-  </p:timing>
-</p:sld>
-</file>
-
-<file path=ppt/slides/slide4.xml><?xml version="1.0" encoding="utf-8"?>
-<p:sld xmlns:a="http://schemas.openxmlformats.org/drawingml/2006/main" xmlns:r="http://schemas.openxmlformats.org/officeDocument/2006/relationships" xmlns:p="http://schemas.openxmlformats.org/presentationml/2006/main">
-  <p:cSld>
-    <p:spTree>
-      <p:nvGrpSpPr>
-        <p:cNvPr id="1" name=""/>
-        <p:cNvGrpSpPr/>
-        <p:nvPr/>
-      </p:nvGrpSpPr>
-      <p:grpSpPr>
-        <a:xfrm>
-          <a:off x="0" y="0"/>
-          <a:ext cx="0" cy="0"/>
-          <a:chOff x="0" y="0"/>
-          <a:chExt cx="0" cy="0"/>
-        </a:xfrm>
-      </p:grpSpPr>
-      <p:sp>
-        <p:nvSpPr>
-          <p:cNvPr id="3" name="Rounded Rectangle 2"/>
-          <p:cNvSpPr/>
-          <p:nvPr/>
-        </p:nvSpPr>
-        <p:spPr>
-          <a:xfrm>
-            <a:off x="242048" y="1452282"/>
-            <a:ext cx="1649506" cy="2492189"/>
-          </a:xfrm>
-          <a:prstGeom prst="roundRect">
-            <a:avLst/>
-          </a:prstGeom>
-          <a:solidFill>
-            <a:schemeClr val="tx1">
-              <a:lumMod val="85000"/>
-            </a:schemeClr>
-          </a:solidFill>
-        </p:spPr>
-        <p:style>
-          <a:lnRef idx="2">
-            <a:schemeClr val="accent1">
-              <a:shade val="50000"/>
-            </a:schemeClr>
-          </a:lnRef>
-          <a:fillRef idx="1">
-            <a:schemeClr val="accent1"/>
-          </a:fillRef>
-          <a:effectRef idx="0">
-            <a:schemeClr val="accent1"/>
-          </a:effectRef>
-          <a:fontRef idx="minor">
-            <a:schemeClr val="lt1"/>
-          </a:fontRef>
-        </p:style>
-        <p:txBody>
-          <a:bodyPr rtlCol="0" anchor="ctr"/>
-          <a:lstStyle/>
-          <a:p>
-            <a:pPr algn="ctr"/>
-            <a:endParaRPr lang="en-IE"/>
-          </a:p>
-        </p:txBody>
-      </p:sp>
-      <p:sp>
-        <p:nvSpPr>
-          <p:cNvPr id="2" name="Title 1">
-            <a:extLst>
-              <a:ext uri="{FF2B5EF4-FFF2-40B4-BE49-F238E27FC236}">
-                <a16:creationId xmlns:a16="http://schemas.microsoft.com/office/drawing/2014/main" xmlns="" id="{D2213D03-BB56-4285-96A8-A7901DD60035}"/>
-              </a:ext>
-            </a:extLst>
-          </p:cNvPr>
-          <p:cNvSpPr>
-            <a:spLocks noGrp="1"/>
-          </p:cNvSpPr>
-          <p:nvPr>
-            <p:ph type="title"/>
-          </p:nvPr>
-        </p:nvSpPr>
-        <p:spPr>
-          <a:xfrm>
-            <a:off x="890547" y="0"/>
-            <a:ext cx="9740347" cy="1057835"/>
-          </a:xfrm>
-        </p:spPr>
-        <p:txBody>
-          <a:bodyPr/>
-          <a:lstStyle/>
-          <a:p>
-            <a:r>
-              <a:rPr lang="en-US" b="1" dirty="0" err="1" smtClean="0"/>
-              <a:t>CrowSoft</a:t>
-            </a:r>
-            <a:r>
-              <a:rPr lang="en-US" b="1" dirty="0" smtClean="0"/>
-              <a:t> Agile </a:t>
-            </a:r>
-            <a:r>
-              <a:rPr lang="en-US" b="1" dirty="0"/>
-              <a:t>Process</a:t>
-            </a:r>
-          </a:p>
-        </p:txBody>
-      </p:sp>
-      <p:pic>
-        <p:nvPicPr>
-          <p:cNvPr id="4" name="Content Placeholder 3">
-            <a:extLst>
-              <a:ext uri="{FF2B5EF4-FFF2-40B4-BE49-F238E27FC236}">
-                <a16:creationId xmlns:a16="http://schemas.microsoft.com/office/drawing/2014/main" xmlns="" id="{88EACB63-DCE3-4A41-A128-3B53822C87AD}"/>
-              </a:ext>
-            </a:extLst>
-          </p:cNvPr>
-          <p:cNvPicPr>
-            <a:picLocks noGrp="1"/>
-          </p:cNvPicPr>
-          <p:nvPr>
-            <p:ph idx="1"/>
-          </p:nvPr>
-        </p:nvPicPr>
-        <p:blipFill>
-          <a:blip r:embed="rId2" cstate="print"/>
-          <a:stretch>
-            <a:fillRect/>
-          </a:stretch>
-        </p:blipFill>
-        <p:spPr>
-          <a:xfrm>
-            <a:off x="1999129" y="1210235"/>
-            <a:ext cx="9583271" cy="4751294"/>
-          </a:xfrm>
-          <a:prstGeom prst="rect">
-            <a:avLst/>
-          </a:prstGeom>
-        </p:spPr>
-      </p:pic>
-      <p:pic>
-        <p:nvPicPr>
-          <p:cNvPr id="3078" name="Picture 6"/>
-          <p:cNvPicPr>
-            <a:picLocks noChangeAspect="1" noChangeArrowheads="1"/>
-          </p:cNvPicPr>
-          <p:nvPr/>
-        </p:nvPicPr>
-        <p:blipFill>
-          <a:blip r:embed="rId3">
-            <a:extLst>
-              <a:ext uri="{28A0092B-C50C-407E-A947-70E740481C1C}">
-                <a14:useLocalDpi xmlns:a14="http://schemas.microsoft.com/office/drawing/2010/main" val="0"/>
-              </a:ext>
-            </a:extLst>
-          </a:blip>
-          <a:srcRect/>
-          <a:stretch>
-            <a:fillRect/>
-          </a:stretch>
-        </p:blipFill>
-        <p:spPr bwMode="auto">
-          <a:xfrm>
-            <a:off x="421341" y="1747091"/>
-            <a:ext cx="1326777" cy="1049337"/>
-          </a:xfrm>
-          <a:prstGeom prst="rect">
-            <a:avLst/>
-          </a:prstGeom>
-          <a:noFill/>
-          <a:ln>
-            <a:noFill/>
-          </a:ln>
-          <a:effectLst/>
-          <a:extLst>
-            <a:ext uri="{909E8E84-426E-40DD-AFC4-6F175D3DCCD1}">
-              <a14:hiddenFill xmlns:a14="http://schemas.microsoft.com/office/drawing/2010/main">
-                <a:solidFill>
-                  <a:schemeClr val="accent1"/>
-                </a:solidFill>
-              </a14:hiddenFill>
-            </a:ext>
-            <a:ext uri="{91240B29-F687-4F45-9708-019B960494DF}">
-              <a14:hiddenLine xmlns:a14="http://schemas.microsoft.com/office/drawing/2010/main" w="9525">
-                <a:solidFill>
-                  <a:schemeClr val="tx1"/>
-                </a:solidFill>
-                <a:miter lim="800000"/>
-                <a:headEnd/>
-                <a:tailEnd/>
-              </a14:hiddenLine>
-            </a:ext>
-            <a:ext uri="{AF507438-7753-43E0-B8FC-AC1667EBCBE1}">
-              <a14:hiddenEffects xmlns:a14="http://schemas.microsoft.com/office/drawing/2010/main">
-                <a:effectLst>
-                  <a:outerShdw dist="35921" dir="2700000" algn="ctr" rotWithShape="0">
-                    <a:schemeClr val="bg2"/>
-                  </a:outerShdw>
-                </a:effectLst>
-              </a14:hiddenEffects>
-            </a:ext>
-          </a:extLst>
-        </p:spPr>
-      </p:pic>
-      <p:pic>
-        <p:nvPicPr>
-          <p:cNvPr id="7" name="Picture 6">
-            <a:extLst>
-              <a:ext uri="{FF2B5EF4-FFF2-40B4-BE49-F238E27FC236}">
-                <a16:creationId xmlns:a16="http://schemas.microsoft.com/office/drawing/2014/main" xmlns="" id="{B94385D5-98B6-4AC7-B7CD-65B49EF4CA03}"/>
-              </a:ext>
-            </a:extLst>
-          </p:cNvPr>
-          <p:cNvPicPr>
-            <a:picLocks noChangeAspect="1"/>
-          </p:cNvPicPr>
-          <p:nvPr/>
-        </p:nvPicPr>
-        <p:blipFill>
-          <a:blip r:embed="rId4" cstate="print">
-            <a:extLst>
-              <a:ext uri="{28A0092B-C50C-407E-A947-70E740481C1C}">
-                <a14:useLocalDpi xmlns:a14="http://schemas.microsoft.com/office/drawing/2010/main" val="0"/>
-              </a:ext>
-            </a:extLst>
-          </a:blip>
-          <a:stretch>
-            <a:fillRect/>
-          </a:stretch>
-        </p:blipFill>
-        <p:spPr>
-          <a:xfrm>
-            <a:off x="510821" y="2796428"/>
-            <a:ext cx="1147816" cy="1049337"/>
-          </a:xfrm>
-          <a:prstGeom prst="rect">
-            <a:avLst/>
-          </a:prstGeom>
-        </p:spPr>
-      </p:pic>
-    </p:spTree>
-    <p:extLst>
-      <p:ext uri="{BB962C8B-B14F-4D97-AF65-F5344CB8AC3E}">
-        <p14:creationId xmlns:p14="http://schemas.microsoft.com/office/powerpoint/2010/main" val="2343485780"/>
       </p:ext>
     </p:extLst>
   </p:cSld>
@@ -11438,6 +9417,269 @@
       </p:grpSpPr>
       <p:sp>
         <p:nvSpPr>
+          <p:cNvPr id="3" name="Rounded Rectangle 2"/>
+          <p:cNvSpPr/>
+          <p:nvPr/>
+        </p:nvSpPr>
+        <p:spPr>
+          <a:xfrm>
+            <a:off x="242048" y="1452282"/>
+            <a:ext cx="1649506" cy="2492189"/>
+          </a:xfrm>
+          <a:prstGeom prst="roundRect">
+            <a:avLst/>
+          </a:prstGeom>
+          <a:solidFill>
+            <a:schemeClr val="tx1">
+              <a:lumMod val="85000"/>
+            </a:schemeClr>
+          </a:solidFill>
+        </p:spPr>
+        <p:style>
+          <a:lnRef idx="2">
+            <a:schemeClr val="accent1">
+              <a:shade val="50000"/>
+            </a:schemeClr>
+          </a:lnRef>
+          <a:fillRef idx="1">
+            <a:schemeClr val="accent1"/>
+          </a:fillRef>
+          <a:effectRef idx="0">
+            <a:schemeClr val="accent1"/>
+          </a:effectRef>
+          <a:fontRef idx="minor">
+            <a:schemeClr val="lt1"/>
+          </a:fontRef>
+        </p:style>
+        <p:txBody>
+          <a:bodyPr rtlCol="0" anchor="ctr"/>
+          <a:lstStyle/>
+          <a:p>
+            <a:pPr algn="ctr"/>
+            <a:endParaRPr lang="en-IE"/>
+          </a:p>
+        </p:txBody>
+      </p:sp>
+      <p:sp>
+        <p:nvSpPr>
+          <p:cNvPr id="2" name="Title 1">
+            <a:extLst>
+              <a:ext uri="{FF2B5EF4-FFF2-40B4-BE49-F238E27FC236}">
+                <a16:creationId xmlns="" xmlns:a16="http://schemas.microsoft.com/office/drawing/2014/main" id="{D2213D03-BB56-4285-96A8-A7901DD60035}"/>
+              </a:ext>
+            </a:extLst>
+          </p:cNvPr>
+          <p:cNvSpPr>
+            <a:spLocks noGrp="1"/>
+          </p:cNvSpPr>
+          <p:nvPr>
+            <p:ph type="title"/>
+          </p:nvPr>
+        </p:nvSpPr>
+        <p:spPr>
+          <a:xfrm>
+            <a:off x="890547" y="0"/>
+            <a:ext cx="9740347" cy="1057835"/>
+          </a:xfrm>
+        </p:spPr>
+        <p:txBody>
+          <a:bodyPr/>
+          <a:lstStyle/>
+          <a:p>
+            <a:r>
+              <a:rPr lang="en-US" b="1" dirty="0" err="1" smtClean="0"/>
+              <a:t>CrowSoft</a:t>
+            </a:r>
+            <a:r>
+              <a:rPr lang="en-US" b="1" dirty="0" smtClean="0"/>
+              <a:t> Agile </a:t>
+            </a:r>
+            <a:r>
+              <a:rPr lang="en-US" b="1" dirty="0"/>
+              <a:t>Process</a:t>
+            </a:r>
+          </a:p>
+        </p:txBody>
+      </p:sp>
+      <p:pic>
+        <p:nvPicPr>
+          <p:cNvPr id="4" name="Content Placeholder 3">
+            <a:extLst>
+              <a:ext uri="{FF2B5EF4-FFF2-40B4-BE49-F238E27FC236}">
+                <a16:creationId xmlns="" xmlns:a16="http://schemas.microsoft.com/office/drawing/2014/main" id="{88EACB63-DCE3-4A41-A128-3B53822C87AD}"/>
+              </a:ext>
+            </a:extLst>
+          </p:cNvPr>
+          <p:cNvPicPr>
+            <a:picLocks noGrp="1"/>
+          </p:cNvPicPr>
+          <p:nvPr>
+            <p:ph idx="1"/>
+          </p:nvPr>
+        </p:nvPicPr>
+        <p:blipFill>
+          <a:blip r:embed="rId2" cstate="print"/>
+          <a:stretch>
+            <a:fillRect/>
+          </a:stretch>
+        </p:blipFill>
+        <p:spPr>
+          <a:xfrm>
+            <a:off x="2214282" y="1210235"/>
+            <a:ext cx="9368118" cy="4751294"/>
+          </a:xfrm>
+          <a:prstGeom prst="rect">
+            <a:avLst/>
+          </a:prstGeom>
+          <a:ln w="127000" cmpd="sng">
+            <a:solidFill>
+              <a:schemeClr val="bg1">
+                <a:lumMod val="50000"/>
+                <a:lumOff val="50000"/>
+              </a:schemeClr>
+            </a:solidFill>
+          </a:ln>
+        </p:spPr>
+      </p:pic>
+      <p:pic>
+        <p:nvPicPr>
+          <p:cNvPr id="3078" name="Picture 6"/>
+          <p:cNvPicPr>
+            <a:picLocks noChangeAspect="1" noChangeArrowheads="1"/>
+          </p:cNvPicPr>
+          <p:nvPr/>
+        </p:nvPicPr>
+        <p:blipFill>
+          <a:blip r:embed="rId3">
+            <a:extLst>
+              <a:ext uri="{28A0092B-C50C-407E-A947-70E740481C1C}">
+                <a14:useLocalDpi xmlns:a14="http://schemas.microsoft.com/office/drawing/2010/main" val="0"/>
+              </a:ext>
+            </a:extLst>
+          </a:blip>
+          <a:srcRect/>
+          <a:stretch>
+            <a:fillRect/>
+          </a:stretch>
+        </p:blipFill>
+        <p:spPr bwMode="auto">
+          <a:xfrm>
+            <a:off x="403412" y="1747091"/>
+            <a:ext cx="1326777" cy="1049337"/>
+          </a:xfrm>
+          <a:prstGeom prst="rect">
+            <a:avLst/>
+          </a:prstGeom>
+          <a:noFill/>
+          <a:ln>
+            <a:noFill/>
+          </a:ln>
+          <a:effectLst/>
+          <a:extLst>
+            <a:ext uri="{909E8E84-426E-40DD-AFC4-6F175D3DCCD1}">
+              <a14:hiddenFill xmlns:a14="http://schemas.microsoft.com/office/drawing/2010/main">
+                <a:solidFill>
+                  <a:schemeClr val="accent1"/>
+                </a:solidFill>
+              </a14:hiddenFill>
+            </a:ext>
+            <a:ext uri="{91240B29-F687-4F45-9708-019B960494DF}">
+              <a14:hiddenLine xmlns:a14="http://schemas.microsoft.com/office/drawing/2010/main" w="9525">
+                <a:solidFill>
+                  <a:schemeClr val="tx1"/>
+                </a:solidFill>
+                <a:miter lim="800000"/>
+                <a:headEnd/>
+                <a:tailEnd/>
+              </a14:hiddenLine>
+            </a:ext>
+            <a:ext uri="{AF507438-7753-43E0-B8FC-AC1667EBCBE1}">
+              <a14:hiddenEffects xmlns:a14="http://schemas.microsoft.com/office/drawing/2010/main">
+                <a:effectLst>
+                  <a:outerShdw dist="35921" dir="2700000" algn="ctr" rotWithShape="0">
+                    <a:schemeClr val="bg2"/>
+                  </a:outerShdw>
+                </a:effectLst>
+              </a14:hiddenEffects>
+            </a:ext>
+          </a:extLst>
+        </p:spPr>
+      </p:pic>
+      <p:pic>
+        <p:nvPicPr>
+          <p:cNvPr id="7" name="Picture 6">
+            <a:extLst>
+              <a:ext uri="{FF2B5EF4-FFF2-40B4-BE49-F238E27FC236}">
+                <a16:creationId xmlns="" xmlns:a16="http://schemas.microsoft.com/office/drawing/2014/main" id="{B94385D5-98B6-4AC7-B7CD-65B49EF4CA03}"/>
+              </a:ext>
+            </a:extLst>
+          </p:cNvPr>
+          <p:cNvPicPr>
+            <a:picLocks noChangeAspect="1"/>
+          </p:cNvPicPr>
+          <p:nvPr/>
+        </p:nvPicPr>
+        <p:blipFill>
+          <a:blip r:embed="rId4" cstate="print">
+            <a:extLst>
+              <a:ext uri="{28A0092B-C50C-407E-A947-70E740481C1C}">
+                <a14:useLocalDpi xmlns:a14="http://schemas.microsoft.com/office/drawing/2010/main" val="0"/>
+              </a:ext>
+            </a:extLst>
+          </a:blip>
+          <a:stretch>
+            <a:fillRect/>
+          </a:stretch>
+        </p:blipFill>
+        <p:spPr>
+          <a:xfrm>
+            <a:off x="510821" y="2796428"/>
+            <a:ext cx="1147816" cy="1049337"/>
+          </a:xfrm>
+          <a:prstGeom prst="rect">
+            <a:avLst/>
+          </a:prstGeom>
+        </p:spPr>
+      </p:pic>
+    </p:spTree>
+    <p:extLst>
+      <p:ext uri="{BB962C8B-B14F-4D97-AF65-F5344CB8AC3E}">
+        <p14:creationId xmlns:p14="http://schemas.microsoft.com/office/powerpoint/2010/main" val="2343485780"/>
+      </p:ext>
+    </p:extLst>
+  </p:cSld>
+  <p:clrMapOvr>
+    <a:masterClrMapping/>
+  </p:clrMapOvr>
+  <p:timing>
+    <p:tnLst>
+      <p:par>
+        <p:cTn id="1" dur="indefinite" restart="never" nodeType="tmRoot"/>
+      </p:par>
+    </p:tnLst>
+  </p:timing>
+</p:sld>
+</file>
+
+<file path=ppt/slides/slide6.xml><?xml version="1.0" encoding="utf-8"?>
+<p:sld xmlns:a="http://schemas.openxmlformats.org/drawingml/2006/main" xmlns:r="http://schemas.openxmlformats.org/officeDocument/2006/relationships" xmlns:p="http://schemas.openxmlformats.org/presentationml/2006/main">
+  <p:cSld>
+    <p:spTree>
+      <p:nvGrpSpPr>
+        <p:cNvPr id="1" name=""/>
+        <p:cNvGrpSpPr/>
+        <p:nvPr/>
+      </p:nvGrpSpPr>
+      <p:grpSpPr>
+        <a:xfrm>
+          <a:off x="0" y="0"/>
+          <a:ext cx="0" cy="0"/>
+          <a:chOff x="0" y="0"/>
+          <a:chExt cx="0" cy="0"/>
+        </a:xfrm>
+      </p:grpSpPr>
+      <p:sp>
+        <p:nvSpPr>
           <p:cNvPr id="2" name="Title 1"/>
           <p:cNvSpPr>
             <a:spLocks noGrp="1"/>
@@ -11473,7 +9715,7 @@
         <p:spPr>
           <a:xfrm>
             <a:off x="394447" y="1156447"/>
-            <a:ext cx="11528612" cy="5477435"/>
+            <a:ext cx="6651812" cy="5477435"/>
           </a:xfrm>
           <a:prstGeom prst="roundRect">
             <a:avLst/>
@@ -11481,6 +9723,14 @@
           <a:solidFill>
             <a:schemeClr val="tx1"/>
           </a:solidFill>
+          <a:ln w="127000" cmpd="sng">
+            <a:solidFill>
+              <a:schemeClr val="bg1">
+                <a:lumMod val="50000"/>
+                <a:lumOff val="50000"/>
+              </a:schemeClr>
+            </a:solidFill>
+          </a:ln>
         </p:spPr>
         <p:style>
           <a:lnRef idx="2">
@@ -11530,8 +9780,8 @@
         </p:blipFill>
         <p:spPr bwMode="auto">
           <a:xfrm>
-            <a:off x="779929" y="1353672"/>
-            <a:ext cx="10721789" cy="4987922"/>
+            <a:off x="779929" y="1470212"/>
+            <a:ext cx="5961530" cy="4871382"/>
           </a:xfrm>
           <a:prstGeom prst="rect">
             <a:avLst/>
@@ -11557,6 +9807,88 @@
                 <a:headEnd/>
                 <a:tailEnd/>
               </a14:hiddenLine>
+            </a:ext>
+          </a:extLst>
+        </p:spPr>
+      </p:pic>
+      <p:sp>
+        <p:nvSpPr>
+          <p:cNvPr id="3" name="TextBox 2"/>
+          <p:cNvSpPr txBox="1"/>
+          <p:nvPr/>
+        </p:nvSpPr>
+        <p:spPr>
+          <a:xfrm>
+            <a:off x="7377952" y="340659"/>
+            <a:ext cx="4204447" cy="369332"/>
+          </a:xfrm>
+          <a:prstGeom prst="rect">
+            <a:avLst/>
+          </a:prstGeom>
+          <a:noFill/>
+        </p:spPr>
+        <p:txBody>
+          <a:bodyPr wrap="square" rtlCol="0">
+            <a:spAutoFit/>
+          </a:bodyPr>
+          <a:lstStyle/>
+          <a:p>
+            <a:r>
+              <a:rPr lang="en-IE" b="1" dirty="0" smtClean="0"/>
+              <a:t>Retrospective</a:t>
+            </a:r>
+            <a:endParaRPr lang="en-IE" b="1" dirty="0"/>
+          </a:p>
+        </p:txBody>
+      </p:sp>
+      <p:pic>
+        <p:nvPicPr>
+          <p:cNvPr id="1026" name="Picture 2"/>
+          <p:cNvPicPr>
+            <a:picLocks noChangeAspect="1" noChangeArrowheads="1"/>
+          </p:cNvPicPr>
+          <p:nvPr/>
+        </p:nvPicPr>
+        <p:blipFill>
+          <a:blip r:embed="rId3">
+            <a:extLst>
+              <a:ext uri="{28A0092B-C50C-407E-A947-70E740481C1C}">
+                <a14:useLocalDpi xmlns:a14="http://schemas.microsoft.com/office/drawing/2010/main" val="0"/>
+              </a:ext>
+            </a:extLst>
+          </a:blip>
+          <a:srcRect/>
+          <a:stretch>
+            <a:fillRect/>
+          </a:stretch>
+        </p:blipFill>
+        <p:spPr bwMode="auto">
+          <a:xfrm>
+            <a:off x="7664822" y="1470212"/>
+            <a:ext cx="3989295" cy="4760259"/>
+          </a:xfrm>
+          <a:prstGeom prst="rect">
+            <a:avLst/>
+          </a:prstGeom>
+          <a:noFill/>
+          <a:ln w="127000" cmpd="sng">
+            <a:solidFill>
+              <a:schemeClr val="bg1">
+                <a:lumMod val="50000"/>
+                <a:lumOff val="50000"/>
+              </a:schemeClr>
+            </a:solidFill>
+            <a:miter lim="800000"/>
+            <a:headEnd/>
+            <a:tailEnd/>
+          </a:ln>
+          <a:extLst>
+            <a:ext uri="{909E8E84-426E-40DD-AFC4-6F175D3DCCD1}">
+              <a14:hiddenFill xmlns:a14="http://schemas.microsoft.com/office/drawing/2010/main">
+                <a:solidFill>
+                  <a:schemeClr val="accent1"/>
+                </a:solidFill>
+              </a14:hiddenFill>
             </a:ext>
           </a:extLst>
         </p:spPr>
@@ -11574,7 +9906,7 @@
 </p:sld>
 </file>
 
-<file path=ppt/slides/slide6.xml><?xml version="1.0" encoding="utf-8"?>
+<file path=ppt/slides/slide7.xml><?xml version="1.0" encoding="utf-8"?>
 <p:sld xmlns:a="http://schemas.openxmlformats.org/drawingml/2006/main" xmlns:r="http://schemas.openxmlformats.org/officeDocument/2006/relationships" xmlns:p="http://schemas.openxmlformats.org/presentationml/2006/main">
   <p:cSld>
     <p:spTree>
@@ -11841,10 +10173,6 @@
               </a:rPr>
               <a:t>Jenkins	</a:t>
             </a:r>
-            <a:endParaRPr lang="en-IE" sz="1400" dirty="0" smtClean="0">
-              <a:latin typeface="Courier New" panose="02070309020205020404" pitchFamily="49" charset="0"/>
-              <a:cs typeface="Courier New" panose="02070309020205020404" pitchFamily="49" charset="0"/>
-            </a:endParaRPr>
           </a:p>
           <a:p>
             <a:pPr algn="ctr"/>
@@ -11855,10 +10183,6 @@
               </a:rPr>
               <a:t>Java </a:t>
             </a:r>
-            <a:endParaRPr lang="en-IE" sz="1400" dirty="0" smtClean="0">
-              <a:latin typeface="Courier New" panose="02070309020205020404" pitchFamily="49" charset="0"/>
-              <a:cs typeface="Courier New" panose="02070309020205020404" pitchFamily="49" charset="0"/>
-            </a:endParaRPr>
           </a:p>
           <a:p>
             <a:pPr algn="ctr"/>
@@ -11879,10 +10203,6 @@
               </a:rPr>
               <a:t>Putty </a:t>
             </a:r>
-            <a:endParaRPr lang="en-IE" sz="1400" dirty="0" smtClean="0">
-              <a:latin typeface="Courier New" panose="02070309020205020404" pitchFamily="49" charset="0"/>
-              <a:cs typeface="Courier New" panose="02070309020205020404" pitchFamily="49" charset="0"/>
-            </a:endParaRPr>
           </a:p>
           <a:p>
             <a:pPr algn="ctr"/>
@@ -11945,10 +10265,6 @@
               </a:rPr>
               <a:t>Selenium</a:t>
             </a:r>
-            <a:endParaRPr lang="en-IE" sz="1400" dirty="0" smtClean="0">
-              <a:latin typeface="Courier New" panose="02070309020205020404" pitchFamily="49" charset="0"/>
-              <a:cs typeface="Courier New" panose="02070309020205020404" pitchFamily="49" charset="0"/>
-            </a:endParaRPr>
           </a:p>
         </p:txBody>
       </p:sp>
@@ -12053,14 +10369,7 @@
                 <a:latin typeface="Courier New" panose="02070309020205020404" pitchFamily="49" charset="0"/>
                 <a:cs typeface="Courier New" panose="02070309020205020404" pitchFamily="49" charset="0"/>
               </a:rPr>
-              <a:t>Open </a:t>
-            </a:r>
-            <a:r>
-              <a:rPr lang="en-IE" sz="1400" dirty="0" smtClean="0">
-                <a:latin typeface="Courier New" panose="02070309020205020404" pitchFamily="49" charset="0"/>
-                <a:cs typeface="Courier New" panose="02070309020205020404" pitchFamily="49" charset="0"/>
-              </a:rPr>
-              <a:t>SSH</a:t>
+              <a:t>Open SSH</a:t>
             </a:r>
           </a:p>
           <a:p>
@@ -12196,7 +10505,7 @@
           <p:cNvPr id="2" name="Title 1">
             <a:extLst>
               <a:ext uri="{FF2B5EF4-FFF2-40B4-BE49-F238E27FC236}">
-                <a16:creationId xmlns:a16="http://schemas.microsoft.com/office/drawing/2014/main" xmlns="" id="{F80389EE-9E58-48FF-89C5-3FBADBA31B30}"/>
+                <a16:creationId xmlns="" xmlns:a16="http://schemas.microsoft.com/office/drawing/2014/main" id="{F80389EE-9E58-48FF-89C5-3FBADBA31B30}"/>
               </a:ext>
             </a:extLst>
           </p:cNvPr>
@@ -12248,8 +10557,8 @@
         </p:nvSpPr>
         <p:spPr>
           <a:xfrm>
-            <a:off x="6051176" y="735106"/>
-            <a:ext cx="3531832" cy="369332"/>
+            <a:off x="5844988" y="735106"/>
+            <a:ext cx="3603812" cy="369332"/>
           </a:xfrm>
           <a:prstGeom prst="rect">
             <a:avLst/>
@@ -12337,7 +10646,7 @@
         </p:blipFill>
         <p:spPr bwMode="auto">
           <a:xfrm>
-            <a:off x="8677836" y="3371363"/>
+            <a:off x="8606118" y="3371363"/>
             <a:ext cx="2365310" cy="2590888"/>
           </a:xfrm>
           <a:prstGeom prst="rect">
@@ -12526,6 +10835,276 @@
           </a:p>
         </p:txBody>
       </p:sp>
+      <p:sp>
+        <p:nvSpPr>
+          <p:cNvPr id="9" name="Down Arrow 8"/>
+          <p:cNvSpPr/>
+          <p:nvPr/>
+        </p:nvSpPr>
+        <p:spPr>
+          <a:xfrm>
+            <a:off x="762000" y="2284623"/>
+            <a:ext cx="277907" cy="1819835"/>
+          </a:xfrm>
+          <a:prstGeom prst="downArrow">
+            <a:avLst/>
+          </a:prstGeom>
+          <a:ln>
+            <a:solidFill>
+              <a:schemeClr val="bg1"/>
+            </a:solidFill>
+          </a:ln>
+        </p:spPr>
+        <p:style>
+          <a:lnRef idx="2">
+            <a:schemeClr val="accent1">
+              <a:shade val="50000"/>
+            </a:schemeClr>
+          </a:lnRef>
+          <a:fillRef idx="1">
+            <a:schemeClr val="accent1"/>
+          </a:fillRef>
+          <a:effectRef idx="0">
+            <a:schemeClr val="accent1"/>
+          </a:effectRef>
+          <a:fontRef idx="minor">
+            <a:schemeClr val="lt1"/>
+          </a:fontRef>
+        </p:style>
+        <p:txBody>
+          <a:bodyPr rtlCol="0" anchor="ctr"/>
+          <a:lstStyle/>
+          <a:p>
+            <a:pPr algn="ctr"/>
+            <a:endParaRPr lang="en-IE"/>
+          </a:p>
+        </p:txBody>
+      </p:sp>
+      <p:sp>
+        <p:nvSpPr>
+          <p:cNvPr id="10" name="Down Arrow 9"/>
+          <p:cNvSpPr/>
+          <p:nvPr/>
+        </p:nvSpPr>
+        <p:spPr>
+          <a:xfrm flipV="1">
+            <a:off x="1120587" y="2284623"/>
+            <a:ext cx="259977" cy="1801905"/>
+          </a:xfrm>
+          <a:prstGeom prst="downArrow">
+            <a:avLst/>
+          </a:prstGeom>
+          <a:ln>
+            <a:solidFill>
+              <a:schemeClr val="bg1"/>
+            </a:solidFill>
+          </a:ln>
+        </p:spPr>
+        <p:style>
+          <a:lnRef idx="2">
+            <a:schemeClr val="accent1">
+              <a:shade val="50000"/>
+            </a:schemeClr>
+          </a:lnRef>
+          <a:fillRef idx="1">
+            <a:schemeClr val="accent1"/>
+          </a:fillRef>
+          <a:effectRef idx="0">
+            <a:schemeClr val="accent1"/>
+          </a:effectRef>
+          <a:fontRef idx="minor">
+            <a:schemeClr val="lt1"/>
+          </a:fontRef>
+        </p:style>
+        <p:txBody>
+          <a:bodyPr rtlCol="0" anchor="ctr"/>
+          <a:lstStyle/>
+          <a:p>
+            <a:pPr algn="ctr"/>
+            <a:endParaRPr lang="en-IE"/>
+          </a:p>
+        </p:txBody>
+      </p:sp>
+      <p:sp>
+        <p:nvSpPr>
+          <p:cNvPr id="12" name="Right Arrow 11"/>
+          <p:cNvSpPr/>
+          <p:nvPr/>
+        </p:nvSpPr>
+        <p:spPr>
+          <a:xfrm rot="18963487">
+            <a:off x="1576809" y="3778448"/>
+            <a:ext cx="1404531" cy="246673"/>
+          </a:xfrm>
+          <a:prstGeom prst="rightArrow">
+            <a:avLst/>
+          </a:prstGeom>
+          <a:ln>
+            <a:solidFill>
+              <a:schemeClr val="bg1"/>
+            </a:solidFill>
+          </a:ln>
+        </p:spPr>
+        <p:style>
+          <a:lnRef idx="2">
+            <a:schemeClr val="accent1">
+              <a:shade val="50000"/>
+            </a:schemeClr>
+          </a:lnRef>
+          <a:fillRef idx="1">
+            <a:schemeClr val="accent1"/>
+          </a:fillRef>
+          <a:effectRef idx="0">
+            <a:schemeClr val="accent1"/>
+          </a:effectRef>
+          <a:fontRef idx="minor">
+            <a:schemeClr val="lt1"/>
+          </a:fontRef>
+        </p:style>
+        <p:txBody>
+          <a:bodyPr rtlCol="0" anchor="ctr"/>
+          <a:lstStyle/>
+          <a:p>
+            <a:pPr algn="ctr"/>
+            <a:endParaRPr lang="en-IE"/>
+          </a:p>
+        </p:txBody>
+      </p:sp>
+      <p:sp>
+        <p:nvSpPr>
+          <p:cNvPr id="13" name="Right Arrow 12"/>
+          <p:cNvSpPr/>
+          <p:nvPr/>
+        </p:nvSpPr>
+        <p:spPr>
+          <a:xfrm>
+            <a:off x="4948517" y="2537011"/>
+            <a:ext cx="1479177" cy="295835"/>
+          </a:xfrm>
+          <a:prstGeom prst="rightArrow">
+            <a:avLst/>
+          </a:prstGeom>
+          <a:ln>
+            <a:solidFill>
+              <a:schemeClr val="bg1"/>
+            </a:solidFill>
+          </a:ln>
+        </p:spPr>
+        <p:style>
+          <a:lnRef idx="2">
+            <a:schemeClr val="accent1">
+              <a:shade val="50000"/>
+            </a:schemeClr>
+          </a:lnRef>
+          <a:fillRef idx="1">
+            <a:schemeClr val="accent1"/>
+          </a:fillRef>
+          <a:effectRef idx="0">
+            <a:schemeClr val="accent1"/>
+          </a:effectRef>
+          <a:fontRef idx="minor">
+            <a:schemeClr val="lt1"/>
+          </a:fontRef>
+        </p:style>
+        <p:txBody>
+          <a:bodyPr rtlCol="0" anchor="ctr"/>
+          <a:lstStyle/>
+          <a:p>
+            <a:pPr algn="ctr"/>
+            <a:endParaRPr lang="en-IE"/>
+          </a:p>
+        </p:txBody>
+      </p:sp>
+      <p:sp>
+        <p:nvSpPr>
+          <p:cNvPr id="14" name="Right Arrow 13"/>
+          <p:cNvSpPr/>
+          <p:nvPr/>
+        </p:nvSpPr>
+        <p:spPr>
+          <a:xfrm rot="1570583">
+            <a:off x="7849996" y="3166931"/>
+            <a:ext cx="1703294" cy="286872"/>
+          </a:xfrm>
+          <a:prstGeom prst="rightArrow">
+            <a:avLst/>
+          </a:prstGeom>
+          <a:ln>
+            <a:solidFill>
+              <a:schemeClr val="bg1"/>
+            </a:solidFill>
+          </a:ln>
+        </p:spPr>
+        <p:style>
+          <a:lnRef idx="2">
+            <a:schemeClr val="accent1">
+              <a:shade val="50000"/>
+            </a:schemeClr>
+          </a:lnRef>
+          <a:fillRef idx="1">
+            <a:schemeClr val="accent1"/>
+          </a:fillRef>
+          <a:effectRef idx="0">
+            <a:schemeClr val="accent1"/>
+          </a:effectRef>
+          <a:fontRef idx="minor">
+            <a:schemeClr val="lt1"/>
+          </a:fontRef>
+        </p:style>
+        <p:txBody>
+          <a:bodyPr rtlCol="0" anchor="ctr"/>
+          <a:lstStyle/>
+          <a:p>
+            <a:pPr algn="ctr"/>
+            <a:endParaRPr lang="en-IE"/>
+          </a:p>
+        </p:txBody>
+      </p:sp>
+      <p:sp>
+        <p:nvSpPr>
+          <p:cNvPr id="15" name="Right Arrow 14"/>
+          <p:cNvSpPr/>
+          <p:nvPr/>
+        </p:nvSpPr>
+        <p:spPr>
+          <a:xfrm rot="1618057">
+            <a:off x="10287443" y="4180347"/>
+            <a:ext cx="805427" cy="217099"/>
+          </a:xfrm>
+          <a:prstGeom prst="rightArrow">
+            <a:avLst/>
+          </a:prstGeom>
+          <a:ln>
+            <a:solidFill>
+              <a:schemeClr val="bg1"/>
+            </a:solidFill>
+          </a:ln>
+        </p:spPr>
+        <p:style>
+          <a:lnRef idx="2">
+            <a:schemeClr val="accent1">
+              <a:shade val="50000"/>
+            </a:schemeClr>
+          </a:lnRef>
+          <a:fillRef idx="1">
+            <a:schemeClr val="accent1"/>
+          </a:fillRef>
+          <a:effectRef idx="0">
+            <a:schemeClr val="accent1"/>
+          </a:effectRef>
+          <a:fontRef idx="minor">
+            <a:schemeClr val="lt1"/>
+          </a:fontRef>
+        </p:style>
+        <p:txBody>
+          <a:bodyPr rtlCol="0" anchor="ctr"/>
+          <a:lstStyle/>
+          <a:p>
+            <a:pPr algn="ctr"/>
+            <a:endParaRPr lang="en-IE"/>
+          </a:p>
+        </p:txBody>
+      </p:sp>
     </p:spTree>
     <p:extLst>
       <p:ext uri="{BB962C8B-B14F-4D97-AF65-F5344CB8AC3E}">
@@ -12546,7 +11125,7 @@
 </p:sld>
 </file>
 
-<file path=ppt/slides/slide7.xml><?xml version="1.0" encoding="utf-8"?>
+<file path=ppt/slides/slide8.xml><?xml version="1.0" encoding="utf-8"?>
 <p:sld xmlns:a="http://schemas.openxmlformats.org/drawingml/2006/main" xmlns:r="http://schemas.openxmlformats.org/officeDocument/2006/relationships" xmlns:p="http://schemas.openxmlformats.org/presentationml/2006/main">
   <p:cSld>
     <p:spTree>
@@ -12623,8 +11202,16 @@
             <a:avLst/>
           </a:prstGeom>
           <a:noFill/>
-          <a:ln>
-            <a:noFill/>
+          <a:ln w="127000" cmpd="sng">
+            <a:solidFill>
+              <a:schemeClr val="bg1">
+                <a:lumMod val="50000"/>
+                <a:lumOff val="50000"/>
+              </a:schemeClr>
+            </a:solidFill>
+            <a:miter lim="800000"/>
+            <a:headEnd/>
+            <a:tailEnd/>
           </a:ln>
           <a:extLst>
             <a:ext uri="{909E8E84-426E-40DD-AFC4-6F175D3DCCD1}">
@@ -12633,16 +11220,6 @@
                   <a:schemeClr val="accent1"/>
                 </a:solidFill>
               </a14:hiddenFill>
-            </a:ext>
-            <a:ext uri="{91240B29-F687-4F45-9708-019B960494DF}">
-              <a14:hiddenLine xmlns:a14="http://schemas.microsoft.com/office/drawing/2010/main" w="9525">
-                <a:solidFill>
-                  <a:schemeClr val="tx1"/>
-                </a:solidFill>
-                <a:miter lim="800000"/>
-                <a:headEnd/>
-                <a:tailEnd/>
-              </a14:hiddenLine>
             </a:ext>
           </a:extLst>
         </p:spPr>
@@ -12660,7 +11237,7 @@
 </p:sld>
 </file>
 
-<file path=ppt/slides/slide8.xml><?xml version="1.0" encoding="utf-8"?>
+<file path=ppt/slides/slide9.xml><?xml version="1.0" encoding="utf-8"?>
 <p:sld xmlns:a="http://schemas.openxmlformats.org/drawingml/2006/main" xmlns:r="http://schemas.openxmlformats.org/officeDocument/2006/relationships" xmlns:p="http://schemas.openxmlformats.org/presentationml/2006/main">
   <p:cSld>
     <p:spTree>
@@ -12682,7 +11259,7 @@
           <p:cNvPr id="2" name="Title 1">
             <a:extLst>
               <a:ext uri="{FF2B5EF4-FFF2-40B4-BE49-F238E27FC236}">
-                <a16:creationId xmlns:a16="http://schemas.microsoft.com/office/drawing/2014/main" xmlns="" id="{7D9F7F4A-86AD-47F3-BFAB-E016FC5547ED}"/>
+                <a16:creationId xmlns="" xmlns:a16="http://schemas.microsoft.com/office/drawing/2014/main" id="{7D9F7F4A-86AD-47F3-BFAB-E016FC5547ED}"/>
               </a:ext>
             </a:extLst>
           </p:cNvPr>
@@ -12695,8 +11272,8 @@
         </p:nvSpPr>
         <p:spPr>
           <a:xfrm>
-            <a:off x="412377" y="1506070"/>
-            <a:ext cx="3747248" cy="1084730"/>
+            <a:off x="412377" y="322729"/>
+            <a:ext cx="3747248" cy="1255059"/>
           </a:xfrm>
         </p:spPr>
         <p:txBody>
@@ -12718,7 +11295,7 @@
           <p:cNvPr id="3" name="Content Placeholder 2">
             <a:extLst>
               <a:ext uri="{FF2B5EF4-FFF2-40B4-BE49-F238E27FC236}">
-                <a16:creationId xmlns:a16="http://schemas.microsoft.com/office/drawing/2014/main" xmlns="" id="{4B67892F-7F4B-4080-AB9E-8D9B3675FD68}"/>
+                <a16:creationId xmlns="" xmlns:a16="http://schemas.microsoft.com/office/drawing/2014/main" id="{4B67892F-7F4B-4080-AB9E-8D9B3675FD68}"/>
               </a:ext>
             </a:extLst>
           </p:cNvPr>
@@ -12739,6 +11316,9 @@
           <a:bodyPr/>
           <a:lstStyle/>
           <a:p>
+            <a:pPr marL="0" indent="0">
+              <a:buNone/>
+            </a:pPr>
             <a:r>
               <a:rPr lang="en-US" dirty="0"/>
               <a:t> </a:t>
@@ -12768,8 +11348,10 @@
             <a:avLst/>
           </a:prstGeom>
           <a:noFill/>
-          <a:ln w="9525">
-            <a:noFill/>
+          <a:ln w="127000" cmpd="sng">
+            <a:solidFill>
+              <a:schemeClr val="bg1"/>
+            </a:solidFill>
             <a:miter lim="800000"/>
             <a:headEnd/>
             <a:tailEnd/>
@@ -12799,15 +11381,20 @@
         </p:blipFill>
         <p:spPr bwMode="auto">
           <a:xfrm>
-            <a:off x="824753" y="2590800"/>
-            <a:ext cx="3048000" cy="3827931"/>
+            <a:off x="824753" y="1326776"/>
+            <a:ext cx="3048000" cy="5091956"/>
           </a:xfrm>
           <a:prstGeom prst="rect">
             <a:avLst/>
           </a:prstGeom>
           <a:noFill/>
-          <a:ln>
-            <a:noFill/>
+          <a:ln w="127000" cmpd="sng">
+            <a:solidFill>
+              <a:schemeClr val="bg1"/>
+            </a:solidFill>
+            <a:miter lim="800000"/>
+            <a:headEnd/>
+            <a:tailEnd/>
           </a:ln>
           <a:effectLst/>
           <a:extLst>
@@ -12817,16 +11404,6 @@
                   <a:schemeClr val="accent1"/>
                 </a:solidFill>
               </a14:hiddenFill>
-            </a:ext>
-            <a:ext uri="{91240B29-F687-4F45-9708-019B960494DF}">
-              <a14:hiddenLine xmlns:a14="http://schemas.microsoft.com/office/drawing/2010/main" w="9525">
-                <a:solidFill>
-                  <a:schemeClr val="tx1"/>
-                </a:solidFill>
-                <a:miter lim="800000"/>
-                <a:headEnd/>
-                <a:tailEnd/>
-              </a14:hiddenLine>
             </a:ext>
             <a:ext uri="{AF507438-7753-43E0-B8FC-AC1667EBCBE1}">
               <a14:hiddenEffects xmlns:a14="http://schemas.microsoft.com/office/drawing/2010/main">
@@ -12845,7 +11422,7 @@
           <p:cNvPr id="7" name="Title 1">
             <a:extLst>
               <a:ext uri="{FF2B5EF4-FFF2-40B4-BE49-F238E27FC236}">
-                <a16:creationId xmlns:a16="http://schemas.microsoft.com/office/drawing/2014/main" xmlns="" id="{7D9F7F4A-86AD-47F3-BFAB-E016FC5547ED}"/>
+                <a16:creationId xmlns="" xmlns:a16="http://schemas.microsoft.com/office/drawing/2014/main" id="{7D9F7F4A-86AD-47F3-BFAB-E016FC5547ED}"/>
               </a:ext>
             </a:extLst>
           </p:cNvPr>
@@ -12982,175 +11559,6 @@
     <p:extLst>
       <p:ext uri="{BB962C8B-B14F-4D97-AF65-F5344CB8AC3E}">
         <p14:creationId xmlns:p14="http://schemas.microsoft.com/office/powerpoint/2010/main" val="4217330832"/>
-      </p:ext>
-    </p:extLst>
-  </p:cSld>
-  <p:clrMapOvr>
-    <a:masterClrMapping/>
-  </p:clrMapOvr>
-  <p:timing>
-    <p:tnLst>
-      <p:par>
-        <p:cTn id="1" dur="indefinite" restart="never" nodeType="tmRoot"/>
-      </p:par>
-    </p:tnLst>
-  </p:timing>
-</p:sld>
-</file>
-
-<file path=ppt/slides/slide9.xml><?xml version="1.0" encoding="utf-8"?>
-<p:sld xmlns:a="http://schemas.openxmlformats.org/drawingml/2006/main" xmlns:r="http://schemas.openxmlformats.org/officeDocument/2006/relationships" xmlns:p="http://schemas.openxmlformats.org/presentationml/2006/main">
-  <p:cSld>
-    <p:spTree>
-      <p:nvGrpSpPr>
-        <p:cNvPr id="1" name=""/>
-        <p:cNvGrpSpPr/>
-        <p:nvPr/>
-      </p:nvGrpSpPr>
-      <p:grpSpPr>
-        <a:xfrm>
-          <a:off x="0" y="0"/>
-          <a:ext cx="0" cy="0"/>
-          <a:chOff x="0" y="0"/>
-          <a:chExt cx="0" cy="0"/>
-        </a:xfrm>
-      </p:grpSpPr>
-      <p:sp>
-        <p:nvSpPr>
-          <p:cNvPr id="2" name="Title 1">
-            <a:extLst>
-              <a:ext uri="{FF2B5EF4-FFF2-40B4-BE49-F238E27FC236}">
-                <a16:creationId xmlns:a16="http://schemas.microsoft.com/office/drawing/2014/main" xmlns="" id="{D97765D5-3401-4A9A-A22D-1A26A1C1D8FC}"/>
-              </a:ext>
-            </a:extLst>
-          </p:cNvPr>
-          <p:cNvSpPr>
-            <a:spLocks noGrp="1"/>
-          </p:cNvSpPr>
-          <p:nvPr>
-            <p:ph type="title"/>
-          </p:nvPr>
-        </p:nvSpPr>
-        <p:spPr>
-          <a:xfrm>
-            <a:off x="349624" y="238540"/>
-            <a:ext cx="10697787" cy="855154"/>
-          </a:xfrm>
-        </p:spPr>
-        <p:txBody>
-          <a:bodyPr>
-            <a:normAutofit fontScale="90000"/>
-          </a:bodyPr>
-          <a:lstStyle/>
-          <a:p>
-            <a:r>
-              <a:rPr lang="en-US" b="1" dirty="0">
-                <a:effectLst/>
-              </a:rPr>
-              <a:t>Code Repository</a:t>
-            </a:r>
-            <a:br>
-              <a:rPr lang="en-US" b="1" dirty="0">
-                <a:effectLst/>
-              </a:rPr>
-            </a:br>
-            <a:endParaRPr lang="en-US" dirty="0"/>
-          </a:p>
-        </p:txBody>
-      </p:sp>
-      <p:pic>
-        <p:nvPicPr>
-          <p:cNvPr id="9" name="Picture 8">
-            <a:extLst>
-              <a:ext uri="{FF2B5EF4-FFF2-40B4-BE49-F238E27FC236}">
-                <a16:creationId xmlns:a16="http://schemas.microsoft.com/office/drawing/2014/main" xmlns="" id="{87C2624D-6B5C-40ED-A15A-6A1AFF8534F5}"/>
-              </a:ext>
-            </a:extLst>
-          </p:cNvPr>
-          <p:cNvPicPr>
-            <a:picLocks noChangeAspect="1"/>
-          </p:cNvPicPr>
-          <p:nvPr/>
-        </p:nvPicPr>
-        <p:blipFill>
-          <a:blip r:embed="rId2"/>
-          <a:stretch>
-            <a:fillRect/>
-          </a:stretch>
-        </p:blipFill>
-        <p:spPr>
-          <a:xfrm>
-            <a:off x="839753" y="2599765"/>
-            <a:ext cx="10608907" cy="3935505"/>
-          </a:xfrm>
-          <a:prstGeom prst="rect">
-            <a:avLst/>
-          </a:prstGeom>
-        </p:spPr>
-      </p:pic>
-      <p:sp>
-        <p:nvSpPr>
-          <p:cNvPr id="6" name="TextBox 5"/>
-          <p:cNvSpPr txBox="1"/>
-          <p:nvPr/>
-        </p:nvSpPr>
-        <p:spPr>
-          <a:xfrm>
-            <a:off x="1004047" y="1102659"/>
-            <a:ext cx="6580094" cy="1631216"/>
-          </a:xfrm>
-          <a:prstGeom prst="rect">
-            <a:avLst/>
-          </a:prstGeom>
-          <a:noFill/>
-        </p:spPr>
-        <p:txBody>
-          <a:bodyPr wrap="square" rtlCol="0">
-            <a:spAutoFit/>
-          </a:bodyPr>
-          <a:lstStyle/>
-          <a:p>
-            <a:r>
-              <a:rPr lang="en-IE" sz="2000" dirty="0">
-                <a:latin typeface="Courier New" panose="02070309020205020404" pitchFamily="49" charset="0"/>
-                <a:cs typeface="Courier New" panose="02070309020205020404" pitchFamily="49" charset="0"/>
-              </a:rPr>
-              <a:t>GitHub</a:t>
-            </a:r>
-          </a:p>
-          <a:p>
-            <a:r>
-              <a:rPr lang="en-IE" sz="2000" dirty="0">
-                <a:hlinkClick r:id="rId3"/>
-              </a:rPr>
-              <a:t>https://github.com/rlennon/CrowSoft</a:t>
-            </a:r>
-            <a:endParaRPr lang="en-IE" sz="2000" dirty="0"/>
-          </a:p>
-          <a:p>
-            <a:endParaRPr lang="en-IE" sz="2000" dirty="0">
-              <a:latin typeface="Courier New" panose="02070309020205020404" pitchFamily="49" charset="0"/>
-              <a:cs typeface="Courier New" panose="02070309020205020404" pitchFamily="49" charset="0"/>
-            </a:endParaRPr>
-          </a:p>
-          <a:p>
-            <a:endParaRPr lang="en-IE" sz="2000" dirty="0">
-              <a:latin typeface="Courier New" panose="02070309020205020404" pitchFamily="49" charset="0"/>
-              <a:cs typeface="Courier New" panose="02070309020205020404" pitchFamily="49" charset="0"/>
-            </a:endParaRPr>
-          </a:p>
-          <a:p>
-            <a:endParaRPr lang="en-IE" sz="2000" dirty="0">
-              <a:latin typeface="Courier New" panose="02070309020205020404" pitchFamily="49" charset="0"/>
-              <a:cs typeface="Courier New" panose="02070309020205020404" pitchFamily="49" charset="0"/>
-            </a:endParaRPr>
-          </a:p>
-        </p:txBody>
-      </p:sp>
-    </p:spTree>
-    <p:extLst>
-      <p:ext uri="{BB962C8B-B14F-4D97-AF65-F5344CB8AC3E}">
-        <p14:creationId xmlns:p14="http://schemas.microsoft.com/office/powerpoint/2010/main" val="3705463633"/>
       </p:ext>
     </p:extLst>
   </p:cSld>
@@ -13417,7 +11825,7 @@
   <a:extraClrSchemeLst/>
   <a:extLst>
     <a:ext uri="{05A4C25C-085E-4340-85A3-A5531E510DB2}">
-      <thm15:themeFamily xmlns:thm15="http://schemas.microsoft.com/office/thememl/2012/main" xmlns="" name="Mesh" id="{789EC3FE-34FD-429C-9918-760025E6C145}" vid="{B8BE45C0-8141-4D58-8C71-A009BC26FBBB}"/>
+      <thm15:themeFamily xmlns="" xmlns:thm15="http://schemas.microsoft.com/office/thememl/2012/main" name="Mesh" id="{789EC3FE-34FD-429C-9918-760025E6C145}" vid="{B8BE45C0-8141-4D58-8C71-A009BC26FBBB}"/>
     </a:ext>
   </a:extLst>
 </a:theme>
